--- a/notes/rxjava/RxJava简介.pptx
+++ b/notes/rxjava/RxJava简介.pptx
@@ -7,10 +7,10 @@
     <p:sldMasterId id="2147483674" r:id="rId3"/>
   </p:sldMasterIdLst>
   <p:notesMasterIdLst>
-    <p:notesMasterId r:id="rId38"/>
+    <p:notesMasterId r:id="rId42"/>
   </p:notesMasterIdLst>
   <p:handoutMasterIdLst>
-    <p:handoutMasterId r:id="rId39"/>
+    <p:handoutMasterId r:id="rId43"/>
   </p:handoutMasterIdLst>
   <p:sldIdLst>
     <p:sldId id="420" r:id="rId4"/>
@@ -46,7 +46,11 @@
     <p:sldId id="467" r:id="rId34"/>
     <p:sldId id="466" r:id="rId35"/>
     <p:sldId id="474" r:id="rId36"/>
-    <p:sldId id="426" r:id="rId37"/>
+    <p:sldId id="494" r:id="rId37"/>
+    <p:sldId id="495" r:id="rId38"/>
+    <p:sldId id="496" r:id="rId39"/>
+    <p:sldId id="497" r:id="rId40"/>
+    <p:sldId id="426" r:id="rId41"/>
   </p:sldIdLst>
   <p:sldSz cx="9144000" cy="6858000" type="screen4x3"/>
   <p:notesSz cx="6858000" cy="9144000"/>
@@ -12681,11 +12685,7 @@
           <a:p>
             <a:r>
               <a:rPr lang="zh-CN" altLang="en-US" sz="2800" dirty="0" smtClean="0"/>
-              <a:t>定义</a:t>
-            </a:r>
-            <a:r>
-              <a:rPr lang="zh-CN" altLang="en-US" sz="2800" dirty="0" smtClean="0"/>
-              <a:t>了</a:t>
+              <a:t>定义了</a:t>
             </a:r>
             <a:r>
               <a:rPr lang="en-US" altLang="zh-CN" sz="2800" dirty="0" smtClean="0">
@@ -14033,11 +14033,7 @@
             </a:r>
             <a:r>
               <a:rPr lang="zh-CN" altLang="en-US" dirty="0" smtClean="0"/>
-              <a:t>从头</a:t>
-            </a:r>
-            <a:r>
-              <a:rPr lang="zh-CN" altLang="en-US" dirty="0" smtClean="0"/>
-              <a:t>创建，</a:t>
+              <a:t>从头创建，</a:t>
             </a:r>
             <a:r>
               <a:rPr lang="zh-CN" altLang="en-US" dirty="0" smtClean="0">
@@ -14196,7 +14192,19 @@
             </a:r>
             <a:r>
               <a:rPr lang="zh-CN" altLang="en-US" dirty="0"/>
-              <a:t>技术产生背景</a:t>
+              <a:t>技术产生</a:t>
+            </a:r>
+            <a:r>
+              <a:rPr lang="zh-CN" altLang="en-US" dirty="0" smtClean="0"/>
+              <a:t>背景</a:t>
+            </a:r>
+            <a:r>
+              <a:rPr lang="en-US" altLang="zh-CN" dirty="0" smtClean="0"/>
+              <a:t>/</a:t>
+            </a:r>
+            <a:r>
+              <a:rPr lang="zh-CN" altLang="en-US" smtClean="0"/>
+              <a:t>响应式编程</a:t>
             </a:r>
             <a:endParaRPr lang="en-US" altLang="zh-CN" dirty="0"/>
           </a:p>
@@ -16238,13 +16246,13 @@
             <p:ph idx="1"/>
             <p:extLst>
               <p:ext uri="{D42A27DB-BD31-4B8C-83A1-F6EECF244321}">
-                <p14:modId xmlns:p14="http://schemas.microsoft.com/office/powerpoint/2010/main" val="3651306274"/>
+                <p14:modId xmlns:p14="http://schemas.microsoft.com/office/powerpoint/2010/main" val="1918586277"/>
               </p:ext>
             </p:extLst>
           </p:nvPr>
         </p:nvGraphicFramePr>
         <p:xfrm>
-          <a:off x="29118" y="3789040"/>
+          <a:off x="448233" y="4869160"/>
           <a:ext cx="8229600" cy="1188720"/>
         </p:xfrm>
         <a:graphic>
@@ -16432,7 +16440,7 @@
         </p:nvSpPr>
         <p:spPr bwMode="auto">
           <a:xfrm>
-            <a:off x="0" y="208136"/>
+            <a:off x="4680" y="1052736"/>
             <a:ext cx="9144000" cy="3108543"/>
           </a:xfrm>
           <a:prstGeom prst="rect">
@@ -18526,6 +18534,20 @@
               </a:rPr>
             </a:br>
             <a:r>
+              <a:rPr kumimoji="0" lang="en-US" altLang="zh-CN" sz="2000" b="0" i="0" u="none" strike="noStrike" cap="none" normalizeH="0" baseline="0" dirty="0" smtClean="0">
+                <a:ln>
+                  <a:noFill/>
+                </a:ln>
+                <a:solidFill>
+                  <a:srgbClr val="000066"/>
+                </a:solidFill>
+                <a:effectLst/>
+                <a:latin typeface="宋体" panose="02010600030101010101" pitchFamily="2" charset="-122"/>
+                <a:ea typeface="宋体" panose="02010600030101010101" pitchFamily="2" charset="-122"/>
+              </a:rPr>
+              <a:t>            </a:t>
+            </a:r>
+            <a:r>
               <a:rPr kumimoji="0" lang="zh-CN" altLang="zh-CN" sz="2000" b="0" i="0" u="none" strike="noStrike" cap="none" normalizeH="0" baseline="0" dirty="0" smtClean="0">
                 <a:ln>
                   <a:noFill/>
@@ -18537,7 +18559,21 @@
                 <a:latin typeface="宋体" panose="02010600030101010101" pitchFamily="2" charset="-122"/>
                 <a:ea typeface="宋体" panose="02010600030101010101" pitchFamily="2" charset="-122"/>
               </a:rPr>
-              <a:t>//subscribe to the stream of Observables</a:t>
+              <a:t>//</a:t>
+            </a:r>
+            <a:r>
+              <a:rPr kumimoji="0" lang="zh-CN" altLang="zh-CN" sz="2000" b="0" i="0" u="none" strike="noStrike" cap="none" normalizeH="0" baseline="0" dirty="0" smtClean="0">
+                <a:ln>
+                  <a:noFill/>
+                </a:ln>
+                <a:solidFill>
+                  <a:srgbClr val="3F7F5F"/>
+                </a:solidFill>
+                <a:effectLst/>
+                <a:latin typeface="宋体" panose="02010600030101010101" pitchFamily="2" charset="-122"/>
+                <a:ea typeface="宋体" panose="02010600030101010101" pitchFamily="2" charset="-122"/>
+              </a:rPr>
+              <a:t>subscribe to the stream of Observables</a:t>
             </a:r>
             <a:br>
               <a:rPr kumimoji="0" lang="zh-CN" altLang="zh-CN" sz="2000" b="0" i="0" u="none" strike="noStrike" cap="none" normalizeH="0" baseline="0" dirty="0" smtClean="0">
@@ -19122,8 +19158,8 @@
         </p:nvSpPr>
         <p:spPr bwMode="auto">
           <a:xfrm>
-            <a:off x="179512" y="1862827"/>
-            <a:ext cx="8722767" cy="3108543"/>
+            <a:off x="179512" y="1431940"/>
+            <a:ext cx="8722767" cy="3970318"/>
           </a:xfrm>
           <a:prstGeom prst="rect">
             <a:avLst/>
@@ -19165,6 +19201,81 @@
             <a:spAutoFit/>
           </a:bodyPr>
           <a:lstStyle/>
+          <a:p>
+            <a:pPr marL="0" marR="0" lvl="0" indent="0" algn="l" defTabSz="914400" rtl="0" eaLnBrk="0" fontAlgn="base" latinLnBrk="0" hangingPunct="0">
+              <a:lnSpc>
+                <a:spcPct val="100000"/>
+              </a:lnSpc>
+              <a:spcBef>
+                <a:spcPct val="0"/>
+              </a:spcBef>
+              <a:spcAft>
+                <a:spcPct val="0"/>
+              </a:spcAft>
+              <a:buClrTx/>
+              <a:buSzTx/>
+              <a:buFontTx/>
+              <a:buNone/>
+              <a:tabLst/>
+            </a:pPr>
+            <a:r>
+              <a:rPr lang="zh-CN" altLang="en-US" sz="2800" b="1" dirty="0" smtClean="0">
+                <a:latin typeface="宋体" panose="02010600030101010101" pitchFamily="2" charset="-122"/>
+                <a:ea typeface="宋体" panose="02010600030101010101" pitchFamily="2" charset="-122"/>
+              </a:rPr>
+              <a:t>如果能用</a:t>
+            </a:r>
+            <a:r>
+              <a:rPr lang="en-US" altLang="zh-CN" sz="2800" b="1" dirty="0" smtClean="0">
+                <a:latin typeface="宋体" panose="02010600030101010101" pitchFamily="2" charset="-122"/>
+                <a:ea typeface="宋体" panose="02010600030101010101" pitchFamily="2" charset="-122"/>
+              </a:rPr>
+              <a:t>lambda</a:t>
+            </a:r>
+            <a:r>
+              <a:rPr lang="zh-CN" altLang="en-US" sz="2800" b="1" dirty="0" smtClean="0">
+                <a:latin typeface="宋体" panose="02010600030101010101" pitchFamily="2" charset="-122"/>
+                <a:ea typeface="宋体" panose="02010600030101010101" pitchFamily="2" charset="-122"/>
+              </a:rPr>
+              <a:t>表达式</a:t>
+            </a:r>
+            <a:r>
+              <a:rPr lang="en-US" altLang="zh-CN" sz="2800" b="1" dirty="0" smtClean="0">
+                <a:latin typeface="宋体" panose="02010600030101010101" pitchFamily="2" charset="-122"/>
+                <a:ea typeface="宋体" panose="02010600030101010101" pitchFamily="2" charset="-122"/>
+              </a:rPr>
+              <a:t>:</a:t>
+            </a:r>
+          </a:p>
+          <a:p>
+            <a:pPr marL="0" marR="0" lvl="0" indent="0" algn="l" defTabSz="914400" rtl="0" eaLnBrk="0" fontAlgn="base" latinLnBrk="0" hangingPunct="0">
+              <a:lnSpc>
+                <a:spcPct val="100000"/>
+              </a:lnSpc>
+              <a:spcBef>
+                <a:spcPct val="0"/>
+              </a:spcBef>
+              <a:spcAft>
+                <a:spcPct val="0"/>
+              </a:spcAft>
+              <a:buClrTx/>
+              <a:buSzTx/>
+              <a:buFontTx/>
+              <a:buNone/>
+              <a:tabLst/>
+            </a:pPr>
+            <a:endParaRPr kumimoji="0" lang="en-US" altLang="zh-CN" sz="2800" b="1" i="0" u="none" strike="noStrike" cap="none" normalizeH="0" baseline="0" dirty="0" smtClean="0">
+              <a:ln>
+                <a:noFill/>
+              </a:ln>
+              <a:solidFill>
+                <a:srgbClr val="3E7EFF"/>
+              </a:solidFill>
+              <a:effectLst/>
+              <a:latin typeface="宋体" panose="02010600030101010101" pitchFamily="2" charset="-122"/>
+              <a:ea typeface="宋体" panose="02010600030101010101" pitchFamily="2" charset="-122"/>
+            </a:endParaRPr>
+          </a:p>
           <a:p>
             <a:pPr marL="0" marR="0" lvl="0" indent="0" algn="l" defTabSz="914400" rtl="0" eaLnBrk="0" fontAlgn="base" latinLnBrk="0" hangingPunct="0">
               <a:lnSpc>
@@ -21539,11 +21650,7 @@
           <a:p>
             <a:r>
               <a:rPr lang="zh-CN" altLang="en-US" sz="4000" dirty="0" smtClean="0"/>
-              <a:t>遇到</a:t>
-            </a:r>
-            <a:r>
-              <a:rPr lang="zh-CN" altLang="en-US" sz="4000" dirty="0" smtClean="0"/>
-              <a:t>什么</a:t>
+              <a:t>遇到什么</a:t>
             </a:r>
             <a:r>
               <a:rPr lang="zh-CN" altLang="en-US" sz="4000" dirty="0"/>
@@ -22344,10 +22451,4934 @@
   <p:transition>
     <p:wipe dir="d"/>
   </p:transition>
+  <p:timing>
+    <p:tnLst>
+      <p:par>
+        <p:cTn id="1" dur="indefinite" restart="never" nodeType="tmRoot"/>
+      </p:par>
+    </p:tnLst>
+  </p:timing>
 </p:sld>
 </file>
 
 <file path=ppt/slides/slide34.xml><?xml version="1.0" encoding="utf-8"?>
+<p:sld xmlns:a="http://schemas.openxmlformats.org/drawingml/2006/main" xmlns:r="http://schemas.openxmlformats.org/officeDocument/2006/relationships" xmlns:p="http://schemas.openxmlformats.org/presentationml/2006/main">
+  <p:cSld>
+    <p:spTree>
+      <p:nvGrpSpPr>
+        <p:cNvPr id="1" name=""/>
+        <p:cNvGrpSpPr/>
+        <p:nvPr/>
+      </p:nvGrpSpPr>
+      <p:grpSpPr>
+        <a:xfrm>
+          <a:off x="0" y="0"/>
+          <a:ext cx="0" cy="0"/>
+          <a:chOff x="0" y="0"/>
+          <a:chExt cx="0" cy="0"/>
+        </a:xfrm>
+      </p:grpSpPr>
+      <p:sp>
+        <p:nvSpPr>
+          <p:cNvPr id="2" name="标题 1"/>
+          <p:cNvSpPr>
+            <a:spLocks noGrp="1"/>
+          </p:cNvSpPr>
+          <p:nvPr>
+            <p:ph type="title"/>
+          </p:nvPr>
+        </p:nvSpPr>
+        <p:spPr/>
+        <p:txBody>
+          <a:bodyPr/>
+          <a:lstStyle/>
+          <a:p>
+            <a:r>
+              <a:rPr lang="en-US" altLang="zh-CN" dirty="0" smtClean="0"/>
+              <a:t>Action0/Action1</a:t>
+            </a:r>
+            <a:endParaRPr lang="zh-CN" altLang="en-US" dirty="0"/>
+          </a:p>
+        </p:txBody>
+      </p:sp>
+      <p:sp>
+        <p:nvSpPr>
+          <p:cNvPr id="4" name="日期占位符 3"/>
+          <p:cNvSpPr>
+            <a:spLocks noGrp="1"/>
+          </p:cNvSpPr>
+          <p:nvPr>
+            <p:ph type="dt" sz="half" idx="10"/>
+          </p:nvPr>
+        </p:nvSpPr>
+        <p:spPr/>
+        <p:txBody>
+          <a:bodyPr/>
+          <a:lstStyle/>
+          <a:p>
+            <a:pPr>
+              <a:defRPr/>
+            </a:pPr>
+            <a:fld id="{37242347-62AB-4623-BF6D-9004E2E16ABE}" type="datetime1">
+              <a:rPr lang="zh-CN" altLang="en-US" smtClean="0"/>
+              <a:t>2016/3/9</a:t>
+            </a:fld>
+            <a:endParaRPr lang="zh-CN" altLang="en-US" sz="1800">
+              <a:solidFill>
+                <a:srgbClr val="000000"/>
+              </a:solidFill>
+              <a:latin typeface="Arial" pitchFamily="34" charset="0"/>
+              <a:ea typeface="宋体"/>
+            </a:endParaRPr>
+          </a:p>
+        </p:txBody>
+      </p:sp>
+      <p:sp>
+        <p:nvSpPr>
+          <p:cNvPr id="6" name="Rectangle 2"/>
+          <p:cNvSpPr>
+            <a:spLocks noGrp="1" noChangeArrowheads="1"/>
+          </p:cNvSpPr>
+          <p:nvPr>
+            <p:ph idx="1"/>
+          </p:nvPr>
+        </p:nvSpPr>
+        <p:spPr bwMode="auto">
+          <a:xfrm>
+            <a:off x="323528" y="1021040"/>
+            <a:ext cx="7992888" cy="5293757"/>
+          </a:xfrm>
+          <a:prstGeom prst="rect">
+            <a:avLst/>
+          </a:prstGeom>
+          <a:solidFill>
+            <a:srgbClr val="FFFFFF"/>
+          </a:solidFill>
+          <a:ln>
+            <a:noFill/>
+          </a:ln>
+          <a:effectLst/>
+          <a:extLst>
+            <a:ext uri="{91240B29-F687-4F45-9708-019B960494DF}">
+              <a14:hiddenLine xmlns:a14="http://schemas.microsoft.com/office/drawing/2010/main" w="9525">
+                <a:solidFill>
+                  <a:schemeClr val="tx1"/>
+                </a:solidFill>
+                <a:miter lim="800000"/>
+                <a:headEnd/>
+                <a:tailEnd/>
+              </a14:hiddenLine>
+            </a:ext>
+            <a:ext uri="{AF507438-7753-43E0-B8FC-AC1667EBCBE1}">
+              <a14:hiddenEffects xmlns:a14="http://schemas.microsoft.com/office/drawing/2010/main">
+                <a:effectLst>
+                  <a:outerShdw dist="35921" dir="2700000" algn="ctr" rotWithShape="0">
+                    <a:schemeClr val="bg2"/>
+                  </a:outerShdw>
+                </a:effectLst>
+              </a14:hiddenEffects>
+            </a:ext>
+          </a:extLst>
+        </p:spPr>
+        <p:txBody>
+          <a:bodyPr vert="horz" wrap="square" lIns="91440" tIns="45720" rIns="91440" bIns="45720" numCol="1" anchor="ctr" anchorCtr="0" compatLnSpc="1">
+            <a:prstTxWarp prst="textNoShape">
+              <a:avLst/>
+            </a:prstTxWarp>
+            <a:spAutoFit/>
+          </a:bodyPr>
+          <a:lstStyle/>
+          <a:p>
+            <a:pPr marL="0" marR="0" lvl="0" indent="0" algn="l" defTabSz="914400" rtl="0" eaLnBrk="0" fontAlgn="base" latinLnBrk="0" hangingPunct="0">
+              <a:lnSpc>
+                <a:spcPct val="100000"/>
+              </a:lnSpc>
+              <a:spcBef>
+                <a:spcPct val="0"/>
+              </a:spcBef>
+              <a:spcAft>
+                <a:spcPct val="0"/>
+              </a:spcAft>
+              <a:buClrTx/>
+              <a:buSzTx/>
+              <a:buFontTx/>
+              <a:buNone/>
+              <a:tabLst/>
+            </a:pPr>
+            <a:endParaRPr kumimoji="0" lang="en-US" altLang="zh-CN" sz="1300" b="1" i="0" u="none" strike="noStrike" cap="none" normalizeH="0" baseline="0" dirty="0" smtClean="0">
+              <a:ln>
+                <a:noFill/>
+              </a:ln>
+              <a:solidFill>
+                <a:srgbClr val="3E7EFF"/>
+              </a:solidFill>
+              <a:effectLst/>
+              <a:latin typeface="宋体" panose="02010600030101010101" pitchFamily="2" charset="-122"/>
+              <a:ea typeface="宋体" panose="02010600030101010101" pitchFamily="2" charset="-122"/>
+            </a:endParaRPr>
+          </a:p>
+          <a:p>
+            <a:pPr marL="0" marR="0" lvl="0" indent="0" algn="l" defTabSz="914400" rtl="0" eaLnBrk="0" fontAlgn="base" latinLnBrk="0" hangingPunct="0">
+              <a:lnSpc>
+                <a:spcPct val="100000"/>
+              </a:lnSpc>
+              <a:spcBef>
+                <a:spcPct val="0"/>
+              </a:spcBef>
+              <a:spcAft>
+                <a:spcPct val="0"/>
+              </a:spcAft>
+              <a:buClrTx/>
+              <a:buSzTx/>
+              <a:buFontTx/>
+              <a:buNone/>
+              <a:tabLst/>
+            </a:pPr>
+            <a:r>
+              <a:rPr kumimoji="0" lang="zh-CN" altLang="zh-CN" sz="1300" b="1" i="0" u="none" strike="noStrike" cap="none" normalizeH="0" baseline="0" dirty="0" smtClean="0">
+                <a:ln>
+                  <a:noFill/>
+                </a:ln>
+                <a:solidFill>
+                  <a:srgbClr val="3E7EFF"/>
+                </a:solidFill>
+                <a:effectLst/>
+                <a:latin typeface="宋体" panose="02010600030101010101" pitchFamily="2" charset="-122"/>
+                <a:ea typeface="宋体" panose="02010600030101010101" pitchFamily="2" charset="-122"/>
+              </a:rPr>
+              <a:t>Action1 </a:t>
+            </a:r>
+            <a:r>
+              <a:rPr kumimoji="0" lang="zh-CN" altLang="zh-CN" sz="1300" b="0" i="0" u="none" strike="noStrike" cap="none" normalizeH="0" baseline="0" dirty="0" smtClean="0">
+                <a:ln>
+                  <a:noFill/>
+                </a:ln>
+                <a:solidFill>
+                  <a:srgbClr val="000000"/>
+                </a:solidFill>
+                <a:effectLst/>
+                <a:latin typeface="宋体" panose="02010600030101010101" pitchFamily="2" charset="-122"/>
+                <a:ea typeface="宋体" panose="02010600030101010101" pitchFamily="2" charset="-122"/>
+              </a:rPr>
+              <a:t>onNextAction </a:t>
+            </a:r>
+            <a:r>
+              <a:rPr kumimoji="0" lang="zh-CN" altLang="zh-CN" sz="1300" b="0" i="0" u="none" strike="noStrike" cap="none" normalizeH="0" baseline="0" dirty="0" smtClean="0">
+                <a:ln>
+                  <a:noFill/>
+                </a:ln>
+                <a:solidFill>
+                  <a:srgbClr val="333333"/>
+                </a:solidFill>
+                <a:effectLst/>
+                <a:latin typeface="宋体" panose="02010600030101010101" pitchFamily="2" charset="-122"/>
+                <a:ea typeface="宋体" panose="02010600030101010101" pitchFamily="2" charset="-122"/>
+              </a:rPr>
+              <a:t>= </a:t>
+            </a:r>
+            <a:r>
+              <a:rPr kumimoji="0" lang="zh-CN" altLang="zh-CN" sz="1300" b="1" i="0" u="none" strike="noStrike" cap="none" normalizeH="0" baseline="0" dirty="0" smtClean="0">
+                <a:ln>
+                  <a:noFill/>
+                </a:ln>
+                <a:solidFill>
+                  <a:srgbClr val="7F0055"/>
+                </a:solidFill>
+                <a:effectLst/>
+                <a:latin typeface="宋体" panose="02010600030101010101" pitchFamily="2" charset="-122"/>
+                <a:ea typeface="宋体" panose="02010600030101010101" pitchFamily="2" charset="-122"/>
+              </a:rPr>
+              <a:t>new </a:t>
+            </a:r>
+            <a:r>
+              <a:rPr kumimoji="0" lang="zh-CN" altLang="zh-CN" sz="1300" b="1" i="0" u="none" strike="noStrike" cap="none" normalizeH="0" baseline="0" dirty="0" smtClean="0">
+                <a:ln>
+                  <a:noFill/>
+                </a:ln>
+                <a:solidFill>
+                  <a:srgbClr val="3E7EFF"/>
+                </a:solidFill>
+                <a:effectLst/>
+                <a:latin typeface="宋体" panose="02010600030101010101" pitchFamily="2" charset="-122"/>
+                <a:ea typeface="宋体" panose="02010600030101010101" pitchFamily="2" charset="-122"/>
+              </a:rPr>
+              <a:t>Action1</a:t>
+            </a:r>
+            <a:r>
+              <a:rPr kumimoji="0" lang="zh-CN" altLang="zh-CN" sz="1300" b="0" i="0" u="none" strike="noStrike" cap="none" normalizeH="0" baseline="0" dirty="0" smtClean="0">
+                <a:ln>
+                  <a:noFill/>
+                </a:ln>
+                <a:solidFill>
+                  <a:srgbClr val="000066"/>
+                </a:solidFill>
+                <a:effectLst/>
+                <a:latin typeface="宋体" panose="02010600030101010101" pitchFamily="2" charset="-122"/>
+                <a:ea typeface="宋体" panose="02010600030101010101" pitchFamily="2" charset="-122"/>
+              </a:rPr>
+              <a:t>() {</a:t>
+            </a:r>
+            <a:br>
+              <a:rPr kumimoji="0" lang="zh-CN" altLang="zh-CN" sz="1300" b="0" i="0" u="none" strike="noStrike" cap="none" normalizeH="0" baseline="0" dirty="0" smtClean="0">
+                <a:ln>
+                  <a:noFill/>
+                </a:ln>
+                <a:solidFill>
+                  <a:srgbClr val="000066"/>
+                </a:solidFill>
+                <a:effectLst/>
+                <a:latin typeface="宋体" panose="02010600030101010101" pitchFamily="2" charset="-122"/>
+                <a:ea typeface="宋体" panose="02010600030101010101" pitchFamily="2" charset="-122"/>
+              </a:rPr>
+            </a:br>
+            <a:r>
+              <a:rPr kumimoji="0" lang="zh-CN" altLang="zh-CN" sz="1300" b="0" i="0" u="none" strike="noStrike" cap="none" normalizeH="0" baseline="0" dirty="0" smtClean="0">
+                <a:ln>
+                  <a:noFill/>
+                </a:ln>
+                <a:solidFill>
+                  <a:srgbClr val="000066"/>
+                </a:solidFill>
+                <a:effectLst/>
+                <a:latin typeface="宋体" panose="02010600030101010101" pitchFamily="2" charset="-122"/>
+                <a:ea typeface="宋体" panose="02010600030101010101" pitchFamily="2" charset="-122"/>
+              </a:rPr>
+              <a:t>    </a:t>
+            </a:r>
+            <a:r>
+              <a:rPr kumimoji="0" lang="zh-CN" altLang="zh-CN" sz="1300" b="1" i="0" u="none" strike="noStrike" cap="none" normalizeH="0" baseline="0" dirty="0" smtClean="0">
+                <a:ln>
+                  <a:noFill/>
+                </a:ln>
+                <a:solidFill>
+                  <a:srgbClr val="7F9FBF"/>
+                </a:solidFill>
+                <a:effectLst/>
+                <a:latin typeface="宋体" panose="02010600030101010101" pitchFamily="2" charset="-122"/>
+                <a:ea typeface="宋体" panose="02010600030101010101" pitchFamily="2" charset="-122"/>
+              </a:rPr>
+              <a:t>@Override</a:t>
+            </a:r>
+            <a:br>
+              <a:rPr kumimoji="0" lang="zh-CN" altLang="zh-CN" sz="1300" b="1" i="0" u="none" strike="noStrike" cap="none" normalizeH="0" baseline="0" dirty="0" smtClean="0">
+                <a:ln>
+                  <a:noFill/>
+                </a:ln>
+                <a:solidFill>
+                  <a:srgbClr val="7F9FBF"/>
+                </a:solidFill>
+                <a:effectLst/>
+                <a:latin typeface="宋体" panose="02010600030101010101" pitchFamily="2" charset="-122"/>
+                <a:ea typeface="宋体" panose="02010600030101010101" pitchFamily="2" charset="-122"/>
+              </a:rPr>
+            </a:br>
+            <a:r>
+              <a:rPr kumimoji="0" lang="zh-CN" altLang="zh-CN" sz="1300" b="1" i="0" u="none" strike="noStrike" cap="none" normalizeH="0" baseline="0" dirty="0" smtClean="0">
+                <a:ln>
+                  <a:noFill/>
+                </a:ln>
+                <a:solidFill>
+                  <a:srgbClr val="7F9FBF"/>
+                </a:solidFill>
+                <a:effectLst/>
+                <a:latin typeface="宋体" panose="02010600030101010101" pitchFamily="2" charset="-122"/>
+                <a:ea typeface="宋体" panose="02010600030101010101" pitchFamily="2" charset="-122"/>
+              </a:rPr>
+              <a:t>    </a:t>
+            </a:r>
+            <a:r>
+              <a:rPr kumimoji="0" lang="zh-CN" altLang="zh-CN" sz="1300" b="1" i="0" u="none" strike="noStrike" cap="none" normalizeH="0" baseline="0" dirty="0" smtClean="0">
+                <a:ln>
+                  <a:noFill/>
+                </a:ln>
+                <a:solidFill>
+                  <a:srgbClr val="7F0055"/>
+                </a:solidFill>
+                <a:effectLst/>
+                <a:latin typeface="宋体" panose="02010600030101010101" pitchFamily="2" charset="-122"/>
+                <a:ea typeface="宋体" panose="02010600030101010101" pitchFamily="2" charset="-122"/>
+              </a:rPr>
+              <a:t>public void </a:t>
+            </a:r>
+            <a:r>
+              <a:rPr kumimoji="0" lang="zh-CN" altLang="zh-CN" sz="1300" b="0" i="0" u="none" strike="noStrike" cap="none" normalizeH="0" baseline="0" dirty="0" smtClean="0">
+                <a:ln>
+                  <a:noFill/>
+                </a:ln>
+                <a:solidFill>
+                  <a:srgbClr val="170591"/>
+                </a:solidFill>
+                <a:effectLst/>
+                <a:latin typeface="宋体" panose="02010600030101010101" pitchFamily="2" charset="-122"/>
+                <a:ea typeface="宋体" panose="02010600030101010101" pitchFamily="2" charset="-122"/>
+              </a:rPr>
+              <a:t>call</a:t>
+            </a:r>
+            <a:r>
+              <a:rPr kumimoji="0" lang="zh-CN" altLang="zh-CN" sz="1300" b="0" i="0" u="none" strike="noStrike" cap="none" normalizeH="0" baseline="0" dirty="0" smtClean="0">
+                <a:ln>
+                  <a:noFill/>
+                </a:ln>
+                <a:solidFill>
+                  <a:srgbClr val="000066"/>
+                </a:solidFill>
+                <a:effectLst/>
+                <a:latin typeface="宋体" panose="02010600030101010101" pitchFamily="2" charset="-122"/>
+                <a:ea typeface="宋体" panose="02010600030101010101" pitchFamily="2" charset="-122"/>
+              </a:rPr>
+              <a:t>(</a:t>
+            </a:r>
+            <a:r>
+              <a:rPr kumimoji="0" lang="zh-CN" altLang="zh-CN" sz="1300" b="1" i="0" u="none" strike="noStrike" cap="none" normalizeH="0" baseline="0" dirty="0" smtClean="0">
+                <a:ln>
+                  <a:noFill/>
+                </a:ln>
+                <a:solidFill>
+                  <a:srgbClr val="3E7EFF"/>
+                </a:solidFill>
+                <a:effectLst/>
+                <a:latin typeface="宋体" panose="02010600030101010101" pitchFamily="2" charset="-122"/>
+                <a:ea typeface="宋体" panose="02010600030101010101" pitchFamily="2" charset="-122"/>
+              </a:rPr>
+              <a:t>Object </a:t>
+            </a:r>
+            <a:r>
+              <a:rPr kumimoji="0" lang="zh-CN" altLang="zh-CN" sz="1300" b="0" i="1" u="none" strike="noStrike" cap="none" normalizeH="0" baseline="0" dirty="0" smtClean="0">
+                <a:ln>
+                  <a:noFill/>
+                </a:ln>
+                <a:solidFill>
+                  <a:srgbClr val="000066"/>
+                </a:solidFill>
+                <a:effectLst/>
+                <a:latin typeface="宋体" panose="02010600030101010101" pitchFamily="2" charset="-122"/>
+                <a:ea typeface="宋体" panose="02010600030101010101" pitchFamily="2" charset="-122"/>
+              </a:rPr>
+              <a:t>o</a:t>
+            </a:r>
+            <a:r>
+              <a:rPr kumimoji="0" lang="zh-CN" altLang="zh-CN" sz="1300" b="0" i="0" u="none" strike="noStrike" cap="none" normalizeH="0" baseline="0" dirty="0" smtClean="0">
+                <a:ln>
+                  <a:noFill/>
+                </a:ln>
+                <a:solidFill>
+                  <a:srgbClr val="000066"/>
+                </a:solidFill>
+                <a:effectLst/>
+                <a:latin typeface="宋体" panose="02010600030101010101" pitchFamily="2" charset="-122"/>
+                <a:ea typeface="宋体" panose="02010600030101010101" pitchFamily="2" charset="-122"/>
+              </a:rPr>
+              <a:t>) {</a:t>
+            </a:r>
+            <a:br>
+              <a:rPr kumimoji="0" lang="zh-CN" altLang="zh-CN" sz="1300" b="0" i="0" u="none" strike="noStrike" cap="none" normalizeH="0" baseline="0" dirty="0" smtClean="0">
+                <a:ln>
+                  <a:noFill/>
+                </a:ln>
+                <a:solidFill>
+                  <a:srgbClr val="000066"/>
+                </a:solidFill>
+                <a:effectLst/>
+                <a:latin typeface="宋体" panose="02010600030101010101" pitchFamily="2" charset="-122"/>
+                <a:ea typeface="宋体" panose="02010600030101010101" pitchFamily="2" charset="-122"/>
+              </a:rPr>
+            </a:br>
+            <a:r>
+              <a:rPr kumimoji="0" lang="zh-CN" altLang="zh-CN" sz="1300" b="0" i="0" u="none" strike="noStrike" cap="none" normalizeH="0" baseline="0" dirty="0" smtClean="0">
+                <a:ln>
+                  <a:noFill/>
+                </a:ln>
+                <a:solidFill>
+                  <a:srgbClr val="000066"/>
+                </a:solidFill>
+                <a:effectLst/>
+                <a:latin typeface="宋体" panose="02010600030101010101" pitchFamily="2" charset="-122"/>
+                <a:ea typeface="宋体" panose="02010600030101010101" pitchFamily="2" charset="-122"/>
+              </a:rPr>
+              <a:t>        </a:t>
+            </a:r>
+            <a:r>
+              <a:rPr kumimoji="0" lang="zh-CN" altLang="zh-CN" sz="1300" b="1" i="0" u="none" strike="noStrike" cap="none" normalizeH="0" baseline="0" dirty="0" smtClean="0">
+                <a:ln>
+                  <a:noFill/>
+                </a:ln>
+                <a:solidFill>
+                  <a:srgbClr val="3E7EFF"/>
+                </a:solidFill>
+                <a:effectLst/>
+                <a:latin typeface="宋体" panose="02010600030101010101" pitchFamily="2" charset="-122"/>
+                <a:ea typeface="宋体" panose="02010600030101010101" pitchFamily="2" charset="-122"/>
+              </a:rPr>
+              <a:t>System</a:t>
+            </a:r>
+            <a:r>
+              <a:rPr kumimoji="0" lang="zh-CN" altLang="zh-CN" sz="1300" b="0" i="0" u="none" strike="noStrike" cap="none" normalizeH="0" baseline="0" dirty="0" smtClean="0">
+                <a:ln>
+                  <a:noFill/>
+                </a:ln>
+                <a:solidFill>
+                  <a:srgbClr val="333333"/>
+                </a:solidFill>
+                <a:effectLst/>
+                <a:latin typeface="宋体" panose="02010600030101010101" pitchFamily="2" charset="-122"/>
+                <a:ea typeface="宋体" panose="02010600030101010101" pitchFamily="2" charset="-122"/>
+              </a:rPr>
+              <a:t>.</a:t>
+            </a:r>
+            <a:r>
+              <a:rPr kumimoji="0" lang="zh-CN" altLang="zh-CN" sz="1300" b="1" i="0" u="none" strike="noStrike" cap="none" normalizeH="0" baseline="0" dirty="0" smtClean="0">
+                <a:ln>
+                  <a:noFill/>
+                </a:ln>
+                <a:solidFill>
+                  <a:srgbClr val="05314D"/>
+                </a:solidFill>
+                <a:effectLst/>
+                <a:latin typeface="宋体" panose="02010600030101010101" pitchFamily="2" charset="-122"/>
+                <a:ea typeface="宋体" panose="02010600030101010101" pitchFamily="2" charset="-122"/>
+              </a:rPr>
+              <a:t>out</a:t>
+            </a:r>
+            <a:r>
+              <a:rPr kumimoji="0" lang="zh-CN" altLang="zh-CN" sz="1300" b="0" i="0" u="none" strike="noStrike" cap="none" normalizeH="0" baseline="0" dirty="0" smtClean="0">
+                <a:ln>
+                  <a:noFill/>
+                </a:ln>
+                <a:solidFill>
+                  <a:srgbClr val="333333"/>
+                </a:solidFill>
+                <a:effectLst/>
+                <a:latin typeface="宋体" panose="02010600030101010101" pitchFamily="2" charset="-122"/>
+                <a:ea typeface="宋体" panose="02010600030101010101" pitchFamily="2" charset="-122"/>
+              </a:rPr>
+              <a:t>.</a:t>
+            </a:r>
+            <a:r>
+              <a:rPr kumimoji="0" lang="zh-CN" altLang="zh-CN" sz="1300" b="0" i="0" u="none" strike="noStrike" cap="none" normalizeH="0" baseline="0" dirty="0" smtClean="0">
+                <a:ln>
+                  <a:noFill/>
+                </a:ln>
+                <a:solidFill>
+                  <a:srgbClr val="000000"/>
+                </a:solidFill>
+                <a:effectLst/>
+                <a:latin typeface="宋体" panose="02010600030101010101" pitchFamily="2" charset="-122"/>
+                <a:ea typeface="宋体" panose="02010600030101010101" pitchFamily="2" charset="-122"/>
+              </a:rPr>
+              <a:t>println</a:t>
+            </a:r>
+            <a:r>
+              <a:rPr kumimoji="0" lang="zh-CN" altLang="zh-CN" sz="1300" b="0" i="0" u="none" strike="noStrike" cap="none" normalizeH="0" baseline="0" dirty="0" smtClean="0">
+                <a:ln>
+                  <a:noFill/>
+                </a:ln>
+                <a:solidFill>
+                  <a:srgbClr val="000066"/>
+                </a:solidFill>
+                <a:effectLst/>
+                <a:latin typeface="宋体" panose="02010600030101010101" pitchFamily="2" charset="-122"/>
+                <a:ea typeface="宋体" panose="02010600030101010101" pitchFamily="2" charset="-122"/>
+              </a:rPr>
+              <a:t>(</a:t>
+            </a:r>
+            <a:r>
+              <a:rPr kumimoji="0" lang="zh-CN" altLang="zh-CN" sz="1300" b="1" i="0" u="none" strike="noStrike" cap="none" normalizeH="0" baseline="0" dirty="0" smtClean="0">
+                <a:ln>
+                  <a:noFill/>
+                </a:ln>
+                <a:solidFill>
+                  <a:srgbClr val="000000"/>
+                </a:solidFill>
+                <a:effectLst/>
+                <a:latin typeface="宋体" panose="02010600030101010101" pitchFamily="2" charset="-122"/>
+                <a:ea typeface="宋体" panose="02010600030101010101" pitchFamily="2" charset="-122"/>
+              </a:rPr>
+              <a:t>"next:" </a:t>
+            </a:r>
+            <a:r>
+              <a:rPr kumimoji="0" lang="zh-CN" altLang="zh-CN" sz="1300" b="0" i="0" u="none" strike="noStrike" cap="none" normalizeH="0" baseline="0" dirty="0" smtClean="0">
+                <a:ln>
+                  <a:noFill/>
+                </a:ln>
+                <a:solidFill>
+                  <a:srgbClr val="333333"/>
+                </a:solidFill>
+                <a:effectLst/>
+                <a:latin typeface="宋体" panose="02010600030101010101" pitchFamily="2" charset="-122"/>
+                <a:ea typeface="宋体" panose="02010600030101010101" pitchFamily="2" charset="-122"/>
+              </a:rPr>
+              <a:t>+ </a:t>
+            </a:r>
+            <a:r>
+              <a:rPr kumimoji="0" lang="zh-CN" altLang="zh-CN" sz="1300" b="0" i="1" u="none" strike="noStrike" cap="none" normalizeH="0" baseline="0" dirty="0" smtClean="0">
+                <a:ln>
+                  <a:noFill/>
+                </a:ln>
+                <a:solidFill>
+                  <a:srgbClr val="000066"/>
+                </a:solidFill>
+                <a:effectLst/>
+                <a:latin typeface="宋体" panose="02010600030101010101" pitchFamily="2" charset="-122"/>
+                <a:ea typeface="宋体" panose="02010600030101010101" pitchFamily="2" charset="-122"/>
+              </a:rPr>
+              <a:t>o</a:t>
+            </a:r>
+            <a:r>
+              <a:rPr kumimoji="0" lang="zh-CN" altLang="zh-CN" sz="1300" b="0" i="0" u="none" strike="noStrike" cap="none" normalizeH="0" baseline="0" dirty="0" smtClean="0">
+                <a:ln>
+                  <a:noFill/>
+                </a:ln>
+                <a:solidFill>
+                  <a:srgbClr val="333333"/>
+                </a:solidFill>
+                <a:effectLst/>
+                <a:latin typeface="宋体" panose="02010600030101010101" pitchFamily="2" charset="-122"/>
+                <a:ea typeface="宋体" panose="02010600030101010101" pitchFamily="2" charset="-122"/>
+              </a:rPr>
+              <a:t>.</a:t>
+            </a:r>
+            <a:r>
+              <a:rPr kumimoji="0" lang="zh-CN" altLang="zh-CN" sz="1300" b="0" i="0" u="none" strike="noStrike" cap="none" normalizeH="0" baseline="0" dirty="0" smtClean="0">
+                <a:ln>
+                  <a:noFill/>
+                </a:ln>
+                <a:solidFill>
+                  <a:srgbClr val="000000"/>
+                </a:solidFill>
+                <a:effectLst/>
+                <a:latin typeface="宋体" panose="02010600030101010101" pitchFamily="2" charset="-122"/>
+                <a:ea typeface="宋体" panose="02010600030101010101" pitchFamily="2" charset="-122"/>
+              </a:rPr>
+              <a:t>toString</a:t>
+            </a:r>
+            <a:r>
+              <a:rPr kumimoji="0" lang="zh-CN" altLang="zh-CN" sz="1300" b="0" i="0" u="none" strike="noStrike" cap="none" normalizeH="0" baseline="0" dirty="0" smtClean="0">
+                <a:ln>
+                  <a:noFill/>
+                </a:ln>
+                <a:solidFill>
+                  <a:srgbClr val="000066"/>
+                </a:solidFill>
+                <a:effectLst/>
+                <a:latin typeface="宋体" panose="02010600030101010101" pitchFamily="2" charset="-122"/>
+                <a:ea typeface="宋体" panose="02010600030101010101" pitchFamily="2" charset="-122"/>
+              </a:rPr>
+              <a:t>())</a:t>
+            </a:r>
+            <a:r>
+              <a:rPr kumimoji="0" lang="zh-CN" altLang="zh-CN" sz="1300" b="0" i="0" u="none" strike="noStrike" cap="none" normalizeH="0" baseline="0" dirty="0" smtClean="0">
+                <a:ln>
+                  <a:noFill/>
+                </a:ln>
+                <a:solidFill>
+                  <a:srgbClr val="333333"/>
+                </a:solidFill>
+                <a:effectLst/>
+                <a:latin typeface="宋体" panose="02010600030101010101" pitchFamily="2" charset="-122"/>
+                <a:ea typeface="宋体" panose="02010600030101010101" pitchFamily="2" charset="-122"/>
+              </a:rPr>
+              <a:t>;</a:t>
+            </a:r>
+            <a:br>
+              <a:rPr kumimoji="0" lang="zh-CN" altLang="zh-CN" sz="1300" b="0" i="0" u="none" strike="noStrike" cap="none" normalizeH="0" baseline="0" dirty="0" smtClean="0">
+                <a:ln>
+                  <a:noFill/>
+                </a:ln>
+                <a:solidFill>
+                  <a:srgbClr val="333333"/>
+                </a:solidFill>
+                <a:effectLst/>
+                <a:latin typeface="宋体" panose="02010600030101010101" pitchFamily="2" charset="-122"/>
+                <a:ea typeface="宋体" panose="02010600030101010101" pitchFamily="2" charset="-122"/>
+              </a:rPr>
+            </a:br>
+            <a:r>
+              <a:rPr kumimoji="0" lang="zh-CN" altLang="zh-CN" sz="1300" b="0" i="0" u="none" strike="noStrike" cap="none" normalizeH="0" baseline="0" dirty="0" smtClean="0">
+                <a:ln>
+                  <a:noFill/>
+                </a:ln>
+                <a:solidFill>
+                  <a:srgbClr val="333333"/>
+                </a:solidFill>
+                <a:effectLst/>
+                <a:latin typeface="宋体" panose="02010600030101010101" pitchFamily="2" charset="-122"/>
+                <a:ea typeface="宋体" panose="02010600030101010101" pitchFamily="2" charset="-122"/>
+              </a:rPr>
+              <a:t>    </a:t>
+            </a:r>
+            <a:r>
+              <a:rPr kumimoji="0" lang="zh-CN" altLang="zh-CN" sz="1300" b="0" i="0" u="none" strike="noStrike" cap="none" normalizeH="0" baseline="0" dirty="0" smtClean="0">
+                <a:ln>
+                  <a:noFill/>
+                </a:ln>
+                <a:solidFill>
+                  <a:srgbClr val="000066"/>
+                </a:solidFill>
+                <a:effectLst/>
+                <a:latin typeface="宋体" panose="02010600030101010101" pitchFamily="2" charset="-122"/>
+                <a:ea typeface="宋体" panose="02010600030101010101" pitchFamily="2" charset="-122"/>
+              </a:rPr>
+              <a:t>}</a:t>
+            </a:r>
+            <a:br>
+              <a:rPr kumimoji="0" lang="zh-CN" altLang="zh-CN" sz="1300" b="0" i="0" u="none" strike="noStrike" cap="none" normalizeH="0" baseline="0" dirty="0" smtClean="0">
+                <a:ln>
+                  <a:noFill/>
+                </a:ln>
+                <a:solidFill>
+                  <a:srgbClr val="000066"/>
+                </a:solidFill>
+                <a:effectLst/>
+                <a:latin typeface="宋体" panose="02010600030101010101" pitchFamily="2" charset="-122"/>
+                <a:ea typeface="宋体" panose="02010600030101010101" pitchFamily="2" charset="-122"/>
+              </a:rPr>
+            </a:br>
+            <a:r>
+              <a:rPr kumimoji="0" lang="zh-CN" altLang="zh-CN" sz="1300" b="0" i="0" u="none" strike="noStrike" cap="none" normalizeH="0" baseline="0" dirty="0" smtClean="0">
+                <a:ln>
+                  <a:noFill/>
+                </a:ln>
+                <a:solidFill>
+                  <a:srgbClr val="000066"/>
+                </a:solidFill>
+                <a:effectLst/>
+                <a:latin typeface="宋体" panose="02010600030101010101" pitchFamily="2" charset="-122"/>
+                <a:ea typeface="宋体" panose="02010600030101010101" pitchFamily="2" charset="-122"/>
+              </a:rPr>
+              <a:t>}</a:t>
+            </a:r>
+            <a:r>
+              <a:rPr kumimoji="0" lang="zh-CN" altLang="zh-CN" sz="1300" b="0" i="0" u="none" strike="noStrike" cap="none" normalizeH="0" baseline="0" dirty="0" smtClean="0">
+                <a:ln>
+                  <a:noFill/>
+                </a:ln>
+                <a:solidFill>
+                  <a:srgbClr val="333333"/>
+                </a:solidFill>
+                <a:effectLst/>
+                <a:latin typeface="宋体" panose="02010600030101010101" pitchFamily="2" charset="-122"/>
+                <a:ea typeface="宋体" panose="02010600030101010101" pitchFamily="2" charset="-122"/>
+              </a:rPr>
+              <a:t>;</a:t>
+            </a:r>
+            <a:br>
+              <a:rPr kumimoji="0" lang="zh-CN" altLang="zh-CN" sz="1300" b="0" i="0" u="none" strike="noStrike" cap="none" normalizeH="0" baseline="0" dirty="0" smtClean="0">
+                <a:ln>
+                  <a:noFill/>
+                </a:ln>
+                <a:solidFill>
+                  <a:srgbClr val="333333"/>
+                </a:solidFill>
+                <a:effectLst/>
+                <a:latin typeface="宋体" panose="02010600030101010101" pitchFamily="2" charset="-122"/>
+                <a:ea typeface="宋体" panose="02010600030101010101" pitchFamily="2" charset="-122"/>
+              </a:rPr>
+            </a:br>
+            <a:r>
+              <a:rPr kumimoji="0" lang="zh-CN" altLang="zh-CN" sz="1300" b="0" i="0" u="none" strike="noStrike" cap="none" normalizeH="0" baseline="0" dirty="0" smtClean="0">
+                <a:ln>
+                  <a:noFill/>
+                </a:ln>
+                <a:solidFill>
+                  <a:srgbClr val="333333"/>
+                </a:solidFill>
+                <a:effectLst/>
+                <a:latin typeface="宋体" panose="02010600030101010101" pitchFamily="2" charset="-122"/>
+                <a:ea typeface="宋体" panose="02010600030101010101" pitchFamily="2" charset="-122"/>
+              </a:rPr>
+              <a:t/>
+            </a:r>
+            <a:br>
+              <a:rPr kumimoji="0" lang="zh-CN" altLang="zh-CN" sz="1300" b="0" i="0" u="none" strike="noStrike" cap="none" normalizeH="0" baseline="0" dirty="0" smtClean="0">
+                <a:ln>
+                  <a:noFill/>
+                </a:ln>
+                <a:solidFill>
+                  <a:srgbClr val="333333"/>
+                </a:solidFill>
+                <a:effectLst/>
+                <a:latin typeface="宋体" panose="02010600030101010101" pitchFamily="2" charset="-122"/>
+                <a:ea typeface="宋体" panose="02010600030101010101" pitchFamily="2" charset="-122"/>
+              </a:rPr>
+            </a:br>
+            <a:r>
+              <a:rPr kumimoji="0" lang="zh-CN" altLang="zh-CN" sz="1300" b="1" i="0" u="none" strike="noStrike" cap="none" normalizeH="0" baseline="0" dirty="0" smtClean="0">
+                <a:ln>
+                  <a:noFill/>
+                </a:ln>
+                <a:solidFill>
+                  <a:srgbClr val="3E7EFF"/>
+                </a:solidFill>
+                <a:effectLst/>
+                <a:latin typeface="宋体" panose="02010600030101010101" pitchFamily="2" charset="-122"/>
+                <a:ea typeface="宋体" panose="02010600030101010101" pitchFamily="2" charset="-122"/>
+              </a:rPr>
+              <a:t>Action1 </a:t>
+            </a:r>
+            <a:r>
+              <a:rPr kumimoji="0" lang="zh-CN" altLang="zh-CN" sz="1300" b="0" i="0" u="none" strike="noStrike" cap="none" normalizeH="0" baseline="0" dirty="0" smtClean="0">
+                <a:ln>
+                  <a:noFill/>
+                </a:ln>
+                <a:solidFill>
+                  <a:srgbClr val="000000"/>
+                </a:solidFill>
+                <a:effectLst/>
+                <a:latin typeface="宋体" panose="02010600030101010101" pitchFamily="2" charset="-122"/>
+                <a:ea typeface="宋体" panose="02010600030101010101" pitchFamily="2" charset="-122"/>
+              </a:rPr>
+              <a:t>onErrorAction </a:t>
+            </a:r>
+            <a:r>
+              <a:rPr kumimoji="0" lang="zh-CN" altLang="zh-CN" sz="1300" b="0" i="0" u="none" strike="noStrike" cap="none" normalizeH="0" baseline="0" dirty="0" smtClean="0">
+                <a:ln>
+                  <a:noFill/>
+                </a:ln>
+                <a:solidFill>
+                  <a:srgbClr val="333333"/>
+                </a:solidFill>
+                <a:effectLst/>
+                <a:latin typeface="宋体" panose="02010600030101010101" pitchFamily="2" charset="-122"/>
+                <a:ea typeface="宋体" panose="02010600030101010101" pitchFamily="2" charset="-122"/>
+              </a:rPr>
+              <a:t>= </a:t>
+            </a:r>
+            <a:r>
+              <a:rPr kumimoji="0" lang="zh-CN" altLang="zh-CN" sz="1300" b="1" i="0" u="none" strike="noStrike" cap="none" normalizeH="0" baseline="0" dirty="0" smtClean="0">
+                <a:ln>
+                  <a:noFill/>
+                </a:ln>
+                <a:solidFill>
+                  <a:srgbClr val="7F0055"/>
+                </a:solidFill>
+                <a:effectLst/>
+                <a:latin typeface="宋体" panose="02010600030101010101" pitchFamily="2" charset="-122"/>
+                <a:ea typeface="宋体" panose="02010600030101010101" pitchFamily="2" charset="-122"/>
+              </a:rPr>
+              <a:t>new </a:t>
+            </a:r>
+            <a:r>
+              <a:rPr kumimoji="0" lang="zh-CN" altLang="zh-CN" sz="1300" b="1" i="0" u="none" strike="noStrike" cap="none" normalizeH="0" baseline="0" dirty="0" smtClean="0">
+                <a:ln>
+                  <a:noFill/>
+                </a:ln>
+                <a:solidFill>
+                  <a:srgbClr val="3E7EFF"/>
+                </a:solidFill>
+                <a:effectLst/>
+                <a:latin typeface="宋体" panose="02010600030101010101" pitchFamily="2" charset="-122"/>
+                <a:ea typeface="宋体" panose="02010600030101010101" pitchFamily="2" charset="-122"/>
+              </a:rPr>
+              <a:t>Action1</a:t>
+            </a:r>
+            <a:r>
+              <a:rPr kumimoji="0" lang="zh-CN" altLang="zh-CN" sz="1300" b="0" i="0" u="none" strike="noStrike" cap="none" normalizeH="0" baseline="0" dirty="0" smtClean="0">
+                <a:ln>
+                  <a:noFill/>
+                </a:ln>
+                <a:solidFill>
+                  <a:srgbClr val="000066"/>
+                </a:solidFill>
+                <a:effectLst/>
+                <a:latin typeface="宋体" panose="02010600030101010101" pitchFamily="2" charset="-122"/>
+                <a:ea typeface="宋体" panose="02010600030101010101" pitchFamily="2" charset="-122"/>
+              </a:rPr>
+              <a:t>() {</a:t>
+            </a:r>
+            <a:br>
+              <a:rPr kumimoji="0" lang="zh-CN" altLang="zh-CN" sz="1300" b="0" i="0" u="none" strike="noStrike" cap="none" normalizeH="0" baseline="0" dirty="0" smtClean="0">
+                <a:ln>
+                  <a:noFill/>
+                </a:ln>
+                <a:solidFill>
+                  <a:srgbClr val="000066"/>
+                </a:solidFill>
+                <a:effectLst/>
+                <a:latin typeface="宋体" panose="02010600030101010101" pitchFamily="2" charset="-122"/>
+                <a:ea typeface="宋体" panose="02010600030101010101" pitchFamily="2" charset="-122"/>
+              </a:rPr>
+            </a:br>
+            <a:r>
+              <a:rPr kumimoji="0" lang="zh-CN" altLang="zh-CN" sz="1300" b="0" i="0" u="none" strike="noStrike" cap="none" normalizeH="0" baseline="0" dirty="0" smtClean="0">
+                <a:ln>
+                  <a:noFill/>
+                </a:ln>
+                <a:solidFill>
+                  <a:srgbClr val="000066"/>
+                </a:solidFill>
+                <a:effectLst/>
+                <a:latin typeface="宋体" panose="02010600030101010101" pitchFamily="2" charset="-122"/>
+                <a:ea typeface="宋体" panose="02010600030101010101" pitchFamily="2" charset="-122"/>
+              </a:rPr>
+              <a:t>    </a:t>
+            </a:r>
+            <a:r>
+              <a:rPr kumimoji="0" lang="zh-CN" altLang="zh-CN" sz="1300" b="1" i="0" u="none" strike="noStrike" cap="none" normalizeH="0" baseline="0" dirty="0" smtClean="0">
+                <a:ln>
+                  <a:noFill/>
+                </a:ln>
+                <a:solidFill>
+                  <a:srgbClr val="7F9FBF"/>
+                </a:solidFill>
+                <a:effectLst/>
+                <a:latin typeface="宋体" panose="02010600030101010101" pitchFamily="2" charset="-122"/>
+                <a:ea typeface="宋体" panose="02010600030101010101" pitchFamily="2" charset="-122"/>
+              </a:rPr>
+              <a:t>@Override</a:t>
+            </a:r>
+            <a:br>
+              <a:rPr kumimoji="0" lang="zh-CN" altLang="zh-CN" sz="1300" b="1" i="0" u="none" strike="noStrike" cap="none" normalizeH="0" baseline="0" dirty="0" smtClean="0">
+                <a:ln>
+                  <a:noFill/>
+                </a:ln>
+                <a:solidFill>
+                  <a:srgbClr val="7F9FBF"/>
+                </a:solidFill>
+                <a:effectLst/>
+                <a:latin typeface="宋体" panose="02010600030101010101" pitchFamily="2" charset="-122"/>
+                <a:ea typeface="宋体" panose="02010600030101010101" pitchFamily="2" charset="-122"/>
+              </a:rPr>
+            </a:br>
+            <a:r>
+              <a:rPr kumimoji="0" lang="zh-CN" altLang="zh-CN" sz="1300" b="1" i="0" u="none" strike="noStrike" cap="none" normalizeH="0" baseline="0" dirty="0" smtClean="0">
+                <a:ln>
+                  <a:noFill/>
+                </a:ln>
+                <a:solidFill>
+                  <a:srgbClr val="7F9FBF"/>
+                </a:solidFill>
+                <a:effectLst/>
+                <a:latin typeface="宋体" panose="02010600030101010101" pitchFamily="2" charset="-122"/>
+                <a:ea typeface="宋体" panose="02010600030101010101" pitchFamily="2" charset="-122"/>
+              </a:rPr>
+              <a:t>    </a:t>
+            </a:r>
+            <a:r>
+              <a:rPr kumimoji="0" lang="zh-CN" altLang="zh-CN" sz="1300" b="1" i="0" u="none" strike="noStrike" cap="none" normalizeH="0" baseline="0" dirty="0" smtClean="0">
+                <a:ln>
+                  <a:noFill/>
+                </a:ln>
+                <a:solidFill>
+                  <a:srgbClr val="7F0055"/>
+                </a:solidFill>
+                <a:effectLst/>
+                <a:latin typeface="宋体" panose="02010600030101010101" pitchFamily="2" charset="-122"/>
+                <a:ea typeface="宋体" panose="02010600030101010101" pitchFamily="2" charset="-122"/>
+              </a:rPr>
+              <a:t>public void </a:t>
+            </a:r>
+            <a:r>
+              <a:rPr kumimoji="0" lang="zh-CN" altLang="zh-CN" sz="1300" b="0" i="0" u="none" strike="noStrike" cap="none" normalizeH="0" baseline="0" dirty="0" smtClean="0">
+                <a:ln>
+                  <a:noFill/>
+                </a:ln>
+                <a:solidFill>
+                  <a:srgbClr val="170591"/>
+                </a:solidFill>
+                <a:effectLst/>
+                <a:latin typeface="宋体" panose="02010600030101010101" pitchFamily="2" charset="-122"/>
+                <a:ea typeface="宋体" panose="02010600030101010101" pitchFamily="2" charset="-122"/>
+              </a:rPr>
+              <a:t>call</a:t>
+            </a:r>
+            <a:r>
+              <a:rPr kumimoji="0" lang="zh-CN" altLang="zh-CN" sz="1300" b="0" i="0" u="none" strike="noStrike" cap="none" normalizeH="0" baseline="0" dirty="0" smtClean="0">
+                <a:ln>
+                  <a:noFill/>
+                </a:ln>
+                <a:solidFill>
+                  <a:srgbClr val="000066"/>
+                </a:solidFill>
+                <a:effectLst/>
+                <a:latin typeface="宋体" panose="02010600030101010101" pitchFamily="2" charset="-122"/>
+                <a:ea typeface="宋体" panose="02010600030101010101" pitchFamily="2" charset="-122"/>
+              </a:rPr>
+              <a:t>(</a:t>
+            </a:r>
+            <a:r>
+              <a:rPr kumimoji="0" lang="zh-CN" altLang="zh-CN" sz="1300" b="1" i="0" u="none" strike="noStrike" cap="none" normalizeH="0" baseline="0" dirty="0" smtClean="0">
+                <a:ln>
+                  <a:noFill/>
+                </a:ln>
+                <a:solidFill>
+                  <a:srgbClr val="3E7EFF"/>
+                </a:solidFill>
+                <a:effectLst/>
+                <a:latin typeface="宋体" panose="02010600030101010101" pitchFamily="2" charset="-122"/>
+                <a:ea typeface="宋体" panose="02010600030101010101" pitchFamily="2" charset="-122"/>
+              </a:rPr>
+              <a:t>Object </a:t>
+            </a:r>
+            <a:r>
+              <a:rPr kumimoji="0" lang="zh-CN" altLang="zh-CN" sz="1300" b="0" i="1" u="none" strike="noStrike" cap="none" normalizeH="0" baseline="0" dirty="0" smtClean="0">
+                <a:ln>
+                  <a:noFill/>
+                </a:ln>
+                <a:solidFill>
+                  <a:srgbClr val="000066"/>
+                </a:solidFill>
+                <a:effectLst/>
+                <a:latin typeface="宋体" panose="02010600030101010101" pitchFamily="2" charset="-122"/>
+                <a:ea typeface="宋体" panose="02010600030101010101" pitchFamily="2" charset="-122"/>
+              </a:rPr>
+              <a:t>o</a:t>
+            </a:r>
+            <a:r>
+              <a:rPr kumimoji="0" lang="zh-CN" altLang="zh-CN" sz="1300" b="0" i="0" u="none" strike="noStrike" cap="none" normalizeH="0" baseline="0" dirty="0" smtClean="0">
+                <a:ln>
+                  <a:noFill/>
+                </a:ln>
+                <a:solidFill>
+                  <a:srgbClr val="000066"/>
+                </a:solidFill>
+                <a:effectLst/>
+                <a:latin typeface="宋体" panose="02010600030101010101" pitchFamily="2" charset="-122"/>
+                <a:ea typeface="宋体" panose="02010600030101010101" pitchFamily="2" charset="-122"/>
+              </a:rPr>
+              <a:t>) {</a:t>
+            </a:r>
+            <a:br>
+              <a:rPr kumimoji="0" lang="zh-CN" altLang="zh-CN" sz="1300" b="0" i="0" u="none" strike="noStrike" cap="none" normalizeH="0" baseline="0" dirty="0" smtClean="0">
+                <a:ln>
+                  <a:noFill/>
+                </a:ln>
+                <a:solidFill>
+                  <a:srgbClr val="000066"/>
+                </a:solidFill>
+                <a:effectLst/>
+                <a:latin typeface="宋体" panose="02010600030101010101" pitchFamily="2" charset="-122"/>
+                <a:ea typeface="宋体" panose="02010600030101010101" pitchFamily="2" charset="-122"/>
+              </a:rPr>
+            </a:br>
+            <a:r>
+              <a:rPr kumimoji="0" lang="zh-CN" altLang="zh-CN" sz="1300" b="0" i="0" u="none" strike="noStrike" cap="none" normalizeH="0" baseline="0" dirty="0" smtClean="0">
+                <a:ln>
+                  <a:noFill/>
+                </a:ln>
+                <a:solidFill>
+                  <a:srgbClr val="000066"/>
+                </a:solidFill>
+                <a:effectLst/>
+                <a:latin typeface="宋体" panose="02010600030101010101" pitchFamily="2" charset="-122"/>
+                <a:ea typeface="宋体" panose="02010600030101010101" pitchFamily="2" charset="-122"/>
+              </a:rPr>
+              <a:t>        </a:t>
+            </a:r>
+            <a:r>
+              <a:rPr kumimoji="0" lang="zh-CN" altLang="zh-CN" sz="1300" b="1" i="0" u="none" strike="noStrike" cap="none" normalizeH="0" baseline="0" dirty="0" smtClean="0">
+                <a:ln>
+                  <a:noFill/>
+                </a:ln>
+                <a:solidFill>
+                  <a:srgbClr val="3E7EFF"/>
+                </a:solidFill>
+                <a:effectLst/>
+                <a:latin typeface="宋体" panose="02010600030101010101" pitchFamily="2" charset="-122"/>
+                <a:ea typeface="宋体" panose="02010600030101010101" pitchFamily="2" charset="-122"/>
+              </a:rPr>
+              <a:t>System</a:t>
+            </a:r>
+            <a:r>
+              <a:rPr kumimoji="0" lang="zh-CN" altLang="zh-CN" sz="1300" b="0" i="0" u="none" strike="noStrike" cap="none" normalizeH="0" baseline="0" dirty="0" smtClean="0">
+                <a:ln>
+                  <a:noFill/>
+                </a:ln>
+                <a:solidFill>
+                  <a:srgbClr val="333333"/>
+                </a:solidFill>
+                <a:effectLst/>
+                <a:latin typeface="宋体" panose="02010600030101010101" pitchFamily="2" charset="-122"/>
+                <a:ea typeface="宋体" panose="02010600030101010101" pitchFamily="2" charset="-122"/>
+              </a:rPr>
+              <a:t>.</a:t>
+            </a:r>
+            <a:r>
+              <a:rPr kumimoji="0" lang="zh-CN" altLang="zh-CN" sz="1300" b="1" i="0" u="none" strike="noStrike" cap="none" normalizeH="0" baseline="0" dirty="0" smtClean="0">
+                <a:ln>
+                  <a:noFill/>
+                </a:ln>
+                <a:solidFill>
+                  <a:srgbClr val="05314D"/>
+                </a:solidFill>
+                <a:effectLst/>
+                <a:latin typeface="宋体" panose="02010600030101010101" pitchFamily="2" charset="-122"/>
+                <a:ea typeface="宋体" panose="02010600030101010101" pitchFamily="2" charset="-122"/>
+              </a:rPr>
+              <a:t>out</a:t>
+            </a:r>
+            <a:r>
+              <a:rPr kumimoji="0" lang="zh-CN" altLang="zh-CN" sz="1300" b="0" i="0" u="none" strike="noStrike" cap="none" normalizeH="0" baseline="0" dirty="0" smtClean="0">
+                <a:ln>
+                  <a:noFill/>
+                </a:ln>
+                <a:solidFill>
+                  <a:srgbClr val="333333"/>
+                </a:solidFill>
+                <a:effectLst/>
+                <a:latin typeface="宋体" panose="02010600030101010101" pitchFamily="2" charset="-122"/>
+                <a:ea typeface="宋体" panose="02010600030101010101" pitchFamily="2" charset="-122"/>
+              </a:rPr>
+              <a:t>.</a:t>
+            </a:r>
+            <a:r>
+              <a:rPr kumimoji="0" lang="zh-CN" altLang="zh-CN" sz="1300" b="0" i="0" u="none" strike="noStrike" cap="none" normalizeH="0" baseline="0" dirty="0" smtClean="0">
+                <a:ln>
+                  <a:noFill/>
+                </a:ln>
+                <a:solidFill>
+                  <a:srgbClr val="000000"/>
+                </a:solidFill>
+                <a:effectLst/>
+                <a:latin typeface="宋体" panose="02010600030101010101" pitchFamily="2" charset="-122"/>
+                <a:ea typeface="宋体" panose="02010600030101010101" pitchFamily="2" charset="-122"/>
+              </a:rPr>
+              <a:t>println</a:t>
+            </a:r>
+            <a:r>
+              <a:rPr kumimoji="0" lang="zh-CN" altLang="zh-CN" sz="1300" b="0" i="0" u="none" strike="noStrike" cap="none" normalizeH="0" baseline="0" dirty="0" smtClean="0">
+                <a:ln>
+                  <a:noFill/>
+                </a:ln>
+                <a:solidFill>
+                  <a:srgbClr val="000066"/>
+                </a:solidFill>
+                <a:effectLst/>
+                <a:latin typeface="宋体" panose="02010600030101010101" pitchFamily="2" charset="-122"/>
+                <a:ea typeface="宋体" panose="02010600030101010101" pitchFamily="2" charset="-122"/>
+              </a:rPr>
+              <a:t>(</a:t>
+            </a:r>
+            <a:r>
+              <a:rPr kumimoji="0" lang="zh-CN" altLang="zh-CN" sz="1300" b="1" i="0" u="none" strike="noStrike" cap="none" normalizeH="0" baseline="0" dirty="0" smtClean="0">
+                <a:ln>
+                  <a:noFill/>
+                </a:ln>
+                <a:solidFill>
+                  <a:srgbClr val="000000"/>
+                </a:solidFill>
+                <a:effectLst/>
+                <a:latin typeface="宋体" panose="02010600030101010101" pitchFamily="2" charset="-122"/>
+                <a:ea typeface="宋体" panose="02010600030101010101" pitchFamily="2" charset="-122"/>
+              </a:rPr>
+              <a:t>"error:" </a:t>
+            </a:r>
+            <a:r>
+              <a:rPr kumimoji="0" lang="zh-CN" altLang="zh-CN" sz="1300" b="0" i="0" u="none" strike="noStrike" cap="none" normalizeH="0" baseline="0" dirty="0" smtClean="0">
+                <a:ln>
+                  <a:noFill/>
+                </a:ln>
+                <a:solidFill>
+                  <a:srgbClr val="333333"/>
+                </a:solidFill>
+                <a:effectLst/>
+                <a:latin typeface="宋体" panose="02010600030101010101" pitchFamily="2" charset="-122"/>
+                <a:ea typeface="宋体" panose="02010600030101010101" pitchFamily="2" charset="-122"/>
+              </a:rPr>
+              <a:t>+ </a:t>
+            </a:r>
+            <a:r>
+              <a:rPr kumimoji="0" lang="zh-CN" altLang="zh-CN" sz="1300" b="0" i="1" u="none" strike="noStrike" cap="none" normalizeH="0" baseline="0" dirty="0" smtClean="0">
+                <a:ln>
+                  <a:noFill/>
+                </a:ln>
+                <a:solidFill>
+                  <a:srgbClr val="000066"/>
+                </a:solidFill>
+                <a:effectLst/>
+                <a:latin typeface="宋体" panose="02010600030101010101" pitchFamily="2" charset="-122"/>
+                <a:ea typeface="宋体" panose="02010600030101010101" pitchFamily="2" charset="-122"/>
+              </a:rPr>
+              <a:t>o</a:t>
+            </a:r>
+            <a:r>
+              <a:rPr kumimoji="0" lang="zh-CN" altLang="zh-CN" sz="1300" b="0" i="0" u="none" strike="noStrike" cap="none" normalizeH="0" baseline="0" dirty="0" smtClean="0">
+                <a:ln>
+                  <a:noFill/>
+                </a:ln>
+                <a:solidFill>
+                  <a:srgbClr val="333333"/>
+                </a:solidFill>
+                <a:effectLst/>
+                <a:latin typeface="宋体" panose="02010600030101010101" pitchFamily="2" charset="-122"/>
+                <a:ea typeface="宋体" panose="02010600030101010101" pitchFamily="2" charset="-122"/>
+              </a:rPr>
+              <a:t>.</a:t>
+            </a:r>
+            <a:r>
+              <a:rPr kumimoji="0" lang="zh-CN" altLang="zh-CN" sz="1300" b="0" i="0" u="none" strike="noStrike" cap="none" normalizeH="0" baseline="0" dirty="0" smtClean="0">
+                <a:ln>
+                  <a:noFill/>
+                </a:ln>
+                <a:solidFill>
+                  <a:srgbClr val="000000"/>
+                </a:solidFill>
+                <a:effectLst/>
+                <a:latin typeface="宋体" panose="02010600030101010101" pitchFamily="2" charset="-122"/>
+                <a:ea typeface="宋体" panose="02010600030101010101" pitchFamily="2" charset="-122"/>
+              </a:rPr>
+              <a:t>toString</a:t>
+            </a:r>
+            <a:r>
+              <a:rPr kumimoji="0" lang="zh-CN" altLang="zh-CN" sz="1300" b="0" i="0" u="none" strike="noStrike" cap="none" normalizeH="0" baseline="0" dirty="0" smtClean="0">
+                <a:ln>
+                  <a:noFill/>
+                </a:ln>
+                <a:solidFill>
+                  <a:srgbClr val="000066"/>
+                </a:solidFill>
+                <a:effectLst/>
+                <a:latin typeface="宋体" panose="02010600030101010101" pitchFamily="2" charset="-122"/>
+                <a:ea typeface="宋体" panose="02010600030101010101" pitchFamily="2" charset="-122"/>
+              </a:rPr>
+              <a:t>())</a:t>
+            </a:r>
+            <a:r>
+              <a:rPr kumimoji="0" lang="zh-CN" altLang="zh-CN" sz="1300" b="0" i="0" u="none" strike="noStrike" cap="none" normalizeH="0" baseline="0" dirty="0" smtClean="0">
+                <a:ln>
+                  <a:noFill/>
+                </a:ln>
+                <a:solidFill>
+                  <a:srgbClr val="333333"/>
+                </a:solidFill>
+                <a:effectLst/>
+                <a:latin typeface="宋体" panose="02010600030101010101" pitchFamily="2" charset="-122"/>
+                <a:ea typeface="宋体" panose="02010600030101010101" pitchFamily="2" charset="-122"/>
+              </a:rPr>
+              <a:t>;</a:t>
+            </a:r>
+            <a:br>
+              <a:rPr kumimoji="0" lang="zh-CN" altLang="zh-CN" sz="1300" b="0" i="0" u="none" strike="noStrike" cap="none" normalizeH="0" baseline="0" dirty="0" smtClean="0">
+                <a:ln>
+                  <a:noFill/>
+                </a:ln>
+                <a:solidFill>
+                  <a:srgbClr val="333333"/>
+                </a:solidFill>
+                <a:effectLst/>
+                <a:latin typeface="宋体" panose="02010600030101010101" pitchFamily="2" charset="-122"/>
+                <a:ea typeface="宋体" panose="02010600030101010101" pitchFamily="2" charset="-122"/>
+              </a:rPr>
+            </a:br>
+            <a:r>
+              <a:rPr kumimoji="0" lang="zh-CN" altLang="zh-CN" sz="1300" b="0" i="0" u="none" strike="noStrike" cap="none" normalizeH="0" baseline="0" dirty="0" smtClean="0">
+                <a:ln>
+                  <a:noFill/>
+                </a:ln>
+                <a:solidFill>
+                  <a:srgbClr val="333333"/>
+                </a:solidFill>
+                <a:effectLst/>
+                <a:latin typeface="宋体" panose="02010600030101010101" pitchFamily="2" charset="-122"/>
+                <a:ea typeface="宋体" panose="02010600030101010101" pitchFamily="2" charset="-122"/>
+              </a:rPr>
+              <a:t>    </a:t>
+            </a:r>
+            <a:r>
+              <a:rPr kumimoji="0" lang="zh-CN" altLang="zh-CN" sz="1300" b="0" i="0" u="none" strike="noStrike" cap="none" normalizeH="0" baseline="0" dirty="0" smtClean="0">
+                <a:ln>
+                  <a:noFill/>
+                </a:ln>
+                <a:solidFill>
+                  <a:srgbClr val="000066"/>
+                </a:solidFill>
+                <a:effectLst/>
+                <a:latin typeface="宋体" panose="02010600030101010101" pitchFamily="2" charset="-122"/>
+                <a:ea typeface="宋体" panose="02010600030101010101" pitchFamily="2" charset="-122"/>
+              </a:rPr>
+              <a:t>}</a:t>
+            </a:r>
+            <a:br>
+              <a:rPr kumimoji="0" lang="zh-CN" altLang="zh-CN" sz="1300" b="0" i="0" u="none" strike="noStrike" cap="none" normalizeH="0" baseline="0" dirty="0" smtClean="0">
+                <a:ln>
+                  <a:noFill/>
+                </a:ln>
+                <a:solidFill>
+                  <a:srgbClr val="000066"/>
+                </a:solidFill>
+                <a:effectLst/>
+                <a:latin typeface="宋体" panose="02010600030101010101" pitchFamily="2" charset="-122"/>
+                <a:ea typeface="宋体" panose="02010600030101010101" pitchFamily="2" charset="-122"/>
+              </a:rPr>
+            </a:br>
+            <a:r>
+              <a:rPr kumimoji="0" lang="zh-CN" altLang="zh-CN" sz="1300" b="0" i="0" u="none" strike="noStrike" cap="none" normalizeH="0" baseline="0" dirty="0" smtClean="0">
+                <a:ln>
+                  <a:noFill/>
+                </a:ln>
+                <a:solidFill>
+                  <a:srgbClr val="000066"/>
+                </a:solidFill>
+                <a:effectLst/>
+                <a:latin typeface="宋体" panose="02010600030101010101" pitchFamily="2" charset="-122"/>
+                <a:ea typeface="宋体" panose="02010600030101010101" pitchFamily="2" charset="-122"/>
+              </a:rPr>
+              <a:t>}</a:t>
+            </a:r>
+            <a:r>
+              <a:rPr kumimoji="0" lang="zh-CN" altLang="zh-CN" sz="1300" b="0" i="0" u="none" strike="noStrike" cap="none" normalizeH="0" baseline="0" dirty="0" smtClean="0">
+                <a:ln>
+                  <a:noFill/>
+                </a:ln>
+                <a:solidFill>
+                  <a:srgbClr val="333333"/>
+                </a:solidFill>
+                <a:effectLst/>
+                <a:latin typeface="宋体" panose="02010600030101010101" pitchFamily="2" charset="-122"/>
+                <a:ea typeface="宋体" panose="02010600030101010101" pitchFamily="2" charset="-122"/>
+              </a:rPr>
+              <a:t>;</a:t>
+            </a:r>
+            <a:br>
+              <a:rPr kumimoji="0" lang="zh-CN" altLang="zh-CN" sz="1300" b="0" i="0" u="none" strike="noStrike" cap="none" normalizeH="0" baseline="0" dirty="0" smtClean="0">
+                <a:ln>
+                  <a:noFill/>
+                </a:ln>
+                <a:solidFill>
+                  <a:srgbClr val="333333"/>
+                </a:solidFill>
+                <a:effectLst/>
+                <a:latin typeface="宋体" panose="02010600030101010101" pitchFamily="2" charset="-122"/>
+                <a:ea typeface="宋体" panose="02010600030101010101" pitchFamily="2" charset="-122"/>
+              </a:rPr>
+            </a:br>
+            <a:r>
+              <a:rPr kumimoji="0" lang="zh-CN" altLang="zh-CN" sz="1300" b="0" i="0" u="none" strike="noStrike" cap="none" normalizeH="0" baseline="0" dirty="0" smtClean="0">
+                <a:ln>
+                  <a:noFill/>
+                </a:ln>
+                <a:solidFill>
+                  <a:srgbClr val="3F7F5F"/>
+                </a:solidFill>
+                <a:effectLst/>
+                <a:latin typeface="宋体" panose="02010600030101010101" pitchFamily="2" charset="-122"/>
+                <a:ea typeface="宋体" panose="02010600030101010101" pitchFamily="2" charset="-122"/>
+              </a:rPr>
+              <a:t>//</a:t>
+            </a:r>
+            <a:r>
+              <a:rPr kumimoji="0" lang="zh-CN" sz="1300" b="0" i="0" u="none" strike="noStrike" cap="none" normalizeH="0" baseline="0" dirty="0" smtClean="0">
+                <a:ln>
+                  <a:noFill/>
+                </a:ln>
+                <a:solidFill>
+                  <a:srgbClr val="3F7F5F"/>
+                </a:solidFill>
+                <a:effectLst/>
+                <a:latin typeface="宋体" panose="02010600030101010101" pitchFamily="2" charset="-122"/>
+                <a:ea typeface="宋体" panose="02010600030101010101" pitchFamily="2" charset="-122"/>
+              </a:rPr>
+              <a:t>对于无参的回调，则可以用</a:t>
+            </a:r>
+            <a:r>
+              <a:rPr kumimoji="0" lang="zh-CN" altLang="zh-CN" sz="1300" b="0" i="0" u="none" strike="noStrike" cap="none" normalizeH="0" baseline="0" dirty="0" smtClean="0">
+                <a:ln>
+                  <a:noFill/>
+                </a:ln>
+                <a:solidFill>
+                  <a:srgbClr val="3F7F5F"/>
+                </a:solidFill>
+                <a:effectLst/>
+                <a:latin typeface="宋体" panose="02010600030101010101" pitchFamily="2" charset="-122"/>
+                <a:ea typeface="宋体" panose="02010600030101010101" pitchFamily="2" charset="-122"/>
+              </a:rPr>
+              <a:t>Action0</a:t>
+            </a:r>
+            <a:r>
+              <a:rPr kumimoji="0" lang="zh-CN" sz="1300" b="0" i="0" u="none" strike="noStrike" cap="none" normalizeH="0" baseline="0" dirty="0" smtClean="0">
+                <a:ln>
+                  <a:noFill/>
+                </a:ln>
+                <a:solidFill>
+                  <a:srgbClr val="3F7F5F"/>
+                </a:solidFill>
+                <a:effectLst/>
+                <a:latin typeface="宋体" panose="02010600030101010101" pitchFamily="2" charset="-122"/>
+                <a:ea typeface="宋体" panose="02010600030101010101" pitchFamily="2" charset="-122"/>
+              </a:rPr>
+              <a:t>这个接口简单的实现</a:t>
+            </a:r>
+            <a:br>
+              <a:rPr kumimoji="0" lang="zh-CN" sz="1300" b="0" i="0" u="none" strike="noStrike" cap="none" normalizeH="0" baseline="0" dirty="0" smtClean="0">
+                <a:ln>
+                  <a:noFill/>
+                </a:ln>
+                <a:solidFill>
+                  <a:srgbClr val="3F7F5F"/>
+                </a:solidFill>
+                <a:effectLst/>
+                <a:latin typeface="宋体" panose="02010600030101010101" pitchFamily="2" charset="-122"/>
+                <a:ea typeface="宋体" panose="02010600030101010101" pitchFamily="2" charset="-122"/>
+              </a:rPr>
+            </a:br>
+            <a:r>
+              <a:rPr kumimoji="0" lang="zh-CN" altLang="zh-CN" sz="1300" b="1" i="0" u="none" strike="noStrike" cap="none" normalizeH="0" baseline="0" dirty="0" smtClean="0">
+                <a:ln>
+                  <a:noFill/>
+                </a:ln>
+                <a:solidFill>
+                  <a:srgbClr val="3E7EFF"/>
+                </a:solidFill>
+                <a:effectLst/>
+                <a:latin typeface="宋体" panose="02010600030101010101" pitchFamily="2" charset="-122"/>
+                <a:ea typeface="宋体" panose="02010600030101010101" pitchFamily="2" charset="-122"/>
+              </a:rPr>
+              <a:t>Action0 </a:t>
+            </a:r>
+            <a:r>
+              <a:rPr kumimoji="0" lang="zh-CN" altLang="zh-CN" sz="1300" b="0" i="0" u="none" strike="noStrike" cap="none" normalizeH="0" baseline="0" dirty="0" smtClean="0">
+                <a:ln>
+                  <a:noFill/>
+                </a:ln>
+                <a:solidFill>
+                  <a:srgbClr val="000000"/>
+                </a:solidFill>
+                <a:effectLst/>
+                <a:latin typeface="宋体" panose="02010600030101010101" pitchFamily="2" charset="-122"/>
+                <a:ea typeface="宋体" panose="02010600030101010101" pitchFamily="2" charset="-122"/>
+              </a:rPr>
+              <a:t>onCompletedAction </a:t>
+            </a:r>
+            <a:r>
+              <a:rPr kumimoji="0" lang="zh-CN" altLang="zh-CN" sz="1300" b="0" i="0" u="none" strike="noStrike" cap="none" normalizeH="0" baseline="0" dirty="0" smtClean="0">
+                <a:ln>
+                  <a:noFill/>
+                </a:ln>
+                <a:solidFill>
+                  <a:srgbClr val="333333"/>
+                </a:solidFill>
+                <a:effectLst/>
+                <a:latin typeface="宋体" panose="02010600030101010101" pitchFamily="2" charset="-122"/>
+                <a:ea typeface="宋体" panose="02010600030101010101" pitchFamily="2" charset="-122"/>
+              </a:rPr>
+              <a:t>= </a:t>
+            </a:r>
+            <a:r>
+              <a:rPr kumimoji="0" lang="zh-CN" altLang="zh-CN" sz="1300" b="1" i="0" u="none" strike="noStrike" cap="none" normalizeH="0" baseline="0" dirty="0" smtClean="0">
+                <a:ln>
+                  <a:noFill/>
+                </a:ln>
+                <a:solidFill>
+                  <a:srgbClr val="7F0055"/>
+                </a:solidFill>
+                <a:effectLst/>
+                <a:latin typeface="宋体" panose="02010600030101010101" pitchFamily="2" charset="-122"/>
+                <a:ea typeface="宋体" panose="02010600030101010101" pitchFamily="2" charset="-122"/>
+              </a:rPr>
+              <a:t>new </a:t>
+            </a:r>
+            <a:r>
+              <a:rPr kumimoji="0" lang="zh-CN" altLang="zh-CN" sz="1300" b="1" i="0" u="none" strike="noStrike" cap="none" normalizeH="0" baseline="0" dirty="0" smtClean="0">
+                <a:ln>
+                  <a:noFill/>
+                </a:ln>
+                <a:solidFill>
+                  <a:srgbClr val="3E7EFF"/>
+                </a:solidFill>
+                <a:effectLst/>
+                <a:latin typeface="宋体" panose="02010600030101010101" pitchFamily="2" charset="-122"/>
+                <a:ea typeface="宋体" panose="02010600030101010101" pitchFamily="2" charset="-122"/>
+              </a:rPr>
+              <a:t>Action0</a:t>
+            </a:r>
+            <a:r>
+              <a:rPr kumimoji="0" lang="zh-CN" altLang="zh-CN" sz="1300" b="0" i="0" u="none" strike="noStrike" cap="none" normalizeH="0" baseline="0" dirty="0" smtClean="0">
+                <a:ln>
+                  <a:noFill/>
+                </a:ln>
+                <a:solidFill>
+                  <a:srgbClr val="000066"/>
+                </a:solidFill>
+                <a:effectLst/>
+                <a:latin typeface="宋体" panose="02010600030101010101" pitchFamily="2" charset="-122"/>
+                <a:ea typeface="宋体" panose="02010600030101010101" pitchFamily="2" charset="-122"/>
+              </a:rPr>
+              <a:t>() {</a:t>
+            </a:r>
+            <a:br>
+              <a:rPr kumimoji="0" lang="zh-CN" altLang="zh-CN" sz="1300" b="0" i="0" u="none" strike="noStrike" cap="none" normalizeH="0" baseline="0" dirty="0" smtClean="0">
+                <a:ln>
+                  <a:noFill/>
+                </a:ln>
+                <a:solidFill>
+                  <a:srgbClr val="000066"/>
+                </a:solidFill>
+                <a:effectLst/>
+                <a:latin typeface="宋体" panose="02010600030101010101" pitchFamily="2" charset="-122"/>
+                <a:ea typeface="宋体" panose="02010600030101010101" pitchFamily="2" charset="-122"/>
+              </a:rPr>
+            </a:br>
+            <a:r>
+              <a:rPr kumimoji="0" lang="zh-CN" altLang="zh-CN" sz="1300" b="0" i="0" u="none" strike="noStrike" cap="none" normalizeH="0" baseline="0" dirty="0" smtClean="0">
+                <a:ln>
+                  <a:noFill/>
+                </a:ln>
+                <a:solidFill>
+                  <a:srgbClr val="000066"/>
+                </a:solidFill>
+                <a:effectLst/>
+                <a:latin typeface="宋体" panose="02010600030101010101" pitchFamily="2" charset="-122"/>
+                <a:ea typeface="宋体" panose="02010600030101010101" pitchFamily="2" charset="-122"/>
+              </a:rPr>
+              <a:t>    </a:t>
+            </a:r>
+            <a:r>
+              <a:rPr kumimoji="0" lang="zh-CN" altLang="zh-CN" sz="1300" b="1" i="0" u="none" strike="noStrike" cap="none" normalizeH="0" baseline="0" dirty="0" smtClean="0">
+                <a:ln>
+                  <a:noFill/>
+                </a:ln>
+                <a:solidFill>
+                  <a:srgbClr val="7F9FBF"/>
+                </a:solidFill>
+                <a:effectLst/>
+                <a:latin typeface="宋体" panose="02010600030101010101" pitchFamily="2" charset="-122"/>
+                <a:ea typeface="宋体" panose="02010600030101010101" pitchFamily="2" charset="-122"/>
+              </a:rPr>
+              <a:t>@Override</a:t>
+            </a:r>
+            <a:br>
+              <a:rPr kumimoji="0" lang="zh-CN" altLang="zh-CN" sz="1300" b="1" i="0" u="none" strike="noStrike" cap="none" normalizeH="0" baseline="0" dirty="0" smtClean="0">
+                <a:ln>
+                  <a:noFill/>
+                </a:ln>
+                <a:solidFill>
+                  <a:srgbClr val="7F9FBF"/>
+                </a:solidFill>
+                <a:effectLst/>
+                <a:latin typeface="宋体" panose="02010600030101010101" pitchFamily="2" charset="-122"/>
+                <a:ea typeface="宋体" panose="02010600030101010101" pitchFamily="2" charset="-122"/>
+              </a:rPr>
+            </a:br>
+            <a:r>
+              <a:rPr kumimoji="0" lang="zh-CN" altLang="zh-CN" sz="1300" b="1" i="0" u="none" strike="noStrike" cap="none" normalizeH="0" baseline="0" dirty="0" smtClean="0">
+                <a:ln>
+                  <a:noFill/>
+                </a:ln>
+                <a:solidFill>
+                  <a:srgbClr val="7F9FBF"/>
+                </a:solidFill>
+                <a:effectLst/>
+                <a:latin typeface="宋体" panose="02010600030101010101" pitchFamily="2" charset="-122"/>
+                <a:ea typeface="宋体" panose="02010600030101010101" pitchFamily="2" charset="-122"/>
+              </a:rPr>
+              <a:t>    </a:t>
+            </a:r>
+            <a:r>
+              <a:rPr kumimoji="0" lang="zh-CN" altLang="zh-CN" sz="1300" b="1" i="0" u="none" strike="noStrike" cap="none" normalizeH="0" baseline="0" dirty="0" smtClean="0">
+                <a:ln>
+                  <a:noFill/>
+                </a:ln>
+                <a:solidFill>
+                  <a:srgbClr val="7F0055"/>
+                </a:solidFill>
+                <a:effectLst/>
+                <a:latin typeface="宋体" panose="02010600030101010101" pitchFamily="2" charset="-122"/>
+                <a:ea typeface="宋体" panose="02010600030101010101" pitchFamily="2" charset="-122"/>
+              </a:rPr>
+              <a:t>public void </a:t>
+            </a:r>
+            <a:r>
+              <a:rPr kumimoji="0" lang="zh-CN" altLang="zh-CN" sz="1300" b="0" i="0" u="none" strike="noStrike" cap="none" normalizeH="0" baseline="0" dirty="0" smtClean="0">
+                <a:ln>
+                  <a:noFill/>
+                </a:ln>
+                <a:solidFill>
+                  <a:srgbClr val="170591"/>
+                </a:solidFill>
+                <a:effectLst/>
+                <a:latin typeface="宋体" panose="02010600030101010101" pitchFamily="2" charset="-122"/>
+                <a:ea typeface="宋体" panose="02010600030101010101" pitchFamily="2" charset="-122"/>
+              </a:rPr>
+              <a:t>call</a:t>
+            </a:r>
+            <a:r>
+              <a:rPr kumimoji="0" lang="zh-CN" altLang="zh-CN" sz="1300" b="0" i="0" u="none" strike="noStrike" cap="none" normalizeH="0" baseline="0" dirty="0" smtClean="0">
+                <a:ln>
+                  <a:noFill/>
+                </a:ln>
+                <a:solidFill>
+                  <a:srgbClr val="000066"/>
+                </a:solidFill>
+                <a:effectLst/>
+                <a:latin typeface="宋体" panose="02010600030101010101" pitchFamily="2" charset="-122"/>
+                <a:ea typeface="宋体" panose="02010600030101010101" pitchFamily="2" charset="-122"/>
+              </a:rPr>
+              <a:t>() {</a:t>
+            </a:r>
+            <a:br>
+              <a:rPr kumimoji="0" lang="zh-CN" altLang="zh-CN" sz="1300" b="0" i="0" u="none" strike="noStrike" cap="none" normalizeH="0" baseline="0" dirty="0" smtClean="0">
+                <a:ln>
+                  <a:noFill/>
+                </a:ln>
+                <a:solidFill>
+                  <a:srgbClr val="000066"/>
+                </a:solidFill>
+                <a:effectLst/>
+                <a:latin typeface="宋体" panose="02010600030101010101" pitchFamily="2" charset="-122"/>
+                <a:ea typeface="宋体" panose="02010600030101010101" pitchFamily="2" charset="-122"/>
+              </a:rPr>
+            </a:br>
+            <a:r>
+              <a:rPr kumimoji="0" lang="zh-CN" altLang="zh-CN" sz="1300" b="0" i="0" u="none" strike="noStrike" cap="none" normalizeH="0" baseline="0" dirty="0" smtClean="0">
+                <a:ln>
+                  <a:noFill/>
+                </a:ln>
+                <a:solidFill>
+                  <a:srgbClr val="000066"/>
+                </a:solidFill>
+                <a:effectLst/>
+                <a:latin typeface="宋体" panose="02010600030101010101" pitchFamily="2" charset="-122"/>
+                <a:ea typeface="宋体" panose="02010600030101010101" pitchFamily="2" charset="-122"/>
+              </a:rPr>
+              <a:t>        </a:t>
+            </a:r>
+            <a:r>
+              <a:rPr kumimoji="0" lang="zh-CN" altLang="zh-CN" sz="1300" b="1" i="0" u="none" strike="noStrike" cap="none" normalizeH="0" baseline="0" dirty="0" smtClean="0">
+                <a:ln>
+                  <a:noFill/>
+                </a:ln>
+                <a:solidFill>
+                  <a:srgbClr val="3E7EFF"/>
+                </a:solidFill>
+                <a:effectLst/>
+                <a:latin typeface="宋体" panose="02010600030101010101" pitchFamily="2" charset="-122"/>
+                <a:ea typeface="宋体" panose="02010600030101010101" pitchFamily="2" charset="-122"/>
+              </a:rPr>
+              <a:t>System</a:t>
+            </a:r>
+            <a:r>
+              <a:rPr kumimoji="0" lang="zh-CN" altLang="zh-CN" sz="1300" b="0" i="0" u="none" strike="noStrike" cap="none" normalizeH="0" baseline="0" dirty="0" smtClean="0">
+                <a:ln>
+                  <a:noFill/>
+                </a:ln>
+                <a:solidFill>
+                  <a:srgbClr val="333333"/>
+                </a:solidFill>
+                <a:effectLst/>
+                <a:latin typeface="宋体" panose="02010600030101010101" pitchFamily="2" charset="-122"/>
+                <a:ea typeface="宋体" panose="02010600030101010101" pitchFamily="2" charset="-122"/>
+              </a:rPr>
+              <a:t>.</a:t>
+            </a:r>
+            <a:r>
+              <a:rPr kumimoji="0" lang="zh-CN" altLang="zh-CN" sz="1300" b="1" i="0" u="none" strike="noStrike" cap="none" normalizeH="0" baseline="0" dirty="0" smtClean="0">
+                <a:ln>
+                  <a:noFill/>
+                </a:ln>
+                <a:solidFill>
+                  <a:srgbClr val="05314D"/>
+                </a:solidFill>
+                <a:effectLst/>
+                <a:latin typeface="宋体" panose="02010600030101010101" pitchFamily="2" charset="-122"/>
+                <a:ea typeface="宋体" panose="02010600030101010101" pitchFamily="2" charset="-122"/>
+              </a:rPr>
+              <a:t>out</a:t>
+            </a:r>
+            <a:r>
+              <a:rPr kumimoji="0" lang="zh-CN" altLang="zh-CN" sz="1300" b="0" i="0" u="none" strike="noStrike" cap="none" normalizeH="0" baseline="0" dirty="0" smtClean="0">
+                <a:ln>
+                  <a:noFill/>
+                </a:ln>
+                <a:solidFill>
+                  <a:srgbClr val="333333"/>
+                </a:solidFill>
+                <a:effectLst/>
+                <a:latin typeface="宋体" panose="02010600030101010101" pitchFamily="2" charset="-122"/>
+                <a:ea typeface="宋体" panose="02010600030101010101" pitchFamily="2" charset="-122"/>
+              </a:rPr>
+              <a:t>.</a:t>
+            </a:r>
+            <a:r>
+              <a:rPr kumimoji="0" lang="zh-CN" altLang="zh-CN" sz="1300" b="0" i="0" u="none" strike="noStrike" cap="none" normalizeH="0" baseline="0" dirty="0" smtClean="0">
+                <a:ln>
+                  <a:noFill/>
+                </a:ln>
+                <a:solidFill>
+                  <a:srgbClr val="000000"/>
+                </a:solidFill>
+                <a:effectLst/>
+                <a:latin typeface="宋体" panose="02010600030101010101" pitchFamily="2" charset="-122"/>
+                <a:ea typeface="宋体" panose="02010600030101010101" pitchFamily="2" charset="-122"/>
+              </a:rPr>
+              <a:t>println</a:t>
+            </a:r>
+            <a:r>
+              <a:rPr kumimoji="0" lang="zh-CN" altLang="zh-CN" sz="1300" b="0" i="0" u="none" strike="noStrike" cap="none" normalizeH="0" baseline="0" dirty="0" smtClean="0">
+                <a:ln>
+                  <a:noFill/>
+                </a:ln>
+                <a:solidFill>
+                  <a:srgbClr val="000066"/>
+                </a:solidFill>
+                <a:effectLst/>
+                <a:latin typeface="宋体" panose="02010600030101010101" pitchFamily="2" charset="-122"/>
+                <a:ea typeface="宋体" panose="02010600030101010101" pitchFamily="2" charset="-122"/>
+              </a:rPr>
+              <a:t>(</a:t>
+            </a:r>
+            <a:r>
+              <a:rPr kumimoji="0" lang="zh-CN" altLang="zh-CN" sz="1300" b="1" i="0" u="none" strike="noStrike" cap="none" normalizeH="0" baseline="0" dirty="0" smtClean="0">
+                <a:ln>
+                  <a:noFill/>
+                </a:ln>
+                <a:solidFill>
+                  <a:srgbClr val="000000"/>
+                </a:solidFill>
+                <a:effectLst/>
+                <a:latin typeface="宋体" panose="02010600030101010101" pitchFamily="2" charset="-122"/>
+                <a:ea typeface="宋体" panose="02010600030101010101" pitchFamily="2" charset="-122"/>
+              </a:rPr>
+              <a:t>"Complete"</a:t>
+            </a:r>
+            <a:r>
+              <a:rPr kumimoji="0" lang="zh-CN" altLang="zh-CN" sz="1300" b="0" i="0" u="none" strike="noStrike" cap="none" normalizeH="0" baseline="0" dirty="0" smtClean="0">
+                <a:ln>
+                  <a:noFill/>
+                </a:ln>
+                <a:solidFill>
+                  <a:srgbClr val="000066"/>
+                </a:solidFill>
+                <a:effectLst/>
+                <a:latin typeface="宋体" panose="02010600030101010101" pitchFamily="2" charset="-122"/>
+                <a:ea typeface="宋体" panose="02010600030101010101" pitchFamily="2" charset="-122"/>
+              </a:rPr>
+              <a:t>)</a:t>
+            </a:r>
+            <a:r>
+              <a:rPr kumimoji="0" lang="zh-CN" altLang="zh-CN" sz="1300" b="0" i="0" u="none" strike="noStrike" cap="none" normalizeH="0" baseline="0" dirty="0" smtClean="0">
+                <a:ln>
+                  <a:noFill/>
+                </a:ln>
+                <a:solidFill>
+                  <a:srgbClr val="333333"/>
+                </a:solidFill>
+                <a:effectLst/>
+                <a:latin typeface="宋体" panose="02010600030101010101" pitchFamily="2" charset="-122"/>
+                <a:ea typeface="宋体" panose="02010600030101010101" pitchFamily="2" charset="-122"/>
+              </a:rPr>
+              <a:t>;</a:t>
+            </a:r>
+            <a:br>
+              <a:rPr kumimoji="0" lang="zh-CN" altLang="zh-CN" sz="1300" b="0" i="0" u="none" strike="noStrike" cap="none" normalizeH="0" baseline="0" dirty="0" smtClean="0">
+                <a:ln>
+                  <a:noFill/>
+                </a:ln>
+                <a:solidFill>
+                  <a:srgbClr val="333333"/>
+                </a:solidFill>
+                <a:effectLst/>
+                <a:latin typeface="宋体" panose="02010600030101010101" pitchFamily="2" charset="-122"/>
+                <a:ea typeface="宋体" panose="02010600030101010101" pitchFamily="2" charset="-122"/>
+              </a:rPr>
+            </a:br>
+            <a:r>
+              <a:rPr kumimoji="0" lang="zh-CN" altLang="zh-CN" sz="1300" b="0" i="0" u="none" strike="noStrike" cap="none" normalizeH="0" baseline="0" dirty="0" smtClean="0">
+                <a:ln>
+                  <a:noFill/>
+                </a:ln>
+                <a:solidFill>
+                  <a:srgbClr val="333333"/>
+                </a:solidFill>
+                <a:effectLst/>
+                <a:latin typeface="宋体" panose="02010600030101010101" pitchFamily="2" charset="-122"/>
+                <a:ea typeface="宋体" panose="02010600030101010101" pitchFamily="2" charset="-122"/>
+              </a:rPr>
+              <a:t>    </a:t>
+            </a:r>
+            <a:r>
+              <a:rPr kumimoji="0" lang="zh-CN" altLang="zh-CN" sz="1300" b="0" i="0" u="none" strike="noStrike" cap="none" normalizeH="0" baseline="0" dirty="0" smtClean="0">
+                <a:ln>
+                  <a:noFill/>
+                </a:ln>
+                <a:solidFill>
+                  <a:srgbClr val="000066"/>
+                </a:solidFill>
+                <a:effectLst/>
+                <a:latin typeface="宋体" panose="02010600030101010101" pitchFamily="2" charset="-122"/>
+                <a:ea typeface="宋体" panose="02010600030101010101" pitchFamily="2" charset="-122"/>
+              </a:rPr>
+              <a:t>}</a:t>
+            </a:r>
+            <a:br>
+              <a:rPr kumimoji="0" lang="zh-CN" altLang="zh-CN" sz="1300" b="0" i="0" u="none" strike="noStrike" cap="none" normalizeH="0" baseline="0" dirty="0" smtClean="0">
+                <a:ln>
+                  <a:noFill/>
+                </a:ln>
+                <a:solidFill>
+                  <a:srgbClr val="000066"/>
+                </a:solidFill>
+                <a:effectLst/>
+                <a:latin typeface="宋体" panose="02010600030101010101" pitchFamily="2" charset="-122"/>
+                <a:ea typeface="宋体" panose="02010600030101010101" pitchFamily="2" charset="-122"/>
+              </a:rPr>
+            </a:br>
+            <a:r>
+              <a:rPr kumimoji="0" lang="zh-CN" altLang="zh-CN" sz="1300" b="0" i="0" u="none" strike="noStrike" cap="none" normalizeH="0" baseline="0" dirty="0" smtClean="0">
+                <a:ln>
+                  <a:noFill/>
+                </a:ln>
+                <a:solidFill>
+                  <a:srgbClr val="000066"/>
+                </a:solidFill>
+                <a:effectLst/>
+                <a:latin typeface="宋体" panose="02010600030101010101" pitchFamily="2" charset="-122"/>
+                <a:ea typeface="宋体" panose="02010600030101010101" pitchFamily="2" charset="-122"/>
+              </a:rPr>
+              <a:t>}</a:t>
+            </a:r>
+            <a:r>
+              <a:rPr kumimoji="0" lang="zh-CN" altLang="zh-CN" sz="1300" b="0" i="0" u="none" strike="noStrike" cap="none" normalizeH="0" baseline="0" dirty="0" smtClean="0">
+                <a:ln>
+                  <a:noFill/>
+                </a:ln>
+                <a:solidFill>
+                  <a:srgbClr val="333333"/>
+                </a:solidFill>
+                <a:effectLst/>
+                <a:latin typeface="宋体" panose="02010600030101010101" pitchFamily="2" charset="-122"/>
+                <a:ea typeface="宋体" panose="02010600030101010101" pitchFamily="2" charset="-122"/>
+              </a:rPr>
+              <a:t>;</a:t>
+            </a:r>
+            <a:br>
+              <a:rPr kumimoji="0" lang="zh-CN" altLang="zh-CN" sz="1300" b="0" i="0" u="none" strike="noStrike" cap="none" normalizeH="0" baseline="0" dirty="0" smtClean="0">
+                <a:ln>
+                  <a:noFill/>
+                </a:ln>
+                <a:solidFill>
+                  <a:srgbClr val="333333"/>
+                </a:solidFill>
+                <a:effectLst/>
+                <a:latin typeface="宋体" panose="02010600030101010101" pitchFamily="2" charset="-122"/>
+                <a:ea typeface="宋体" panose="02010600030101010101" pitchFamily="2" charset="-122"/>
+              </a:rPr>
+            </a:br>
+            <a:r>
+              <a:rPr kumimoji="0" lang="zh-CN" altLang="zh-CN" sz="1300" b="1" i="0" u="none" strike="noStrike" cap="none" normalizeH="0" baseline="0" dirty="0" smtClean="0">
+                <a:ln>
+                  <a:noFill/>
+                </a:ln>
+                <a:solidFill>
+                  <a:srgbClr val="3E7EFF"/>
+                </a:solidFill>
+                <a:effectLst/>
+                <a:latin typeface="宋体" panose="02010600030101010101" pitchFamily="2" charset="-122"/>
+                <a:ea typeface="宋体" panose="02010600030101010101" pitchFamily="2" charset="-122"/>
+              </a:rPr>
+              <a:t>String</a:t>
+            </a:r>
+            <a:r>
+              <a:rPr kumimoji="0" lang="zh-CN" altLang="zh-CN" sz="1300" b="0" i="0" u="none" strike="noStrike" cap="none" normalizeH="0" baseline="0" dirty="0" smtClean="0">
+                <a:ln>
+                  <a:noFill/>
+                </a:ln>
+                <a:solidFill>
+                  <a:srgbClr val="000066"/>
+                </a:solidFill>
+                <a:effectLst/>
+                <a:latin typeface="宋体" panose="02010600030101010101" pitchFamily="2" charset="-122"/>
+                <a:ea typeface="宋体" panose="02010600030101010101" pitchFamily="2" charset="-122"/>
+              </a:rPr>
+              <a:t>[] </a:t>
+            </a:r>
+            <a:r>
+              <a:rPr kumimoji="0" lang="zh-CN" altLang="zh-CN" sz="1300" b="0" i="0" u="none" strike="noStrike" cap="none" normalizeH="0" baseline="0" dirty="0" smtClean="0">
+                <a:ln>
+                  <a:noFill/>
+                </a:ln>
+                <a:solidFill>
+                  <a:srgbClr val="000000"/>
+                </a:solidFill>
+                <a:effectLst/>
+                <a:latin typeface="宋体" panose="02010600030101010101" pitchFamily="2" charset="-122"/>
+                <a:ea typeface="宋体" panose="02010600030101010101" pitchFamily="2" charset="-122"/>
+              </a:rPr>
+              <a:t>words </a:t>
+            </a:r>
+            <a:r>
+              <a:rPr kumimoji="0" lang="zh-CN" altLang="zh-CN" sz="1300" b="0" i="0" u="none" strike="noStrike" cap="none" normalizeH="0" baseline="0" dirty="0" smtClean="0">
+                <a:ln>
+                  <a:noFill/>
+                </a:ln>
+                <a:solidFill>
+                  <a:srgbClr val="333333"/>
+                </a:solidFill>
+                <a:effectLst/>
+                <a:latin typeface="宋体" panose="02010600030101010101" pitchFamily="2" charset="-122"/>
+                <a:ea typeface="宋体" panose="02010600030101010101" pitchFamily="2" charset="-122"/>
+              </a:rPr>
+              <a:t>= </a:t>
+            </a:r>
+            <a:r>
+              <a:rPr kumimoji="0" lang="zh-CN" altLang="zh-CN" sz="1300" b="0" i="0" u="none" strike="noStrike" cap="none" normalizeH="0" baseline="0" dirty="0" smtClean="0">
+                <a:ln>
+                  <a:noFill/>
+                </a:ln>
+                <a:solidFill>
+                  <a:srgbClr val="000066"/>
+                </a:solidFill>
+                <a:effectLst/>
+                <a:latin typeface="宋体" panose="02010600030101010101" pitchFamily="2" charset="-122"/>
+                <a:ea typeface="宋体" panose="02010600030101010101" pitchFamily="2" charset="-122"/>
+              </a:rPr>
+              <a:t>{</a:t>
+            </a:r>
+            <a:r>
+              <a:rPr kumimoji="0" lang="zh-CN" altLang="zh-CN" sz="1300" b="1" i="0" u="none" strike="noStrike" cap="none" normalizeH="0" baseline="0" dirty="0" smtClean="0">
+                <a:ln>
+                  <a:noFill/>
+                </a:ln>
+                <a:solidFill>
+                  <a:srgbClr val="000000"/>
+                </a:solidFill>
+                <a:effectLst/>
+                <a:latin typeface="宋体" panose="02010600030101010101" pitchFamily="2" charset="-122"/>
+                <a:ea typeface="宋体" panose="02010600030101010101" pitchFamily="2" charset="-122"/>
+              </a:rPr>
+              <a:t>"Hello"</a:t>
+            </a:r>
+            <a:r>
+              <a:rPr kumimoji="0" lang="zh-CN" altLang="zh-CN" sz="1300" b="0" i="0" u="none" strike="noStrike" cap="none" normalizeH="0" baseline="0" dirty="0" smtClean="0">
+                <a:ln>
+                  <a:noFill/>
+                </a:ln>
+                <a:solidFill>
+                  <a:srgbClr val="333333"/>
+                </a:solidFill>
+                <a:effectLst/>
+                <a:latin typeface="宋体" panose="02010600030101010101" pitchFamily="2" charset="-122"/>
+                <a:ea typeface="宋体" panose="02010600030101010101" pitchFamily="2" charset="-122"/>
+              </a:rPr>
+              <a:t>, </a:t>
+            </a:r>
+            <a:r>
+              <a:rPr kumimoji="0" lang="zh-CN" altLang="zh-CN" sz="1300" b="1" i="0" u="none" strike="noStrike" cap="none" normalizeH="0" baseline="0" dirty="0" smtClean="0">
+                <a:ln>
+                  <a:noFill/>
+                </a:ln>
+                <a:solidFill>
+                  <a:srgbClr val="000000"/>
+                </a:solidFill>
+                <a:effectLst/>
+                <a:latin typeface="宋体" panose="02010600030101010101" pitchFamily="2" charset="-122"/>
+                <a:ea typeface="宋体" panose="02010600030101010101" pitchFamily="2" charset="-122"/>
+              </a:rPr>
+              <a:t>"Hi"</a:t>
+            </a:r>
+            <a:r>
+              <a:rPr kumimoji="0" lang="zh-CN" altLang="zh-CN" sz="1300" b="0" i="0" u="none" strike="noStrike" cap="none" normalizeH="0" baseline="0" dirty="0" smtClean="0">
+                <a:ln>
+                  <a:noFill/>
+                </a:ln>
+                <a:solidFill>
+                  <a:srgbClr val="333333"/>
+                </a:solidFill>
+                <a:effectLst/>
+                <a:latin typeface="宋体" panose="02010600030101010101" pitchFamily="2" charset="-122"/>
+                <a:ea typeface="宋体" panose="02010600030101010101" pitchFamily="2" charset="-122"/>
+              </a:rPr>
+              <a:t>, </a:t>
+            </a:r>
+            <a:r>
+              <a:rPr kumimoji="0" lang="zh-CN" altLang="zh-CN" sz="1300" b="1" i="0" u="none" strike="noStrike" cap="none" normalizeH="0" baseline="0" dirty="0" smtClean="0">
+                <a:ln>
+                  <a:noFill/>
+                </a:ln>
+                <a:solidFill>
+                  <a:srgbClr val="000000"/>
+                </a:solidFill>
+                <a:effectLst/>
+                <a:latin typeface="宋体" panose="02010600030101010101" pitchFamily="2" charset="-122"/>
+                <a:ea typeface="宋体" panose="02010600030101010101" pitchFamily="2" charset="-122"/>
+              </a:rPr>
+              <a:t>"Aloha"</a:t>
+            </a:r>
+            <a:r>
+              <a:rPr kumimoji="0" lang="zh-CN" altLang="zh-CN" sz="1300" b="0" i="0" u="none" strike="noStrike" cap="none" normalizeH="0" baseline="0" dirty="0" smtClean="0">
+                <a:ln>
+                  <a:noFill/>
+                </a:ln>
+                <a:solidFill>
+                  <a:srgbClr val="000066"/>
+                </a:solidFill>
+                <a:effectLst/>
+                <a:latin typeface="宋体" panose="02010600030101010101" pitchFamily="2" charset="-122"/>
+                <a:ea typeface="宋体" panose="02010600030101010101" pitchFamily="2" charset="-122"/>
+              </a:rPr>
+              <a:t>}</a:t>
+            </a:r>
+            <a:r>
+              <a:rPr kumimoji="0" lang="zh-CN" altLang="zh-CN" sz="1300" b="0" i="0" u="none" strike="noStrike" cap="none" normalizeH="0" baseline="0" dirty="0" smtClean="0">
+                <a:ln>
+                  <a:noFill/>
+                </a:ln>
+                <a:solidFill>
+                  <a:srgbClr val="333333"/>
+                </a:solidFill>
+                <a:effectLst/>
+                <a:latin typeface="宋体" panose="02010600030101010101" pitchFamily="2" charset="-122"/>
+                <a:ea typeface="宋体" panose="02010600030101010101" pitchFamily="2" charset="-122"/>
+              </a:rPr>
+              <a:t>;</a:t>
+            </a:r>
+            <a:br>
+              <a:rPr kumimoji="0" lang="zh-CN" altLang="zh-CN" sz="1300" b="0" i="0" u="none" strike="noStrike" cap="none" normalizeH="0" baseline="0" dirty="0" smtClean="0">
+                <a:ln>
+                  <a:noFill/>
+                </a:ln>
+                <a:solidFill>
+                  <a:srgbClr val="333333"/>
+                </a:solidFill>
+                <a:effectLst/>
+                <a:latin typeface="宋体" panose="02010600030101010101" pitchFamily="2" charset="-122"/>
+                <a:ea typeface="宋体" panose="02010600030101010101" pitchFamily="2" charset="-122"/>
+              </a:rPr>
+            </a:br>
+            <a:r>
+              <a:rPr kumimoji="0" lang="zh-CN" altLang="zh-CN" sz="1300" b="1" i="0" u="none" strike="noStrike" cap="none" normalizeH="0" baseline="0" dirty="0" smtClean="0">
+                <a:ln>
+                  <a:noFill/>
+                </a:ln>
+                <a:solidFill>
+                  <a:srgbClr val="3E7EFF"/>
+                </a:solidFill>
+                <a:effectLst/>
+                <a:latin typeface="宋体" panose="02010600030101010101" pitchFamily="2" charset="-122"/>
+                <a:ea typeface="宋体" panose="02010600030101010101" pitchFamily="2" charset="-122"/>
+              </a:rPr>
+              <a:t>Observable </a:t>
+            </a:r>
+            <a:r>
+              <a:rPr kumimoji="0" lang="zh-CN" altLang="zh-CN" sz="1300" b="0" i="0" u="none" strike="noStrike" cap="none" normalizeH="0" baseline="0" dirty="0" smtClean="0">
+                <a:ln>
+                  <a:noFill/>
+                </a:ln>
+                <a:solidFill>
+                  <a:srgbClr val="000000"/>
+                </a:solidFill>
+                <a:effectLst/>
+                <a:latin typeface="宋体" panose="02010600030101010101" pitchFamily="2" charset="-122"/>
+                <a:ea typeface="宋体" panose="02010600030101010101" pitchFamily="2" charset="-122"/>
+              </a:rPr>
+              <a:t>observable </a:t>
+            </a:r>
+            <a:r>
+              <a:rPr kumimoji="0" lang="zh-CN" altLang="zh-CN" sz="1300" b="0" i="0" u="none" strike="noStrike" cap="none" normalizeH="0" baseline="0" dirty="0" smtClean="0">
+                <a:ln>
+                  <a:noFill/>
+                </a:ln>
+                <a:solidFill>
+                  <a:srgbClr val="333333"/>
+                </a:solidFill>
+                <a:effectLst/>
+                <a:latin typeface="宋体" panose="02010600030101010101" pitchFamily="2" charset="-122"/>
+                <a:ea typeface="宋体" panose="02010600030101010101" pitchFamily="2" charset="-122"/>
+              </a:rPr>
+              <a:t>= </a:t>
+            </a:r>
+            <a:r>
+              <a:rPr kumimoji="0" lang="zh-CN" altLang="zh-CN" sz="1300" b="1" i="0" u="none" strike="noStrike" cap="none" normalizeH="0" baseline="0" dirty="0" smtClean="0">
+                <a:ln>
+                  <a:noFill/>
+                </a:ln>
+                <a:solidFill>
+                  <a:srgbClr val="3E7EFF"/>
+                </a:solidFill>
+                <a:effectLst/>
+                <a:latin typeface="宋体" panose="02010600030101010101" pitchFamily="2" charset="-122"/>
+                <a:ea typeface="宋体" panose="02010600030101010101" pitchFamily="2" charset="-122"/>
+              </a:rPr>
+              <a:t>Observable</a:t>
+            </a:r>
+            <a:r>
+              <a:rPr kumimoji="0" lang="zh-CN" altLang="zh-CN" sz="1300" b="0" i="0" u="none" strike="noStrike" cap="none" normalizeH="0" baseline="0" dirty="0" smtClean="0">
+                <a:ln>
+                  <a:noFill/>
+                </a:ln>
+                <a:solidFill>
+                  <a:srgbClr val="333333"/>
+                </a:solidFill>
+                <a:effectLst/>
+                <a:latin typeface="宋体" panose="02010600030101010101" pitchFamily="2" charset="-122"/>
+                <a:ea typeface="宋体" panose="02010600030101010101" pitchFamily="2" charset="-122"/>
+              </a:rPr>
+              <a:t>.</a:t>
+            </a:r>
+            <a:r>
+              <a:rPr kumimoji="0" lang="zh-CN" altLang="zh-CN" sz="1300" b="1" i="0" u="none" strike="noStrike" cap="none" normalizeH="0" baseline="0" dirty="0" smtClean="0">
+                <a:ln>
+                  <a:noFill/>
+                </a:ln>
+                <a:solidFill>
+                  <a:srgbClr val="7F9FBF"/>
+                </a:solidFill>
+                <a:effectLst/>
+                <a:latin typeface="宋体" panose="02010600030101010101" pitchFamily="2" charset="-122"/>
+                <a:ea typeface="宋体" panose="02010600030101010101" pitchFamily="2" charset="-122"/>
+              </a:rPr>
+              <a:t>from</a:t>
+            </a:r>
+            <a:r>
+              <a:rPr kumimoji="0" lang="zh-CN" altLang="zh-CN" sz="1300" b="0" i="0" u="none" strike="noStrike" cap="none" normalizeH="0" baseline="0" dirty="0" smtClean="0">
+                <a:ln>
+                  <a:noFill/>
+                </a:ln>
+                <a:solidFill>
+                  <a:srgbClr val="000066"/>
+                </a:solidFill>
+                <a:effectLst/>
+                <a:latin typeface="宋体" panose="02010600030101010101" pitchFamily="2" charset="-122"/>
+                <a:ea typeface="宋体" panose="02010600030101010101" pitchFamily="2" charset="-122"/>
+              </a:rPr>
+              <a:t>(</a:t>
+            </a:r>
+            <a:r>
+              <a:rPr kumimoji="0" lang="zh-CN" altLang="zh-CN" sz="1300" b="0" i="0" u="none" strike="noStrike" cap="none" normalizeH="0" baseline="0" dirty="0" smtClean="0">
+                <a:ln>
+                  <a:noFill/>
+                </a:ln>
+                <a:solidFill>
+                  <a:srgbClr val="000000"/>
+                </a:solidFill>
+                <a:effectLst/>
+                <a:latin typeface="宋体" panose="02010600030101010101" pitchFamily="2" charset="-122"/>
+                <a:ea typeface="宋体" panose="02010600030101010101" pitchFamily="2" charset="-122"/>
+              </a:rPr>
+              <a:t>words</a:t>
+            </a:r>
+            <a:r>
+              <a:rPr kumimoji="0" lang="zh-CN" altLang="zh-CN" sz="1300" b="0" i="0" u="none" strike="noStrike" cap="none" normalizeH="0" baseline="0" dirty="0" smtClean="0">
+                <a:ln>
+                  <a:noFill/>
+                </a:ln>
+                <a:solidFill>
+                  <a:srgbClr val="000066"/>
+                </a:solidFill>
+                <a:effectLst/>
+                <a:latin typeface="宋体" panose="02010600030101010101" pitchFamily="2" charset="-122"/>
+                <a:ea typeface="宋体" panose="02010600030101010101" pitchFamily="2" charset="-122"/>
+              </a:rPr>
+              <a:t>)</a:t>
+            </a:r>
+            <a:r>
+              <a:rPr kumimoji="0" lang="zh-CN" altLang="zh-CN" sz="1300" b="0" i="0" u="none" strike="noStrike" cap="none" normalizeH="0" baseline="0" dirty="0" smtClean="0">
+                <a:ln>
+                  <a:noFill/>
+                </a:ln>
+                <a:solidFill>
+                  <a:srgbClr val="333333"/>
+                </a:solidFill>
+                <a:effectLst/>
+                <a:latin typeface="宋体" panose="02010600030101010101" pitchFamily="2" charset="-122"/>
+                <a:ea typeface="宋体" panose="02010600030101010101" pitchFamily="2" charset="-122"/>
+              </a:rPr>
+              <a:t>;</a:t>
+            </a:r>
+            <a:br>
+              <a:rPr kumimoji="0" lang="zh-CN" altLang="zh-CN" sz="1300" b="0" i="0" u="none" strike="noStrike" cap="none" normalizeH="0" baseline="0" dirty="0" smtClean="0">
+                <a:ln>
+                  <a:noFill/>
+                </a:ln>
+                <a:solidFill>
+                  <a:srgbClr val="333333"/>
+                </a:solidFill>
+                <a:effectLst/>
+                <a:latin typeface="宋体" panose="02010600030101010101" pitchFamily="2" charset="-122"/>
+                <a:ea typeface="宋体" panose="02010600030101010101" pitchFamily="2" charset="-122"/>
+              </a:rPr>
+            </a:br>
+            <a:r>
+              <a:rPr kumimoji="0" lang="zh-CN" altLang="zh-CN" sz="1300" b="0" i="0" u="none" strike="noStrike" cap="none" normalizeH="0" baseline="0" dirty="0" smtClean="0">
+                <a:ln>
+                  <a:noFill/>
+                </a:ln>
+                <a:solidFill>
+                  <a:srgbClr val="000000"/>
+                </a:solidFill>
+                <a:effectLst/>
+                <a:latin typeface="宋体" panose="02010600030101010101" pitchFamily="2" charset="-122"/>
+                <a:ea typeface="宋体" panose="02010600030101010101" pitchFamily="2" charset="-122"/>
+              </a:rPr>
+              <a:t>observable</a:t>
+            </a:r>
+            <a:r>
+              <a:rPr kumimoji="0" lang="zh-CN" altLang="zh-CN" sz="1300" b="0" i="0" u="none" strike="noStrike" cap="none" normalizeH="0" baseline="0" dirty="0" smtClean="0">
+                <a:ln>
+                  <a:noFill/>
+                </a:ln>
+                <a:solidFill>
+                  <a:srgbClr val="333333"/>
+                </a:solidFill>
+                <a:effectLst/>
+                <a:latin typeface="宋体" panose="02010600030101010101" pitchFamily="2" charset="-122"/>
+                <a:ea typeface="宋体" panose="02010600030101010101" pitchFamily="2" charset="-122"/>
+              </a:rPr>
+              <a:t>.</a:t>
+            </a:r>
+            <a:r>
+              <a:rPr kumimoji="0" lang="zh-CN" altLang="zh-CN" sz="1300" b="0" i="0" u="none" strike="noStrike" cap="none" normalizeH="0" baseline="0" dirty="0" smtClean="0">
+                <a:ln>
+                  <a:noFill/>
+                </a:ln>
+                <a:solidFill>
+                  <a:srgbClr val="000000"/>
+                </a:solidFill>
+                <a:effectLst/>
+                <a:latin typeface="宋体" panose="02010600030101010101" pitchFamily="2" charset="-122"/>
+                <a:ea typeface="宋体" panose="02010600030101010101" pitchFamily="2" charset="-122"/>
+              </a:rPr>
+              <a:t>subscribe</a:t>
+            </a:r>
+            <a:r>
+              <a:rPr kumimoji="0" lang="zh-CN" altLang="zh-CN" sz="1300" b="0" i="0" u="none" strike="noStrike" cap="none" normalizeH="0" baseline="0" dirty="0" smtClean="0">
+                <a:ln>
+                  <a:noFill/>
+                </a:ln>
+                <a:solidFill>
+                  <a:srgbClr val="000066"/>
+                </a:solidFill>
+                <a:effectLst/>
+                <a:latin typeface="宋体" panose="02010600030101010101" pitchFamily="2" charset="-122"/>
+                <a:ea typeface="宋体" panose="02010600030101010101" pitchFamily="2" charset="-122"/>
+              </a:rPr>
+              <a:t>(</a:t>
+            </a:r>
+            <a:r>
+              <a:rPr kumimoji="0" lang="zh-CN" altLang="zh-CN" sz="1300" b="0" i="0" u="none" strike="noStrike" cap="none" normalizeH="0" baseline="0" dirty="0" smtClean="0">
+                <a:ln>
+                  <a:noFill/>
+                </a:ln>
+                <a:solidFill>
+                  <a:srgbClr val="000000"/>
+                </a:solidFill>
+                <a:effectLst/>
+                <a:latin typeface="宋体" panose="02010600030101010101" pitchFamily="2" charset="-122"/>
+                <a:ea typeface="宋体" panose="02010600030101010101" pitchFamily="2" charset="-122"/>
+              </a:rPr>
+              <a:t>onNextAction</a:t>
+            </a:r>
+            <a:r>
+              <a:rPr kumimoji="0" lang="zh-CN" altLang="zh-CN" sz="1300" b="0" i="0" u="none" strike="noStrike" cap="none" normalizeH="0" baseline="0" dirty="0" smtClean="0">
+                <a:ln>
+                  <a:noFill/>
+                </a:ln>
+                <a:solidFill>
+                  <a:srgbClr val="000066"/>
+                </a:solidFill>
+                <a:effectLst/>
+                <a:latin typeface="宋体" panose="02010600030101010101" pitchFamily="2" charset="-122"/>
+                <a:ea typeface="宋体" panose="02010600030101010101" pitchFamily="2" charset="-122"/>
+              </a:rPr>
+              <a:t>)</a:t>
+            </a:r>
+            <a:r>
+              <a:rPr kumimoji="0" lang="zh-CN" altLang="zh-CN" sz="1300" b="0" i="0" u="none" strike="noStrike" cap="none" normalizeH="0" baseline="0" dirty="0" smtClean="0">
+                <a:ln>
+                  <a:noFill/>
+                </a:ln>
+                <a:solidFill>
+                  <a:srgbClr val="333333"/>
+                </a:solidFill>
+                <a:effectLst/>
+                <a:latin typeface="宋体" panose="02010600030101010101" pitchFamily="2" charset="-122"/>
+                <a:ea typeface="宋体" panose="02010600030101010101" pitchFamily="2" charset="-122"/>
+              </a:rPr>
+              <a:t>;</a:t>
+            </a:r>
+            <a:br>
+              <a:rPr kumimoji="0" lang="zh-CN" altLang="zh-CN" sz="1300" b="0" i="0" u="none" strike="noStrike" cap="none" normalizeH="0" baseline="0" dirty="0" smtClean="0">
+                <a:ln>
+                  <a:noFill/>
+                </a:ln>
+                <a:solidFill>
+                  <a:srgbClr val="333333"/>
+                </a:solidFill>
+                <a:effectLst/>
+                <a:latin typeface="宋体" panose="02010600030101010101" pitchFamily="2" charset="-122"/>
+                <a:ea typeface="宋体" panose="02010600030101010101" pitchFamily="2" charset="-122"/>
+              </a:rPr>
+            </a:br>
+            <a:r>
+              <a:rPr kumimoji="0" lang="zh-CN" altLang="zh-CN" sz="1300" b="0" i="0" u="none" strike="noStrike" cap="none" normalizeH="0" baseline="0" dirty="0" smtClean="0">
+                <a:ln>
+                  <a:noFill/>
+                </a:ln>
+                <a:solidFill>
+                  <a:srgbClr val="000000"/>
+                </a:solidFill>
+                <a:effectLst/>
+                <a:latin typeface="宋体" panose="02010600030101010101" pitchFamily="2" charset="-122"/>
+                <a:ea typeface="宋体" panose="02010600030101010101" pitchFamily="2" charset="-122"/>
+              </a:rPr>
+              <a:t>observable</a:t>
+            </a:r>
+            <a:r>
+              <a:rPr kumimoji="0" lang="zh-CN" altLang="zh-CN" sz="1300" b="0" i="0" u="none" strike="noStrike" cap="none" normalizeH="0" baseline="0" dirty="0" smtClean="0">
+                <a:ln>
+                  <a:noFill/>
+                </a:ln>
+                <a:solidFill>
+                  <a:srgbClr val="333333"/>
+                </a:solidFill>
+                <a:effectLst/>
+                <a:latin typeface="宋体" panose="02010600030101010101" pitchFamily="2" charset="-122"/>
+                <a:ea typeface="宋体" panose="02010600030101010101" pitchFamily="2" charset="-122"/>
+              </a:rPr>
+              <a:t>.</a:t>
+            </a:r>
+            <a:r>
+              <a:rPr kumimoji="0" lang="zh-CN" altLang="zh-CN" sz="1300" b="0" i="0" u="none" strike="noStrike" cap="none" normalizeH="0" baseline="0" dirty="0" smtClean="0">
+                <a:ln>
+                  <a:noFill/>
+                </a:ln>
+                <a:solidFill>
+                  <a:srgbClr val="000000"/>
+                </a:solidFill>
+                <a:effectLst/>
+                <a:latin typeface="宋体" panose="02010600030101010101" pitchFamily="2" charset="-122"/>
+                <a:ea typeface="宋体" panose="02010600030101010101" pitchFamily="2" charset="-122"/>
+              </a:rPr>
+              <a:t>subscribe</a:t>
+            </a:r>
+            <a:r>
+              <a:rPr kumimoji="0" lang="zh-CN" altLang="zh-CN" sz="1300" b="0" i="0" u="none" strike="noStrike" cap="none" normalizeH="0" baseline="0" dirty="0" smtClean="0">
+                <a:ln>
+                  <a:noFill/>
+                </a:ln>
+                <a:solidFill>
+                  <a:srgbClr val="000066"/>
+                </a:solidFill>
+                <a:effectLst/>
+                <a:latin typeface="宋体" panose="02010600030101010101" pitchFamily="2" charset="-122"/>
+                <a:ea typeface="宋体" panose="02010600030101010101" pitchFamily="2" charset="-122"/>
+              </a:rPr>
+              <a:t>(</a:t>
+            </a:r>
+            <a:r>
+              <a:rPr kumimoji="0" lang="zh-CN" altLang="zh-CN" sz="1300" b="0" i="0" u="none" strike="noStrike" cap="none" normalizeH="0" baseline="0" dirty="0" smtClean="0">
+                <a:ln>
+                  <a:noFill/>
+                </a:ln>
+                <a:solidFill>
+                  <a:srgbClr val="000000"/>
+                </a:solidFill>
+                <a:effectLst/>
+                <a:latin typeface="宋体" panose="02010600030101010101" pitchFamily="2" charset="-122"/>
+                <a:ea typeface="宋体" panose="02010600030101010101" pitchFamily="2" charset="-122"/>
+              </a:rPr>
+              <a:t>onNextAction</a:t>
+            </a:r>
+            <a:r>
+              <a:rPr kumimoji="0" lang="zh-CN" altLang="zh-CN" sz="1300" b="0" i="0" u="none" strike="noStrike" cap="none" normalizeH="0" baseline="0" dirty="0" smtClean="0">
+                <a:ln>
+                  <a:noFill/>
+                </a:ln>
+                <a:solidFill>
+                  <a:srgbClr val="333333"/>
+                </a:solidFill>
+                <a:effectLst/>
+                <a:latin typeface="宋体" panose="02010600030101010101" pitchFamily="2" charset="-122"/>
+                <a:ea typeface="宋体" panose="02010600030101010101" pitchFamily="2" charset="-122"/>
+              </a:rPr>
+              <a:t>, </a:t>
+            </a:r>
+            <a:r>
+              <a:rPr kumimoji="0" lang="zh-CN" altLang="zh-CN" sz="1300" b="0" i="0" u="none" strike="noStrike" cap="none" normalizeH="0" baseline="0" dirty="0" smtClean="0">
+                <a:ln>
+                  <a:noFill/>
+                </a:ln>
+                <a:solidFill>
+                  <a:srgbClr val="000000"/>
+                </a:solidFill>
+                <a:effectLst/>
+                <a:latin typeface="宋体" panose="02010600030101010101" pitchFamily="2" charset="-122"/>
+                <a:ea typeface="宋体" panose="02010600030101010101" pitchFamily="2" charset="-122"/>
+              </a:rPr>
+              <a:t>onErrorAction</a:t>
+            </a:r>
+            <a:r>
+              <a:rPr kumimoji="0" lang="zh-CN" altLang="zh-CN" sz="1300" b="0" i="0" u="none" strike="noStrike" cap="none" normalizeH="0" baseline="0" dirty="0" smtClean="0">
+                <a:ln>
+                  <a:noFill/>
+                </a:ln>
+                <a:solidFill>
+                  <a:srgbClr val="000066"/>
+                </a:solidFill>
+                <a:effectLst/>
+                <a:latin typeface="宋体" panose="02010600030101010101" pitchFamily="2" charset="-122"/>
+                <a:ea typeface="宋体" panose="02010600030101010101" pitchFamily="2" charset="-122"/>
+              </a:rPr>
+              <a:t>)</a:t>
+            </a:r>
+            <a:r>
+              <a:rPr kumimoji="0" lang="zh-CN" altLang="zh-CN" sz="1300" b="0" i="0" u="none" strike="noStrike" cap="none" normalizeH="0" baseline="0" dirty="0" smtClean="0">
+                <a:ln>
+                  <a:noFill/>
+                </a:ln>
+                <a:solidFill>
+                  <a:srgbClr val="333333"/>
+                </a:solidFill>
+                <a:effectLst/>
+                <a:latin typeface="宋体" panose="02010600030101010101" pitchFamily="2" charset="-122"/>
+                <a:ea typeface="宋体" panose="02010600030101010101" pitchFamily="2" charset="-122"/>
+              </a:rPr>
+              <a:t>;</a:t>
+            </a:r>
+            <a:br>
+              <a:rPr kumimoji="0" lang="zh-CN" altLang="zh-CN" sz="1300" b="0" i="0" u="none" strike="noStrike" cap="none" normalizeH="0" baseline="0" dirty="0" smtClean="0">
+                <a:ln>
+                  <a:noFill/>
+                </a:ln>
+                <a:solidFill>
+                  <a:srgbClr val="333333"/>
+                </a:solidFill>
+                <a:effectLst/>
+                <a:latin typeface="宋体" panose="02010600030101010101" pitchFamily="2" charset="-122"/>
+                <a:ea typeface="宋体" panose="02010600030101010101" pitchFamily="2" charset="-122"/>
+              </a:rPr>
+            </a:br>
+            <a:r>
+              <a:rPr kumimoji="0" lang="zh-CN" altLang="zh-CN" sz="1300" b="0" i="0" u="none" strike="noStrike" cap="none" normalizeH="0" baseline="0" dirty="0" smtClean="0">
+                <a:ln>
+                  <a:noFill/>
+                </a:ln>
+                <a:solidFill>
+                  <a:srgbClr val="000000"/>
+                </a:solidFill>
+                <a:effectLst/>
+                <a:latin typeface="宋体" panose="02010600030101010101" pitchFamily="2" charset="-122"/>
+                <a:ea typeface="宋体" panose="02010600030101010101" pitchFamily="2" charset="-122"/>
+              </a:rPr>
+              <a:t>observable</a:t>
+            </a:r>
+            <a:r>
+              <a:rPr kumimoji="0" lang="zh-CN" altLang="zh-CN" sz="1300" b="0" i="0" u="none" strike="noStrike" cap="none" normalizeH="0" baseline="0" dirty="0" smtClean="0">
+                <a:ln>
+                  <a:noFill/>
+                </a:ln>
+                <a:solidFill>
+                  <a:srgbClr val="333333"/>
+                </a:solidFill>
+                <a:effectLst/>
+                <a:latin typeface="宋体" panose="02010600030101010101" pitchFamily="2" charset="-122"/>
+                <a:ea typeface="宋体" panose="02010600030101010101" pitchFamily="2" charset="-122"/>
+              </a:rPr>
+              <a:t>.</a:t>
+            </a:r>
+            <a:r>
+              <a:rPr kumimoji="0" lang="zh-CN" altLang="zh-CN" sz="1300" b="0" i="0" u="none" strike="noStrike" cap="none" normalizeH="0" baseline="0" dirty="0" smtClean="0">
+                <a:ln>
+                  <a:noFill/>
+                </a:ln>
+                <a:solidFill>
+                  <a:srgbClr val="000000"/>
+                </a:solidFill>
+                <a:effectLst/>
+                <a:latin typeface="宋体" panose="02010600030101010101" pitchFamily="2" charset="-122"/>
+                <a:ea typeface="宋体" panose="02010600030101010101" pitchFamily="2" charset="-122"/>
+              </a:rPr>
+              <a:t>subscribe</a:t>
+            </a:r>
+            <a:r>
+              <a:rPr kumimoji="0" lang="zh-CN" altLang="zh-CN" sz="1300" b="0" i="0" u="none" strike="noStrike" cap="none" normalizeH="0" baseline="0" dirty="0" smtClean="0">
+                <a:ln>
+                  <a:noFill/>
+                </a:ln>
+                <a:solidFill>
+                  <a:srgbClr val="000066"/>
+                </a:solidFill>
+                <a:effectLst/>
+                <a:latin typeface="宋体" panose="02010600030101010101" pitchFamily="2" charset="-122"/>
+                <a:ea typeface="宋体" panose="02010600030101010101" pitchFamily="2" charset="-122"/>
+              </a:rPr>
+              <a:t>(</a:t>
+            </a:r>
+            <a:r>
+              <a:rPr kumimoji="0" lang="zh-CN" altLang="zh-CN" sz="1300" b="0" i="0" u="none" strike="noStrike" cap="none" normalizeH="0" baseline="0" dirty="0" smtClean="0">
+                <a:ln>
+                  <a:noFill/>
+                </a:ln>
+                <a:solidFill>
+                  <a:srgbClr val="000000"/>
+                </a:solidFill>
+                <a:effectLst/>
+                <a:latin typeface="宋体" panose="02010600030101010101" pitchFamily="2" charset="-122"/>
+                <a:ea typeface="宋体" panose="02010600030101010101" pitchFamily="2" charset="-122"/>
+              </a:rPr>
+              <a:t>onNextAction</a:t>
+            </a:r>
+            <a:r>
+              <a:rPr kumimoji="0" lang="zh-CN" altLang="zh-CN" sz="1300" b="0" i="0" u="none" strike="noStrike" cap="none" normalizeH="0" baseline="0" dirty="0" smtClean="0">
+                <a:ln>
+                  <a:noFill/>
+                </a:ln>
+                <a:solidFill>
+                  <a:srgbClr val="333333"/>
+                </a:solidFill>
+                <a:effectLst/>
+                <a:latin typeface="宋体" panose="02010600030101010101" pitchFamily="2" charset="-122"/>
+                <a:ea typeface="宋体" panose="02010600030101010101" pitchFamily="2" charset="-122"/>
+              </a:rPr>
+              <a:t>, </a:t>
+            </a:r>
+            <a:r>
+              <a:rPr kumimoji="0" lang="zh-CN" altLang="zh-CN" sz="1300" b="0" i="0" u="none" strike="noStrike" cap="none" normalizeH="0" baseline="0" dirty="0" smtClean="0">
+                <a:ln>
+                  <a:noFill/>
+                </a:ln>
+                <a:solidFill>
+                  <a:srgbClr val="000000"/>
+                </a:solidFill>
+                <a:effectLst/>
+                <a:latin typeface="宋体" panose="02010600030101010101" pitchFamily="2" charset="-122"/>
+                <a:ea typeface="宋体" panose="02010600030101010101" pitchFamily="2" charset="-122"/>
+              </a:rPr>
+              <a:t>onErrorAction</a:t>
+            </a:r>
+            <a:r>
+              <a:rPr kumimoji="0" lang="zh-CN" altLang="zh-CN" sz="1300" b="0" i="0" u="none" strike="noStrike" cap="none" normalizeH="0" baseline="0" dirty="0" smtClean="0">
+                <a:ln>
+                  <a:noFill/>
+                </a:ln>
+                <a:solidFill>
+                  <a:srgbClr val="333333"/>
+                </a:solidFill>
+                <a:effectLst/>
+                <a:latin typeface="宋体" panose="02010600030101010101" pitchFamily="2" charset="-122"/>
+                <a:ea typeface="宋体" panose="02010600030101010101" pitchFamily="2" charset="-122"/>
+              </a:rPr>
+              <a:t>, </a:t>
+            </a:r>
+            <a:r>
+              <a:rPr kumimoji="0" lang="zh-CN" altLang="zh-CN" sz="1300" b="0" i="0" u="none" strike="noStrike" cap="none" normalizeH="0" baseline="0" dirty="0" smtClean="0">
+                <a:ln>
+                  <a:noFill/>
+                </a:ln>
+                <a:solidFill>
+                  <a:srgbClr val="000000"/>
+                </a:solidFill>
+                <a:effectLst/>
+                <a:latin typeface="宋体" panose="02010600030101010101" pitchFamily="2" charset="-122"/>
+                <a:ea typeface="宋体" panose="02010600030101010101" pitchFamily="2" charset="-122"/>
+              </a:rPr>
+              <a:t>onCompletedAction</a:t>
+            </a:r>
+            <a:r>
+              <a:rPr kumimoji="0" lang="zh-CN" altLang="zh-CN" sz="1300" b="0" i="0" u="none" strike="noStrike" cap="none" normalizeH="0" baseline="0" dirty="0" smtClean="0">
+                <a:ln>
+                  <a:noFill/>
+                </a:ln>
+                <a:solidFill>
+                  <a:srgbClr val="000066"/>
+                </a:solidFill>
+                <a:effectLst/>
+                <a:latin typeface="宋体" panose="02010600030101010101" pitchFamily="2" charset="-122"/>
+                <a:ea typeface="宋体" panose="02010600030101010101" pitchFamily="2" charset="-122"/>
+              </a:rPr>
+              <a:t>)</a:t>
+            </a:r>
+            <a:r>
+              <a:rPr kumimoji="0" lang="zh-CN" altLang="zh-CN" sz="1300" b="0" i="0" u="none" strike="noStrike" cap="none" normalizeH="0" baseline="0" dirty="0" smtClean="0">
+                <a:ln>
+                  <a:noFill/>
+                </a:ln>
+                <a:solidFill>
+                  <a:srgbClr val="333333"/>
+                </a:solidFill>
+                <a:effectLst/>
+                <a:latin typeface="宋体" panose="02010600030101010101" pitchFamily="2" charset="-122"/>
+                <a:ea typeface="宋体" panose="02010600030101010101" pitchFamily="2" charset="-122"/>
+              </a:rPr>
+              <a:t>;</a:t>
+            </a:r>
+            <a:endParaRPr kumimoji="0" lang="zh-CN" altLang="zh-CN" sz="1800" b="0" i="0" u="none" strike="noStrike" cap="none" normalizeH="0" baseline="0" dirty="0" smtClean="0">
+              <a:ln>
+                <a:noFill/>
+              </a:ln>
+              <a:solidFill>
+                <a:schemeClr val="tx1"/>
+              </a:solidFill>
+              <a:effectLst/>
+              <a:latin typeface="Arial" panose="020B0604020202020204" pitchFamily="34" charset="0"/>
+            </a:endParaRPr>
+          </a:p>
+        </p:txBody>
+      </p:sp>
+    </p:spTree>
+    <p:extLst>
+      <p:ext uri="{BB962C8B-B14F-4D97-AF65-F5344CB8AC3E}">
+        <p14:creationId xmlns:p14="http://schemas.microsoft.com/office/powerpoint/2010/main" val="3769434220"/>
+      </p:ext>
+    </p:extLst>
+  </p:cSld>
+  <p:clrMapOvr>
+    <a:masterClrMapping/>
+  </p:clrMapOvr>
+  <p:transition>
+    <p:wipe dir="d"/>
+  </p:transition>
+  <p:timing>
+    <p:tnLst>
+      <p:par>
+        <p:cTn id="1" dur="indefinite" restart="never" nodeType="tmRoot"/>
+      </p:par>
+    </p:tnLst>
+  </p:timing>
+</p:sld>
+</file>
+
+<file path=ppt/slides/slide35.xml><?xml version="1.0" encoding="utf-8"?>
+<p:sld xmlns:a="http://schemas.openxmlformats.org/drawingml/2006/main" xmlns:r="http://schemas.openxmlformats.org/officeDocument/2006/relationships" xmlns:p="http://schemas.openxmlformats.org/presentationml/2006/main">
+  <p:cSld>
+    <p:spTree>
+      <p:nvGrpSpPr>
+        <p:cNvPr id="1" name=""/>
+        <p:cNvGrpSpPr/>
+        <p:nvPr/>
+      </p:nvGrpSpPr>
+      <p:grpSpPr>
+        <a:xfrm>
+          <a:off x="0" y="0"/>
+          <a:ext cx="0" cy="0"/>
+          <a:chOff x="0" y="0"/>
+          <a:chExt cx="0" cy="0"/>
+        </a:xfrm>
+      </p:grpSpPr>
+      <p:sp>
+        <p:nvSpPr>
+          <p:cNvPr id="2" name="标题 1"/>
+          <p:cNvSpPr>
+            <a:spLocks noGrp="1"/>
+          </p:cNvSpPr>
+          <p:nvPr>
+            <p:ph type="title"/>
+          </p:nvPr>
+        </p:nvSpPr>
+        <p:spPr>
+          <a:xfrm>
+            <a:off x="446804" y="629816"/>
+            <a:ext cx="8229600" cy="1143000"/>
+          </a:xfrm>
+        </p:spPr>
+        <p:txBody>
+          <a:bodyPr/>
+          <a:lstStyle/>
+          <a:p>
+            <a:r>
+              <a:rPr lang="zh-CN" altLang="en-US" dirty="0"/>
+              <a:t>对于无返回值的</a:t>
+            </a:r>
+            <a:r>
+              <a:rPr lang="zh-CN" altLang="en-US" dirty="0" smtClean="0"/>
+              <a:t>方法</a:t>
+            </a:r>
+            <a:endParaRPr lang="zh-CN" altLang="en-US" dirty="0"/>
+          </a:p>
+        </p:txBody>
+      </p:sp>
+      <p:sp>
+        <p:nvSpPr>
+          <p:cNvPr id="3" name="内容占位符 2"/>
+          <p:cNvSpPr>
+            <a:spLocks noGrp="1"/>
+          </p:cNvSpPr>
+          <p:nvPr>
+            <p:ph idx="1"/>
+          </p:nvPr>
+        </p:nvSpPr>
+        <p:spPr>
+          <a:xfrm>
+            <a:off x="457200" y="1772816"/>
+            <a:ext cx="8229600" cy="3143374"/>
+          </a:xfrm>
+        </p:spPr>
+        <p:txBody>
+          <a:bodyPr/>
+          <a:lstStyle/>
+          <a:p>
+            <a:r>
+              <a:rPr lang="en-US" altLang="zh-CN" dirty="0" smtClean="0"/>
+              <a:t>Action0-&gt;0</a:t>
+            </a:r>
+            <a:r>
+              <a:rPr lang="zh-CN" altLang="en-US" dirty="0" smtClean="0"/>
+              <a:t>个参数</a:t>
+            </a:r>
+            <a:endParaRPr lang="en-US" altLang="zh-CN" dirty="0" smtClean="0"/>
+          </a:p>
+          <a:p>
+            <a:r>
+              <a:rPr lang="en-US" altLang="zh-CN" dirty="0" smtClean="0"/>
+              <a:t>Action1-&gt;1</a:t>
+            </a:r>
+            <a:r>
+              <a:rPr lang="zh-CN" altLang="en-US" dirty="0" smtClean="0"/>
+              <a:t>个参数</a:t>
+            </a:r>
+            <a:endParaRPr lang="en-US" altLang="zh-CN" dirty="0" smtClean="0"/>
+          </a:p>
+        </p:txBody>
+      </p:sp>
+      <p:sp>
+        <p:nvSpPr>
+          <p:cNvPr id="4" name="日期占位符 3"/>
+          <p:cNvSpPr>
+            <a:spLocks noGrp="1"/>
+          </p:cNvSpPr>
+          <p:nvPr>
+            <p:ph type="dt" sz="half" idx="10"/>
+          </p:nvPr>
+        </p:nvSpPr>
+        <p:spPr/>
+        <p:txBody>
+          <a:bodyPr/>
+          <a:lstStyle/>
+          <a:p>
+            <a:pPr>
+              <a:defRPr/>
+            </a:pPr>
+            <a:fld id="{37242347-62AB-4623-BF6D-9004E2E16ABE}" type="datetime1">
+              <a:rPr lang="zh-CN" altLang="en-US" smtClean="0"/>
+              <a:t>2016/3/9</a:t>
+            </a:fld>
+            <a:endParaRPr lang="zh-CN" altLang="en-US" sz="1800">
+              <a:solidFill>
+                <a:srgbClr val="000000"/>
+              </a:solidFill>
+              <a:latin typeface="Arial" pitchFamily="34" charset="0"/>
+              <a:ea typeface="宋体"/>
+            </a:endParaRPr>
+          </a:p>
+        </p:txBody>
+      </p:sp>
+    </p:spTree>
+    <p:extLst>
+      <p:ext uri="{BB962C8B-B14F-4D97-AF65-F5344CB8AC3E}">
+        <p14:creationId xmlns:p14="http://schemas.microsoft.com/office/powerpoint/2010/main" val="1605869684"/>
+      </p:ext>
+    </p:extLst>
+  </p:cSld>
+  <p:clrMapOvr>
+    <a:masterClrMapping/>
+  </p:clrMapOvr>
+  <p:transition>
+    <p:wipe dir="d"/>
+  </p:transition>
+  <p:timing>
+    <p:tnLst>
+      <p:par>
+        <p:cTn id="1" dur="indefinite" restart="never" nodeType="tmRoot"/>
+      </p:par>
+    </p:tnLst>
+  </p:timing>
+</p:sld>
+</file>
+
+<file path=ppt/slides/slide36.xml><?xml version="1.0" encoding="utf-8"?>
+<p:sld xmlns:a="http://schemas.openxmlformats.org/drawingml/2006/main" xmlns:r="http://schemas.openxmlformats.org/officeDocument/2006/relationships" xmlns:p="http://schemas.openxmlformats.org/presentationml/2006/main">
+  <p:cSld>
+    <p:spTree>
+      <p:nvGrpSpPr>
+        <p:cNvPr id="1" name=""/>
+        <p:cNvGrpSpPr/>
+        <p:nvPr/>
+      </p:nvGrpSpPr>
+      <p:grpSpPr>
+        <a:xfrm>
+          <a:off x="0" y="0"/>
+          <a:ext cx="0" cy="0"/>
+          <a:chOff x="0" y="0"/>
+          <a:chExt cx="0" cy="0"/>
+        </a:xfrm>
+      </p:grpSpPr>
+      <p:sp>
+        <p:nvSpPr>
+          <p:cNvPr id="2" name="标题 1"/>
+          <p:cNvSpPr>
+            <a:spLocks noGrp="1"/>
+          </p:cNvSpPr>
+          <p:nvPr>
+            <p:ph type="title"/>
+          </p:nvPr>
+        </p:nvSpPr>
+        <p:spPr/>
+        <p:txBody>
+          <a:bodyPr/>
+          <a:lstStyle/>
+          <a:p>
+            <a:r>
+              <a:rPr lang="en-US" altLang="zh-CN" dirty="0" smtClean="0"/>
+              <a:t>Func1/Func2</a:t>
+            </a:r>
+            <a:endParaRPr lang="zh-CN" altLang="en-US" dirty="0"/>
+          </a:p>
+        </p:txBody>
+      </p:sp>
+      <p:sp>
+        <p:nvSpPr>
+          <p:cNvPr id="4" name="日期占位符 3"/>
+          <p:cNvSpPr>
+            <a:spLocks noGrp="1"/>
+          </p:cNvSpPr>
+          <p:nvPr>
+            <p:ph type="dt" sz="half" idx="10"/>
+          </p:nvPr>
+        </p:nvSpPr>
+        <p:spPr/>
+        <p:txBody>
+          <a:bodyPr/>
+          <a:lstStyle/>
+          <a:p>
+            <a:pPr>
+              <a:defRPr/>
+            </a:pPr>
+            <a:fld id="{37242347-62AB-4623-BF6D-9004E2E16ABE}" type="datetime1">
+              <a:rPr lang="zh-CN" altLang="en-US" smtClean="0"/>
+              <a:t>2016/3/9</a:t>
+            </a:fld>
+            <a:endParaRPr lang="zh-CN" altLang="en-US" sz="1800">
+              <a:solidFill>
+                <a:srgbClr val="000000"/>
+              </a:solidFill>
+              <a:latin typeface="Arial" pitchFamily="34" charset="0"/>
+              <a:ea typeface="宋体"/>
+            </a:endParaRPr>
+          </a:p>
+        </p:txBody>
+      </p:sp>
+      <p:sp>
+        <p:nvSpPr>
+          <p:cNvPr id="5" name="Rectangle 1"/>
+          <p:cNvSpPr>
+            <a:spLocks noGrp="1" noChangeArrowheads="1"/>
+          </p:cNvSpPr>
+          <p:nvPr>
+            <p:ph idx="1"/>
+          </p:nvPr>
+        </p:nvSpPr>
+        <p:spPr bwMode="auto">
+          <a:xfrm>
+            <a:off x="457200" y="1047027"/>
+            <a:ext cx="8686800" cy="5632311"/>
+          </a:xfrm>
+          <a:prstGeom prst="rect">
+            <a:avLst/>
+          </a:prstGeom>
+          <a:solidFill>
+            <a:srgbClr val="FFFFFF"/>
+          </a:solidFill>
+          <a:ln>
+            <a:noFill/>
+          </a:ln>
+          <a:effectLst/>
+          <a:extLst>
+            <a:ext uri="{91240B29-F687-4F45-9708-019B960494DF}">
+              <a14:hiddenLine xmlns:a14="http://schemas.microsoft.com/office/drawing/2010/main" w="9525">
+                <a:solidFill>
+                  <a:schemeClr val="tx1"/>
+                </a:solidFill>
+                <a:miter lim="800000"/>
+                <a:headEnd/>
+                <a:tailEnd/>
+              </a14:hiddenLine>
+            </a:ext>
+            <a:ext uri="{AF507438-7753-43E0-B8FC-AC1667EBCBE1}">
+              <a14:hiddenEffects xmlns:a14="http://schemas.microsoft.com/office/drawing/2010/main">
+                <a:effectLst>
+                  <a:outerShdw dist="35921" dir="2700000" algn="ctr" rotWithShape="0">
+                    <a:schemeClr val="bg2"/>
+                  </a:outerShdw>
+                </a:effectLst>
+              </a14:hiddenEffects>
+            </a:ext>
+          </a:extLst>
+        </p:spPr>
+        <p:txBody>
+          <a:bodyPr vert="horz" wrap="square" lIns="91440" tIns="45720" rIns="91440" bIns="45720" numCol="1" anchor="ctr" anchorCtr="0" compatLnSpc="1">
+            <a:prstTxWarp prst="textNoShape">
+              <a:avLst/>
+            </a:prstTxWarp>
+            <a:spAutoFit/>
+          </a:bodyPr>
+          <a:lstStyle/>
+          <a:p>
+            <a:pPr marL="0" marR="0" lvl="0" indent="0" algn="l" defTabSz="914400" rtl="0" eaLnBrk="0" fontAlgn="base" latinLnBrk="0" hangingPunct="0">
+              <a:lnSpc>
+                <a:spcPct val="100000"/>
+              </a:lnSpc>
+              <a:spcBef>
+                <a:spcPct val="0"/>
+              </a:spcBef>
+              <a:spcAft>
+                <a:spcPct val="0"/>
+              </a:spcAft>
+              <a:buClrTx/>
+              <a:buSzTx/>
+              <a:buFontTx/>
+              <a:buNone/>
+              <a:tabLst/>
+            </a:pPr>
+            <a:r>
+              <a:rPr kumimoji="0" lang="zh-CN" altLang="zh-CN" sz="1800" b="1" i="0" u="none" strike="noStrike" cap="none" normalizeH="0" baseline="0" dirty="0" smtClean="0">
+                <a:ln>
+                  <a:noFill/>
+                </a:ln>
+                <a:solidFill>
+                  <a:srgbClr val="3E7EFF"/>
+                </a:solidFill>
+                <a:effectLst/>
+                <a:latin typeface="宋体" panose="02010600030101010101" pitchFamily="2" charset="-122"/>
+                <a:ea typeface="宋体" panose="02010600030101010101" pitchFamily="2" charset="-122"/>
+              </a:rPr>
+              <a:t>String</a:t>
+            </a:r>
+            <a:r>
+              <a:rPr kumimoji="0" lang="zh-CN" altLang="zh-CN" sz="1800" b="0" i="0" u="none" strike="noStrike" cap="none" normalizeH="0" baseline="0" dirty="0" smtClean="0">
+                <a:ln>
+                  <a:noFill/>
+                </a:ln>
+                <a:solidFill>
+                  <a:srgbClr val="000066"/>
+                </a:solidFill>
+                <a:effectLst/>
+                <a:latin typeface="宋体" panose="02010600030101010101" pitchFamily="2" charset="-122"/>
+                <a:ea typeface="宋体" panose="02010600030101010101" pitchFamily="2" charset="-122"/>
+              </a:rPr>
+              <a:t>[] </a:t>
+            </a:r>
+            <a:r>
+              <a:rPr kumimoji="0" lang="zh-CN" altLang="zh-CN" sz="1800" b="0" i="0" u="none" strike="noStrike" cap="none" normalizeH="0" baseline="0" dirty="0" smtClean="0">
+                <a:ln>
+                  <a:noFill/>
+                </a:ln>
+                <a:solidFill>
+                  <a:srgbClr val="000000"/>
+                </a:solidFill>
+                <a:effectLst/>
+                <a:latin typeface="宋体" panose="02010600030101010101" pitchFamily="2" charset="-122"/>
+                <a:ea typeface="宋体" panose="02010600030101010101" pitchFamily="2" charset="-122"/>
+              </a:rPr>
+              <a:t>words </a:t>
+            </a:r>
+            <a:r>
+              <a:rPr kumimoji="0" lang="zh-CN" altLang="zh-CN" sz="1800" b="0" i="0" u="none" strike="noStrike" cap="none" normalizeH="0" baseline="0" dirty="0" smtClean="0">
+                <a:ln>
+                  <a:noFill/>
+                </a:ln>
+                <a:solidFill>
+                  <a:srgbClr val="333333"/>
+                </a:solidFill>
+                <a:effectLst/>
+                <a:latin typeface="宋体" panose="02010600030101010101" pitchFamily="2" charset="-122"/>
+                <a:ea typeface="宋体" panose="02010600030101010101" pitchFamily="2" charset="-122"/>
+              </a:rPr>
+              <a:t>= </a:t>
+            </a:r>
+            <a:r>
+              <a:rPr kumimoji="0" lang="zh-CN" altLang="zh-CN" sz="1800" b="0" i="0" u="none" strike="noStrike" cap="none" normalizeH="0" baseline="0" dirty="0" smtClean="0">
+                <a:ln>
+                  <a:noFill/>
+                </a:ln>
+                <a:solidFill>
+                  <a:srgbClr val="000066"/>
+                </a:solidFill>
+                <a:effectLst/>
+                <a:latin typeface="宋体" panose="02010600030101010101" pitchFamily="2" charset="-122"/>
+                <a:ea typeface="宋体" panose="02010600030101010101" pitchFamily="2" charset="-122"/>
+              </a:rPr>
+              <a:t>{</a:t>
+            </a:r>
+            <a:r>
+              <a:rPr kumimoji="0" lang="zh-CN" altLang="zh-CN" sz="1800" b="1" i="0" u="none" strike="noStrike" cap="none" normalizeH="0" baseline="0" dirty="0" smtClean="0">
+                <a:ln>
+                  <a:noFill/>
+                </a:ln>
+                <a:solidFill>
+                  <a:srgbClr val="000000"/>
+                </a:solidFill>
+                <a:effectLst/>
+                <a:latin typeface="宋体" panose="02010600030101010101" pitchFamily="2" charset="-122"/>
+                <a:ea typeface="宋体" panose="02010600030101010101" pitchFamily="2" charset="-122"/>
+              </a:rPr>
+              <a:t>"Hello"</a:t>
+            </a:r>
+            <a:r>
+              <a:rPr kumimoji="0" lang="zh-CN" altLang="zh-CN" sz="1800" b="0" i="0" u="none" strike="noStrike" cap="none" normalizeH="0" baseline="0" dirty="0" smtClean="0">
+                <a:ln>
+                  <a:noFill/>
+                </a:ln>
+                <a:solidFill>
+                  <a:srgbClr val="333333"/>
+                </a:solidFill>
+                <a:effectLst/>
+                <a:latin typeface="宋体" panose="02010600030101010101" pitchFamily="2" charset="-122"/>
+                <a:ea typeface="宋体" panose="02010600030101010101" pitchFamily="2" charset="-122"/>
+              </a:rPr>
+              <a:t>, </a:t>
+            </a:r>
+            <a:r>
+              <a:rPr kumimoji="0" lang="zh-CN" altLang="zh-CN" sz="1800" b="1" i="0" u="none" strike="noStrike" cap="none" normalizeH="0" baseline="0" dirty="0" smtClean="0">
+                <a:ln>
+                  <a:noFill/>
+                </a:ln>
+                <a:solidFill>
+                  <a:srgbClr val="000000"/>
+                </a:solidFill>
+                <a:effectLst/>
+                <a:latin typeface="宋体" panose="02010600030101010101" pitchFamily="2" charset="-122"/>
+                <a:ea typeface="宋体" panose="02010600030101010101" pitchFamily="2" charset="-122"/>
+              </a:rPr>
+              <a:t>"Hi"</a:t>
+            </a:r>
+            <a:r>
+              <a:rPr kumimoji="0" lang="zh-CN" altLang="zh-CN" sz="1800" b="0" i="0" u="none" strike="noStrike" cap="none" normalizeH="0" baseline="0" dirty="0" smtClean="0">
+                <a:ln>
+                  <a:noFill/>
+                </a:ln>
+                <a:solidFill>
+                  <a:srgbClr val="333333"/>
+                </a:solidFill>
+                <a:effectLst/>
+                <a:latin typeface="宋体" panose="02010600030101010101" pitchFamily="2" charset="-122"/>
+                <a:ea typeface="宋体" panose="02010600030101010101" pitchFamily="2" charset="-122"/>
+              </a:rPr>
+              <a:t>, </a:t>
+            </a:r>
+            <a:r>
+              <a:rPr kumimoji="0" lang="zh-CN" altLang="zh-CN" sz="1800" b="1" i="0" u="none" strike="noStrike" cap="none" normalizeH="0" baseline="0" dirty="0" smtClean="0">
+                <a:ln>
+                  <a:noFill/>
+                </a:ln>
+                <a:solidFill>
+                  <a:srgbClr val="000000"/>
+                </a:solidFill>
+                <a:effectLst/>
+                <a:latin typeface="宋体" panose="02010600030101010101" pitchFamily="2" charset="-122"/>
+                <a:ea typeface="宋体" panose="02010600030101010101" pitchFamily="2" charset="-122"/>
+              </a:rPr>
+              <a:t>"Aloha"</a:t>
+            </a:r>
+            <a:r>
+              <a:rPr kumimoji="0" lang="zh-CN" altLang="zh-CN" sz="1800" b="0" i="0" u="none" strike="noStrike" cap="none" normalizeH="0" baseline="0" dirty="0" smtClean="0">
+                <a:ln>
+                  <a:noFill/>
+                </a:ln>
+                <a:solidFill>
+                  <a:srgbClr val="333333"/>
+                </a:solidFill>
+                <a:effectLst/>
+                <a:latin typeface="宋体" panose="02010600030101010101" pitchFamily="2" charset="-122"/>
+                <a:ea typeface="宋体" panose="02010600030101010101" pitchFamily="2" charset="-122"/>
+              </a:rPr>
+              <a:t>, </a:t>
+            </a:r>
+            <a:r>
+              <a:rPr kumimoji="0" lang="zh-CN" altLang="zh-CN" sz="1800" b="1" i="0" u="none" strike="noStrike" cap="none" normalizeH="0" baseline="0" dirty="0" smtClean="0">
+                <a:ln>
+                  <a:noFill/>
+                </a:ln>
+                <a:solidFill>
+                  <a:srgbClr val="000000"/>
+                </a:solidFill>
+                <a:effectLst/>
+                <a:latin typeface="宋体" panose="02010600030101010101" pitchFamily="2" charset="-122"/>
+                <a:ea typeface="宋体" panose="02010600030101010101" pitchFamily="2" charset="-122"/>
+              </a:rPr>
+              <a:t>"Last"</a:t>
+            </a:r>
+            <a:r>
+              <a:rPr kumimoji="0" lang="zh-CN" altLang="zh-CN" sz="1800" b="0" i="0" u="none" strike="noStrike" cap="none" normalizeH="0" baseline="0" dirty="0" smtClean="0">
+                <a:ln>
+                  <a:noFill/>
+                </a:ln>
+                <a:solidFill>
+                  <a:srgbClr val="000066"/>
+                </a:solidFill>
+                <a:effectLst/>
+                <a:latin typeface="宋体" panose="02010600030101010101" pitchFamily="2" charset="-122"/>
+                <a:ea typeface="宋体" panose="02010600030101010101" pitchFamily="2" charset="-122"/>
+              </a:rPr>
+              <a:t>}</a:t>
+            </a:r>
+            <a:r>
+              <a:rPr kumimoji="0" lang="zh-CN" altLang="zh-CN" sz="1800" b="0" i="0" u="none" strike="noStrike" cap="none" normalizeH="0" baseline="0" dirty="0" smtClean="0">
+                <a:ln>
+                  <a:noFill/>
+                </a:ln>
+                <a:solidFill>
+                  <a:srgbClr val="333333"/>
+                </a:solidFill>
+                <a:effectLst/>
+                <a:latin typeface="宋体" panose="02010600030101010101" pitchFamily="2" charset="-122"/>
+                <a:ea typeface="宋体" panose="02010600030101010101" pitchFamily="2" charset="-122"/>
+              </a:rPr>
+              <a:t>;</a:t>
+            </a:r>
+            <a:br>
+              <a:rPr kumimoji="0" lang="zh-CN" altLang="zh-CN" sz="1800" b="0" i="0" u="none" strike="noStrike" cap="none" normalizeH="0" baseline="0" dirty="0" smtClean="0">
+                <a:ln>
+                  <a:noFill/>
+                </a:ln>
+                <a:solidFill>
+                  <a:srgbClr val="333333"/>
+                </a:solidFill>
+                <a:effectLst/>
+                <a:latin typeface="宋体" panose="02010600030101010101" pitchFamily="2" charset="-122"/>
+                <a:ea typeface="宋体" panose="02010600030101010101" pitchFamily="2" charset="-122"/>
+              </a:rPr>
+            </a:br>
+            <a:r>
+              <a:rPr kumimoji="0" lang="zh-CN" altLang="zh-CN" sz="1800" b="1" i="0" u="none" strike="noStrike" cap="none" normalizeH="0" baseline="0" dirty="0" smtClean="0">
+                <a:ln>
+                  <a:noFill/>
+                </a:ln>
+                <a:solidFill>
+                  <a:srgbClr val="3E7EFF"/>
+                </a:solidFill>
+                <a:effectLst/>
+                <a:latin typeface="宋体" panose="02010600030101010101" pitchFamily="2" charset="-122"/>
+                <a:ea typeface="宋体" panose="02010600030101010101" pitchFamily="2" charset="-122"/>
+              </a:rPr>
+              <a:t>Observable</a:t>
+            </a:r>
+            <a:r>
+              <a:rPr kumimoji="0" lang="zh-CN" altLang="zh-CN" sz="1800" b="0" i="0" u="none" strike="noStrike" cap="none" normalizeH="0" baseline="0" dirty="0" smtClean="0">
+                <a:ln>
+                  <a:noFill/>
+                </a:ln>
+                <a:solidFill>
+                  <a:srgbClr val="333333"/>
+                </a:solidFill>
+                <a:effectLst/>
+                <a:latin typeface="宋体" panose="02010600030101010101" pitchFamily="2" charset="-122"/>
+                <a:ea typeface="宋体" panose="02010600030101010101" pitchFamily="2" charset="-122"/>
+              </a:rPr>
+              <a:t>.</a:t>
+            </a:r>
+            <a:r>
+              <a:rPr kumimoji="0" lang="zh-CN" altLang="zh-CN" sz="1800" b="1" i="0" u="none" strike="noStrike" cap="none" normalizeH="0" baseline="0" dirty="0" smtClean="0">
+                <a:ln>
+                  <a:noFill/>
+                </a:ln>
+                <a:solidFill>
+                  <a:srgbClr val="7F9FBF"/>
+                </a:solidFill>
+                <a:effectLst/>
+                <a:latin typeface="宋体" panose="02010600030101010101" pitchFamily="2" charset="-122"/>
+                <a:ea typeface="宋体" panose="02010600030101010101" pitchFamily="2" charset="-122"/>
+              </a:rPr>
+              <a:t>from</a:t>
+            </a:r>
+            <a:r>
+              <a:rPr kumimoji="0" lang="zh-CN" altLang="zh-CN" sz="1800" b="0" i="0" u="none" strike="noStrike" cap="none" normalizeH="0" baseline="0" dirty="0" smtClean="0">
+                <a:ln>
+                  <a:noFill/>
+                </a:ln>
+                <a:solidFill>
+                  <a:srgbClr val="000066"/>
+                </a:solidFill>
+                <a:effectLst/>
+                <a:latin typeface="宋体" panose="02010600030101010101" pitchFamily="2" charset="-122"/>
+                <a:ea typeface="宋体" panose="02010600030101010101" pitchFamily="2" charset="-122"/>
+              </a:rPr>
+              <a:t>(</a:t>
+            </a:r>
+            <a:r>
+              <a:rPr kumimoji="0" lang="zh-CN" altLang="zh-CN" sz="1800" b="0" i="0" u="none" strike="noStrike" cap="none" normalizeH="0" baseline="0" dirty="0" smtClean="0">
+                <a:ln>
+                  <a:noFill/>
+                </a:ln>
+                <a:solidFill>
+                  <a:srgbClr val="000000"/>
+                </a:solidFill>
+                <a:effectLst/>
+                <a:latin typeface="宋体" panose="02010600030101010101" pitchFamily="2" charset="-122"/>
+                <a:ea typeface="宋体" panose="02010600030101010101" pitchFamily="2" charset="-122"/>
+              </a:rPr>
+              <a:t>words</a:t>
+            </a:r>
+            <a:r>
+              <a:rPr kumimoji="0" lang="zh-CN" altLang="zh-CN" sz="1800" b="0" i="0" u="none" strike="noStrike" cap="none" normalizeH="0" baseline="0" dirty="0" smtClean="0">
+                <a:ln>
+                  <a:noFill/>
+                </a:ln>
+                <a:solidFill>
+                  <a:srgbClr val="000066"/>
+                </a:solidFill>
+                <a:effectLst/>
+                <a:latin typeface="宋体" panose="02010600030101010101" pitchFamily="2" charset="-122"/>
+                <a:ea typeface="宋体" panose="02010600030101010101" pitchFamily="2" charset="-122"/>
+              </a:rPr>
+              <a:t>)</a:t>
+            </a:r>
+            <a:br>
+              <a:rPr kumimoji="0" lang="zh-CN" altLang="zh-CN" sz="1800" b="0" i="0" u="none" strike="noStrike" cap="none" normalizeH="0" baseline="0" dirty="0" smtClean="0">
+                <a:ln>
+                  <a:noFill/>
+                </a:ln>
+                <a:solidFill>
+                  <a:srgbClr val="000066"/>
+                </a:solidFill>
+                <a:effectLst/>
+                <a:latin typeface="宋体" panose="02010600030101010101" pitchFamily="2" charset="-122"/>
+                <a:ea typeface="宋体" panose="02010600030101010101" pitchFamily="2" charset="-122"/>
+              </a:rPr>
+            </a:br>
+            <a:r>
+              <a:rPr kumimoji="0" lang="zh-CN" altLang="zh-CN" sz="1800" b="0" i="0" u="none" strike="noStrike" cap="none" normalizeH="0" baseline="0" dirty="0" smtClean="0">
+                <a:ln>
+                  <a:noFill/>
+                </a:ln>
+                <a:solidFill>
+                  <a:srgbClr val="000066"/>
+                </a:solidFill>
+                <a:effectLst/>
+                <a:latin typeface="宋体" panose="02010600030101010101" pitchFamily="2" charset="-122"/>
+                <a:ea typeface="宋体" panose="02010600030101010101" pitchFamily="2" charset="-122"/>
+              </a:rPr>
+              <a:t>    </a:t>
+            </a:r>
+            <a:r>
+              <a:rPr kumimoji="0" lang="zh-CN" altLang="zh-CN" sz="1800" b="0" i="0" u="none" strike="noStrike" cap="none" normalizeH="0" baseline="0" dirty="0" smtClean="0">
+                <a:ln>
+                  <a:noFill/>
+                </a:ln>
+                <a:solidFill>
+                  <a:srgbClr val="333333"/>
+                </a:solidFill>
+                <a:effectLst/>
+                <a:latin typeface="宋体" panose="02010600030101010101" pitchFamily="2" charset="-122"/>
+                <a:ea typeface="宋体" panose="02010600030101010101" pitchFamily="2" charset="-122"/>
+              </a:rPr>
+              <a:t>.</a:t>
+            </a:r>
+            <a:r>
+              <a:rPr kumimoji="0" lang="zh-CN" altLang="zh-CN" sz="1800" b="0" i="0" u="none" strike="noStrike" cap="none" normalizeH="0" baseline="0" dirty="0" smtClean="0">
+                <a:ln>
+                  <a:noFill/>
+                </a:ln>
+                <a:solidFill>
+                  <a:srgbClr val="000000"/>
+                </a:solidFill>
+                <a:effectLst/>
+                <a:latin typeface="宋体" panose="02010600030101010101" pitchFamily="2" charset="-122"/>
+                <a:ea typeface="宋体" panose="02010600030101010101" pitchFamily="2" charset="-122"/>
+              </a:rPr>
+              <a:t>map</a:t>
+            </a:r>
+            <a:r>
+              <a:rPr kumimoji="0" lang="zh-CN" altLang="zh-CN" sz="1800" b="0" i="0" u="none" strike="noStrike" cap="none" normalizeH="0" baseline="0" dirty="0" smtClean="0">
+                <a:ln>
+                  <a:noFill/>
+                </a:ln>
+                <a:solidFill>
+                  <a:srgbClr val="000066"/>
+                </a:solidFill>
+                <a:effectLst/>
+                <a:latin typeface="宋体" panose="02010600030101010101" pitchFamily="2" charset="-122"/>
+                <a:ea typeface="宋体" panose="02010600030101010101" pitchFamily="2" charset="-122"/>
+              </a:rPr>
+              <a:t>(</a:t>
+            </a:r>
+            <a:r>
+              <a:rPr kumimoji="0" lang="zh-CN" altLang="zh-CN" sz="1800" b="1" i="0" u="none" strike="noStrike" cap="none" normalizeH="0" baseline="0" dirty="0" smtClean="0">
+                <a:ln>
+                  <a:noFill/>
+                </a:ln>
+                <a:solidFill>
+                  <a:srgbClr val="7F0055"/>
+                </a:solidFill>
+                <a:effectLst/>
+                <a:latin typeface="宋体" panose="02010600030101010101" pitchFamily="2" charset="-122"/>
+                <a:ea typeface="宋体" panose="02010600030101010101" pitchFamily="2" charset="-122"/>
+              </a:rPr>
+              <a:t>new </a:t>
+            </a:r>
+            <a:r>
+              <a:rPr kumimoji="0" lang="zh-CN" altLang="zh-CN" sz="1800" b="1" i="0" u="none" strike="noStrike" cap="none" normalizeH="0" baseline="0" dirty="0" smtClean="0">
+                <a:ln>
+                  <a:noFill/>
+                </a:ln>
+                <a:solidFill>
+                  <a:srgbClr val="3E7EFF"/>
+                </a:solidFill>
+                <a:effectLst/>
+                <a:latin typeface="宋体" panose="02010600030101010101" pitchFamily="2" charset="-122"/>
+                <a:ea typeface="宋体" panose="02010600030101010101" pitchFamily="2" charset="-122"/>
+              </a:rPr>
+              <a:t>Func1</a:t>
+            </a:r>
+            <a:r>
+              <a:rPr kumimoji="0" lang="zh-CN" altLang="zh-CN" sz="1800" b="0" i="0" u="none" strike="noStrike" cap="none" normalizeH="0" baseline="0" dirty="0" smtClean="0">
+                <a:ln>
+                  <a:noFill/>
+                </a:ln>
+                <a:solidFill>
+                  <a:srgbClr val="333333"/>
+                </a:solidFill>
+                <a:effectLst/>
+                <a:latin typeface="宋体" panose="02010600030101010101" pitchFamily="2" charset="-122"/>
+                <a:ea typeface="宋体" panose="02010600030101010101" pitchFamily="2" charset="-122"/>
+              </a:rPr>
+              <a:t>&lt;</a:t>
+            </a:r>
+            <a:r>
+              <a:rPr kumimoji="0" lang="zh-CN" altLang="zh-CN" sz="1800" b="1" i="0" u="none" strike="noStrike" cap="none" normalizeH="0" baseline="0" dirty="0" smtClean="0">
+                <a:ln>
+                  <a:noFill/>
+                </a:ln>
+                <a:solidFill>
+                  <a:srgbClr val="3E7EFF"/>
+                </a:solidFill>
+                <a:effectLst/>
+                <a:latin typeface="宋体" panose="02010600030101010101" pitchFamily="2" charset="-122"/>
+                <a:ea typeface="宋体" panose="02010600030101010101" pitchFamily="2" charset="-122"/>
+              </a:rPr>
+              <a:t>String</a:t>
+            </a:r>
+            <a:r>
+              <a:rPr kumimoji="0" lang="zh-CN" altLang="zh-CN" sz="1800" b="0" i="0" u="none" strike="noStrike" cap="none" normalizeH="0" baseline="0" dirty="0" smtClean="0">
+                <a:ln>
+                  <a:noFill/>
+                </a:ln>
+                <a:solidFill>
+                  <a:srgbClr val="333333"/>
+                </a:solidFill>
+                <a:effectLst/>
+                <a:latin typeface="宋体" panose="02010600030101010101" pitchFamily="2" charset="-122"/>
+                <a:ea typeface="宋体" panose="02010600030101010101" pitchFamily="2" charset="-122"/>
+              </a:rPr>
+              <a:t>, </a:t>
+            </a:r>
+            <a:r>
+              <a:rPr kumimoji="0" lang="zh-CN" altLang="zh-CN" sz="1800" b="1" i="0" u="none" strike="noStrike" cap="none" normalizeH="0" baseline="0" dirty="0" smtClean="0">
+                <a:ln>
+                  <a:noFill/>
+                </a:ln>
+                <a:solidFill>
+                  <a:srgbClr val="3E7EFF"/>
+                </a:solidFill>
+                <a:effectLst/>
+                <a:latin typeface="宋体" panose="02010600030101010101" pitchFamily="2" charset="-122"/>
+                <a:ea typeface="宋体" panose="02010600030101010101" pitchFamily="2" charset="-122"/>
+              </a:rPr>
+              <a:t>String</a:t>
+            </a:r>
+            <a:r>
+              <a:rPr kumimoji="0" lang="zh-CN" altLang="zh-CN" sz="1800" b="0" i="0" u="none" strike="noStrike" cap="none" normalizeH="0" baseline="0" dirty="0" smtClean="0">
+                <a:ln>
+                  <a:noFill/>
+                </a:ln>
+                <a:solidFill>
+                  <a:srgbClr val="333333"/>
+                </a:solidFill>
+                <a:effectLst/>
+                <a:latin typeface="宋体" panose="02010600030101010101" pitchFamily="2" charset="-122"/>
+                <a:ea typeface="宋体" panose="02010600030101010101" pitchFamily="2" charset="-122"/>
+              </a:rPr>
+              <a:t>&gt;</a:t>
+            </a:r>
+            <a:r>
+              <a:rPr kumimoji="0" lang="zh-CN" altLang="zh-CN" sz="1800" b="0" i="0" u="none" strike="noStrike" cap="none" normalizeH="0" baseline="0" dirty="0" smtClean="0">
+                <a:ln>
+                  <a:noFill/>
+                </a:ln>
+                <a:solidFill>
+                  <a:srgbClr val="000066"/>
+                </a:solidFill>
+                <a:effectLst/>
+                <a:latin typeface="宋体" panose="02010600030101010101" pitchFamily="2" charset="-122"/>
+                <a:ea typeface="宋体" panose="02010600030101010101" pitchFamily="2" charset="-122"/>
+              </a:rPr>
+              <a:t>() {</a:t>
+            </a:r>
+            <a:br>
+              <a:rPr kumimoji="0" lang="zh-CN" altLang="zh-CN" sz="1800" b="0" i="0" u="none" strike="noStrike" cap="none" normalizeH="0" baseline="0" dirty="0" smtClean="0">
+                <a:ln>
+                  <a:noFill/>
+                </a:ln>
+                <a:solidFill>
+                  <a:srgbClr val="000066"/>
+                </a:solidFill>
+                <a:effectLst/>
+                <a:latin typeface="宋体" panose="02010600030101010101" pitchFamily="2" charset="-122"/>
+                <a:ea typeface="宋体" panose="02010600030101010101" pitchFamily="2" charset="-122"/>
+              </a:rPr>
+            </a:br>
+            <a:r>
+              <a:rPr kumimoji="0" lang="zh-CN" altLang="zh-CN" sz="1800" b="0" i="0" u="none" strike="noStrike" cap="none" normalizeH="0" baseline="0" dirty="0" smtClean="0">
+                <a:ln>
+                  <a:noFill/>
+                </a:ln>
+                <a:solidFill>
+                  <a:srgbClr val="000066"/>
+                </a:solidFill>
+                <a:effectLst/>
+                <a:latin typeface="宋体" panose="02010600030101010101" pitchFamily="2" charset="-122"/>
+                <a:ea typeface="宋体" panose="02010600030101010101" pitchFamily="2" charset="-122"/>
+              </a:rPr>
+              <a:t>        </a:t>
+            </a:r>
+            <a:r>
+              <a:rPr kumimoji="0" lang="zh-CN" altLang="zh-CN" sz="1800" b="1" i="0" u="none" strike="noStrike" cap="none" normalizeH="0" baseline="0" dirty="0" smtClean="0">
+                <a:ln>
+                  <a:noFill/>
+                </a:ln>
+                <a:solidFill>
+                  <a:srgbClr val="7F9FBF"/>
+                </a:solidFill>
+                <a:effectLst/>
+                <a:latin typeface="宋体" panose="02010600030101010101" pitchFamily="2" charset="-122"/>
+                <a:ea typeface="宋体" panose="02010600030101010101" pitchFamily="2" charset="-122"/>
+              </a:rPr>
+              <a:t>@Override</a:t>
+            </a:r>
+            <a:br>
+              <a:rPr kumimoji="0" lang="zh-CN" altLang="zh-CN" sz="1800" b="1" i="0" u="none" strike="noStrike" cap="none" normalizeH="0" baseline="0" dirty="0" smtClean="0">
+                <a:ln>
+                  <a:noFill/>
+                </a:ln>
+                <a:solidFill>
+                  <a:srgbClr val="7F9FBF"/>
+                </a:solidFill>
+                <a:effectLst/>
+                <a:latin typeface="宋体" panose="02010600030101010101" pitchFamily="2" charset="-122"/>
+                <a:ea typeface="宋体" panose="02010600030101010101" pitchFamily="2" charset="-122"/>
+              </a:rPr>
+            </a:br>
+            <a:r>
+              <a:rPr kumimoji="0" lang="zh-CN" altLang="zh-CN" sz="1800" b="1" i="0" u="none" strike="noStrike" cap="none" normalizeH="0" baseline="0" dirty="0" smtClean="0">
+                <a:ln>
+                  <a:noFill/>
+                </a:ln>
+                <a:solidFill>
+                  <a:srgbClr val="7F9FBF"/>
+                </a:solidFill>
+                <a:effectLst/>
+                <a:latin typeface="宋体" panose="02010600030101010101" pitchFamily="2" charset="-122"/>
+                <a:ea typeface="宋体" panose="02010600030101010101" pitchFamily="2" charset="-122"/>
+              </a:rPr>
+              <a:t>        </a:t>
+            </a:r>
+            <a:r>
+              <a:rPr kumimoji="0" lang="zh-CN" altLang="zh-CN" sz="1800" b="1" i="0" u="none" strike="noStrike" cap="none" normalizeH="0" baseline="0" dirty="0" smtClean="0">
+                <a:ln>
+                  <a:noFill/>
+                </a:ln>
+                <a:solidFill>
+                  <a:srgbClr val="7F0055"/>
+                </a:solidFill>
+                <a:effectLst/>
+                <a:latin typeface="宋体" panose="02010600030101010101" pitchFamily="2" charset="-122"/>
+                <a:ea typeface="宋体" panose="02010600030101010101" pitchFamily="2" charset="-122"/>
+              </a:rPr>
+              <a:t>public </a:t>
+            </a:r>
+            <a:r>
+              <a:rPr kumimoji="0" lang="zh-CN" altLang="zh-CN" sz="1800" b="1" i="0" u="none" strike="noStrike" cap="none" normalizeH="0" baseline="0" dirty="0" smtClean="0">
+                <a:ln>
+                  <a:noFill/>
+                </a:ln>
+                <a:solidFill>
+                  <a:srgbClr val="3E7EFF"/>
+                </a:solidFill>
+                <a:effectLst/>
+                <a:latin typeface="宋体" panose="02010600030101010101" pitchFamily="2" charset="-122"/>
+                <a:ea typeface="宋体" panose="02010600030101010101" pitchFamily="2" charset="-122"/>
+              </a:rPr>
+              <a:t>String </a:t>
+            </a:r>
+            <a:r>
+              <a:rPr kumimoji="0" lang="zh-CN" altLang="zh-CN" sz="1800" b="0" i="0" u="none" strike="noStrike" cap="none" normalizeH="0" baseline="0" dirty="0" smtClean="0">
+                <a:ln>
+                  <a:noFill/>
+                </a:ln>
+                <a:solidFill>
+                  <a:srgbClr val="170591"/>
+                </a:solidFill>
+                <a:effectLst/>
+                <a:latin typeface="宋体" panose="02010600030101010101" pitchFamily="2" charset="-122"/>
+                <a:ea typeface="宋体" panose="02010600030101010101" pitchFamily="2" charset="-122"/>
+              </a:rPr>
+              <a:t>call</a:t>
+            </a:r>
+            <a:r>
+              <a:rPr kumimoji="0" lang="zh-CN" altLang="zh-CN" sz="1800" b="0" i="0" u="none" strike="noStrike" cap="none" normalizeH="0" baseline="0" dirty="0" smtClean="0">
+                <a:ln>
+                  <a:noFill/>
+                </a:ln>
+                <a:solidFill>
+                  <a:srgbClr val="000066"/>
+                </a:solidFill>
+                <a:effectLst/>
+                <a:latin typeface="宋体" panose="02010600030101010101" pitchFamily="2" charset="-122"/>
+                <a:ea typeface="宋体" panose="02010600030101010101" pitchFamily="2" charset="-122"/>
+              </a:rPr>
+              <a:t>(</a:t>
+            </a:r>
+            <a:r>
+              <a:rPr kumimoji="0" lang="zh-CN" altLang="zh-CN" sz="1800" b="1" i="0" u="none" strike="noStrike" cap="none" normalizeH="0" baseline="0" dirty="0" smtClean="0">
+                <a:ln>
+                  <a:noFill/>
+                </a:ln>
+                <a:solidFill>
+                  <a:srgbClr val="3E7EFF"/>
+                </a:solidFill>
+                <a:effectLst/>
+                <a:latin typeface="宋体" panose="02010600030101010101" pitchFamily="2" charset="-122"/>
+                <a:ea typeface="宋体" panose="02010600030101010101" pitchFamily="2" charset="-122"/>
+              </a:rPr>
+              <a:t>String </a:t>
+            </a:r>
+            <a:r>
+              <a:rPr kumimoji="0" lang="zh-CN" altLang="zh-CN" sz="1800" b="0" i="1" u="none" strike="noStrike" cap="none" normalizeH="0" baseline="0" dirty="0" smtClean="0">
+                <a:ln>
+                  <a:noFill/>
+                </a:ln>
+                <a:solidFill>
+                  <a:srgbClr val="000066"/>
+                </a:solidFill>
+                <a:effectLst/>
+                <a:latin typeface="宋体" panose="02010600030101010101" pitchFamily="2" charset="-122"/>
+                <a:ea typeface="宋体" panose="02010600030101010101" pitchFamily="2" charset="-122"/>
+              </a:rPr>
+              <a:t>s</a:t>
+            </a:r>
+            <a:r>
+              <a:rPr kumimoji="0" lang="zh-CN" altLang="zh-CN" sz="1800" b="0" i="0" u="none" strike="noStrike" cap="none" normalizeH="0" baseline="0" dirty="0" smtClean="0">
+                <a:ln>
+                  <a:noFill/>
+                </a:ln>
+                <a:solidFill>
+                  <a:srgbClr val="000066"/>
+                </a:solidFill>
+                <a:effectLst/>
+                <a:latin typeface="宋体" panose="02010600030101010101" pitchFamily="2" charset="-122"/>
+                <a:ea typeface="宋体" panose="02010600030101010101" pitchFamily="2" charset="-122"/>
+              </a:rPr>
+              <a:t>) {</a:t>
+            </a:r>
+            <a:br>
+              <a:rPr kumimoji="0" lang="zh-CN" altLang="zh-CN" sz="1800" b="0" i="0" u="none" strike="noStrike" cap="none" normalizeH="0" baseline="0" dirty="0" smtClean="0">
+                <a:ln>
+                  <a:noFill/>
+                </a:ln>
+                <a:solidFill>
+                  <a:srgbClr val="000066"/>
+                </a:solidFill>
+                <a:effectLst/>
+                <a:latin typeface="宋体" panose="02010600030101010101" pitchFamily="2" charset="-122"/>
+                <a:ea typeface="宋体" panose="02010600030101010101" pitchFamily="2" charset="-122"/>
+              </a:rPr>
+            </a:br>
+            <a:r>
+              <a:rPr kumimoji="0" lang="zh-CN" altLang="zh-CN" sz="1800" b="0" i="0" u="none" strike="noStrike" cap="none" normalizeH="0" baseline="0" dirty="0" smtClean="0">
+                <a:ln>
+                  <a:noFill/>
+                </a:ln>
+                <a:solidFill>
+                  <a:srgbClr val="000066"/>
+                </a:solidFill>
+                <a:effectLst/>
+                <a:latin typeface="宋体" panose="02010600030101010101" pitchFamily="2" charset="-122"/>
+                <a:ea typeface="宋体" panose="02010600030101010101" pitchFamily="2" charset="-122"/>
+              </a:rPr>
+              <a:t>            </a:t>
+            </a:r>
+            <a:r>
+              <a:rPr kumimoji="0" lang="zh-CN" altLang="zh-CN" sz="1800" b="1" i="0" u="none" strike="noStrike" cap="none" normalizeH="0" baseline="0" dirty="0" smtClean="0">
+                <a:ln>
+                  <a:noFill/>
+                </a:ln>
+                <a:solidFill>
+                  <a:srgbClr val="7F0055"/>
+                </a:solidFill>
+                <a:effectLst/>
+                <a:latin typeface="宋体" panose="02010600030101010101" pitchFamily="2" charset="-122"/>
+                <a:ea typeface="宋体" panose="02010600030101010101" pitchFamily="2" charset="-122"/>
+              </a:rPr>
+              <a:t>return </a:t>
+            </a:r>
+            <a:r>
+              <a:rPr kumimoji="0" lang="zh-CN" altLang="zh-CN" sz="1800" b="0" i="1" u="none" strike="noStrike" cap="none" normalizeH="0" baseline="0" dirty="0" smtClean="0">
+                <a:ln>
+                  <a:noFill/>
+                </a:ln>
+                <a:solidFill>
+                  <a:srgbClr val="000066"/>
+                </a:solidFill>
+                <a:effectLst/>
+                <a:latin typeface="宋体" panose="02010600030101010101" pitchFamily="2" charset="-122"/>
+                <a:ea typeface="宋体" panose="02010600030101010101" pitchFamily="2" charset="-122"/>
+              </a:rPr>
+              <a:t>s</a:t>
+            </a:r>
+            <a:r>
+              <a:rPr kumimoji="0" lang="zh-CN" altLang="zh-CN" sz="1800" b="0" i="0" u="none" strike="noStrike" cap="none" normalizeH="0" baseline="0" dirty="0" smtClean="0">
+                <a:ln>
+                  <a:noFill/>
+                </a:ln>
+                <a:solidFill>
+                  <a:srgbClr val="333333"/>
+                </a:solidFill>
+                <a:effectLst/>
+                <a:latin typeface="宋体" panose="02010600030101010101" pitchFamily="2" charset="-122"/>
+                <a:ea typeface="宋体" panose="02010600030101010101" pitchFamily="2" charset="-122"/>
+              </a:rPr>
+              <a:t>;</a:t>
+            </a:r>
+            <a:br>
+              <a:rPr kumimoji="0" lang="zh-CN" altLang="zh-CN" sz="1800" b="0" i="0" u="none" strike="noStrike" cap="none" normalizeH="0" baseline="0" dirty="0" smtClean="0">
+                <a:ln>
+                  <a:noFill/>
+                </a:ln>
+                <a:solidFill>
+                  <a:srgbClr val="333333"/>
+                </a:solidFill>
+                <a:effectLst/>
+                <a:latin typeface="宋体" panose="02010600030101010101" pitchFamily="2" charset="-122"/>
+                <a:ea typeface="宋体" panose="02010600030101010101" pitchFamily="2" charset="-122"/>
+              </a:rPr>
+            </a:br>
+            <a:r>
+              <a:rPr kumimoji="0" lang="zh-CN" altLang="zh-CN" sz="1800" b="0" i="0" u="none" strike="noStrike" cap="none" normalizeH="0" baseline="0" dirty="0" smtClean="0">
+                <a:ln>
+                  <a:noFill/>
+                </a:ln>
+                <a:solidFill>
+                  <a:srgbClr val="333333"/>
+                </a:solidFill>
+                <a:effectLst/>
+                <a:latin typeface="宋体" panose="02010600030101010101" pitchFamily="2" charset="-122"/>
+                <a:ea typeface="宋体" panose="02010600030101010101" pitchFamily="2" charset="-122"/>
+              </a:rPr>
+              <a:t>        </a:t>
+            </a:r>
+            <a:r>
+              <a:rPr kumimoji="0" lang="zh-CN" altLang="zh-CN" sz="1800" b="0" i="0" u="none" strike="noStrike" cap="none" normalizeH="0" baseline="0" dirty="0" smtClean="0">
+                <a:ln>
+                  <a:noFill/>
+                </a:ln>
+                <a:solidFill>
+                  <a:srgbClr val="000066"/>
+                </a:solidFill>
+                <a:effectLst/>
+                <a:latin typeface="宋体" panose="02010600030101010101" pitchFamily="2" charset="-122"/>
+                <a:ea typeface="宋体" panose="02010600030101010101" pitchFamily="2" charset="-122"/>
+              </a:rPr>
+              <a:t>}</a:t>
+            </a:r>
+            <a:br>
+              <a:rPr kumimoji="0" lang="zh-CN" altLang="zh-CN" sz="1800" b="0" i="0" u="none" strike="noStrike" cap="none" normalizeH="0" baseline="0" dirty="0" smtClean="0">
+                <a:ln>
+                  <a:noFill/>
+                </a:ln>
+                <a:solidFill>
+                  <a:srgbClr val="000066"/>
+                </a:solidFill>
+                <a:effectLst/>
+                <a:latin typeface="宋体" panose="02010600030101010101" pitchFamily="2" charset="-122"/>
+                <a:ea typeface="宋体" panose="02010600030101010101" pitchFamily="2" charset="-122"/>
+              </a:rPr>
+            </a:br>
+            <a:r>
+              <a:rPr kumimoji="0" lang="zh-CN" altLang="zh-CN" sz="1800" b="0" i="0" u="none" strike="noStrike" cap="none" normalizeH="0" baseline="0" dirty="0" smtClean="0">
+                <a:ln>
+                  <a:noFill/>
+                </a:ln>
+                <a:solidFill>
+                  <a:srgbClr val="000066"/>
+                </a:solidFill>
+                <a:effectLst/>
+                <a:latin typeface="宋体" panose="02010600030101010101" pitchFamily="2" charset="-122"/>
+                <a:ea typeface="宋体" panose="02010600030101010101" pitchFamily="2" charset="-122"/>
+              </a:rPr>
+              <a:t>    })</a:t>
+            </a:r>
+            <a:br>
+              <a:rPr kumimoji="0" lang="zh-CN" altLang="zh-CN" sz="1800" b="0" i="0" u="none" strike="noStrike" cap="none" normalizeH="0" baseline="0" dirty="0" smtClean="0">
+                <a:ln>
+                  <a:noFill/>
+                </a:ln>
+                <a:solidFill>
+                  <a:srgbClr val="000066"/>
+                </a:solidFill>
+                <a:effectLst/>
+                <a:latin typeface="宋体" panose="02010600030101010101" pitchFamily="2" charset="-122"/>
+                <a:ea typeface="宋体" panose="02010600030101010101" pitchFamily="2" charset="-122"/>
+              </a:rPr>
+            </a:br>
+            <a:r>
+              <a:rPr kumimoji="0" lang="zh-CN" altLang="zh-CN" sz="1800" b="0" i="0" u="none" strike="noStrike" cap="none" normalizeH="0" baseline="0" dirty="0" smtClean="0">
+                <a:ln>
+                  <a:noFill/>
+                </a:ln>
+                <a:solidFill>
+                  <a:srgbClr val="000066"/>
+                </a:solidFill>
+                <a:effectLst/>
+                <a:latin typeface="宋体" panose="02010600030101010101" pitchFamily="2" charset="-122"/>
+                <a:ea typeface="宋体" panose="02010600030101010101" pitchFamily="2" charset="-122"/>
+              </a:rPr>
+              <a:t>    </a:t>
+            </a:r>
+            <a:r>
+              <a:rPr kumimoji="0" lang="zh-CN" altLang="zh-CN" sz="1800" b="0" i="0" u="none" strike="noStrike" cap="none" normalizeH="0" baseline="0" dirty="0" smtClean="0">
+                <a:ln>
+                  <a:noFill/>
+                </a:ln>
+                <a:solidFill>
+                  <a:srgbClr val="333333"/>
+                </a:solidFill>
+                <a:effectLst/>
+                <a:latin typeface="宋体" panose="02010600030101010101" pitchFamily="2" charset="-122"/>
+                <a:ea typeface="宋体" panose="02010600030101010101" pitchFamily="2" charset="-122"/>
+              </a:rPr>
+              <a:t>.</a:t>
+            </a:r>
+            <a:r>
+              <a:rPr kumimoji="0" lang="zh-CN" altLang="zh-CN" sz="1800" b="0" i="0" u="none" strike="noStrike" cap="none" normalizeH="0" baseline="0" dirty="0" smtClean="0">
+                <a:ln>
+                  <a:noFill/>
+                </a:ln>
+                <a:solidFill>
+                  <a:srgbClr val="000000"/>
+                </a:solidFill>
+                <a:effectLst/>
+                <a:latin typeface="宋体" panose="02010600030101010101" pitchFamily="2" charset="-122"/>
+                <a:ea typeface="宋体" panose="02010600030101010101" pitchFamily="2" charset="-122"/>
+              </a:rPr>
+              <a:t>scan</a:t>
+            </a:r>
+            <a:r>
+              <a:rPr kumimoji="0" lang="zh-CN" altLang="zh-CN" sz="1800" b="0" i="0" u="none" strike="noStrike" cap="none" normalizeH="0" baseline="0" dirty="0" smtClean="0">
+                <a:ln>
+                  <a:noFill/>
+                </a:ln>
+                <a:solidFill>
+                  <a:srgbClr val="000066"/>
+                </a:solidFill>
+                <a:effectLst/>
+                <a:latin typeface="宋体" panose="02010600030101010101" pitchFamily="2" charset="-122"/>
+                <a:ea typeface="宋体" panose="02010600030101010101" pitchFamily="2" charset="-122"/>
+              </a:rPr>
+              <a:t>(</a:t>
+            </a:r>
+            <a:r>
+              <a:rPr kumimoji="0" lang="zh-CN" altLang="zh-CN" sz="1800" b="1" i="0" u="none" strike="noStrike" cap="none" normalizeH="0" baseline="0" dirty="0" smtClean="0">
+                <a:ln>
+                  <a:noFill/>
+                </a:ln>
+                <a:solidFill>
+                  <a:srgbClr val="7F0055"/>
+                </a:solidFill>
+                <a:effectLst/>
+                <a:latin typeface="宋体" panose="02010600030101010101" pitchFamily="2" charset="-122"/>
+                <a:ea typeface="宋体" panose="02010600030101010101" pitchFamily="2" charset="-122"/>
+              </a:rPr>
+              <a:t>new </a:t>
+            </a:r>
+            <a:r>
+              <a:rPr kumimoji="0" lang="zh-CN" altLang="zh-CN" sz="1800" b="1" i="0" u="none" strike="noStrike" cap="none" normalizeH="0" baseline="0" dirty="0" smtClean="0">
+                <a:ln>
+                  <a:noFill/>
+                </a:ln>
+                <a:solidFill>
+                  <a:srgbClr val="3E7EFF"/>
+                </a:solidFill>
+                <a:effectLst/>
+                <a:latin typeface="宋体" panose="02010600030101010101" pitchFamily="2" charset="-122"/>
+                <a:ea typeface="宋体" panose="02010600030101010101" pitchFamily="2" charset="-122"/>
+              </a:rPr>
+              <a:t>Func2</a:t>
+            </a:r>
+            <a:r>
+              <a:rPr kumimoji="0" lang="zh-CN" altLang="zh-CN" sz="1800" b="0" i="0" u="none" strike="noStrike" cap="none" normalizeH="0" baseline="0" dirty="0" smtClean="0">
+                <a:ln>
+                  <a:noFill/>
+                </a:ln>
+                <a:solidFill>
+                  <a:srgbClr val="333333"/>
+                </a:solidFill>
+                <a:effectLst/>
+                <a:latin typeface="宋体" panose="02010600030101010101" pitchFamily="2" charset="-122"/>
+                <a:ea typeface="宋体" panose="02010600030101010101" pitchFamily="2" charset="-122"/>
+              </a:rPr>
+              <a:t>&lt;</a:t>
+            </a:r>
+            <a:r>
+              <a:rPr kumimoji="0" lang="zh-CN" altLang="zh-CN" sz="1800" b="1" i="0" u="none" strike="noStrike" cap="none" normalizeH="0" baseline="0" dirty="0" smtClean="0">
+                <a:ln>
+                  <a:noFill/>
+                </a:ln>
+                <a:solidFill>
+                  <a:srgbClr val="3E7EFF"/>
+                </a:solidFill>
+                <a:effectLst/>
+                <a:latin typeface="宋体" panose="02010600030101010101" pitchFamily="2" charset="-122"/>
+                <a:ea typeface="宋体" panose="02010600030101010101" pitchFamily="2" charset="-122"/>
+              </a:rPr>
+              <a:t>String</a:t>
+            </a:r>
+            <a:r>
+              <a:rPr kumimoji="0" lang="zh-CN" altLang="zh-CN" sz="1800" b="0" i="0" u="none" strike="noStrike" cap="none" normalizeH="0" baseline="0" dirty="0" smtClean="0">
+                <a:ln>
+                  <a:noFill/>
+                </a:ln>
+                <a:solidFill>
+                  <a:srgbClr val="333333"/>
+                </a:solidFill>
+                <a:effectLst/>
+                <a:latin typeface="宋体" panose="02010600030101010101" pitchFamily="2" charset="-122"/>
+                <a:ea typeface="宋体" panose="02010600030101010101" pitchFamily="2" charset="-122"/>
+              </a:rPr>
+              <a:t>, </a:t>
+            </a:r>
+            <a:r>
+              <a:rPr kumimoji="0" lang="zh-CN" altLang="zh-CN" sz="1800" b="1" i="0" u="none" strike="noStrike" cap="none" normalizeH="0" baseline="0" dirty="0" smtClean="0">
+                <a:ln>
+                  <a:noFill/>
+                </a:ln>
+                <a:solidFill>
+                  <a:srgbClr val="3E7EFF"/>
+                </a:solidFill>
+                <a:effectLst/>
+                <a:latin typeface="宋体" panose="02010600030101010101" pitchFamily="2" charset="-122"/>
+                <a:ea typeface="宋体" panose="02010600030101010101" pitchFamily="2" charset="-122"/>
+              </a:rPr>
+              <a:t>String</a:t>
+            </a:r>
+            <a:r>
+              <a:rPr kumimoji="0" lang="zh-CN" altLang="zh-CN" sz="1800" b="0" i="0" u="none" strike="noStrike" cap="none" normalizeH="0" baseline="0" dirty="0" smtClean="0">
+                <a:ln>
+                  <a:noFill/>
+                </a:ln>
+                <a:solidFill>
+                  <a:srgbClr val="333333"/>
+                </a:solidFill>
+                <a:effectLst/>
+                <a:latin typeface="宋体" panose="02010600030101010101" pitchFamily="2" charset="-122"/>
+                <a:ea typeface="宋体" panose="02010600030101010101" pitchFamily="2" charset="-122"/>
+              </a:rPr>
+              <a:t>, </a:t>
+            </a:r>
+            <a:r>
+              <a:rPr kumimoji="0" lang="zh-CN" altLang="zh-CN" sz="1800" b="1" i="0" u="none" strike="noStrike" cap="none" normalizeH="0" baseline="0" dirty="0" smtClean="0">
+                <a:ln>
+                  <a:noFill/>
+                </a:ln>
+                <a:solidFill>
+                  <a:srgbClr val="3E7EFF"/>
+                </a:solidFill>
+                <a:effectLst/>
+                <a:latin typeface="宋体" panose="02010600030101010101" pitchFamily="2" charset="-122"/>
+                <a:ea typeface="宋体" panose="02010600030101010101" pitchFamily="2" charset="-122"/>
+              </a:rPr>
+              <a:t>String</a:t>
+            </a:r>
+            <a:r>
+              <a:rPr kumimoji="0" lang="zh-CN" altLang="zh-CN" sz="1800" b="0" i="0" u="none" strike="noStrike" cap="none" normalizeH="0" baseline="0" dirty="0" smtClean="0">
+                <a:ln>
+                  <a:noFill/>
+                </a:ln>
+                <a:solidFill>
+                  <a:srgbClr val="333333"/>
+                </a:solidFill>
+                <a:effectLst/>
+                <a:latin typeface="宋体" panose="02010600030101010101" pitchFamily="2" charset="-122"/>
+                <a:ea typeface="宋体" panose="02010600030101010101" pitchFamily="2" charset="-122"/>
+              </a:rPr>
+              <a:t>&gt;</a:t>
+            </a:r>
+            <a:r>
+              <a:rPr kumimoji="0" lang="zh-CN" altLang="zh-CN" sz="1800" b="0" i="0" u="none" strike="noStrike" cap="none" normalizeH="0" baseline="0" dirty="0" smtClean="0">
+                <a:ln>
+                  <a:noFill/>
+                </a:ln>
+                <a:solidFill>
+                  <a:srgbClr val="000066"/>
+                </a:solidFill>
+                <a:effectLst/>
+                <a:latin typeface="宋体" panose="02010600030101010101" pitchFamily="2" charset="-122"/>
+                <a:ea typeface="宋体" panose="02010600030101010101" pitchFamily="2" charset="-122"/>
+              </a:rPr>
+              <a:t>() {</a:t>
+            </a:r>
+            <a:br>
+              <a:rPr kumimoji="0" lang="zh-CN" altLang="zh-CN" sz="1800" b="0" i="0" u="none" strike="noStrike" cap="none" normalizeH="0" baseline="0" dirty="0" smtClean="0">
+                <a:ln>
+                  <a:noFill/>
+                </a:ln>
+                <a:solidFill>
+                  <a:srgbClr val="000066"/>
+                </a:solidFill>
+                <a:effectLst/>
+                <a:latin typeface="宋体" panose="02010600030101010101" pitchFamily="2" charset="-122"/>
+                <a:ea typeface="宋体" panose="02010600030101010101" pitchFamily="2" charset="-122"/>
+              </a:rPr>
+            </a:br>
+            <a:r>
+              <a:rPr kumimoji="0" lang="zh-CN" altLang="zh-CN" sz="1800" b="0" i="0" u="none" strike="noStrike" cap="none" normalizeH="0" baseline="0" dirty="0" smtClean="0">
+                <a:ln>
+                  <a:noFill/>
+                </a:ln>
+                <a:solidFill>
+                  <a:srgbClr val="000066"/>
+                </a:solidFill>
+                <a:effectLst/>
+                <a:latin typeface="宋体" panose="02010600030101010101" pitchFamily="2" charset="-122"/>
+                <a:ea typeface="宋体" panose="02010600030101010101" pitchFamily="2" charset="-122"/>
+              </a:rPr>
+              <a:t>        </a:t>
+            </a:r>
+            <a:r>
+              <a:rPr kumimoji="0" lang="zh-CN" altLang="zh-CN" sz="1800" b="1" i="0" u="none" strike="noStrike" cap="none" normalizeH="0" baseline="0" dirty="0" smtClean="0">
+                <a:ln>
+                  <a:noFill/>
+                </a:ln>
+                <a:solidFill>
+                  <a:srgbClr val="7F9FBF"/>
+                </a:solidFill>
+                <a:effectLst/>
+                <a:latin typeface="宋体" panose="02010600030101010101" pitchFamily="2" charset="-122"/>
+                <a:ea typeface="宋体" panose="02010600030101010101" pitchFamily="2" charset="-122"/>
+              </a:rPr>
+              <a:t>@Override</a:t>
+            </a:r>
+            <a:br>
+              <a:rPr kumimoji="0" lang="zh-CN" altLang="zh-CN" sz="1800" b="1" i="0" u="none" strike="noStrike" cap="none" normalizeH="0" baseline="0" dirty="0" smtClean="0">
+                <a:ln>
+                  <a:noFill/>
+                </a:ln>
+                <a:solidFill>
+                  <a:srgbClr val="7F9FBF"/>
+                </a:solidFill>
+                <a:effectLst/>
+                <a:latin typeface="宋体" panose="02010600030101010101" pitchFamily="2" charset="-122"/>
+                <a:ea typeface="宋体" panose="02010600030101010101" pitchFamily="2" charset="-122"/>
+              </a:rPr>
+            </a:br>
+            <a:r>
+              <a:rPr kumimoji="0" lang="zh-CN" altLang="zh-CN" sz="1800" b="1" i="0" u="none" strike="noStrike" cap="none" normalizeH="0" baseline="0" dirty="0" smtClean="0">
+                <a:ln>
+                  <a:noFill/>
+                </a:ln>
+                <a:solidFill>
+                  <a:srgbClr val="7F9FBF"/>
+                </a:solidFill>
+                <a:effectLst/>
+                <a:latin typeface="宋体" panose="02010600030101010101" pitchFamily="2" charset="-122"/>
+                <a:ea typeface="宋体" panose="02010600030101010101" pitchFamily="2" charset="-122"/>
+              </a:rPr>
+              <a:t>        </a:t>
+            </a:r>
+            <a:r>
+              <a:rPr kumimoji="0" lang="zh-CN" altLang="zh-CN" sz="1800" b="1" i="0" u="none" strike="noStrike" cap="none" normalizeH="0" baseline="0" dirty="0" smtClean="0">
+                <a:ln>
+                  <a:noFill/>
+                </a:ln>
+                <a:solidFill>
+                  <a:srgbClr val="7F0055"/>
+                </a:solidFill>
+                <a:effectLst/>
+                <a:latin typeface="宋体" panose="02010600030101010101" pitchFamily="2" charset="-122"/>
+                <a:ea typeface="宋体" panose="02010600030101010101" pitchFamily="2" charset="-122"/>
+              </a:rPr>
+              <a:t>public </a:t>
+            </a:r>
+            <a:r>
+              <a:rPr kumimoji="0" lang="zh-CN" altLang="zh-CN" sz="1800" b="1" i="0" u="none" strike="noStrike" cap="none" normalizeH="0" baseline="0" dirty="0" smtClean="0">
+                <a:ln>
+                  <a:noFill/>
+                </a:ln>
+                <a:solidFill>
+                  <a:srgbClr val="3E7EFF"/>
+                </a:solidFill>
+                <a:effectLst/>
+                <a:latin typeface="宋体" panose="02010600030101010101" pitchFamily="2" charset="-122"/>
+                <a:ea typeface="宋体" panose="02010600030101010101" pitchFamily="2" charset="-122"/>
+              </a:rPr>
+              <a:t>String </a:t>
+            </a:r>
+            <a:r>
+              <a:rPr kumimoji="0" lang="zh-CN" altLang="zh-CN" sz="1800" b="0" i="0" u="none" strike="noStrike" cap="none" normalizeH="0" baseline="0" dirty="0" smtClean="0">
+                <a:ln>
+                  <a:noFill/>
+                </a:ln>
+                <a:solidFill>
+                  <a:srgbClr val="170591"/>
+                </a:solidFill>
+                <a:effectLst/>
+                <a:latin typeface="宋体" panose="02010600030101010101" pitchFamily="2" charset="-122"/>
+                <a:ea typeface="宋体" panose="02010600030101010101" pitchFamily="2" charset="-122"/>
+              </a:rPr>
+              <a:t>call</a:t>
+            </a:r>
+            <a:r>
+              <a:rPr kumimoji="0" lang="zh-CN" altLang="zh-CN" sz="1800" b="0" i="0" u="none" strike="noStrike" cap="none" normalizeH="0" baseline="0" dirty="0" smtClean="0">
+                <a:ln>
+                  <a:noFill/>
+                </a:ln>
+                <a:solidFill>
+                  <a:srgbClr val="000066"/>
+                </a:solidFill>
+                <a:effectLst/>
+                <a:latin typeface="宋体" panose="02010600030101010101" pitchFamily="2" charset="-122"/>
+                <a:ea typeface="宋体" panose="02010600030101010101" pitchFamily="2" charset="-122"/>
+              </a:rPr>
+              <a:t>(</a:t>
+            </a:r>
+            <a:r>
+              <a:rPr kumimoji="0" lang="zh-CN" altLang="zh-CN" sz="1800" b="1" i="0" u="none" strike="noStrike" cap="none" normalizeH="0" baseline="0" dirty="0" smtClean="0">
+                <a:ln>
+                  <a:noFill/>
+                </a:ln>
+                <a:solidFill>
+                  <a:srgbClr val="3E7EFF"/>
+                </a:solidFill>
+                <a:effectLst/>
+                <a:latin typeface="宋体" panose="02010600030101010101" pitchFamily="2" charset="-122"/>
+                <a:ea typeface="宋体" panose="02010600030101010101" pitchFamily="2" charset="-122"/>
+              </a:rPr>
+              <a:t>String </a:t>
+            </a:r>
+            <a:r>
+              <a:rPr kumimoji="0" lang="zh-CN" altLang="zh-CN" sz="1800" b="0" i="1" u="none" strike="noStrike" cap="none" normalizeH="0" baseline="0" dirty="0" smtClean="0">
+                <a:ln>
+                  <a:noFill/>
+                </a:ln>
+                <a:solidFill>
+                  <a:srgbClr val="000066"/>
+                </a:solidFill>
+                <a:effectLst/>
+                <a:latin typeface="宋体" panose="02010600030101010101" pitchFamily="2" charset="-122"/>
+                <a:ea typeface="宋体" panose="02010600030101010101" pitchFamily="2" charset="-122"/>
+              </a:rPr>
+              <a:t>s</a:t>
+            </a:r>
+            <a:r>
+              <a:rPr kumimoji="0" lang="zh-CN" altLang="zh-CN" sz="1800" b="0" i="0" u="none" strike="noStrike" cap="none" normalizeH="0" baseline="0" dirty="0" smtClean="0">
+                <a:ln>
+                  <a:noFill/>
+                </a:ln>
+                <a:solidFill>
+                  <a:srgbClr val="333333"/>
+                </a:solidFill>
+                <a:effectLst/>
+                <a:latin typeface="宋体" panose="02010600030101010101" pitchFamily="2" charset="-122"/>
+                <a:ea typeface="宋体" panose="02010600030101010101" pitchFamily="2" charset="-122"/>
+              </a:rPr>
+              <a:t>, </a:t>
+            </a:r>
+            <a:r>
+              <a:rPr kumimoji="0" lang="zh-CN" altLang="zh-CN" sz="1800" b="1" i="0" u="none" strike="noStrike" cap="none" normalizeH="0" baseline="0" dirty="0" smtClean="0">
+                <a:ln>
+                  <a:noFill/>
+                </a:ln>
+                <a:solidFill>
+                  <a:srgbClr val="3E7EFF"/>
+                </a:solidFill>
+                <a:effectLst/>
+                <a:latin typeface="宋体" panose="02010600030101010101" pitchFamily="2" charset="-122"/>
+                <a:ea typeface="宋体" panose="02010600030101010101" pitchFamily="2" charset="-122"/>
+              </a:rPr>
+              <a:t>String </a:t>
+            </a:r>
+            <a:r>
+              <a:rPr kumimoji="0" lang="zh-CN" altLang="zh-CN" sz="1800" b="0" i="1" u="none" strike="noStrike" cap="none" normalizeH="0" baseline="0" dirty="0" smtClean="0">
+                <a:ln>
+                  <a:noFill/>
+                </a:ln>
+                <a:solidFill>
+                  <a:srgbClr val="000066"/>
+                </a:solidFill>
+                <a:effectLst/>
+                <a:latin typeface="宋体" panose="02010600030101010101" pitchFamily="2" charset="-122"/>
+                <a:ea typeface="宋体" panose="02010600030101010101" pitchFamily="2" charset="-122"/>
+              </a:rPr>
+              <a:t>s2</a:t>
+            </a:r>
+            <a:r>
+              <a:rPr kumimoji="0" lang="zh-CN" altLang="zh-CN" sz="1800" b="0" i="0" u="none" strike="noStrike" cap="none" normalizeH="0" baseline="0" dirty="0" smtClean="0">
+                <a:ln>
+                  <a:noFill/>
+                </a:ln>
+                <a:solidFill>
+                  <a:srgbClr val="000066"/>
+                </a:solidFill>
+                <a:effectLst/>
+                <a:latin typeface="宋体" panose="02010600030101010101" pitchFamily="2" charset="-122"/>
+                <a:ea typeface="宋体" panose="02010600030101010101" pitchFamily="2" charset="-122"/>
+              </a:rPr>
+              <a:t>) {</a:t>
+            </a:r>
+            <a:br>
+              <a:rPr kumimoji="0" lang="zh-CN" altLang="zh-CN" sz="1800" b="0" i="0" u="none" strike="noStrike" cap="none" normalizeH="0" baseline="0" dirty="0" smtClean="0">
+                <a:ln>
+                  <a:noFill/>
+                </a:ln>
+                <a:solidFill>
+                  <a:srgbClr val="000066"/>
+                </a:solidFill>
+                <a:effectLst/>
+                <a:latin typeface="宋体" panose="02010600030101010101" pitchFamily="2" charset="-122"/>
+                <a:ea typeface="宋体" panose="02010600030101010101" pitchFamily="2" charset="-122"/>
+              </a:rPr>
+            </a:br>
+            <a:r>
+              <a:rPr kumimoji="0" lang="zh-CN" altLang="zh-CN" sz="1800" b="0" i="0" u="none" strike="noStrike" cap="none" normalizeH="0" baseline="0" dirty="0" smtClean="0">
+                <a:ln>
+                  <a:noFill/>
+                </a:ln>
+                <a:solidFill>
+                  <a:srgbClr val="000066"/>
+                </a:solidFill>
+                <a:effectLst/>
+                <a:latin typeface="宋体" panose="02010600030101010101" pitchFamily="2" charset="-122"/>
+                <a:ea typeface="宋体" panose="02010600030101010101" pitchFamily="2" charset="-122"/>
+              </a:rPr>
+              <a:t>            </a:t>
+            </a:r>
+            <a:r>
+              <a:rPr kumimoji="0" lang="zh-CN" altLang="zh-CN" sz="1800" b="1" i="0" u="none" strike="noStrike" cap="none" normalizeH="0" baseline="0" dirty="0" smtClean="0">
+                <a:ln>
+                  <a:noFill/>
+                </a:ln>
+                <a:solidFill>
+                  <a:srgbClr val="7F0055"/>
+                </a:solidFill>
+                <a:effectLst/>
+                <a:latin typeface="宋体" panose="02010600030101010101" pitchFamily="2" charset="-122"/>
+                <a:ea typeface="宋体" panose="02010600030101010101" pitchFamily="2" charset="-122"/>
+              </a:rPr>
+              <a:t>return </a:t>
+            </a:r>
+            <a:r>
+              <a:rPr kumimoji="0" lang="zh-CN" altLang="zh-CN" sz="1800" b="0" i="1" u="none" strike="noStrike" cap="none" normalizeH="0" baseline="0" dirty="0" smtClean="0">
+                <a:ln>
+                  <a:noFill/>
+                </a:ln>
+                <a:solidFill>
+                  <a:srgbClr val="000066"/>
+                </a:solidFill>
+                <a:effectLst/>
+                <a:latin typeface="宋体" panose="02010600030101010101" pitchFamily="2" charset="-122"/>
+                <a:ea typeface="宋体" panose="02010600030101010101" pitchFamily="2" charset="-122"/>
+              </a:rPr>
+              <a:t>s </a:t>
+            </a:r>
+            <a:r>
+              <a:rPr kumimoji="0" lang="zh-CN" altLang="zh-CN" sz="1800" b="0" i="0" u="none" strike="noStrike" cap="none" normalizeH="0" baseline="0" dirty="0" smtClean="0">
+                <a:ln>
+                  <a:noFill/>
+                </a:ln>
+                <a:solidFill>
+                  <a:srgbClr val="333333"/>
+                </a:solidFill>
+                <a:effectLst/>
+                <a:latin typeface="宋体" panose="02010600030101010101" pitchFamily="2" charset="-122"/>
+                <a:ea typeface="宋体" panose="02010600030101010101" pitchFamily="2" charset="-122"/>
+              </a:rPr>
+              <a:t>+ </a:t>
+            </a:r>
+            <a:r>
+              <a:rPr kumimoji="0" lang="zh-CN" altLang="zh-CN" sz="1800" b="0" i="1" u="none" strike="noStrike" cap="none" normalizeH="0" baseline="0" dirty="0" smtClean="0">
+                <a:ln>
+                  <a:noFill/>
+                </a:ln>
+                <a:solidFill>
+                  <a:srgbClr val="000066"/>
+                </a:solidFill>
+                <a:effectLst/>
+                <a:latin typeface="宋体" panose="02010600030101010101" pitchFamily="2" charset="-122"/>
+                <a:ea typeface="宋体" panose="02010600030101010101" pitchFamily="2" charset="-122"/>
+              </a:rPr>
+              <a:t>s2</a:t>
+            </a:r>
+            <a:r>
+              <a:rPr kumimoji="0" lang="zh-CN" altLang="zh-CN" sz="1800" b="0" i="0" u="none" strike="noStrike" cap="none" normalizeH="0" baseline="0" dirty="0" smtClean="0">
+                <a:ln>
+                  <a:noFill/>
+                </a:ln>
+                <a:solidFill>
+                  <a:srgbClr val="333333"/>
+                </a:solidFill>
+                <a:effectLst/>
+                <a:latin typeface="宋体" panose="02010600030101010101" pitchFamily="2" charset="-122"/>
+                <a:ea typeface="宋体" panose="02010600030101010101" pitchFamily="2" charset="-122"/>
+              </a:rPr>
+              <a:t>;</a:t>
+            </a:r>
+            <a:br>
+              <a:rPr kumimoji="0" lang="zh-CN" altLang="zh-CN" sz="1800" b="0" i="0" u="none" strike="noStrike" cap="none" normalizeH="0" baseline="0" dirty="0" smtClean="0">
+                <a:ln>
+                  <a:noFill/>
+                </a:ln>
+                <a:solidFill>
+                  <a:srgbClr val="333333"/>
+                </a:solidFill>
+                <a:effectLst/>
+                <a:latin typeface="宋体" panose="02010600030101010101" pitchFamily="2" charset="-122"/>
+                <a:ea typeface="宋体" panose="02010600030101010101" pitchFamily="2" charset="-122"/>
+              </a:rPr>
+            </a:br>
+            <a:r>
+              <a:rPr kumimoji="0" lang="zh-CN" altLang="zh-CN" sz="1800" b="0" i="0" u="none" strike="noStrike" cap="none" normalizeH="0" baseline="0" dirty="0" smtClean="0">
+                <a:ln>
+                  <a:noFill/>
+                </a:ln>
+                <a:solidFill>
+                  <a:srgbClr val="333333"/>
+                </a:solidFill>
+                <a:effectLst/>
+                <a:latin typeface="宋体" panose="02010600030101010101" pitchFamily="2" charset="-122"/>
+                <a:ea typeface="宋体" panose="02010600030101010101" pitchFamily="2" charset="-122"/>
+              </a:rPr>
+              <a:t>        </a:t>
+            </a:r>
+            <a:r>
+              <a:rPr kumimoji="0" lang="zh-CN" altLang="zh-CN" sz="1800" b="0" i="0" u="none" strike="noStrike" cap="none" normalizeH="0" baseline="0" dirty="0" smtClean="0">
+                <a:ln>
+                  <a:noFill/>
+                </a:ln>
+                <a:solidFill>
+                  <a:srgbClr val="000066"/>
+                </a:solidFill>
+                <a:effectLst/>
+                <a:latin typeface="宋体" panose="02010600030101010101" pitchFamily="2" charset="-122"/>
+                <a:ea typeface="宋体" panose="02010600030101010101" pitchFamily="2" charset="-122"/>
+              </a:rPr>
+              <a:t>}</a:t>
+            </a:r>
+            <a:br>
+              <a:rPr kumimoji="0" lang="zh-CN" altLang="zh-CN" sz="1800" b="0" i="0" u="none" strike="noStrike" cap="none" normalizeH="0" baseline="0" dirty="0" smtClean="0">
+                <a:ln>
+                  <a:noFill/>
+                </a:ln>
+                <a:solidFill>
+                  <a:srgbClr val="000066"/>
+                </a:solidFill>
+                <a:effectLst/>
+                <a:latin typeface="宋体" panose="02010600030101010101" pitchFamily="2" charset="-122"/>
+                <a:ea typeface="宋体" panose="02010600030101010101" pitchFamily="2" charset="-122"/>
+              </a:rPr>
+            </a:br>
+            <a:r>
+              <a:rPr kumimoji="0" lang="zh-CN" altLang="zh-CN" sz="1800" b="0" i="0" u="none" strike="noStrike" cap="none" normalizeH="0" baseline="0" dirty="0" smtClean="0">
+                <a:ln>
+                  <a:noFill/>
+                </a:ln>
+                <a:solidFill>
+                  <a:srgbClr val="000066"/>
+                </a:solidFill>
+                <a:effectLst/>
+                <a:latin typeface="宋体" panose="02010600030101010101" pitchFamily="2" charset="-122"/>
+                <a:ea typeface="宋体" panose="02010600030101010101" pitchFamily="2" charset="-122"/>
+              </a:rPr>
+              <a:t>    })</a:t>
+            </a:r>
+            <a:br>
+              <a:rPr kumimoji="0" lang="zh-CN" altLang="zh-CN" sz="1800" b="0" i="0" u="none" strike="noStrike" cap="none" normalizeH="0" baseline="0" dirty="0" smtClean="0">
+                <a:ln>
+                  <a:noFill/>
+                </a:ln>
+                <a:solidFill>
+                  <a:srgbClr val="000066"/>
+                </a:solidFill>
+                <a:effectLst/>
+                <a:latin typeface="宋体" panose="02010600030101010101" pitchFamily="2" charset="-122"/>
+                <a:ea typeface="宋体" panose="02010600030101010101" pitchFamily="2" charset="-122"/>
+              </a:rPr>
+            </a:br>
+            <a:r>
+              <a:rPr kumimoji="0" lang="zh-CN" altLang="zh-CN" sz="1800" b="0" i="0" u="none" strike="noStrike" cap="none" normalizeH="0" baseline="0" dirty="0" smtClean="0">
+                <a:ln>
+                  <a:noFill/>
+                </a:ln>
+                <a:solidFill>
+                  <a:srgbClr val="000066"/>
+                </a:solidFill>
+                <a:effectLst/>
+                <a:latin typeface="宋体" panose="02010600030101010101" pitchFamily="2" charset="-122"/>
+                <a:ea typeface="宋体" panose="02010600030101010101" pitchFamily="2" charset="-122"/>
+              </a:rPr>
+              <a:t>    </a:t>
+            </a:r>
+            <a:r>
+              <a:rPr kumimoji="0" lang="zh-CN" altLang="zh-CN" sz="1800" b="0" i="0" u="none" strike="noStrike" cap="none" normalizeH="0" baseline="0" dirty="0" smtClean="0">
+                <a:ln>
+                  <a:noFill/>
+                </a:ln>
+                <a:solidFill>
+                  <a:srgbClr val="333333"/>
+                </a:solidFill>
+                <a:effectLst/>
+                <a:latin typeface="宋体" panose="02010600030101010101" pitchFamily="2" charset="-122"/>
+                <a:ea typeface="宋体" panose="02010600030101010101" pitchFamily="2" charset="-122"/>
+              </a:rPr>
+              <a:t>.</a:t>
+            </a:r>
+            <a:r>
+              <a:rPr kumimoji="0" lang="zh-CN" altLang="zh-CN" sz="1800" b="0" i="0" u="none" strike="noStrike" cap="none" normalizeH="0" baseline="0" dirty="0" smtClean="0">
+                <a:ln>
+                  <a:noFill/>
+                </a:ln>
+                <a:solidFill>
+                  <a:srgbClr val="000000"/>
+                </a:solidFill>
+                <a:effectLst/>
+                <a:latin typeface="宋体" panose="02010600030101010101" pitchFamily="2" charset="-122"/>
+                <a:ea typeface="宋体" panose="02010600030101010101" pitchFamily="2" charset="-122"/>
+              </a:rPr>
+              <a:t>subscribe</a:t>
+            </a:r>
+            <a:r>
+              <a:rPr kumimoji="0" lang="zh-CN" altLang="zh-CN" sz="1800" b="0" i="0" u="none" strike="noStrike" cap="none" normalizeH="0" baseline="0" dirty="0" smtClean="0">
+                <a:ln>
+                  <a:noFill/>
+                </a:ln>
+                <a:solidFill>
+                  <a:srgbClr val="000066"/>
+                </a:solidFill>
+                <a:effectLst/>
+                <a:latin typeface="宋体" panose="02010600030101010101" pitchFamily="2" charset="-122"/>
+                <a:ea typeface="宋体" panose="02010600030101010101" pitchFamily="2" charset="-122"/>
+              </a:rPr>
+              <a:t>(</a:t>
+            </a:r>
+            <a:r>
+              <a:rPr kumimoji="0" lang="zh-CN" altLang="zh-CN" sz="1800" b="1" i="0" u="none" strike="noStrike" cap="none" normalizeH="0" baseline="0" dirty="0" smtClean="0">
+                <a:ln>
+                  <a:noFill/>
+                </a:ln>
+                <a:solidFill>
+                  <a:srgbClr val="7F0055"/>
+                </a:solidFill>
+                <a:effectLst/>
+                <a:latin typeface="宋体" panose="02010600030101010101" pitchFamily="2" charset="-122"/>
+                <a:ea typeface="宋体" panose="02010600030101010101" pitchFamily="2" charset="-122"/>
+              </a:rPr>
+              <a:t>new </a:t>
+            </a:r>
+            <a:r>
+              <a:rPr kumimoji="0" lang="zh-CN" altLang="zh-CN" sz="1800" b="1" i="0" u="none" strike="noStrike" cap="none" normalizeH="0" baseline="0" dirty="0" smtClean="0">
+                <a:ln>
+                  <a:noFill/>
+                </a:ln>
+                <a:solidFill>
+                  <a:srgbClr val="3E7EFF"/>
+                </a:solidFill>
+                <a:effectLst/>
+                <a:latin typeface="宋体" panose="02010600030101010101" pitchFamily="2" charset="-122"/>
+                <a:ea typeface="宋体" panose="02010600030101010101" pitchFamily="2" charset="-122"/>
+              </a:rPr>
+              <a:t>Action1</a:t>
+            </a:r>
+            <a:r>
+              <a:rPr kumimoji="0" lang="zh-CN" altLang="zh-CN" sz="1800" b="0" i="0" u="none" strike="noStrike" cap="none" normalizeH="0" baseline="0" dirty="0" smtClean="0">
+                <a:ln>
+                  <a:noFill/>
+                </a:ln>
+                <a:solidFill>
+                  <a:srgbClr val="333333"/>
+                </a:solidFill>
+                <a:effectLst/>
+                <a:latin typeface="宋体" panose="02010600030101010101" pitchFamily="2" charset="-122"/>
+                <a:ea typeface="宋体" panose="02010600030101010101" pitchFamily="2" charset="-122"/>
+              </a:rPr>
+              <a:t>&lt;</a:t>
+            </a:r>
+            <a:r>
+              <a:rPr kumimoji="0" lang="zh-CN" altLang="zh-CN" sz="1800" b="1" i="0" u="none" strike="noStrike" cap="none" normalizeH="0" baseline="0" dirty="0" smtClean="0">
+                <a:ln>
+                  <a:noFill/>
+                </a:ln>
+                <a:solidFill>
+                  <a:srgbClr val="3E7EFF"/>
+                </a:solidFill>
+                <a:effectLst/>
+                <a:latin typeface="宋体" panose="02010600030101010101" pitchFamily="2" charset="-122"/>
+                <a:ea typeface="宋体" panose="02010600030101010101" pitchFamily="2" charset="-122"/>
+              </a:rPr>
+              <a:t>String</a:t>
+            </a:r>
+            <a:r>
+              <a:rPr kumimoji="0" lang="zh-CN" altLang="zh-CN" sz="1800" b="0" i="0" u="none" strike="noStrike" cap="none" normalizeH="0" baseline="0" dirty="0" smtClean="0">
+                <a:ln>
+                  <a:noFill/>
+                </a:ln>
+                <a:solidFill>
+                  <a:srgbClr val="333333"/>
+                </a:solidFill>
+                <a:effectLst/>
+                <a:latin typeface="宋体" panose="02010600030101010101" pitchFamily="2" charset="-122"/>
+                <a:ea typeface="宋体" panose="02010600030101010101" pitchFamily="2" charset="-122"/>
+              </a:rPr>
+              <a:t>&gt;</a:t>
+            </a:r>
+            <a:r>
+              <a:rPr kumimoji="0" lang="zh-CN" altLang="zh-CN" sz="1800" b="0" i="0" u="none" strike="noStrike" cap="none" normalizeH="0" baseline="0" dirty="0" smtClean="0">
+                <a:ln>
+                  <a:noFill/>
+                </a:ln>
+                <a:solidFill>
+                  <a:srgbClr val="000066"/>
+                </a:solidFill>
+                <a:effectLst/>
+                <a:latin typeface="宋体" panose="02010600030101010101" pitchFamily="2" charset="-122"/>
+                <a:ea typeface="宋体" panose="02010600030101010101" pitchFamily="2" charset="-122"/>
+              </a:rPr>
+              <a:t>() {</a:t>
+            </a:r>
+            <a:br>
+              <a:rPr kumimoji="0" lang="zh-CN" altLang="zh-CN" sz="1800" b="0" i="0" u="none" strike="noStrike" cap="none" normalizeH="0" baseline="0" dirty="0" smtClean="0">
+                <a:ln>
+                  <a:noFill/>
+                </a:ln>
+                <a:solidFill>
+                  <a:srgbClr val="000066"/>
+                </a:solidFill>
+                <a:effectLst/>
+                <a:latin typeface="宋体" panose="02010600030101010101" pitchFamily="2" charset="-122"/>
+                <a:ea typeface="宋体" panose="02010600030101010101" pitchFamily="2" charset="-122"/>
+              </a:rPr>
+            </a:br>
+            <a:r>
+              <a:rPr kumimoji="0" lang="zh-CN" altLang="zh-CN" sz="1800" b="0" i="0" u="none" strike="noStrike" cap="none" normalizeH="0" baseline="0" dirty="0" smtClean="0">
+                <a:ln>
+                  <a:noFill/>
+                </a:ln>
+                <a:solidFill>
+                  <a:srgbClr val="000066"/>
+                </a:solidFill>
+                <a:effectLst/>
+                <a:latin typeface="宋体" panose="02010600030101010101" pitchFamily="2" charset="-122"/>
+                <a:ea typeface="宋体" panose="02010600030101010101" pitchFamily="2" charset="-122"/>
+              </a:rPr>
+              <a:t>        </a:t>
+            </a:r>
+            <a:r>
+              <a:rPr kumimoji="0" lang="zh-CN" altLang="zh-CN" sz="1800" b="1" i="0" u="none" strike="noStrike" cap="none" normalizeH="0" baseline="0" dirty="0" smtClean="0">
+                <a:ln>
+                  <a:noFill/>
+                </a:ln>
+                <a:solidFill>
+                  <a:srgbClr val="7F9FBF"/>
+                </a:solidFill>
+                <a:effectLst/>
+                <a:latin typeface="宋体" panose="02010600030101010101" pitchFamily="2" charset="-122"/>
+                <a:ea typeface="宋体" panose="02010600030101010101" pitchFamily="2" charset="-122"/>
+              </a:rPr>
+              <a:t>@Override</a:t>
+            </a:r>
+            <a:br>
+              <a:rPr kumimoji="0" lang="zh-CN" altLang="zh-CN" sz="1800" b="1" i="0" u="none" strike="noStrike" cap="none" normalizeH="0" baseline="0" dirty="0" smtClean="0">
+                <a:ln>
+                  <a:noFill/>
+                </a:ln>
+                <a:solidFill>
+                  <a:srgbClr val="7F9FBF"/>
+                </a:solidFill>
+                <a:effectLst/>
+                <a:latin typeface="宋体" panose="02010600030101010101" pitchFamily="2" charset="-122"/>
+                <a:ea typeface="宋体" panose="02010600030101010101" pitchFamily="2" charset="-122"/>
+              </a:rPr>
+            </a:br>
+            <a:r>
+              <a:rPr kumimoji="0" lang="zh-CN" altLang="zh-CN" sz="1800" b="1" i="0" u="none" strike="noStrike" cap="none" normalizeH="0" baseline="0" dirty="0" smtClean="0">
+                <a:ln>
+                  <a:noFill/>
+                </a:ln>
+                <a:solidFill>
+                  <a:srgbClr val="7F9FBF"/>
+                </a:solidFill>
+                <a:effectLst/>
+                <a:latin typeface="宋体" panose="02010600030101010101" pitchFamily="2" charset="-122"/>
+                <a:ea typeface="宋体" panose="02010600030101010101" pitchFamily="2" charset="-122"/>
+              </a:rPr>
+              <a:t>        </a:t>
+            </a:r>
+            <a:r>
+              <a:rPr kumimoji="0" lang="zh-CN" altLang="zh-CN" sz="1800" b="1" i="0" u="none" strike="noStrike" cap="none" normalizeH="0" baseline="0" dirty="0" smtClean="0">
+                <a:ln>
+                  <a:noFill/>
+                </a:ln>
+                <a:solidFill>
+                  <a:srgbClr val="7F0055"/>
+                </a:solidFill>
+                <a:effectLst/>
+                <a:latin typeface="宋体" panose="02010600030101010101" pitchFamily="2" charset="-122"/>
+                <a:ea typeface="宋体" panose="02010600030101010101" pitchFamily="2" charset="-122"/>
+              </a:rPr>
+              <a:t>public void </a:t>
+            </a:r>
+            <a:r>
+              <a:rPr kumimoji="0" lang="zh-CN" altLang="zh-CN" sz="1800" b="0" i="0" u="none" strike="noStrike" cap="none" normalizeH="0" baseline="0" dirty="0" smtClean="0">
+                <a:ln>
+                  <a:noFill/>
+                </a:ln>
+                <a:solidFill>
+                  <a:srgbClr val="170591"/>
+                </a:solidFill>
+                <a:effectLst/>
+                <a:latin typeface="宋体" panose="02010600030101010101" pitchFamily="2" charset="-122"/>
+                <a:ea typeface="宋体" panose="02010600030101010101" pitchFamily="2" charset="-122"/>
+              </a:rPr>
+              <a:t>call</a:t>
+            </a:r>
+            <a:r>
+              <a:rPr kumimoji="0" lang="zh-CN" altLang="zh-CN" sz="1800" b="0" i="0" u="none" strike="noStrike" cap="none" normalizeH="0" baseline="0" dirty="0" smtClean="0">
+                <a:ln>
+                  <a:noFill/>
+                </a:ln>
+                <a:solidFill>
+                  <a:srgbClr val="000066"/>
+                </a:solidFill>
+                <a:effectLst/>
+                <a:latin typeface="宋体" panose="02010600030101010101" pitchFamily="2" charset="-122"/>
+                <a:ea typeface="宋体" panose="02010600030101010101" pitchFamily="2" charset="-122"/>
+              </a:rPr>
+              <a:t>(</a:t>
+            </a:r>
+            <a:r>
+              <a:rPr kumimoji="0" lang="zh-CN" altLang="zh-CN" sz="1800" b="1" i="0" u="none" strike="noStrike" cap="none" normalizeH="0" baseline="0" dirty="0" smtClean="0">
+                <a:ln>
+                  <a:noFill/>
+                </a:ln>
+                <a:solidFill>
+                  <a:srgbClr val="3E7EFF"/>
+                </a:solidFill>
+                <a:effectLst/>
+                <a:latin typeface="宋体" panose="02010600030101010101" pitchFamily="2" charset="-122"/>
+                <a:ea typeface="宋体" panose="02010600030101010101" pitchFamily="2" charset="-122"/>
+              </a:rPr>
+              <a:t>String </a:t>
+            </a:r>
+            <a:r>
+              <a:rPr kumimoji="0" lang="zh-CN" altLang="zh-CN" sz="1800" b="0" i="1" u="none" strike="noStrike" cap="none" normalizeH="0" baseline="0" dirty="0" smtClean="0">
+                <a:ln>
+                  <a:noFill/>
+                </a:ln>
+                <a:solidFill>
+                  <a:srgbClr val="000066"/>
+                </a:solidFill>
+                <a:effectLst/>
+                <a:latin typeface="宋体" panose="02010600030101010101" pitchFamily="2" charset="-122"/>
+                <a:ea typeface="宋体" panose="02010600030101010101" pitchFamily="2" charset="-122"/>
+              </a:rPr>
+              <a:t>s</a:t>
+            </a:r>
+            <a:r>
+              <a:rPr kumimoji="0" lang="zh-CN" altLang="zh-CN" sz="1800" b="0" i="0" u="none" strike="noStrike" cap="none" normalizeH="0" baseline="0" dirty="0" smtClean="0">
+                <a:ln>
+                  <a:noFill/>
+                </a:ln>
+                <a:solidFill>
+                  <a:srgbClr val="000066"/>
+                </a:solidFill>
+                <a:effectLst/>
+                <a:latin typeface="宋体" panose="02010600030101010101" pitchFamily="2" charset="-122"/>
+                <a:ea typeface="宋体" panose="02010600030101010101" pitchFamily="2" charset="-122"/>
+              </a:rPr>
+              <a:t>) {</a:t>
+            </a:r>
+            <a:br>
+              <a:rPr kumimoji="0" lang="zh-CN" altLang="zh-CN" sz="1800" b="0" i="0" u="none" strike="noStrike" cap="none" normalizeH="0" baseline="0" dirty="0" smtClean="0">
+                <a:ln>
+                  <a:noFill/>
+                </a:ln>
+                <a:solidFill>
+                  <a:srgbClr val="000066"/>
+                </a:solidFill>
+                <a:effectLst/>
+                <a:latin typeface="宋体" panose="02010600030101010101" pitchFamily="2" charset="-122"/>
+                <a:ea typeface="宋体" panose="02010600030101010101" pitchFamily="2" charset="-122"/>
+              </a:rPr>
+            </a:br>
+            <a:r>
+              <a:rPr kumimoji="0" lang="zh-CN" altLang="zh-CN" sz="1800" b="0" i="0" u="none" strike="noStrike" cap="none" normalizeH="0" baseline="0" dirty="0" smtClean="0">
+                <a:ln>
+                  <a:noFill/>
+                </a:ln>
+                <a:solidFill>
+                  <a:srgbClr val="000066"/>
+                </a:solidFill>
+                <a:effectLst/>
+                <a:latin typeface="宋体" panose="02010600030101010101" pitchFamily="2" charset="-122"/>
+                <a:ea typeface="宋体" panose="02010600030101010101" pitchFamily="2" charset="-122"/>
+              </a:rPr>
+              <a:t>            </a:t>
+            </a:r>
+            <a:r>
+              <a:rPr kumimoji="0" lang="zh-CN" altLang="zh-CN" sz="1800" b="1" i="0" u="none" strike="noStrike" cap="none" normalizeH="0" baseline="0" dirty="0" smtClean="0">
+                <a:ln>
+                  <a:noFill/>
+                </a:ln>
+                <a:solidFill>
+                  <a:srgbClr val="3E7EFF"/>
+                </a:solidFill>
+                <a:effectLst/>
+                <a:latin typeface="宋体" panose="02010600030101010101" pitchFamily="2" charset="-122"/>
+                <a:ea typeface="宋体" panose="02010600030101010101" pitchFamily="2" charset="-122"/>
+              </a:rPr>
+              <a:t>System</a:t>
+            </a:r>
+            <a:r>
+              <a:rPr kumimoji="0" lang="zh-CN" altLang="zh-CN" sz="1800" b="0" i="0" u="none" strike="noStrike" cap="none" normalizeH="0" baseline="0" dirty="0" smtClean="0">
+                <a:ln>
+                  <a:noFill/>
+                </a:ln>
+                <a:solidFill>
+                  <a:srgbClr val="333333"/>
+                </a:solidFill>
+                <a:effectLst/>
+                <a:latin typeface="宋体" panose="02010600030101010101" pitchFamily="2" charset="-122"/>
+                <a:ea typeface="宋体" panose="02010600030101010101" pitchFamily="2" charset="-122"/>
+              </a:rPr>
+              <a:t>.</a:t>
+            </a:r>
+            <a:r>
+              <a:rPr kumimoji="0" lang="zh-CN" altLang="zh-CN" sz="1800" b="1" i="0" u="none" strike="noStrike" cap="none" normalizeH="0" baseline="0" dirty="0" smtClean="0">
+                <a:ln>
+                  <a:noFill/>
+                </a:ln>
+                <a:solidFill>
+                  <a:srgbClr val="05314D"/>
+                </a:solidFill>
+                <a:effectLst/>
+                <a:latin typeface="宋体" panose="02010600030101010101" pitchFamily="2" charset="-122"/>
+                <a:ea typeface="宋体" panose="02010600030101010101" pitchFamily="2" charset="-122"/>
+              </a:rPr>
+              <a:t>out</a:t>
+            </a:r>
+            <a:r>
+              <a:rPr kumimoji="0" lang="zh-CN" altLang="zh-CN" sz="1800" b="0" i="0" u="none" strike="noStrike" cap="none" normalizeH="0" baseline="0" dirty="0" smtClean="0">
+                <a:ln>
+                  <a:noFill/>
+                </a:ln>
+                <a:solidFill>
+                  <a:srgbClr val="333333"/>
+                </a:solidFill>
+                <a:effectLst/>
+                <a:latin typeface="宋体" panose="02010600030101010101" pitchFamily="2" charset="-122"/>
+                <a:ea typeface="宋体" panose="02010600030101010101" pitchFamily="2" charset="-122"/>
+              </a:rPr>
+              <a:t>.</a:t>
+            </a:r>
+            <a:r>
+              <a:rPr kumimoji="0" lang="zh-CN" altLang="zh-CN" sz="1800" b="0" i="0" u="none" strike="noStrike" cap="none" normalizeH="0" baseline="0" dirty="0" smtClean="0">
+                <a:ln>
+                  <a:noFill/>
+                </a:ln>
+                <a:solidFill>
+                  <a:srgbClr val="000000"/>
+                </a:solidFill>
+                <a:effectLst/>
+                <a:latin typeface="宋体" panose="02010600030101010101" pitchFamily="2" charset="-122"/>
+                <a:ea typeface="宋体" panose="02010600030101010101" pitchFamily="2" charset="-122"/>
+              </a:rPr>
+              <a:t>println</a:t>
+            </a:r>
+            <a:r>
+              <a:rPr kumimoji="0" lang="zh-CN" altLang="zh-CN" sz="1800" b="0" i="0" u="none" strike="noStrike" cap="none" normalizeH="0" baseline="0" dirty="0" smtClean="0">
+                <a:ln>
+                  <a:noFill/>
+                </a:ln>
+                <a:solidFill>
+                  <a:srgbClr val="000066"/>
+                </a:solidFill>
+                <a:effectLst/>
+                <a:latin typeface="宋体" panose="02010600030101010101" pitchFamily="2" charset="-122"/>
+                <a:ea typeface="宋体" panose="02010600030101010101" pitchFamily="2" charset="-122"/>
+              </a:rPr>
+              <a:t>(</a:t>
+            </a:r>
+            <a:r>
+              <a:rPr kumimoji="0" lang="zh-CN" altLang="zh-CN" sz="1800" b="0" i="1" u="none" strike="noStrike" cap="none" normalizeH="0" baseline="0" dirty="0" smtClean="0">
+                <a:ln>
+                  <a:noFill/>
+                </a:ln>
+                <a:solidFill>
+                  <a:srgbClr val="000066"/>
+                </a:solidFill>
+                <a:effectLst/>
+                <a:latin typeface="宋体" panose="02010600030101010101" pitchFamily="2" charset="-122"/>
+                <a:ea typeface="宋体" panose="02010600030101010101" pitchFamily="2" charset="-122"/>
+              </a:rPr>
+              <a:t>s</a:t>
+            </a:r>
+            <a:r>
+              <a:rPr kumimoji="0" lang="zh-CN" altLang="zh-CN" sz="1800" b="0" i="0" u="none" strike="noStrike" cap="none" normalizeH="0" baseline="0" dirty="0" smtClean="0">
+                <a:ln>
+                  <a:noFill/>
+                </a:ln>
+                <a:solidFill>
+                  <a:srgbClr val="000066"/>
+                </a:solidFill>
+                <a:effectLst/>
+                <a:latin typeface="宋体" panose="02010600030101010101" pitchFamily="2" charset="-122"/>
+                <a:ea typeface="宋体" panose="02010600030101010101" pitchFamily="2" charset="-122"/>
+              </a:rPr>
+              <a:t>)</a:t>
+            </a:r>
+            <a:r>
+              <a:rPr kumimoji="0" lang="zh-CN" altLang="zh-CN" sz="1800" b="0" i="0" u="none" strike="noStrike" cap="none" normalizeH="0" baseline="0" dirty="0" smtClean="0">
+                <a:ln>
+                  <a:noFill/>
+                </a:ln>
+                <a:solidFill>
+                  <a:srgbClr val="333333"/>
+                </a:solidFill>
+                <a:effectLst/>
+                <a:latin typeface="宋体" panose="02010600030101010101" pitchFamily="2" charset="-122"/>
+                <a:ea typeface="宋体" panose="02010600030101010101" pitchFamily="2" charset="-122"/>
+              </a:rPr>
+              <a:t>;</a:t>
+            </a:r>
+            <a:br>
+              <a:rPr kumimoji="0" lang="zh-CN" altLang="zh-CN" sz="1800" b="0" i="0" u="none" strike="noStrike" cap="none" normalizeH="0" baseline="0" dirty="0" smtClean="0">
+                <a:ln>
+                  <a:noFill/>
+                </a:ln>
+                <a:solidFill>
+                  <a:srgbClr val="333333"/>
+                </a:solidFill>
+                <a:effectLst/>
+                <a:latin typeface="宋体" panose="02010600030101010101" pitchFamily="2" charset="-122"/>
+                <a:ea typeface="宋体" panose="02010600030101010101" pitchFamily="2" charset="-122"/>
+              </a:rPr>
+            </a:br>
+            <a:r>
+              <a:rPr kumimoji="0" lang="zh-CN" altLang="zh-CN" sz="1800" b="0" i="0" u="none" strike="noStrike" cap="none" normalizeH="0" baseline="0" dirty="0" smtClean="0">
+                <a:ln>
+                  <a:noFill/>
+                </a:ln>
+                <a:solidFill>
+                  <a:srgbClr val="333333"/>
+                </a:solidFill>
+                <a:effectLst/>
+                <a:latin typeface="宋体" panose="02010600030101010101" pitchFamily="2" charset="-122"/>
+                <a:ea typeface="宋体" panose="02010600030101010101" pitchFamily="2" charset="-122"/>
+              </a:rPr>
+              <a:t>        </a:t>
+            </a:r>
+            <a:r>
+              <a:rPr kumimoji="0" lang="zh-CN" altLang="zh-CN" sz="1800" b="0" i="0" u="none" strike="noStrike" cap="none" normalizeH="0" baseline="0" dirty="0" smtClean="0">
+                <a:ln>
+                  <a:noFill/>
+                </a:ln>
+                <a:solidFill>
+                  <a:srgbClr val="000066"/>
+                </a:solidFill>
+                <a:effectLst/>
+                <a:latin typeface="宋体" panose="02010600030101010101" pitchFamily="2" charset="-122"/>
+                <a:ea typeface="宋体" panose="02010600030101010101" pitchFamily="2" charset="-122"/>
+              </a:rPr>
+              <a:t>}</a:t>
+            </a:r>
+            <a:br>
+              <a:rPr kumimoji="0" lang="zh-CN" altLang="zh-CN" sz="1800" b="0" i="0" u="none" strike="noStrike" cap="none" normalizeH="0" baseline="0" dirty="0" smtClean="0">
+                <a:ln>
+                  <a:noFill/>
+                </a:ln>
+                <a:solidFill>
+                  <a:srgbClr val="000066"/>
+                </a:solidFill>
+                <a:effectLst/>
+                <a:latin typeface="宋体" panose="02010600030101010101" pitchFamily="2" charset="-122"/>
+                <a:ea typeface="宋体" panose="02010600030101010101" pitchFamily="2" charset="-122"/>
+              </a:rPr>
+            </a:br>
+            <a:r>
+              <a:rPr kumimoji="0" lang="zh-CN" altLang="zh-CN" sz="1800" b="0" i="0" u="none" strike="noStrike" cap="none" normalizeH="0" baseline="0" dirty="0" smtClean="0">
+                <a:ln>
+                  <a:noFill/>
+                </a:ln>
+                <a:solidFill>
+                  <a:srgbClr val="000066"/>
+                </a:solidFill>
+                <a:effectLst/>
+                <a:latin typeface="宋体" panose="02010600030101010101" pitchFamily="2" charset="-122"/>
+                <a:ea typeface="宋体" panose="02010600030101010101" pitchFamily="2" charset="-122"/>
+              </a:rPr>
+              <a:t>    })</a:t>
+            </a:r>
+            <a:r>
+              <a:rPr kumimoji="0" lang="zh-CN" altLang="zh-CN" sz="1800" b="0" i="0" u="none" strike="noStrike" cap="none" normalizeH="0" baseline="0" dirty="0" smtClean="0">
+                <a:ln>
+                  <a:noFill/>
+                </a:ln>
+                <a:solidFill>
+                  <a:srgbClr val="333333"/>
+                </a:solidFill>
+                <a:effectLst/>
+                <a:latin typeface="宋体" panose="02010600030101010101" pitchFamily="2" charset="-122"/>
+                <a:ea typeface="宋体" panose="02010600030101010101" pitchFamily="2" charset="-122"/>
+              </a:rPr>
+              <a:t>;</a:t>
+            </a:r>
+            <a:endParaRPr kumimoji="0" lang="zh-CN" altLang="zh-CN" sz="2800" b="0" i="0" u="none" strike="noStrike" cap="none" normalizeH="0" baseline="0" dirty="0" smtClean="0">
+              <a:ln>
+                <a:noFill/>
+              </a:ln>
+              <a:solidFill>
+                <a:schemeClr val="tx1"/>
+              </a:solidFill>
+              <a:effectLst/>
+              <a:latin typeface="Arial" panose="020B0604020202020204" pitchFamily="34" charset="0"/>
+            </a:endParaRPr>
+          </a:p>
+        </p:txBody>
+      </p:sp>
+    </p:spTree>
+    <p:extLst>
+      <p:ext uri="{BB962C8B-B14F-4D97-AF65-F5344CB8AC3E}">
+        <p14:creationId xmlns:p14="http://schemas.microsoft.com/office/powerpoint/2010/main" val="386304138"/>
+      </p:ext>
+    </p:extLst>
+  </p:cSld>
+  <p:clrMapOvr>
+    <a:masterClrMapping/>
+  </p:clrMapOvr>
+  <p:transition>
+    <p:wipe dir="d"/>
+  </p:transition>
+  <p:timing>
+    <p:tnLst>
+      <p:par>
+        <p:cTn id="1" dur="indefinite" restart="never" nodeType="tmRoot"/>
+      </p:par>
+    </p:tnLst>
+  </p:timing>
+</p:sld>
+</file>
+
+<file path=ppt/slides/slide37.xml><?xml version="1.0" encoding="utf-8"?>
+<p:sld xmlns:a="http://schemas.openxmlformats.org/drawingml/2006/main" xmlns:r="http://schemas.openxmlformats.org/officeDocument/2006/relationships" xmlns:p="http://schemas.openxmlformats.org/presentationml/2006/main">
+  <p:cSld>
+    <p:spTree>
+      <p:nvGrpSpPr>
+        <p:cNvPr id="1" name=""/>
+        <p:cNvGrpSpPr/>
+        <p:nvPr/>
+      </p:nvGrpSpPr>
+      <p:grpSpPr>
+        <a:xfrm>
+          <a:off x="0" y="0"/>
+          <a:ext cx="0" cy="0"/>
+          <a:chOff x="0" y="0"/>
+          <a:chExt cx="0" cy="0"/>
+        </a:xfrm>
+      </p:grpSpPr>
+      <p:sp>
+        <p:nvSpPr>
+          <p:cNvPr id="2" name="标题 1"/>
+          <p:cNvSpPr>
+            <a:spLocks noGrp="1"/>
+          </p:cNvSpPr>
+          <p:nvPr>
+            <p:ph type="title"/>
+          </p:nvPr>
+        </p:nvSpPr>
+        <p:spPr/>
+        <p:txBody>
+          <a:bodyPr/>
+          <a:lstStyle/>
+          <a:p>
+            <a:r>
+              <a:rPr lang="zh-CN" altLang="en-US" dirty="0" smtClean="0"/>
+              <a:t>有返回值</a:t>
+            </a:r>
+            <a:endParaRPr lang="zh-CN" altLang="en-US" dirty="0"/>
+          </a:p>
+        </p:txBody>
+      </p:sp>
+      <p:sp>
+        <p:nvSpPr>
+          <p:cNvPr id="3" name="内容占位符 2"/>
+          <p:cNvSpPr>
+            <a:spLocks noGrp="1"/>
+          </p:cNvSpPr>
+          <p:nvPr>
+            <p:ph idx="1"/>
+          </p:nvPr>
+        </p:nvSpPr>
+        <p:spPr/>
+        <p:txBody>
+          <a:bodyPr/>
+          <a:lstStyle/>
+          <a:p>
+            <a:r>
+              <a:rPr lang="en-US" altLang="zh-CN" dirty="0" smtClean="0"/>
+              <a:t>Func1:</a:t>
+            </a:r>
+            <a:r>
+              <a:rPr lang="zh-CN" altLang="en-US" dirty="0" smtClean="0"/>
+              <a:t>有一个参数</a:t>
+            </a:r>
+            <a:endParaRPr lang="en-US" altLang="zh-CN" dirty="0" smtClean="0"/>
+          </a:p>
+          <a:p>
+            <a:r>
+              <a:rPr lang="en-US" altLang="zh-CN" dirty="0" smtClean="0"/>
+              <a:t>Func2:</a:t>
+            </a:r>
+            <a:r>
+              <a:rPr lang="zh-CN" altLang="en-US" dirty="0" smtClean="0"/>
+              <a:t>有两个参数</a:t>
+            </a:r>
+            <a:endParaRPr lang="zh-CN" altLang="en-US" dirty="0"/>
+          </a:p>
+        </p:txBody>
+      </p:sp>
+      <p:sp>
+        <p:nvSpPr>
+          <p:cNvPr id="4" name="日期占位符 3"/>
+          <p:cNvSpPr>
+            <a:spLocks noGrp="1"/>
+          </p:cNvSpPr>
+          <p:nvPr>
+            <p:ph type="dt" sz="half" idx="10"/>
+          </p:nvPr>
+        </p:nvSpPr>
+        <p:spPr/>
+        <p:txBody>
+          <a:bodyPr/>
+          <a:lstStyle/>
+          <a:p>
+            <a:pPr>
+              <a:defRPr/>
+            </a:pPr>
+            <a:fld id="{37242347-62AB-4623-BF6D-9004E2E16ABE}" type="datetime1">
+              <a:rPr lang="zh-CN" altLang="en-US" smtClean="0"/>
+              <a:t>2016/3/9</a:t>
+            </a:fld>
+            <a:endParaRPr lang="zh-CN" altLang="en-US" sz="1800">
+              <a:solidFill>
+                <a:srgbClr val="000000"/>
+              </a:solidFill>
+              <a:latin typeface="Arial" pitchFamily="34" charset="0"/>
+              <a:ea typeface="宋体"/>
+            </a:endParaRPr>
+          </a:p>
+        </p:txBody>
+      </p:sp>
+    </p:spTree>
+    <p:extLst>
+      <p:ext uri="{BB962C8B-B14F-4D97-AF65-F5344CB8AC3E}">
+        <p14:creationId xmlns:p14="http://schemas.microsoft.com/office/powerpoint/2010/main" val="4217547951"/>
+      </p:ext>
+    </p:extLst>
+  </p:cSld>
+  <p:clrMapOvr>
+    <a:masterClrMapping/>
+  </p:clrMapOvr>
+  <p:transition>
+    <p:wipe dir="d"/>
+  </p:transition>
+</p:sld>
+</file>
+
+<file path=ppt/slides/slide38.xml><?xml version="1.0" encoding="utf-8"?>
 <p:sld xmlns:a="http://schemas.openxmlformats.org/drawingml/2006/main" xmlns:r="http://schemas.openxmlformats.org/officeDocument/2006/relationships" xmlns:p="http://schemas.openxmlformats.org/presentationml/2006/main">
   <p:cSld>
     <p:spTree>
@@ -23115,35 +28146,7 @@
                 <a:latin typeface="Consolas" panose="020B0609020204030204" pitchFamily="49" charset="0"/>
                 <a:cs typeface="Consolas" panose="020B0609020204030204" pitchFamily="49" charset="0"/>
               </a:rPr>
-              <a:t>Response response) </a:t>
-            </a:r>
-            <a:r>
-              <a:rPr kumimoji="0" lang="zh-CN" altLang="zh-CN" sz="1400" b="0" i="0" u="none" strike="noStrike" cap="none" normalizeH="0" baseline="0" dirty="0" smtClean="0">
-                <a:ln>
-                  <a:noFill/>
-                </a:ln>
-                <a:solidFill>
-                  <a:srgbClr val="000000"/>
-                </a:solidFill>
-                <a:effectLst/>
-                <a:latin typeface="Consolas" panose="020B0609020204030204" pitchFamily="49" charset="0"/>
-                <a:cs typeface="Consolas" panose="020B0609020204030204" pitchFamily="49" charset="0"/>
-              </a:rPr>
-              <a:t>{</a:t>
-            </a:r>
-            <a:r>
-              <a:rPr kumimoji="0" lang="zh-CN" altLang="zh-CN" sz="1400" b="0" i="0" u="none" strike="noStrike" cap="none" normalizeH="0" baseline="0" dirty="0" smtClean="0">
-                <a:ln>
-                  <a:noFill/>
-                </a:ln>
-                <a:solidFill>
-                  <a:srgbClr val="000000"/>
-                </a:solidFill>
-                <a:effectLst/>
-                <a:latin typeface="Consolas" panose="020B0609020204030204" pitchFamily="49" charset="0"/>
-                <a:cs typeface="Consolas" panose="020B0609020204030204" pitchFamily="49" charset="0"/>
-              </a:rPr>
-              <a:t/>
+              <a:t>Response response) {</a:t>
             </a:r>
             <a:br>
               <a:rPr kumimoji="0" lang="zh-CN" altLang="zh-CN" sz="1400" b="0" i="0" u="none" strike="noStrike" cap="none" normalizeH="0" baseline="0" dirty="0" smtClean="0">
@@ -25831,6 +30834,13 @@
   <p:transition>
     <p:wipe dir="d"/>
   </p:transition>
+  <p:timing>
+    <p:tnLst>
+      <p:par>
+        <p:cTn id="1" dur="indefinite" restart="never" nodeType="tmRoot"/>
+      </p:par>
+    </p:tnLst>
+  </p:timing>
 </p:sld>
 </file>
 

--- a/notes/rxjava/RxJava简介.pptx
+++ b/notes/rxjava/RxJava简介.pptx
@@ -22,25 +22,25 @@
     <p:sldId id="481" r:id="rId10"/>
     <p:sldId id="461" r:id="rId11"/>
     <p:sldId id="492" r:id="rId12"/>
-    <p:sldId id="482" r:id="rId13"/>
-    <p:sldId id="462" r:id="rId14"/>
-    <p:sldId id="463" r:id="rId15"/>
-    <p:sldId id="464" r:id="rId16"/>
-    <p:sldId id="465" r:id="rId17"/>
-    <p:sldId id="473" r:id="rId18"/>
-    <p:sldId id="472" r:id="rId19"/>
-    <p:sldId id="471" r:id="rId20"/>
-    <p:sldId id="483" r:id="rId21"/>
-    <p:sldId id="470" r:id="rId22"/>
-    <p:sldId id="484" r:id="rId23"/>
-    <p:sldId id="493" r:id="rId24"/>
-    <p:sldId id="485" r:id="rId25"/>
-    <p:sldId id="486" r:id="rId26"/>
-    <p:sldId id="487" r:id="rId27"/>
-    <p:sldId id="488" r:id="rId28"/>
-    <p:sldId id="489" r:id="rId29"/>
-    <p:sldId id="490" r:id="rId30"/>
-    <p:sldId id="491" r:id="rId31"/>
+    <p:sldId id="462" r:id="rId13"/>
+    <p:sldId id="463" r:id="rId14"/>
+    <p:sldId id="464" r:id="rId15"/>
+    <p:sldId id="465" r:id="rId16"/>
+    <p:sldId id="473" r:id="rId17"/>
+    <p:sldId id="472" r:id="rId18"/>
+    <p:sldId id="471" r:id="rId19"/>
+    <p:sldId id="483" r:id="rId20"/>
+    <p:sldId id="470" r:id="rId21"/>
+    <p:sldId id="484" r:id="rId22"/>
+    <p:sldId id="493" r:id="rId23"/>
+    <p:sldId id="485" r:id="rId24"/>
+    <p:sldId id="486" r:id="rId25"/>
+    <p:sldId id="487" r:id="rId26"/>
+    <p:sldId id="488" r:id="rId27"/>
+    <p:sldId id="489" r:id="rId28"/>
+    <p:sldId id="490" r:id="rId29"/>
+    <p:sldId id="491" r:id="rId30"/>
+    <p:sldId id="494" r:id="rId31"/>
     <p:sldId id="469" r:id="rId32"/>
     <p:sldId id="468" r:id="rId33"/>
     <p:sldId id="467" r:id="rId34"/>
@@ -11949,125 +11949,106 @@
         </p:nvSpPr>
         <p:spPr>
           <a:xfrm>
-            <a:off x="392" y="620688"/>
-            <a:ext cx="9143607" cy="5832648"/>
+            <a:off x="251520" y="980728"/>
+            <a:ext cx="8229600" cy="4536504"/>
           </a:xfrm>
         </p:spPr>
         <p:txBody>
           <a:bodyPr/>
           <a:lstStyle/>
           <a:p>
-            <a:r>
-              <a:rPr lang="zh-CN" altLang="en-US" dirty="0"/>
-              <a:t>从根本上讲</a:t>
-            </a:r>
-            <a:r>
-              <a:rPr lang="zh-CN" altLang="en-US" dirty="0" smtClean="0"/>
-              <a:t>，响应</a:t>
-            </a:r>
-            <a:r>
-              <a:rPr lang="zh-CN" altLang="en-US" dirty="0"/>
-              <a:t>式编程是在观察者模式的基础上，增加对</a:t>
-            </a:r>
-            <a:r>
-              <a:rPr lang="en-US" altLang="zh-CN" dirty="0"/>
-              <a:t>Observables</a:t>
-            </a:r>
-            <a:r>
-              <a:rPr lang="zh-CN" altLang="en-US" dirty="0"/>
-              <a:t>发送的数据流进行操纵和变换的功能。在上面的例子中，</a:t>
-            </a:r>
-            <a:r>
-              <a:rPr lang="en-US" altLang="zh-CN" dirty="0">
+            <a:endParaRPr lang="en-US" altLang="zh-CN" sz="2000" dirty="0" smtClean="0"/>
+          </a:p>
+          <a:p>
+            <a:r>
+              <a:rPr lang="en-US" altLang="zh-CN" sz="2000" dirty="0"/>
+              <a:t>RP</a:t>
+            </a:r>
+            <a:r>
+              <a:rPr lang="zh-CN" altLang="en-US" sz="2000" dirty="0"/>
+              <a:t>的思路大概如下：你可以用包括</a:t>
+            </a:r>
+            <a:r>
+              <a:rPr lang="en-US" altLang="zh-CN" sz="2000" dirty="0"/>
+              <a:t>Click</a:t>
+            </a:r>
+            <a:r>
+              <a:rPr lang="zh-CN" altLang="en-US" sz="2000" dirty="0"/>
+              <a:t>和</a:t>
+            </a:r>
+            <a:r>
+              <a:rPr lang="en-US" altLang="zh-CN" sz="2000" dirty="0"/>
+              <a:t>Hover</a:t>
+            </a:r>
+            <a:r>
+              <a:rPr lang="zh-CN" altLang="en-US" sz="2000" dirty="0"/>
+              <a:t>事件在内的任何东西创建</a:t>
+            </a:r>
+            <a:r>
+              <a:rPr lang="en-US" altLang="zh-CN" sz="2000" dirty="0"/>
+              <a:t>Data stream</a:t>
+            </a:r>
+            <a:r>
+              <a:rPr lang="zh-CN" altLang="en-US" sz="2000" dirty="0"/>
+              <a:t>。</a:t>
+            </a:r>
+            <a:r>
+              <a:rPr lang="en-US" altLang="zh-CN" sz="2000" dirty="0"/>
+              <a:t>Stream</a:t>
+            </a:r>
+            <a:r>
+              <a:rPr lang="zh-CN" altLang="en-US" sz="2000" dirty="0"/>
+              <a:t>廉价且常见，任何东西都可以是一个</a:t>
+            </a:r>
+            <a:r>
+              <a:rPr lang="en-US" altLang="zh-CN" sz="2000" dirty="0"/>
+              <a:t>Stream</a:t>
+            </a:r>
+            <a:r>
+              <a:rPr lang="zh-CN" altLang="en-US" sz="2000" dirty="0"/>
+              <a:t>：变量、用户输入、属性、</a:t>
+            </a:r>
+            <a:r>
+              <a:rPr lang="en-US" altLang="zh-CN" sz="2000" dirty="0"/>
+              <a:t>Cache</a:t>
+            </a:r>
+            <a:r>
+              <a:rPr lang="zh-CN" altLang="en-US" sz="2000" dirty="0"/>
+              <a:t>、数据结构等等。</a:t>
+            </a:r>
+            <a:endParaRPr lang="en-US" altLang="zh-CN" sz="2000" dirty="0"/>
+          </a:p>
+          <a:p>
+            <a:endParaRPr lang="en-US" altLang="zh-CN" sz="2000" dirty="0"/>
+          </a:p>
+          <a:p>
+            <a:pPr marL="0" indent="0" algn="ctr">
+              <a:buNone/>
+            </a:pPr>
+            <a:r>
+              <a:rPr lang="zh-CN" altLang="en-US" sz="3600" dirty="0">
                 <a:solidFill>
                   <a:srgbClr val="FF0000"/>
                 </a:solidFill>
               </a:rPr>
-              <a:t>Observables</a:t>
-            </a:r>
-            <a:r>
-              <a:rPr lang="zh-CN" altLang="en-US" dirty="0">
+              <a:t>一切皆可是数据流</a:t>
+            </a:r>
+            <a:r>
+              <a:rPr lang="en-US" altLang="zh-CN" sz="3600" dirty="0">
                 <a:solidFill>
                   <a:srgbClr val="FF0000"/>
                 </a:solidFill>
               </a:rPr>
-              <a:t>是我们的数据流通所在的管道。</a:t>
-            </a:r>
-          </a:p>
-          <a:p>
-            <a:r>
-              <a:rPr lang="zh-CN" altLang="en-US" dirty="0"/>
-              <a:t>回顾一下</a:t>
-            </a:r>
-            <a:r>
-              <a:rPr lang="zh-CN" altLang="en-US" dirty="0" smtClean="0"/>
-              <a:t>，观察者模式包含</a:t>
-            </a:r>
-            <a:r>
-              <a:rPr lang="zh-CN" altLang="en-US" dirty="0"/>
-              <a:t>两个角色：一个</a:t>
-            </a:r>
-            <a:r>
-              <a:rPr lang="en-US" altLang="zh-CN" dirty="0"/>
-              <a:t>Observable</a:t>
-            </a:r>
-            <a:r>
-              <a:rPr lang="zh-CN" altLang="en-US" dirty="0"/>
-              <a:t>和一个或者多个</a:t>
-            </a:r>
-            <a:r>
-              <a:rPr lang="en-US" altLang="zh-CN" dirty="0"/>
-              <a:t>Observers</a:t>
-            </a:r>
-            <a:r>
-              <a:rPr lang="zh-CN" altLang="en-US" dirty="0"/>
-              <a:t>。</a:t>
-            </a:r>
-            <a:r>
-              <a:rPr lang="en-US" altLang="zh-CN" dirty="0"/>
-              <a:t>Observable</a:t>
-            </a:r>
-            <a:r>
-              <a:rPr lang="zh-CN" altLang="en-US" dirty="0"/>
-              <a:t>发送事件，而</a:t>
-            </a:r>
-            <a:r>
-              <a:rPr lang="en-US" altLang="zh-CN" dirty="0"/>
-              <a:t>Observer</a:t>
-            </a:r>
-            <a:r>
-              <a:rPr lang="zh-CN" altLang="en-US" dirty="0"/>
-              <a:t>订阅和接收这些事件。在上面的例子中，</a:t>
-            </a:r>
-            <a:r>
-              <a:rPr lang="en-US" altLang="zh-CN" dirty="0"/>
-              <a:t>.subscribe()</a:t>
-            </a:r>
-            <a:r>
-              <a:rPr lang="zh-CN" altLang="en-US" dirty="0"/>
-              <a:t>函数用于给</a:t>
-            </a:r>
-            <a:r>
-              <a:rPr lang="en-US" altLang="zh-CN" dirty="0"/>
-              <a:t>Observable</a:t>
-            </a:r>
-            <a:r>
-              <a:rPr lang="zh-CN" altLang="en-US" dirty="0"/>
-              <a:t>添加一个</a:t>
-            </a:r>
-            <a:r>
-              <a:rPr lang="en-US" altLang="zh-CN" dirty="0"/>
-              <a:t>Observer</a:t>
-            </a:r>
-            <a:r>
-              <a:rPr lang="zh-CN" altLang="en-US" dirty="0"/>
-              <a:t>，并创建一个请求</a:t>
-            </a:r>
-            <a:r>
-              <a:rPr lang="zh-CN" altLang="en-US" dirty="0" smtClean="0"/>
-              <a:t>。</a:t>
-            </a:r>
-            <a:endParaRPr lang="zh-CN" altLang="en-US" dirty="0"/>
+              <a:t>(Stream)</a:t>
+            </a:r>
+            <a:endParaRPr lang="zh-CN" altLang="en-US" sz="3600" dirty="0">
+              <a:solidFill>
+                <a:srgbClr val="FF0000"/>
+              </a:solidFill>
+            </a:endParaRPr>
+          </a:p>
+          <a:p>
+            <a:endParaRPr lang="zh-CN" altLang="en-US" sz="2000" dirty="0"/>
           </a:p>
         </p:txBody>
       </p:sp>
@@ -12091,7 +12072,7 @@
             </a:pPr>
             <a:fld id="{37242347-62AB-4623-BF6D-9004E2E16ABE}" type="datetime1">
               <a:rPr lang="zh-CN" altLang="en-US" smtClean="0"/>
-              <a:t>2016/3/9</a:t>
+              <a:t>2016/3/10</a:t>
             </a:fld>
             <a:endParaRPr lang="zh-CN" altLang="en-US" sz="1800">
               <a:solidFill>
@@ -12106,7 +12087,7 @@
     </p:spTree>
     <p:extLst>
       <p:ext uri="{BB962C8B-B14F-4D97-AF65-F5344CB8AC3E}">
-        <p14:creationId xmlns:p14="http://schemas.microsoft.com/office/powerpoint/2010/main" val="2126757397"/>
+        <p14:creationId xmlns:p14="http://schemas.microsoft.com/office/powerpoint/2010/main" val="2483814612"/>
       </p:ext>
     </p:extLst>
   </p:cSld>
@@ -12145,18 +12126,18 @@
       </p:grpSpPr>
       <p:sp>
         <p:nvSpPr>
-          <p:cNvPr id="3" name="内容占位符 2"/>
+          <p:cNvPr id="2" name="标题 1"/>
           <p:cNvSpPr>
             <a:spLocks noGrp="1"/>
           </p:cNvSpPr>
           <p:nvPr>
-            <p:ph idx="1"/>
+            <p:ph type="title"/>
           </p:nvPr>
         </p:nvSpPr>
         <p:spPr>
           <a:xfrm>
-            <a:off x="461880" y="1819846"/>
-            <a:ext cx="8229600" cy="4536504"/>
+            <a:off x="457200" y="692696"/>
+            <a:ext cx="8229600" cy="677317"/>
           </a:xfrm>
         </p:spPr>
         <p:txBody>
@@ -12164,124 +12145,192 @@
           <a:lstStyle/>
           <a:p>
             <a:r>
-              <a:rPr lang="zh-CN" altLang="en-US" sz="2000" dirty="0" smtClean="0"/>
-              <a:t>事件</a:t>
-            </a:r>
-            <a:r>
-              <a:rPr lang="zh-CN" altLang="en-US" sz="2000" dirty="0"/>
-              <a:t>，事件可以被观察，等待，过滤，响应，也可以触发其他的事件，事件通过数据流的形式对外呈现。</a:t>
-            </a:r>
-          </a:p>
-          <a:p>
-            <a:r>
-              <a:rPr lang="zh-CN" altLang="en-US" sz="2000" dirty="0" smtClean="0"/>
-              <a:t>数据流</a:t>
-            </a:r>
-            <a:r>
-              <a:rPr lang="zh-CN" altLang="en-US" sz="2000" dirty="0"/>
-              <a:t>，数据流就像一条河：它</a:t>
-            </a:r>
-            <a:r>
-              <a:rPr lang="zh-CN" altLang="en-US" sz="2000" dirty="0" smtClean="0"/>
-              <a:t>可以</a:t>
-            </a:r>
-            <a:r>
-              <a:rPr lang="zh-CN" altLang="en-US" sz="2000" dirty="0" smtClean="0">
+              <a:rPr lang="en-US" altLang="zh-CN" sz="2800" dirty="0" err="1" smtClean="0"/>
+              <a:t>RxJava</a:t>
+            </a:r>
+            <a:r>
+              <a:rPr lang="zh-CN" altLang="en-US" sz="2800" dirty="0"/>
+              <a:t>与传统的</a:t>
+            </a:r>
+            <a:r>
+              <a:rPr lang="en-US" altLang="zh-CN" sz="2800" dirty="0"/>
+              <a:t>Java</a:t>
+            </a:r>
+            <a:r>
+              <a:rPr lang="zh-CN" altLang="en-US" sz="2800" dirty="0"/>
+              <a:t>的</a:t>
+            </a:r>
+            <a:r>
+              <a:rPr lang="zh-CN" altLang="en-US" sz="2800" dirty="0" smtClean="0"/>
+              <a:t>不同</a:t>
+            </a:r>
+            <a:endParaRPr lang="zh-CN" altLang="en-US" sz="2800" dirty="0"/>
+          </a:p>
+        </p:txBody>
+      </p:sp>
+      <p:sp>
+        <p:nvSpPr>
+          <p:cNvPr id="3" name="内容占位符 2"/>
+          <p:cNvSpPr>
+            <a:spLocks noGrp="1"/>
+          </p:cNvSpPr>
+          <p:nvPr>
+            <p:ph idx="1"/>
+          </p:nvPr>
+        </p:nvSpPr>
+        <p:spPr/>
+        <p:txBody>
+          <a:bodyPr/>
+          <a:lstStyle/>
+          <a:p>
+            <a:r>
+              <a:rPr lang="zh-CN" altLang="en-US" sz="2400" dirty="0" smtClean="0"/>
+              <a:t>在</a:t>
+            </a:r>
+            <a:r>
+              <a:rPr lang="en-US" altLang="zh-CN" sz="2400" dirty="0"/>
+              <a:t>Rx</a:t>
+            </a:r>
+            <a:r>
+              <a:rPr lang="zh-CN" altLang="en-US" sz="2400" dirty="0"/>
+              <a:t>中，开发者用</a:t>
+            </a:r>
+            <a:r>
+              <a:rPr lang="en-US" altLang="zh-CN" sz="2400" dirty="0"/>
+              <a:t>Observables</a:t>
+            </a:r>
+            <a:r>
+              <a:rPr lang="zh-CN" altLang="en-US" sz="2400" dirty="0"/>
+              <a:t>模拟可被观察的异步数据流，从纯</a:t>
+            </a:r>
+            <a:r>
+              <a:rPr lang="en-US" altLang="zh-CN" sz="2400" dirty="0"/>
+              <a:t>Java</a:t>
+            </a:r>
+            <a:r>
+              <a:rPr lang="zh-CN" altLang="en-US" sz="2400" dirty="0"/>
+              <a:t>的观点看，</a:t>
+            </a:r>
+            <a:r>
+              <a:rPr lang="en-US" altLang="zh-CN" sz="2400" dirty="0" err="1"/>
+              <a:t>RxJava</a:t>
+            </a:r>
+            <a:r>
+              <a:rPr lang="zh-CN" altLang="en-US" sz="2400" dirty="0"/>
+              <a:t>的</a:t>
+            </a:r>
+            <a:r>
+              <a:rPr lang="en-US" altLang="zh-CN" sz="2400" dirty="0"/>
+              <a:t>Observable</a:t>
+            </a:r>
+            <a:r>
+              <a:rPr lang="zh-CN" altLang="en-US" sz="2400" dirty="0"/>
+              <a:t>类源自于经典的 </a:t>
+            </a:r>
+            <a:r>
+              <a:rPr lang="en-US" altLang="zh-CN" sz="2400" dirty="0"/>
+              <a:t>Gang Of Four </a:t>
+            </a:r>
+            <a:r>
+              <a:rPr lang="zh-CN" altLang="en-US" sz="2400" dirty="0"/>
+              <a:t>的观察者模式</a:t>
+            </a:r>
+            <a:r>
+              <a:rPr lang="zh-CN" altLang="en-US" sz="2400" dirty="0" smtClean="0"/>
+              <a:t>。</a:t>
+            </a:r>
+            <a:endParaRPr lang="zh-CN" altLang="en-US" sz="2400" dirty="0"/>
+          </a:p>
+          <a:p>
+            <a:r>
+              <a:rPr lang="zh-CN" altLang="en-US" sz="2400" dirty="0"/>
+              <a:t>它添加了三个缺少的功能：</a:t>
+            </a:r>
+          </a:p>
+          <a:p>
+            <a:r>
+              <a:rPr lang="zh-CN" altLang="en-US" sz="2400" dirty="0" smtClean="0"/>
+              <a:t>生产者</a:t>
+            </a:r>
+            <a:r>
+              <a:rPr lang="zh-CN" altLang="en-US" sz="2400" dirty="0"/>
+              <a:t>在没有更多数据可用时能够发出信号</a:t>
+            </a:r>
+            <a:r>
+              <a:rPr lang="zh-CN" altLang="en-US" sz="2400" dirty="0">
                 <a:solidFill>
                   <a:srgbClr val="FF0000"/>
                 </a:solidFill>
               </a:rPr>
-              <a:t>被</a:t>
-            </a:r>
-            <a:r>
-              <a:rPr lang="zh-CN" altLang="en-US" sz="2000" dirty="0">
+              <a:t>通知</a:t>
+            </a:r>
+            <a:r>
+              <a:rPr lang="zh-CN" altLang="en-US" sz="2400" dirty="0"/>
+              <a:t>：</a:t>
+            </a:r>
+            <a:r>
+              <a:rPr lang="en-US" altLang="zh-CN" sz="2400" dirty="0" err="1"/>
+              <a:t>onCompleted</a:t>
+            </a:r>
+            <a:r>
+              <a:rPr lang="en-US" altLang="zh-CN" sz="2400" dirty="0"/>
+              <a:t>()</a:t>
+            </a:r>
+            <a:r>
+              <a:rPr lang="zh-CN" altLang="en-US" sz="2400" dirty="0"/>
+              <a:t>事件。</a:t>
+            </a:r>
+          </a:p>
+          <a:p>
+            <a:r>
+              <a:rPr lang="zh-CN" altLang="en-US" sz="2400" dirty="0" smtClean="0"/>
+              <a:t>生产者</a:t>
+            </a:r>
+            <a:r>
+              <a:rPr lang="zh-CN" altLang="en-US" sz="2400" dirty="0"/>
+              <a:t>在发生错误时能够发出信号</a:t>
+            </a:r>
+            <a:r>
+              <a:rPr lang="zh-CN" altLang="en-US" sz="2400" dirty="0">
                 <a:solidFill>
                   <a:srgbClr val="FF0000"/>
                 </a:solidFill>
               </a:rPr>
-              <a:t>观测，被过滤，被操作</a:t>
-            </a:r>
-            <a:r>
-              <a:rPr lang="zh-CN" altLang="en-US" sz="2000" dirty="0"/>
-              <a:t>，或者与另外一条流合并为一条新的流来给新的消费者</a:t>
-            </a:r>
-            <a:r>
-              <a:rPr lang="zh-CN" altLang="en-US" sz="2000" dirty="0" smtClean="0"/>
-              <a:t>消费。</a:t>
-            </a:r>
-            <a:endParaRPr lang="zh-CN" altLang="en-US" sz="2000" dirty="0"/>
-          </a:p>
-          <a:p>
-            <a:r>
-              <a:rPr lang="zh-CN" altLang="en-US" sz="2000" dirty="0"/>
-              <a:t>所以，响应式编程就是一种基于</a:t>
-            </a:r>
-            <a:r>
-              <a:rPr lang="zh-CN" altLang="en-US" sz="2000" dirty="0" smtClean="0"/>
-              <a:t>异步数据流概念</a:t>
-            </a:r>
-            <a:r>
-              <a:rPr lang="zh-CN" altLang="en-US" sz="2000" dirty="0"/>
-              <a:t>的编程模式。其实</a:t>
-            </a:r>
-            <a:r>
-              <a:rPr lang="en-US" altLang="zh-CN" sz="2000" dirty="0" err="1"/>
-              <a:t>EventBus</a:t>
-            </a:r>
-            <a:r>
-              <a:rPr lang="zh-CN" altLang="en-US" sz="2000" dirty="0"/>
-              <a:t>还有其他的点击事件一样，本质上就是异步的数据流，我们可以为任何的事件创建数据流。比如我们可以为登录操作创建数据流，然后监听这个数据流，进行登录验证这样的响应操作</a:t>
-            </a:r>
-            <a:r>
-              <a:rPr lang="zh-CN" altLang="en-US" sz="2000" dirty="0" smtClean="0"/>
-              <a:t>。</a:t>
-            </a:r>
-            <a:endParaRPr lang="zh-CN" altLang="en-US" sz="2000" dirty="0"/>
-          </a:p>
-          <a:p>
-            <a:r>
-              <a:rPr lang="zh-CN" altLang="en-US" sz="2000" dirty="0"/>
-              <a:t>主要特点有：</a:t>
-            </a:r>
-          </a:p>
-          <a:p>
-            <a:r>
-              <a:rPr lang="zh-CN" altLang="en-US" sz="2000" dirty="0" smtClean="0"/>
-              <a:t>易于</a:t>
-            </a:r>
-            <a:r>
-              <a:rPr lang="zh-CN" altLang="en-US" sz="2000" dirty="0"/>
-              <a:t>并发从而更好的利用服务器的能力。</a:t>
-            </a:r>
-          </a:p>
-          <a:p>
-            <a:r>
-              <a:rPr lang="en-US" altLang="zh-CN" sz="2000" dirty="0"/>
+              <a:t>通知</a:t>
+            </a:r>
+            <a:r>
+              <a:rPr lang="zh-CN" altLang="en-US" sz="2400" dirty="0"/>
+              <a:t>：</a:t>
+            </a:r>
+            <a:r>
+              <a:rPr lang="en-US" altLang="zh-CN" sz="2400" dirty="0" err="1"/>
+              <a:t>onError</a:t>
+            </a:r>
+            <a:r>
+              <a:rPr lang="en-US" altLang="zh-CN" sz="2400" dirty="0"/>
+              <a:t>()</a:t>
+            </a:r>
+            <a:r>
+              <a:rPr lang="zh-CN" altLang="en-US" sz="2400" dirty="0"/>
+              <a:t>事件。</a:t>
+            </a:r>
+          </a:p>
+          <a:p>
+            <a:r>
+              <a:rPr lang="en-US" altLang="zh-CN" sz="2400" dirty="0"/>
               <a:t>	</a:t>
             </a:r>
             <a:r>
-              <a:rPr lang="zh-CN" altLang="en-US" sz="2000" dirty="0"/>
-              <a:t>易于有条件的异步执行。</a:t>
-            </a:r>
-          </a:p>
-          <a:p>
-            <a:r>
-              <a:rPr lang="en-US" altLang="zh-CN" sz="2000" dirty="0"/>
-              <a:t>	</a:t>
-            </a:r>
-            <a:r>
-              <a:rPr lang="zh-CN" altLang="en-US" sz="2000" dirty="0"/>
-              <a:t>一种更好的方式来避免回调地狱。</a:t>
-            </a:r>
-          </a:p>
-          <a:p>
-            <a:r>
-              <a:rPr lang="en-US" altLang="zh-CN" sz="2000" dirty="0"/>
-              <a:t>	</a:t>
-            </a:r>
-            <a:r>
-              <a:rPr lang="zh-CN" altLang="en-US" sz="2000" dirty="0"/>
-              <a:t>一种响应式方法。</a:t>
+              <a:rPr lang="en-US" altLang="zh-CN" sz="2400" dirty="0" err="1"/>
+              <a:t>RxJava</a:t>
+            </a:r>
+            <a:r>
+              <a:rPr lang="en-US" altLang="zh-CN" sz="2400" dirty="0"/>
+              <a:t> Observables </a:t>
+            </a:r>
+            <a:r>
+              <a:rPr lang="zh-CN" altLang="en-US" sz="2400" dirty="0"/>
+              <a:t>能够组合而不是嵌套，从而避免开发者陷入回调地狱。</a:t>
             </a:r>
           </a:p>
         </p:txBody>
@@ -12321,7 +12370,7 @@
     </p:spTree>
     <p:extLst>
       <p:ext uri="{BB962C8B-B14F-4D97-AF65-F5344CB8AC3E}">
-        <p14:creationId xmlns:p14="http://schemas.microsoft.com/office/powerpoint/2010/main" val="2483814612"/>
+        <p14:creationId xmlns:p14="http://schemas.microsoft.com/office/powerpoint/2010/main" val="1558898789"/>
       </p:ext>
     </p:extLst>
   </p:cSld>
@@ -12368,37 +12417,16 @@
             <p:ph type="title"/>
           </p:nvPr>
         </p:nvSpPr>
-        <p:spPr>
-          <a:xfrm>
-            <a:off x="457200" y="692696"/>
-            <a:ext cx="8229600" cy="677317"/>
-          </a:xfrm>
-        </p:spPr>
+        <p:spPr/>
         <p:txBody>
           <a:bodyPr/>
           <a:lstStyle/>
           <a:p>
             <a:r>
-              <a:rPr lang="en-US" altLang="zh-CN" sz="2800" dirty="0" err="1" smtClean="0"/>
-              <a:t>RxJava</a:t>
-            </a:r>
-            <a:r>
-              <a:rPr lang="zh-CN" altLang="en-US" sz="2800" dirty="0"/>
-              <a:t>与传统的</a:t>
-            </a:r>
-            <a:r>
-              <a:rPr lang="en-US" altLang="zh-CN" sz="2800" dirty="0"/>
-              <a:t>Java</a:t>
-            </a:r>
-            <a:r>
-              <a:rPr lang="zh-CN" altLang="en-US" sz="2800" dirty="0"/>
-              <a:t>的</a:t>
-            </a:r>
-            <a:r>
-              <a:rPr lang="zh-CN" altLang="en-US" sz="2800" dirty="0" smtClean="0"/>
-              <a:t>不同</a:t>
-            </a:r>
-            <a:endParaRPr lang="zh-CN" altLang="en-US" sz="2800" dirty="0"/>
+              <a:rPr lang="en-US" altLang="zh-CN" dirty="0"/>
+              <a:t>Observable</a:t>
+            </a:r>
+            <a:endParaRPr lang="zh-CN" altLang="en-US" dirty="0"/>
           </a:p>
         </p:txBody>
       </p:sp>
@@ -12418,154 +12446,73 @@
           <a:lstStyle/>
           <a:p>
             <a:r>
-              <a:rPr lang="zh-CN" altLang="en-US" sz="2400" dirty="0" smtClean="0"/>
-              <a:t>在</a:t>
-            </a:r>
-            <a:r>
-              <a:rPr lang="en-US" altLang="zh-CN" sz="2400" dirty="0"/>
-              <a:t>Rx</a:t>
-            </a:r>
-            <a:r>
-              <a:rPr lang="zh-CN" altLang="en-US" sz="2400" dirty="0"/>
-              <a:t>中，开发者用</a:t>
-            </a:r>
-            <a:r>
-              <a:rPr lang="en-US" altLang="zh-CN" sz="2400" dirty="0"/>
-              <a:t>Observables</a:t>
-            </a:r>
-            <a:r>
-              <a:rPr lang="zh-CN" altLang="en-US" sz="2400" dirty="0"/>
-              <a:t>模拟可被观察的异步数据流，从纯</a:t>
-            </a:r>
-            <a:r>
-              <a:rPr lang="en-US" altLang="zh-CN" sz="2400" dirty="0"/>
-              <a:t>Java</a:t>
-            </a:r>
-            <a:r>
-              <a:rPr lang="zh-CN" altLang="en-US" sz="2400" dirty="0"/>
-              <a:t>的观点看，</a:t>
-            </a:r>
-            <a:r>
-              <a:rPr lang="en-US" altLang="zh-CN" sz="2400" dirty="0" err="1"/>
-              <a:t>RxJava</a:t>
-            </a:r>
-            <a:r>
-              <a:rPr lang="zh-CN" altLang="en-US" sz="2400" dirty="0"/>
-              <a:t>的</a:t>
-            </a:r>
-            <a:r>
-              <a:rPr lang="en-US" altLang="zh-CN" sz="2400" dirty="0"/>
-              <a:t>Observable</a:t>
-            </a:r>
-            <a:r>
-              <a:rPr lang="zh-CN" altLang="en-US" sz="2400" dirty="0"/>
-              <a:t>类源自于经典的 </a:t>
-            </a:r>
-            <a:r>
-              <a:rPr lang="en-US" altLang="zh-CN" sz="2400" dirty="0"/>
-              <a:t>Gang Of Four </a:t>
-            </a:r>
-            <a:r>
-              <a:rPr lang="zh-CN" altLang="en-US" sz="2400" dirty="0"/>
-              <a:t>的观察者模式</a:t>
-            </a:r>
-            <a:r>
-              <a:rPr lang="zh-CN" altLang="en-US" sz="2400" dirty="0" smtClean="0"/>
-              <a:t>。</a:t>
-            </a:r>
-            <a:endParaRPr lang="zh-CN" altLang="en-US" sz="2400" dirty="0"/>
-          </a:p>
-          <a:p>
-            <a:r>
-              <a:rPr lang="zh-CN" altLang="en-US" sz="2400" dirty="0"/>
-              <a:t>它添加了三个缺少的功能：</a:t>
-            </a:r>
-          </a:p>
-          <a:p>
-            <a:r>
-              <a:rPr lang="zh-CN" altLang="en-US" sz="2400" dirty="0" smtClean="0"/>
-              <a:t>生产者</a:t>
-            </a:r>
-            <a:r>
-              <a:rPr lang="zh-CN" altLang="en-US" sz="2400" dirty="0"/>
-              <a:t>在没有更多数据可用时能够发出信号</a:t>
-            </a:r>
-            <a:r>
-              <a:rPr lang="zh-CN" altLang="en-US" sz="2400" dirty="0">
+              <a:rPr lang="zh-CN" altLang="en-US" sz="2800" dirty="0" smtClean="0"/>
+              <a:t>封装数据流的管道</a:t>
+            </a:r>
+            <a:endParaRPr lang="en-US" altLang="zh-CN" sz="2800" dirty="0" smtClean="0"/>
+          </a:p>
+          <a:p>
+            <a:r>
+              <a:rPr lang="zh-CN" altLang="en-US" sz="2800" dirty="0" smtClean="0"/>
+              <a:t>定义了</a:t>
+            </a:r>
+            <a:r>
+              <a:rPr lang="en-US" altLang="zh-CN" sz="2800" dirty="0" smtClean="0">
                 <a:solidFill>
                   <a:srgbClr val="FF0000"/>
                 </a:solidFill>
               </a:rPr>
-              <a:t>通知</a:t>
-            </a:r>
-            <a:r>
-              <a:rPr lang="zh-CN" altLang="en-US" sz="2400" dirty="0"/>
-              <a:t>：</a:t>
-            </a:r>
-            <a:r>
-              <a:rPr lang="en-US" altLang="zh-CN" sz="2400" dirty="0" err="1"/>
-              <a:t>onCompleted</a:t>
-            </a:r>
-            <a:r>
-              <a:rPr lang="en-US" altLang="zh-CN" sz="2400" dirty="0"/>
-              <a:t>()</a:t>
-            </a:r>
-            <a:r>
-              <a:rPr lang="zh-CN" altLang="en-US" sz="2400" dirty="0"/>
-              <a:t>事件。</a:t>
-            </a:r>
-          </a:p>
-          <a:p>
-            <a:r>
-              <a:rPr lang="zh-CN" altLang="en-US" sz="2400" dirty="0" smtClean="0"/>
-              <a:t>生产者</a:t>
-            </a:r>
-            <a:r>
-              <a:rPr lang="zh-CN" altLang="en-US" sz="2400" dirty="0"/>
-              <a:t>在发生错误时能够发出信号</a:t>
-            </a:r>
-            <a:r>
-              <a:rPr lang="zh-CN" altLang="en-US" sz="2400" dirty="0">
+              <a:t>”</a:t>
+            </a:r>
+            <a:r>
+              <a:rPr lang="zh-CN" altLang="en-US" sz="2800" dirty="0" smtClean="0">
                 <a:solidFill>
                   <a:srgbClr val="FF0000"/>
                 </a:solidFill>
               </a:rPr>
-              <a:t>通知</a:t>
-            </a:r>
-            <a:r>
-              <a:rPr lang="zh-CN" altLang="en-US" sz="2400" dirty="0"/>
-              <a:t>：</a:t>
-            </a:r>
-            <a:r>
-              <a:rPr lang="en-US" altLang="zh-CN" sz="2400" dirty="0" err="1"/>
-              <a:t>onError</a:t>
-            </a:r>
-            <a:r>
-              <a:rPr lang="en-US" altLang="zh-CN" sz="2400" dirty="0"/>
-              <a:t>()</a:t>
-            </a:r>
-            <a:r>
-              <a:rPr lang="zh-CN" altLang="en-US" sz="2400" dirty="0"/>
-              <a:t>事件。</a:t>
-            </a:r>
-          </a:p>
-          <a:p>
-            <a:r>
-              <a:rPr lang="en-US" altLang="zh-CN" sz="2400" dirty="0"/>
-              <a:t>	</a:t>
-            </a:r>
-            <a:r>
-              <a:rPr lang="en-US" altLang="zh-CN" sz="2400" dirty="0" err="1"/>
-              <a:t>RxJava</a:t>
-            </a:r>
-            <a:r>
-              <a:rPr lang="en-US" altLang="zh-CN" sz="2400" dirty="0"/>
-              <a:t> Observables </a:t>
-            </a:r>
-            <a:r>
-              <a:rPr lang="zh-CN" altLang="en-US" sz="2400" dirty="0"/>
-              <a:t>能够组合而不是嵌套，从而避免开发者陷入回调地狱。</a:t>
-            </a:r>
+              <a:t>什么时候</a:t>
+            </a:r>
+            <a:r>
+              <a:rPr lang="en-US" altLang="zh-CN" sz="2800" dirty="0" smtClean="0">
+                <a:solidFill>
+                  <a:srgbClr val="FF0000"/>
+                </a:solidFill>
+              </a:rPr>
+              <a:t>”</a:t>
+            </a:r>
+            <a:r>
+              <a:rPr lang="zh-CN" altLang="en-US" sz="2800" dirty="0" smtClean="0"/>
+              <a:t>发射</a:t>
+            </a:r>
+            <a:r>
+              <a:rPr lang="en-US" altLang="zh-CN" sz="2800" dirty="0" smtClean="0">
+                <a:solidFill>
+                  <a:srgbClr val="FF0000"/>
+                </a:solidFill>
+              </a:rPr>
+              <a:t>”</a:t>
+            </a:r>
+            <a:r>
+              <a:rPr lang="zh-CN" altLang="en-US" sz="2800" dirty="0" smtClean="0">
+                <a:solidFill>
+                  <a:srgbClr val="FF0000"/>
+                </a:solidFill>
+              </a:rPr>
+              <a:t>什么数据</a:t>
+            </a:r>
+            <a:r>
+              <a:rPr lang="en-US" altLang="zh-CN" sz="2800" dirty="0" smtClean="0">
+                <a:solidFill>
+                  <a:srgbClr val="FF0000"/>
+                </a:solidFill>
+              </a:rPr>
+              <a:t>”</a:t>
+            </a:r>
+            <a:endParaRPr lang="zh-CN" altLang="en-US" sz="2800" dirty="0">
+              <a:solidFill>
+                <a:srgbClr val="FF0000"/>
+              </a:solidFill>
+            </a:endParaRPr>
           </a:p>
         </p:txBody>
       </p:sp>
@@ -12604,7 +12551,7 @@
     </p:spTree>
     <p:extLst>
       <p:ext uri="{BB962C8B-B14F-4D97-AF65-F5344CB8AC3E}">
-        <p14:creationId xmlns:p14="http://schemas.microsoft.com/office/powerpoint/2010/main" val="1558898789"/>
+        <p14:creationId xmlns:p14="http://schemas.microsoft.com/office/powerpoint/2010/main" val="2852241822"/>
       </p:ext>
     </p:extLst>
   </p:cSld>
@@ -12614,6 +12561,13 @@
   <p:transition>
     <p:wipe dir="d"/>
   </p:transition>
+  <p:timing>
+    <p:tnLst>
+      <p:par>
+        <p:cTn id="1" dur="indefinite" restart="never" nodeType="tmRoot"/>
+      </p:par>
+    </p:tnLst>
+  </p:timing>
 </p:sld>
 </file>
 
@@ -12644,14 +12598,19 @@
             <p:ph type="title"/>
           </p:nvPr>
         </p:nvSpPr>
-        <p:spPr/>
+        <p:spPr>
+          <a:xfrm>
+            <a:off x="457200" y="447899"/>
+            <a:ext cx="8229600" cy="922114"/>
+          </a:xfrm>
+        </p:spPr>
         <p:txBody>
           <a:bodyPr/>
           <a:lstStyle/>
           <a:p>
             <a:r>
               <a:rPr lang="en-US" altLang="zh-CN" dirty="0"/>
-              <a:t>Observable</a:t>
+              <a:t>Observer</a:t>
             </a:r>
             <a:endParaRPr lang="zh-CN" altLang="en-US" dirty="0"/>
           </a:p>
@@ -12673,77 +12632,279 @@
           <a:lstStyle/>
           <a:p>
             <a:r>
-              <a:rPr lang="zh-CN" altLang="en-US" sz="2800" dirty="0" smtClean="0"/>
-              <a:t>封装数据流的管道</a:t>
-            </a:r>
-            <a:endParaRPr lang="en-US" altLang="zh-CN" sz="2800" dirty="0" smtClean="0"/>
-          </a:p>
-          <a:p>
-            <a:r>
-              <a:rPr lang="zh-CN" altLang="en-US" sz="2800" dirty="0" smtClean="0"/>
-              <a:t>定义</a:t>
-            </a:r>
-            <a:r>
-              <a:rPr lang="zh-CN" altLang="en-US" sz="2800" dirty="0" smtClean="0"/>
-              <a:t>了</a:t>
-            </a:r>
-            <a:r>
-              <a:rPr lang="en-US" altLang="zh-CN" sz="2800" dirty="0" smtClean="0">
-                <a:solidFill>
-                  <a:srgbClr val="FF0000"/>
-                </a:solidFill>
-              </a:rPr>
-              <a:t>”</a:t>
-            </a:r>
-            <a:r>
-              <a:rPr lang="zh-CN" altLang="en-US" sz="2800" dirty="0" smtClean="0">
-                <a:solidFill>
-                  <a:srgbClr val="FF0000"/>
-                </a:solidFill>
-              </a:rPr>
-              <a:t>什么时候</a:t>
-            </a:r>
-            <a:r>
-              <a:rPr lang="en-US" altLang="zh-CN" sz="2800" dirty="0" smtClean="0">
-                <a:solidFill>
-                  <a:srgbClr val="FF0000"/>
-                </a:solidFill>
-              </a:rPr>
-              <a:t>”</a:t>
-            </a:r>
-            <a:r>
-              <a:rPr lang="zh-CN" altLang="en-US" sz="2800" dirty="0" smtClean="0"/>
-              <a:t>发射</a:t>
-            </a:r>
-            <a:r>
-              <a:rPr lang="en-US" altLang="zh-CN" sz="2800" dirty="0" smtClean="0">
-                <a:solidFill>
-                  <a:srgbClr val="FF0000"/>
-                </a:solidFill>
-              </a:rPr>
-              <a:t>”</a:t>
-            </a:r>
-            <a:r>
-              <a:rPr lang="zh-CN" altLang="en-US" sz="2800" dirty="0" smtClean="0">
-                <a:solidFill>
-                  <a:srgbClr val="FF0000"/>
-                </a:solidFill>
-              </a:rPr>
-              <a:t>什么数据</a:t>
-            </a:r>
-            <a:r>
-              <a:rPr lang="en-US" altLang="zh-CN" sz="2800" dirty="0" smtClean="0">
-                <a:solidFill>
-                  <a:srgbClr val="FF0000"/>
-                </a:solidFill>
-              </a:rPr>
-              <a:t>”</a:t>
-            </a:r>
-            <a:endParaRPr lang="zh-CN" altLang="en-US" sz="2800" dirty="0">
-              <a:solidFill>
-                <a:srgbClr val="FF0000"/>
-              </a:solidFill>
-            </a:endParaRPr>
+              <a:rPr lang="zh-CN" altLang="en-US" sz="1800" dirty="0"/>
+              <a:t>观察者，订阅</a:t>
+            </a:r>
+            <a:r>
+              <a:rPr lang="en-US" altLang="zh-CN" sz="1800" dirty="0"/>
+              <a:t>observable</a:t>
+            </a:r>
+            <a:r>
+              <a:rPr lang="zh-CN" altLang="en-US" sz="1800" dirty="0"/>
+              <a:t>发射的数据，对其做出相应，对可能出现的情况的定义就在这里</a:t>
+            </a:r>
+            <a:r>
+              <a:rPr lang="zh-CN" altLang="en-US" sz="1800" dirty="0" smtClean="0"/>
+              <a:t>。</a:t>
+            </a:r>
+            <a:endParaRPr lang="zh-CN" altLang="en-US" sz="1800" dirty="0"/>
+          </a:p>
+          <a:p>
+            <a:r>
+              <a:rPr lang="zh-CN" altLang="en-US" sz="1800" dirty="0"/>
+              <a:t>三个重要的回调方法 </a:t>
+            </a:r>
+            <a:r>
+              <a:rPr lang="en-US" altLang="zh-CN" sz="1800" dirty="0"/>
+              <a:t>(</a:t>
+            </a:r>
+            <a:r>
+              <a:rPr lang="en-US" altLang="zh-CN" sz="1800" dirty="0" err="1"/>
+              <a:t>onNext</a:t>
+            </a:r>
+            <a:r>
+              <a:rPr lang="en-US" altLang="zh-CN" sz="1800" dirty="0"/>
+              <a:t>, </a:t>
+            </a:r>
+            <a:r>
+              <a:rPr lang="en-US" altLang="zh-CN" sz="1800" dirty="0" err="1"/>
+              <a:t>onCompleted</a:t>
+            </a:r>
+            <a:r>
+              <a:rPr lang="en-US" altLang="zh-CN" sz="1800" dirty="0"/>
+              <a:t>, </a:t>
+            </a:r>
+            <a:r>
+              <a:rPr lang="en-US" altLang="zh-CN" sz="1800" dirty="0" err="1"/>
+              <a:t>onError</a:t>
+            </a:r>
+            <a:r>
+              <a:rPr lang="en-US" altLang="zh-CN" sz="1800" dirty="0"/>
+              <a:t>)</a:t>
+            </a:r>
+          </a:p>
+          <a:p>
+            <a:r>
+              <a:rPr lang="zh-CN" altLang="en-US" sz="1800" dirty="0"/>
+              <a:t>通过</a:t>
+            </a:r>
+            <a:r>
+              <a:rPr lang="en-US" altLang="zh-CN" sz="1800" dirty="0"/>
+              <a:t>Subscribe</a:t>
+            </a:r>
+            <a:r>
+              <a:rPr lang="zh-CN" altLang="en-US" sz="1800" dirty="0"/>
+              <a:t>方法可以将观察者连接到</a:t>
+            </a:r>
+            <a:r>
+              <a:rPr lang="en-US" altLang="zh-CN" sz="1800" dirty="0"/>
+              <a:t>Observable</a:t>
+            </a:r>
+            <a:r>
+              <a:rPr lang="zh-CN" altLang="en-US" sz="1800" dirty="0"/>
+              <a:t>，观察者需要实现以下方法的一个子集</a:t>
+            </a:r>
+            <a:r>
+              <a:rPr lang="en-US" altLang="zh-CN" sz="1800" dirty="0"/>
+              <a:t>:</a:t>
+            </a:r>
+          </a:p>
+          <a:p>
+            <a:r>
+              <a:rPr lang="en-US" altLang="zh-CN" sz="1800" dirty="0" err="1" smtClean="0"/>
+              <a:t>onNext</a:t>
+            </a:r>
+            <a:r>
+              <a:rPr lang="en-US" altLang="zh-CN" sz="1800" dirty="0" smtClean="0"/>
+              <a:t>(T </a:t>
+            </a:r>
+            <a:r>
+              <a:rPr lang="en-US" altLang="zh-CN" sz="1800" dirty="0"/>
+              <a:t>item):Observable</a:t>
+            </a:r>
+            <a:r>
+              <a:rPr lang="zh-CN" altLang="en-US" sz="1800" dirty="0"/>
+              <a:t>调用这个方法发射数据，方法的参数就是</a:t>
+            </a:r>
+            <a:r>
+              <a:rPr lang="en-US" altLang="zh-CN" sz="1800" dirty="0"/>
+              <a:t>Observable</a:t>
+            </a:r>
+            <a:r>
+              <a:rPr lang="zh-CN" altLang="en-US" sz="1800" dirty="0"/>
+              <a:t>发射的数据，这个方法可能会被调用多次，取决于你的实现。</a:t>
+            </a:r>
+          </a:p>
+          <a:p>
+            <a:r>
+              <a:rPr lang="en-US" altLang="zh-CN" sz="1800" dirty="0" err="1" smtClean="0"/>
+              <a:t>onError</a:t>
+            </a:r>
+            <a:r>
+              <a:rPr lang="en-US" altLang="zh-CN" sz="1800" dirty="0" smtClean="0"/>
+              <a:t>(Exception </a:t>
+            </a:r>
+            <a:r>
+              <a:rPr lang="en-US" altLang="zh-CN" sz="1800" dirty="0"/>
+              <a:t>ex):</a:t>
+            </a:r>
+            <a:r>
+              <a:rPr lang="zh-CN" altLang="en-US" sz="1800" dirty="0"/>
+              <a:t>当</a:t>
+            </a:r>
+            <a:r>
+              <a:rPr lang="en-US" altLang="zh-CN" sz="1800" dirty="0"/>
+              <a:t>Observable</a:t>
+            </a:r>
+            <a:r>
+              <a:rPr lang="zh-CN" altLang="en-US" sz="1800" dirty="0"/>
+              <a:t>遇到错误或者无法返回期望的数据时会调用这个方法，这个调用会终止</a:t>
+            </a:r>
+            <a:r>
+              <a:rPr lang="en-US" altLang="zh-CN" sz="1800" dirty="0"/>
+              <a:t>Observable</a:t>
+            </a:r>
+            <a:r>
+              <a:rPr lang="zh-CN" altLang="en-US" sz="1800" dirty="0"/>
+              <a:t>，后续不会再调用</a:t>
+            </a:r>
+            <a:r>
+              <a:rPr lang="en-US" altLang="zh-CN" sz="1800" dirty="0" err="1"/>
+              <a:t>onNext</a:t>
+            </a:r>
+            <a:r>
+              <a:rPr lang="zh-CN" altLang="en-US" sz="1800" dirty="0"/>
+              <a:t>和</a:t>
+            </a:r>
+            <a:r>
+              <a:rPr lang="en-US" altLang="zh-CN" sz="1800" dirty="0" err="1"/>
+              <a:t>onCompleted</a:t>
+            </a:r>
+            <a:r>
+              <a:rPr lang="zh-CN" altLang="en-US" sz="1800" dirty="0"/>
+              <a:t>，</a:t>
+            </a:r>
+            <a:r>
+              <a:rPr lang="en-US" altLang="zh-CN" sz="1800" dirty="0" err="1"/>
+              <a:t>onError</a:t>
+            </a:r>
+            <a:r>
+              <a:rPr lang="zh-CN" altLang="en-US" sz="1800" dirty="0"/>
+              <a:t>方法的参数是抛出的异常。</a:t>
+            </a:r>
+          </a:p>
+          <a:p>
+            <a:r>
+              <a:rPr lang="en-US" altLang="zh-CN" sz="1800" dirty="0" err="1" smtClean="0"/>
+              <a:t>onComplete</a:t>
+            </a:r>
+            <a:r>
+              <a:rPr lang="en-US" altLang="zh-CN" sz="1800" dirty="0"/>
+              <a:t>:</a:t>
+            </a:r>
+            <a:r>
+              <a:rPr lang="zh-CN" altLang="en-US" sz="1800" dirty="0"/>
+              <a:t>正常终止，如果没有遇到错误，</a:t>
+            </a:r>
+            <a:r>
+              <a:rPr lang="en-US" altLang="zh-CN" sz="1800" dirty="0"/>
+              <a:t>Observable</a:t>
+            </a:r>
+            <a:r>
+              <a:rPr lang="zh-CN" altLang="en-US" sz="1800" dirty="0"/>
+              <a:t>在最后一次调用</a:t>
+            </a:r>
+            <a:r>
+              <a:rPr lang="en-US" altLang="zh-CN" sz="1800" dirty="0" err="1"/>
+              <a:t>onNext</a:t>
+            </a:r>
+            <a:r>
+              <a:rPr lang="zh-CN" altLang="en-US" sz="1800" dirty="0"/>
+              <a:t>之后调用此方法</a:t>
+            </a:r>
+            <a:r>
+              <a:rPr lang="zh-CN" altLang="en-US" sz="1800" dirty="0" smtClean="0"/>
+              <a:t>。</a:t>
+            </a:r>
+            <a:endParaRPr lang="zh-CN" altLang="en-US" sz="1800" dirty="0"/>
+          </a:p>
+          <a:p>
+            <a:r>
+              <a:rPr lang="zh-CN" altLang="en-US" sz="1800" dirty="0"/>
+              <a:t>根据</a:t>
+            </a:r>
+            <a:r>
+              <a:rPr lang="en-US" altLang="zh-CN" sz="1800" dirty="0"/>
+              <a:t>Observable</a:t>
+            </a:r>
+            <a:r>
+              <a:rPr lang="zh-CN" altLang="en-US" sz="1800" dirty="0"/>
+              <a:t>协议的定义，</a:t>
+            </a:r>
+            <a:r>
+              <a:rPr lang="en-US" altLang="zh-CN" sz="1800" dirty="0" err="1"/>
+              <a:t>onNext</a:t>
+            </a:r>
+            <a:r>
+              <a:rPr lang="zh-CN" altLang="en-US" sz="1800" dirty="0"/>
+              <a:t>可能会被</a:t>
+            </a:r>
+            <a:r>
+              <a:rPr lang="zh-CN" altLang="en-US" sz="1800" dirty="0" smtClean="0"/>
+              <a:t>调用零次</a:t>
+            </a:r>
+            <a:r>
+              <a:rPr lang="zh-CN" altLang="en-US" sz="1800" dirty="0"/>
+              <a:t>或者很</a:t>
+            </a:r>
+            <a:r>
+              <a:rPr lang="zh-CN" altLang="en-US" sz="1800" dirty="0" smtClean="0"/>
+              <a:t>多次，</a:t>
+            </a:r>
+            <a:r>
+              <a:rPr lang="zh-CN" altLang="en-US" sz="1800" dirty="0"/>
+              <a:t>最后会有一次</a:t>
+            </a:r>
+            <a:r>
+              <a:rPr lang="en-US" altLang="zh-CN" sz="1800" dirty="0" err="1"/>
+              <a:t>onCompleted</a:t>
+            </a:r>
+            <a:r>
+              <a:rPr lang="zh-CN" altLang="en-US" sz="1800" dirty="0"/>
+              <a:t>或</a:t>
+            </a:r>
+            <a:r>
+              <a:rPr lang="en-US" altLang="zh-CN" sz="1800" dirty="0" err="1"/>
+              <a:t>onError</a:t>
+            </a:r>
+            <a:r>
+              <a:rPr lang="zh-CN" altLang="en-US" sz="1800" dirty="0"/>
+              <a:t>调用（不会同时），传递数据给</a:t>
+            </a:r>
+            <a:r>
+              <a:rPr lang="en-US" altLang="zh-CN" sz="1800" dirty="0" err="1"/>
+              <a:t>onNext</a:t>
+            </a:r>
+            <a:r>
+              <a:rPr lang="zh-CN" altLang="en-US" sz="1800" dirty="0"/>
+              <a:t>通常被称作发射，</a:t>
+            </a:r>
+            <a:r>
+              <a:rPr lang="en-US" altLang="zh-CN" sz="1800" dirty="0" err="1"/>
+              <a:t>onCompleted</a:t>
+            </a:r>
+            <a:r>
+              <a:rPr lang="zh-CN" altLang="en-US" sz="1800" dirty="0"/>
+              <a:t>和</a:t>
+            </a:r>
+            <a:r>
+              <a:rPr lang="en-US" altLang="zh-CN" sz="1800" dirty="0" err="1"/>
+              <a:t>onError</a:t>
+            </a:r>
+            <a:r>
+              <a:rPr lang="zh-CN" altLang="en-US" sz="1800" dirty="0"/>
+              <a:t>被称作通知。</a:t>
+            </a:r>
           </a:p>
         </p:txBody>
       </p:sp>
@@ -12782,7 +12943,7 @@
     </p:spTree>
     <p:extLst>
       <p:ext uri="{BB962C8B-B14F-4D97-AF65-F5344CB8AC3E}">
-        <p14:creationId xmlns:p14="http://schemas.microsoft.com/office/powerpoint/2010/main" val="2852241822"/>
+        <p14:creationId xmlns:p14="http://schemas.microsoft.com/office/powerpoint/2010/main" val="2167220534"/>
       </p:ext>
     </p:extLst>
   </p:cSld>
@@ -12792,6 +12953,13 @@
   <p:transition>
     <p:wipe dir="d"/>
   </p:transition>
+  <p:timing>
+    <p:tnLst>
+      <p:par>
+        <p:cTn id="1" dur="indefinite" restart="never" nodeType="tmRoot"/>
+      </p:par>
+    </p:tnLst>
+  </p:timing>
 </p:sld>
 </file>
 
@@ -12822,19 +12990,14 @@
             <p:ph type="title"/>
           </p:nvPr>
         </p:nvSpPr>
-        <p:spPr>
-          <a:xfrm>
-            <a:off x="457200" y="447899"/>
-            <a:ext cx="8229600" cy="922114"/>
-          </a:xfrm>
-        </p:spPr>
+        <p:spPr/>
         <p:txBody>
           <a:bodyPr/>
           <a:lstStyle/>
           <a:p>
             <a:r>
               <a:rPr lang="en-US" altLang="zh-CN" dirty="0"/>
-              <a:t>Observer</a:t>
+              <a:t>Subscriber</a:t>
             </a:r>
             <a:endParaRPr lang="zh-CN" altLang="en-US" dirty="0"/>
           </a:p>
@@ -12856,278 +13019,68 @@
           <a:lstStyle/>
           <a:p>
             <a:r>
-              <a:rPr lang="zh-CN" altLang="en-US" sz="1800" dirty="0"/>
-              <a:t>观察者，订阅</a:t>
-            </a:r>
-            <a:r>
-              <a:rPr lang="en-US" altLang="zh-CN" sz="1800" dirty="0"/>
-              <a:t>observable</a:t>
-            </a:r>
-            <a:r>
-              <a:rPr lang="zh-CN" altLang="en-US" sz="1800" dirty="0"/>
-              <a:t>发射的数据，对其做出相应，对可能出现的情况的定义就在这里</a:t>
-            </a:r>
-            <a:r>
-              <a:rPr lang="zh-CN" altLang="en-US" sz="1800" dirty="0" smtClean="0"/>
-              <a:t>。</a:t>
-            </a:r>
-            <a:endParaRPr lang="zh-CN" altLang="en-US" sz="1800" dirty="0"/>
-          </a:p>
-          <a:p>
-            <a:r>
-              <a:rPr lang="zh-CN" altLang="en-US" sz="1800" dirty="0"/>
-              <a:t>三个重要的回调方法 </a:t>
-            </a:r>
-            <a:r>
-              <a:rPr lang="en-US" altLang="zh-CN" sz="1800" dirty="0"/>
-              <a:t>(</a:t>
-            </a:r>
-            <a:r>
-              <a:rPr lang="en-US" altLang="zh-CN" sz="1800" dirty="0" err="1"/>
-              <a:t>onNext</a:t>
-            </a:r>
-            <a:r>
-              <a:rPr lang="en-US" altLang="zh-CN" sz="1800" dirty="0"/>
-              <a:t>, </a:t>
-            </a:r>
-            <a:r>
-              <a:rPr lang="en-US" altLang="zh-CN" sz="1800" dirty="0" err="1"/>
-              <a:t>onCompleted</a:t>
-            </a:r>
-            <a:r>
-              <a:rPr lang="en-US" altLang="zh-CN" sz="1800" dirty="0"/>
-              <a:t>, </a:t>
-            </a:r>
-            <a:r>
-              <a:rPr lang="en-US" altLang="zh-CN" sz="1800" dirty="0" err="1"/>
-              <a:t>onError</a:t>
-            </a:r>
-            <a:r>
-              <a:rPr lang="en-US" altLang="zh-CN" sz="1800" dirty="0"/>
-              <a:t>)</a:t>
-            </a:r>
-          </a:p>
-          <a:p>
-            <a:r>
-              <a:rPr lang="zh-CN" altLang="en-US" sz="1800" dirty="0"/>
-              <a:t>通过</a:t>
-            </a:r>
-            <a:r>
-              <a:rPr lang="en-US" altLang="zh-CN" sz="1800" dirty="0"/>
-              <a:t>Subscribe</a:t>
-            </a:r>
-            <a:r>
-              <a:rPr lang="zh-CN" altLang="en-US" sz="1800" dirty="0"/>
-              <a:t>方法可以将观察者连接到</a:t>
-            </a:r>
-            <a:r>
-              <a:rPr lang="en-US" altLang="zh-CN" sz="1800" dirty="0"/>
-              <a:t>Observable</a:t>
-            </a:r>
-            <a:r>
-              <a:rPr lang="zh-CN" altLang="en-US" sz="1800" dirty="0"/>
-              <a:t>，观察者需要实现以下方法的一个子集</a:t>
-            </a:r>
-            <a:r>
-              <a:rPr lang="en-US" altLang="zh-CN" sz="1800" dirty="0"/>
-              <a:t>:</a:t>
-            </a:r>
-          </a:p>
-          <a:p>
-            <a:r>
-              <a:rPr lang="en-US" altLang="zh-CN" sz="1800" dirty="0" err="1" smtClean="0"/>
-              <a:t>onNext</a:t>
-            </a:r>
-            <a:r>
-              <a:rPr lang="en-US" altLang="zh-CN" sz="1800" dirty="0" smtClean="0"/>
-              <a:t>(T </a:t>
-            </a:r>
-            <a:r>
-              <a:rPr lang="en-US" altLang="zh-CN" sz="1800" dirty="0"/>
-              <a:t>item):Observable</a:t>
-            </a:r>
-            <a:r>
-              <a:rPr lang="zh-CN" altLang="en-US" sz="1800" dirty="0"/>
-              <a:t>调用这个方法发射数据，方法的参数就是</a:t>
-            </a:r>
-            <a:r>
-              <a:rPr lang="en-US" altLang="zh-CN" sz="1800" dirty="0"/>
-              <a:t>Observable</a:t>
-            </a:r>
-            <a:r>
-              <a:rPr lang="zh-CN" altLang="en-US" sz="1800" dirty="0"/>
-              <a:t>发射的数据，这个方法可能会被调用多次，取决于你的实现。</a:t>
-            </a:r>
-          </a:p>
-          <a:p>
-            <a:r>
-              <a:rPr lang="en-US" altLang="zh-CN" sz="1800" dirty="0" err="1" smtClean="0"/>
-              <a:t>onError</a:t>
-            </a:r>
-            <a:r>
-              <a:rPr lang="en-US" altLang="zh-CN" sz="1800" dirty="0" smtClean="0"/>
-              <a:t>(Exception </a:t>
-            </a:r>
-            <a:r>
-              <a:rPr lang="en-US" altLang="zh-CN" sz="1800" dirty="0"/>
-              <a:t>ex):</a:t>
-            </a:r>
-            <a:r>
-              <a:rPr lang="zh-CN" altLang="en-US" sz="1800" dirty="0"/>
-              <a:t>当</a:t>
-            </a:r>
-            <a:r>
-              <a:rPr lang="en-US" altLang="zh-CN" sz="1800" dirty="0"/>
-              <a:t>Observable</a:t>
-            </a:r>
-            <a:r>
-              <a:rPr lang="zh-CN" altLang="en-US" sz="1800" dirty="0"/>
-              <a:t>遇到错误或者无法返回期望的数据时会调用这个方法，这个调用会终止</a:t>
-            </a:r>
-            <a:r>
-              <a:rPr lang="en-US" altLang="zh-CN" sz="1800" dirty="0"/>
-              <a:t>Observable</a:t>
-            </a:r>
-            <a:r>
-              <a:rPr lang="zh-CN" altLang="en-US" sz="1800" dirty="0"/>
-              <a:t>，后续不会再调用</a:t>
-            </a:r>
-            <a:r>
-              <a:rPr lang="en-US" altLang="zh-CN" sz="1800" dirty="0" err="1"/>
-              <a:t>onNext</a:t>
-            </a:r>
-            <a:r>
-              <a:rPr lang="zh-CN" altLang="en-US" sz="1800" dirty="0"/>
+              <a:rPr lang="en-US" altLang="zh-CN" dirty="0"/>
+              <a:t>Observers</a:t>
+            </a:r>
+            <a:r>
+              <a:rPr lang="zh-CN" altLang="en-US" dirty="0"/>
               <a:t>和</a:t>
             </a:r>
             <a:r>
-              <a:rPr lang="en-US" altLang="zh-CN" sz="1800" dirty="0" err="1"/>
-              <a:t>onCompleted</a:t>
-            </a:r>
-            <a:r>
-              <a:rPr lang="zh-CN" altLang="en-US" sz="1800" dirty="0"/>
-              <a:t>，</a:t>
-            </a:r>
-            <a:r>
-              <a:rPr lang="en-US" altLang="zh-CN" sz="1800" dirty="0" err="1"/>
-              <a:t>onError</a:t>
-            </a:r>
-            <a:r>
-              <a:rPr lang="zh-CN" altLang="en-US" sz="1800" dirty="0"/>
-              <a:t>方法的参数是抛出的异常。</a:t>
-            </a:r>
-          </a:p>
-          <a:p>
-            <a:r>
-              <a:rPr lang="en-US" altLang="zh-CN" sz="1800" dirty="0" err="1" smtClean="0"/>
-              <a:t>onComplete</a:t>
-            </a:r>
-            <a:r>
-              <a:rPr lang="en-US" altLang="zh-CN" sz="1800" dirty="0"/>
-              <a:t>:</a:t>
-            </a:r>
-            <a:r>
-              <a:rPr lang="zh-CN" altLang="en-US" sz="1800" dirty="0"/>
-              <a:t>正常终止，如果没有遇到错误，</a:t>
-            </a:r>
-            <a:r>
-              <a:rPr lang="en-US" altLang="zh-CN" sz="1800" dirty="0"/>
-              <a:t>Observable</a:t>
-            </a:r>
-            <a:r>
-              <a:rPr lang="zh-CN" altLang="en-US" sz="1800" dirty="0"/>
-              <a:t>在最后一次调用</a:t>
-            </a:r>
-            <a:r>
-              <a:rPr lang="en-US" altLang="zh-CN" sz="1800" dirty="0" err="1"/>
-              <a:t>onNext</a:t>
-            </a:r>
-            <a:r>
-              <a:rPr lang="zh-CN" altLang="en-US" sz="1800" dirty="0"/>
-              <a:t>之后调用此方法</a:t>
-            </a:r>
-            <a:r>
-              <a:rPr lang="zh-CN" altLang="en-US" sz="1800" dirty="0" smtClean="0"/>
-              <a:t>。</a:t>
-            </a:r>
-            <a:endParaRPr lang="zh-CN" altLang="en-US" sz="1800" dirty="0"/>
-          </a:p>
-          <a:p>
-            <a:r>
-              <a:rPr lang="zh-CN" altLang="en-US" sz="1800" dirty="0"/>
-              <a:t>根据</a:t>
-            </a:r>
-            <a:r>
-              <a:rPr lang="en-US" altLang="zh-CN" sz="1800" dirty="0"/>
-              <a:t>Observable</a:t>
-            </a:r>
-            <a:r>
-              <a:rPr lang="zh-CN" altLang="en-US" sz="1800" dirty="0"/>
-              <a:t>协议的定义，</a:t>
-            </a:r>
-            <a:r>
-              <a:rPr lang="en-US" altLang="zh-CN" sz="1800" dirty="0" err="1"/>
-              <a:t>onNext</a:t>
-            </a:r>
-            <a:r>
-              <a:rPr lang="zh-CN" altLang="en-US" sz="1800" dirty="0"/>
-              <a:t>可能会被</a:t>
-            </a:r>
-            <a:r>
-              <a:rPr lang="zh-CN" altLang="en-US" sz="1800" dirty="0" smtClean="0"/>
-              <a:t>调用零次</a:t>
-            </a:r>
-            <a:r>
-              <a:rPr lang="zh-CN" altLang="en-US" sz="1800" dirty="0"/>
-              <a:t>或者很</a:t>
-            </a:r>
-            <a:r>
-              <a:rPr lang="zh-CN" altLang="en-US" sz="1800" dirty="0" smtClean="0"/>
-              <a:t>多次，</a:t>
-            </a:r>
-            <a:r>
-              <a:rPr lang="zh-CN" altLang="en-US" sz="1800" dirty="0"/>
-              <a:t>最后会有一次</a:t>
-            </a:r>
-            <a:r>
-              <a:rPr lang="en-US" altLang="zh-CN" sz="1800" dirty="0" err="1"/>
-              <a:t>onCompleted</a:t>
-            </a:r>
-            <a:r>
-              <a:rPr lang="zh-CN" altLang="en-US" sz="1800" dirty="0"/>
-              <a:t>或</a:t>
-            </a:r>
-            <a:r>
-              <a:rPr lang="en-US" altLang="zh-CN" sz="1800" dirty="0" err="1"/>
-              <a:t>onError</a:t>
-            </a:r>
-            <a:r>
-              <a:rPr lang="zh-CN" altLang="en-US" sz="1800" dirty="0"/>
-              <a:t>调用（不会同时），传递数据给</a:t>
-            </a:r>
-            <a:r>
-              <a:rPr lang="en-US" altLang="zh-CN" sz="1800" dirty="0" err="1"/>
-              <a:t>onNext</a:t>
-            </a:r>
-            <a:r>
-              <a:rPr lang="zh-CN" altLang="en-US" sz="1800" dirty="0"/>
-              <a:t>通常被称作发射，</a:t>
-            </a:r>
-            <a:r>
-              <a:rPr lang="en-US" altLang="zh-CN" sz="1800" dirty="0" err="1"/>
-              <a:t>onCompleted</a:t>
-            </a:r>
-            <a:r>
-              <a:rPr lang="zh-CN" altLang="en-US" sz="1800" dirty="0"/>
-              <a:t>和</a:t>
-            </a:r>
-            <a:r>
-              <a:rPr lang="en-US" altLang="zh-CN" sz="1800" dirty="0" err="1"/>
-              <a:t>onError</a:t>
-            </a:r>
-            <a:r>
-              <a:rPr lang="zh-CN" altLang="en-US" sz="1800" dirty="0"/>
-              <a:t>被称作通知。</a:t>
+              <a:rPr lang="en-US" altLang="zh-CN" dirty="0"/>
+              <a:t>Subscribers</a:t>
+            </a:r>
+            <a:r>
+              <a:rPr lang="zh-CN" altLang="en-US" dirty="0"/>
+              <a:t>是两个“消费”实体。</a:t>
+            </a:r>
+            <a:r>
+              <a:rPr lang="en-US" altLang="zh-CN" dirty="0"/>
+              <a:t>Subscriber</a:t>
+            </a:r>
+            <a:r>
+              <a:rPr lang="zh-CN" altLang="en-US" dirty="0"/>
+              <a:t>是一个实现了</a:t>
+            </a:r>
+            <a:r>
+              <a:rPr lang="en-US" altLang="zh-CN" dirty="0"/>
+              <a:t>Observer</a:t>
+            </a:r>
+            <a:r>
+              <a:rPr lang="zh-CN" altLang="en-US" dirty="0"/>
+              <a:t>的一个抽象类。相对于基本的</a:t>
+            </a:r>
+            <a:r>
+              <a:rPr lang="en-US" altLang="zh-CN" dirty="0"/>
+              <a:t>observer</a:t>
+            </a:r>
+            <a:r>
+              <a:rPr lang="zh-CN" altLang="en-US" dirty="0"/>
+              <a:t>，提供了手动解开订阅的方法</a:t>
+            </a:r>
+            <a:r>
+              <a:rPr lang="en-US" altLang="zh-CN" dirty="0"/>
+              <a:t>unsubscribe</a:t>
+            </a:r>
+            <a:r>
+              <a:rPr lang="zh-CN" altLang="en-US" dirty="0"/>
+              <a:t>和在 </a:t>
+            </a:r>
+            <a:r>
+              <a:rPr lang="en-US" altLang="zh-CN" dirty="0"/>
+              <a:t>subscribe </a:t>
+            </a:r>
+            <a:r>
+              <a:rPr lang="zh-CN" altLang="en-US" dirty="0"/>
+              <a:t>刚开始，而事件还未发送之前被调用的方法</a:t>
+            </a:r>
+            <a:r>
+              <a:rPr lang="en-US" altLang="zh-CN" dirty="0" err="1"/>
+              <a:t>onStart</a:t>
+            </a:r>
+            <a:r>
+              <a:rPr lang="zh-CN" altLang="en-US" dirty="0"/>
+              <a:t>。其他的使用方式是一样的。</a:t>
             </a:r>
           </a:p>
         </p:txBody>
@@ -13167,7 +13120,7 @@
     </p:spTree>
     <p:extLst>
       <p:ext uri="{BB962C8B-B14F-4D97-AF65-F5344CB8AC3E}">
-        <p14:creationId xmlns:p14="http://schemas.microsoft.com/office/powerpoint/2010/main" val="2167220534"/>
+        <p14:creationId xmlns:p14="http://schemas.microsoft.com/office/powerpoint/2010/main" val="1545230607"/>
       </p:ext>
     </p:extLst>
   </p:cSld>
@@ -13177,6 +13130,13 @@
   <p:transition>
     <p:wipe dir="d"/>
   </p:transition>
+  <p:timing>
+    <p:tnLst>
+      <p:par>
+        <p:cTn id="1" dur="indefinite" restart="never" nodeType="tmRoot"/>
+      </p:par>
+    </p:tnLst>
+  </p:timing>
 </p:sld>
 </file>
 
@@ -13207,14 +13167,19 @@
             <p:ph type="title"/>
           </p:nvPr>
         </p:nvSpPr>
-        <p:spPr/>
+        <p:spPr>
+          <a:xfrm>
+            <a:off x="457200" y="548680"/>
+            <a:ext cx="8229600" cy="1143000"/>
+          </a:xfrm>
+        </p:spPr>
         <p:txBody>
           <a:bodyPr/>
           <a:lstStyle/>
           <a:p>
             <a:r>
               <a:rPr lang="en-US" altLang="zh-CN" dirty="0"/>
-              <a:t>Subscriber</a:t>
+              <a:t>Subjects</a:t>
             </a:r>
             <a:endParaRPr lang="zh-CN" altLang="en-US" dirty="0"/>
           </a:p>
@@ -13236,69 +13201,130 @@
           <a:lstStyle/>
           <a:p>
             <a:r>
-              <a:rPr lang="en-US" altLang="zh-CN" dirty="0"/>
-              <a:t>Observers</a:t>
-            </a:r>
-            <a:r>
-              <a:rPr lang="zh-CN" altLang="en-US" dirty="0"/>
-              <a:t>和</a:t>
-            </a:r>
-            <a:r>
-              <a:rPr lang="en-US" altLang="zh-CN" dirty="0"/>
-              <a:t>Subscribers</a:t>
-            </a:r>
-            <a:r>
-              <a:rPr lang="zh-CN" altLang="en-US" dirty="0"/>
-              <a:t>是两个“消费”实体。</a:t>
-            </a:r>
-            <a:r>
-              <a:rPr lang="en-US" altLang="zh-CN" dirty="0"/>
-              <a:t>Subscriber</a:t>
-            </a:r>
-            <a:r>
-              <a:rPr lang="zh-CN" altLang="en-US" dirty="0"/>
-              <a:t>是一个实现了</a:t>
-            </a:r>
-            <a:r>
-              <a:rPr lang="en-US" altLang="zh-CN" dirty="0"/>
+              <a:rPr lang="en-US" altLang="zh-CN" sz="2400" dirty="0"/>
+              <a:t>Subject = Observable + Observer</a:t>
+            </a:r>
+            <a:r>
+              <a:rPr lang="zh-CN" altLang="en-US" sz="2400" dirty="0"/>
+              <a:t>。</a:t>
+            </a:r>
+          </a:p>
+          <a:p>
+            <a:r>
+              <a:rPr lang="en-US" altLang="zh-CN" sz="2400" dirty="0"/>
+              <a:t>subject</a:t>
+            </a:r>
+            <a:r>
+              <a:rPr lang="zh-CN" altLang="en-US" sz="2400" dirty="0"/>
+              <a:t>是一个神奇的对象，它可以是一个</a:t>
+            </a:r>
+            <a:r>
+              <a:rPr lang="en-US" altLang="zh-CN" sz="2400" dirty="0"/>
+              <a:t>Observable</a:t>
+            </a:r>
+            <a:r>
+              <a:rPr lang="zh-CN" altLang="en-US" sz="2400" dirty="0"/>
+              <a:t>同时也可以是一个</a:t>
+            </a:r>
+            <a:r>
+              <a:rPr lang="en-US" altLang="zh-CN" sz="2400" dirty="0"/>
               <a:t>Observer</a:t>
             </a:r>
             <a:r>
-              <a:rPr lang="zh-CN" altLang="en-US" dirty="0"/>
-              <a:t>的一个抽象类。相对于基本的</a:t>
-            </a:r>
-            <a:r>
-              <a:rPr lang="en-US" altLang="zh-CN" dirty="0"/>
-              <a:t>observer</a:t>
-            </a:r>
-            <a:r>
-              <a:rPr lang="zh-CN" altLang="en-US" dirty="0"/>
-              <a:t>，提供了手动解开订阅的方法</a:t>
-            </a:r>
-            <a:r>
-              <a:rPr lang="en-US" altLang="zh-CN" dirty="0"/>
-              <a:t>unsubscribe</a:t>
-            </a:r>
-            <a:r>
-              <a:rPr lang="zh-CN" altLang="en-US" dirty="0"/>
-              <a:t>和在 </a:t>
-            </a:r>
-            <a:r>
-              <a:rPr lang="en-US" altLang="zh-CN" dirty="0"/>
-              <a:t>subscribe </a:t>
-            </a:r>
-            <a:r>
-              <a:rPr lang="zh-CN" altLang="en-US" dirty="0"/>
-              <a:t>刚开始，而事件还未发送之前被调用的方法</a:t>
-            </a:r>
-            <a:r>
-              <a:rPr lang="en-US" altLang="zh-CN" dirty="0" err="1"/>
-              <a:t>onStart</a:t>
-            </a:r>
-            <a:r>
-              <a:rPr lang="zh-CN" altLang="en-US" dirty="0"/>
-              <a:t>。其他的使用方式是一样的。</a:t>
-            </a:r>
+              <a:rPr lang="zh-CN" altLang="en-US" sz="2400" dirty="0"/>
+              <a:t>：它作为连接这两个世界的一座桥梁。一个</a:t>
+            </a:r>
+            <a:r>
+              <a:rPr lang="en-US" altLang="zh-CN" sz="2400" dirty="0"/>
+              <a:t>Subject</a:t>
+            </a:r>
+            <a:r>
+              <a:rPr lang="zh-CN" altLang="en-US" sz="2400" dirty="0"/>
+              <a:t>可以订阅一个</a:t>
+            </a:r>
+            <a:r>
+              <a:rPr lang="en-US" altLang="zh-CN" sz="2400" dirty="0"/>
+              <a:t>Observable</a:t>
+            </a:r>
+            <a:r>
+              <a:rPr lang="zh-CN" altLang="en-US" sz="2400" dirty="0"/>
+              <a:t>，就像一个观察者，并且它可以发射新的数据，或者传递它接受到的数据，就像一个</a:t>
+            </a:r>
+            <a:r>
+              <a:rPr lang="en-US" altLang="zh-CN" sz="2400" dirty="0"/>
+              <a:t>Observable</a:t>
+            </a:r>
+            <a:r>
+              <a:rPr lang="zh-CN" altLang="en-US" sz="2400" dirty="0"/>
+              <a:t>。很明显，作为一个</a:t>
+            </a:r>
+            <a:r>
+              <a:rPr lang="en-US" altLang="zh-CN" sz="2400" dirty="0"/>
+              <a:t>Observable</a:t>
+            </a:r>
+            <a:r>
+              <a:rPr lang="zh-CN" altLang="en-US" sz="2400" dirty="0"/>
+              <a:t>，观察者们或者其它</a:t>
+            </a:r>
+            <a:r>
+              <a:rPr lang="en-US" altLang="zh-CN" sz="2400" dirty="0"/>
+              <a:t>Subject</a:t>
+            </a:r>
+            <a:r>
+              <a:rPr lang="zh-CN" altLang="en-US" sz="2400" dirty="0"/>
+              <a:t>都可以订阅它。</a:t>
+            </a:r>
+          </a:p>
+          <a:p>
+            <a:r>
+              <a:rPr lang="zh-CN" altLang="en-US" sz="2400" dirty="0"/>
+              <a:t>一旦</a:t>
+            </a:r>
+            <a:r>
+              <a:rPr lang="en-US" altLang="zh-CN" sz="2400" dirty="0"/>
+              <a:t>Subject</a:t>
+            </a:r>
+            <a:r>
+              <a:rPr lang="zh-CN" altLang="en-US" sz="2400" dirty="0"/>
+              <a:t>订阅了</a:t>
+            </a:r>
+            <a:r>
+              <a:rPr lang="en-US" altLang="zh-CN" sz="2400" dirty="0"/>
+              <a:t>Observable</a:t>
+            </a:r>
+            <a:r>
+              <a:rPr lang="zh-CN" altLang="en-US" sz="2400" dirty="0"/>
+              <a:t>，它将会触发</a:t>
+            </a:r>
+            <a:r>
+              <a:rPr lang="en-US" altLang="zh-CN" sz="2400" dirty="0"/>
+              <a:t>Observable</a:t>
+            </a:r>
+            <a:r>
+              <a:rPr lang="zh-CN" altLang="en-US" sz="2400" dirty="0"/>
+              <a:t>开始发射。如果原始的</a:t>
+            </a:r>
+            <a:r>
+              <a:rPr lang="en-US" altLang="zh-CN" sz="2400" dirty="0"/>
+              <a:t>Observable</a:t>
+            </a:r>
+            <a:r>
+              <a:rPr lang="zh-CN" altLang="en-US" sz="2400" dirty="0"/>
+              <a:t>是“冷”的，这</a:t>
+            </a:r>
+            <a:r>
+              <a:rPr lang="zh-CN" altLang="en-US" sz="2400" dirty="0" smtClean="0"/>
+              <a:t>将使得一个冷的</a:t>
+            </a:r>
+            <a:r>
+              <a:rPr lang="en-US" altLang="zh-CN" sz="2400" dirty="0" smtClean="0"/>
+              <a:t>observable</a:t>
+            </a:r>
+            <a:r>
+              <a:rPr lang="zh-CN" altLang="en-US" sz="2400" dirty="0" smtClean="0"/>
+              <a:t>变成热的。</a:t>
+            </a:r>
+            <a:endParaRPr lang="zh-CN" altLang="en-US" sz="2400" dirty="0"/>
           </a:p>
         </p:txBody>
       </p:sp>
@@ -13337,7 +13363,7 @@
     </p:spTree>
     <p:extLst>
       <p:ext uri="{BB962C8B-B14F-4D97-AF65-F5344CB8AC3E}">
-        <p14:creationId xmlns:p14="http://schemas.microsoft.com/office/powerpoint/2010/main" val="1545230607"/>
+        <p14:creationId xmlns:p14="http://schemas.microsoft.com/office/powerpoint/2010/main" val="2489627044"/>
       </p:ext>
     </p:extLst>
   </p:cSld>
@@ -13347,6 +13373,13 @@
   <p:transition>
     <p:wipe dir="d"/>
   </p:transition>
+  <p:timing>
+    <p:tnLst>
+      <p:par>
+        <p:cTn id="1" dur="indefinite" restart="never" nodeType="tmRoot"/>
+      </p:par>
+    </p:tnLst>
+  </p:timing>
 </p:sld>
 </file>
 
@@ -13379,8 +13412,8 @@
         </p:nvSpPr>
         <p:spPr>
           <a:xfrm>
-            <a:off x="457200" y="548680"/>
-            <a:ext cx="8229600" cy="1143000"/>
+            <a:off x="457200" y="587226"/>
+            <a:ext cx="8229600" cy="1012974"/>
           </a:xfrm>
         </p:spPr>
         <p:txBody>
@@ -13388,10 +13421,13 @@
           <a:lstStyle/>
           <a:p>
             <a:r>
-              <a:rPr lang="en-US" altLang="zh-CN" dirty="0"/>
-              <a:t>Subjects</a:t>
-            </a:r>
-            <a:endParaRPr lang="zh-CN" altLang="en-US" dirty="0"/>
+              <a:rPr lang="zh-CN" altLang="en-US" dirty="0" smtClean="0"/>
+              <a:t>怎么</a:t>
+            </a:r>
+            <a:r>
+              <a:rPr lang="zh-CN" altLang="en-US" dirty="0"/>
+              <a:t>使用</a:t>
+            </a:r>
           </a:p>
         </p:txBody>
       </p:sp>
@@ -13411,130 +13447,28 @@
           <a:lstStyle/>
           <a:p>
             <a:r>
-              <a:rPr lang="en-US" altLang="zh-CN" sz="2400" dirty="0"/>
-              <a:t>Subject = Observable + Observer</a:t>
-            </a:r>
-            <a:r>
-              <a:rPr lang="zh-CN" altLang="en-US" sz="2400" dirty="0"/>
-              <a:t>。</a:t>
-            </a:r>
-          </a:p>
-          <a:p>
-            <a:r>
-              <a:rPr lang="en-US" altLang="zh-CN" sz="2400" dirty="0"/>
-              <a:t>subject</a:t>
-            </a:r>
-            <a:r>
-              <a:rPr lang="zh-CN" altLang="en-US" sz="2400" dirty="0"/>
-              <a:t>是一个神奇的对象，它可以是一个</a:t>
-            </a:r>
-            <a:r>
-              <a:rPr lang="en-US" altLang="zh-CN" sz="2400" dirty="0"/>
-              <a:t>Observable</a:t>
-            </a:r>
-            <a:r>
-              <a:rPr lang="zh-CN" altLang="en-US" sz="2400" dirty="0"/>
-              <a:t>同时也可以是一个</a:t>
-            </a:r>
-            <a:r>
-              <a:rPr lang="en-US" altLang="zh-CN" sz="2400" dirty="0"/>
-              <a:t>Observer</a:t>
-            </a:r>
-            <a:r>
-              <a:rPr lang="zh-CN" altLang="en-US" sz="2400" dirty="0"/>
-              <a:t>：它作为连接这两个世界的一座桥梁。一个</a:t>
-            </a:r>
-            <a:r>
-              <a:rPr lang="en-US" altLang="zh-CN" sz="2400" dirty="0"/>
-              <a:t>Subject</a:t>
-            </a:r>
-            <a:r>
-              <a:rPr lang="zh-CN" altLang="en-US" sz="2400" dirty="0"/>
-              <a:t>可以订阅一个</a:t>
-            </a:r>
-            <a:r>
-              <a:rPr lang="en-US" altLang="zh-CN" sz="2400" dirty="0"/>
-              <a:t>Observable</a:t>
-            </a:r>
-            <a:r>
-              <a:rPr lang="zh-CN" altLang="en-US" sz="2400" dirty="0"/>
-              <a:t>，就像一个观察者，并且它可以发射新的数据，或者传递它接受到的数据，就像一个</a:t>
-            </a:r>
-            <a:r>
-              <a:rPr lang="en-US" altLang="zh-CN" sz="2400" dirty="0"/>
-              <a:t>Observable</a:t>
-            </a:r>
-            <a:r>
-              <a:rPr lang="zh-CN" altLang="en-US" sz="2400" dirty="0"/>
-              <a:t>。很明显，作为一个</a:t>
-            </a:r>
-            <a:r>
-              <a:rPr lang="en-US" altLang="zh-CN" sz="2400" dirty="0"/>
-              <a:t>Observable</a:t>
-            </a:r>
-            <a:r>
-              <a:rPr lang="zh-CN" altLang="en-US" sz="2400" dirty="0"/>
-              <a:t>，观察者们或者其它</a:t>
-            </a:r>
-            <a:r>
-              <a:rPr lang="en-US" altLang="zh-CN" sz="2400" dirty="0"/>
-              <a:t>Subject</a:t>
-            </a:r>
-            <a:r>
-              <a:rPr lang="zh-CN" altLang="en-US" sz="2400" dirty="0"/>
-              <a:t>都可以订阅它。</a:t>
-            </a:r>
-          </a:p>
-          <a:p>
-            <a:r>
-              <a:rPr lang="zh-CN" altLang="en-US" sz="2400" dirty="0"/>
-              <a:t>一旦</a:t>
-            </a:r>
-            <a:r>
-              <a:rPr lang="en-US" altLang="zh-CN" sz="2400" dirty="0"/>
-              <a:t>Subject</a:t>
-            </a:r>
-            <a:r>
-              <a:rPr lang="zh-CN" altLang="en-US" sz="2400" dirty="0"/>
-              <a:t>订阅了</a:t>
-            </a:r>
-            <a:r>
-              <a:rPr lang="en-US" altLang="zh-CN" sz="2400" dirty="0"/>
-              <a:t>Observable</a:t>
-            </a:r>
-            <a:r>
-              <a:rPr lang="zh-CN" altLang="en-US" sz="2400" dirty="0"/>
-              <a:t>，它将会触发</a:t>
-            </a:r>
-            <a:r>
-              <a:rPr lang="en-US" altLang="zh-CN" sz="2400" dirty="0"/>
-              <a:t>Observable</a:t>
-            </a:r>
-            <a:r>
-              <a:rPr lang="zh-CN" altLang="en-US" sz="2400" dirty="0"/>
-              <a:t>开始发射。如果原始的</a:t>
-            </a:r>
-            <a:r>
-              <a:rPr lang="en-US" altLang="zh-CN" sz="2400" dirty="0"/>
-              <a:t>Observable</a:t>
-            </a:r>
-            <a:r>
-              <a:rPr lang="zh-CN" altLang="en-US" sz="2400" dirty="0"/>
-              <a:t>是“冷”的，这</a:t>
-            </a:r>
-            <a:r>
-              <a:rPr lang="zh-CN" altLang="en-US" sz="2400" dirty="0" smtClean="0"/>
-              <a:t>将使得一个冷的</a:t>
-            </a:r>
-            <a:r>
-              <a:rPr lang="en-US" altLang="zh-CN" sz="2400" dirty="0" smtClean="0"/>
-              <a:t>observable</a:t>
-            </a:r>
-            <a:r>
-              <a:rPr lang="zh-CN" altLang="en-US" sz="2400" dirty="0" smtClean="0"/>
-              <a:t>变成热的。</a:t>
-            </a:r>
-            <a:endParaRPr lang="zh-CN" altLang="en-US" sz="2400" dirty="0"/>
+              <a:rPr lang="zh-CN" altLang="en-US" dirty="0" smtClean="0"/>
+              <a:t>环境搭建</a:t>
+            </a:r>
+            <a:endParaRPr lang="en-US" altLang="zh-CN" dirty="0" smtClean="0"/>
+          </a:p>
+          <a:p>
+            <a:r>
+              <a:rPr lang="en-US" altLang="zh-CN" dirty="0" err="1" smtClean="0"/>
+              <a:t>Gradle</a:t>
+            </a:r>
+            <a:r>
+              <a:rPr lang="zh-CN" altLang="en-US" dirty="0" smtClean="0"/>
+              <a:t>中添加依赖</a:t>
+            </a:r>
+            <a:endParaRPr lang="en-US" altLang="zh-CN" dirty="0" smtClean="0"/>
+          </a:p>
+          <a:p>
+            <a:r>
+              <a:rPr lang="en-US" altLang="zh-CN" dirty="0" smtClean="0"/>
+              <a:t>compile 'io.reactivex:rxandroid:1.1.0’</a:t>
+            </a:r>
+            <a:endParaRPr lang="en-US" altLang="zh-CN" dirty="0"/>
           </a:p>
         </p:txBody>
       </p:sp>
@@ -13573,7 +13507,7 @@
     </p:spTree>
     <p:extLst>
       <p:ext uri="{BB962C8B-B14F-4D97-AF65-F5344CB8AC3E}">
-        <p14:creationId xmlns:p14="http://schemas.microsoft.com/office/powerpoint/2010/main" val="2489627044"/>
+        <p14:creationId xmlns:p14="http://schemas.microsoft.com/office/powerpoint/2010/main" val="2775384049"/>
       </p:ext>
     </p:extLst>
   </p:cSld>
@@ -13583,6 +13517,13 @@
   <p:transition>
     <p:wipe dir="d"/>
   </p:transition>
+  <p:timing>
+    <p:tnLst>
+      <p:par>
+        <p:cTn id="1" dur="indefinite" restart="never" nodeType="tmRoot"/>
+      </p:par>
+    </p:tnLst>
+  </p:timing>
 </p:sld>
 </file>
 
@@ -13615,8 +13556,8 @@
         </p:nvSpPr>
         <p:spPr>
           <a:xfrm>
-            <a:off x="457200" y="587226"/>
-            <a:ext cx="8229600" cy="1012974"/>
+            <a:off x="323528" y="489605"/>
+            <a:ext cx="8229600" cy="1143000"/>
           </a:xfrm>
         </p:spPr>
         <p:txBody>
@@ -13624,13 +13565,18 @@
           <a:lstStyle/>
           <a:p>
             <a:r>
-              <a:rPr lang="zh-CN" altLang="en-US" dirty="0" smtClean="0"/>
-              <a:t>怎么</a:t>
-            </a:r>
-            <a:r>
-              <a:rPr lang="zh-CN" altLang="en-US" dirty="0"/>
-              <a:t>使用</a:t>
-            </a:r>
+              <a:rPr lang="zh-CN" altLang="en-US" b="1" dirty="0"/>
+              <a:t>构建一个</a:t>
+            </a:r>
+            <a:r>
+              <a:rPr lang="en-US" altLang="zh-CN" b="1" dirty="0"/>
+              <a:t>Observable</a:t>
+            </a:r>
+            <a:r>
+              <a:rPr lang="zh-CN" altLang="en-US" b="1" dirty="0" smtClean="0"/>
+              <a:t>管道</a:t>
+            </a:r>
+            <a:endParaRPr lang="zh-CN" altLang="en-US" dirty="0"/>
           </a:p>
         </p:txBody>
       </p:sp>
@@ -13644,34 +13590,128 @@
             <p:ph idx="1"/>
           </p:nvPr>
         </p:nvSpPr>
-        <p:spPr/>
+        <p:spPr>
+          <a:xfrm>
+            <a:off x="457200" y="1657596"/>
+            <a:ext cx="8229600" cy="3849291"/>
+          </a:xfrm>
+        </p:spPr>
         <p:txBody>
           <a:bodyPr/>
           <a:lstStyle/>
           <a:p>
             <a:r>
-              <a:rPr lang="zh-CN" altLang="en-US" dirty="0" smtClean="0"/>
-              <a:t>环境搭建</a:t>
-            </a:r>
-            <a:endParaRPr lang="en-US" altLang="zh-CN" dirty="0" smtClean="0"/>
-          </a:p>
-          <a:p>
-            <a:r>
-              <a:rPr lang="en-US" altLang="zh-CN" dirty="0" err="1" smtClean="0"/>
-              <a:t>Gradle</a:t>
-            </a:r>
-            <a:r>
-              <a:rPr lang="zh-CN" altLang="en-US" dirty="0" smtClean="0"/>
-              <a:t>中添加依赖</a:t>
-            </a:r>
-            <a:endParaRPr lang="en-US" altLang="zh-CN" dirty="0" smtClean="0"/>
-          </a:p>
-          <a:p>
-            <a:r>
-              <a:rPr lang="en-US" altLang="zh-CN" dirty="0" smtClean="0"/>
-              <a:t>compile 'io.reactivex:rxandroid:1.1.0’</a:t>
-            </a:r>
-            <a:endParaRPr lang="en-US" altLang="zh-CN" dirty="0"/>
+              <a:rPr lang="zh-CN" altLang="en-US" sz="2800" dirty="0"/>
+              <a:t>对</a:t>
+            </a:r>
+            <a:r>
+              <a:rPr lang="en-US" altLang="zh-CN" sz="2800" dirty="0"/>
+              <a:t>Observable</a:t>
+            </a:r>
+            <a:r>
+              <a:rPr lang="zh-CN" altLang="en-US" sz="2800" dirty="0"/>
+              <a:t>管道的每个操作都将返回一个新的</a:t>
+            </a:r>
+            <a:r>
+              <a:rPr lang="en-US" altLang="zh-CN" sz="2800" dirty="0"/>
+              <a:t>Observable</a:t>
+            </a:r>
+            <a:r>
+              <a:rPr lang="zh-CN" altLang="en-US" sz="2800" dirty="0"/>
+              <a:t>，这个新的</a:t>
+            </a:r>
+            <a:r>
+              <a:rPr lang="en-US" altLang="zh-CN" sz="2800" dirty="0"/>
+              <a:t>Observable</a:t>
+            </a:r>
+            <a:r>
+              <a:rPr lang="zh-CN" altLang="en-US" sz="2800" dirty="0"/>
+              <a:t>的</a:t>
+            </a:r>
+            <a:r>
+              <a:rPr lang="zh-CN" altLang="en-US" sz="2800" dirty="0">
+                <a:solidFill>
+                  <a:srgbClr val="FF0000"/>
+                </a:solidFill>
+              </a:rPr>
+              <a:t>内容</a:t>
+            </a:r>
+            <a:r>
+              <a:rPr lang="zh-CN" altLang="en-US" sz="2800" dirty="0"/>
+              <a:t>要么</a:t>
+            </a:r>
+            <a:r>
+              <a:rPr lang="zh-CN" altLang="en-US" sz="2800" dirty="0">
+                <a:solidFill>
+                  <a:srgbClr val="FF0000"/>
+                </a:solidFill>
+              </a:rPr>
+              <a:t>和操作前相同</a:t>
+            </a:r>
+            <a:r>
+              <a:rPr lang="zh-CN" altLang="en-US" sz="2800" dirty="0"/>
+              <a:t>，要么就是</a:t>
+            </a:r>
+            <a:r>
+              <a:rPr lang="zh-CN" altLang="en-US" sz="2800" dirty="0">
+                <a:solidFill>
+                  <a:srgbClr val="FF0000"/>
+                </a:solidFill>
+              </a:rPr>
+              <a:t>经过转换 </a:t>
+            </a:r>
+            <a:r>
+              <a:rPr lang="zh-CN" altLang="en-US" sz="2800" dirty="0"/>
+              <a:t>的。这种方式使得我们可以</a:t>
+            </a:r>
+            <a:r>
+              <a:rPr lang="zh-CN" altLang="en-US" sz="2800" dirty="0">
+                <a:solidFill>
+                  <a:srgbClr val="FF0000"/>
+                </a:solidFill>
+              </a:rPr>
+              <a:t>对任务进行分解</a:t>
+            </a:r>
+            <a:r>
+              <a:rPr lang="zh-CN" altLang="en-US" sz="2800" dirty="0"/>
+              <a:t>，并把事件流分解成小的操作，接着把这些</a:t>
+            </a:r>
+            <a:r>
+              <a:rPr lang="en-US" altLang="zh-CN" sz="2800" dirty="0"/>
+              <a:t>Observables</a:t>
+            </a:r>
+            <a:r>
+              <a:rPr lang="zh-CN" altLang="en-US" sz="2800" dirty="0"/>
+              <a:t>拼接起来从而完成更复杂的行为或者重用管道中的</a:t>
+            </a:r>
+            <a:r>
+              <a:rPr lang="zh-CN" altLang="en-US" sz="2800" dirty="0" smtClean="0"/>
+              <a:t>每个</a:t>
+            </a:r>
+            <a:r>
+              <a:rPr lang="zh-CN" altLang="en-US" sz="2800" dirty="0"/>
+              <a:t>独立的单元。我们对</a:t>
+            </a:r>
+            <a:r>
+              <a:rPr lang="en-US" altLang="zh-CN" sz="2800" dirty="0"/>
+              <a:t>Observable</a:t>
+            </a:r>
+            <a:r>
+              <a:rPr lang="zh-CN" altLang="en-US" sz="2800" dirty="0"/>
+              <a:t>的每个方法调用会被加入到</a:t>
+            </a:r>
+            <a:r>
+              <a:rPr lang="zh-CN" altLang="en-US" sz="2800" dirty="0">
+                <a:solidFill>
+                  <a:srgbClr val="FF0000"/>
+                </a:solidFill>
+              </a:rPr>
+              <a:t>总的管道</a:t>
+            </a:r>
+            <a:r>
+              <a:rPr lang="zh-CN" altLang="en-US" sz="2800" dirty="0"/>
+              <a:t>中以便我们的数据在其中流动。</a:t>
+            </a:r>
           </a:p>
         </p:txBody>
       </p:sp>
@@ -13710,7 +13750,7 @@
     </p:spTree>
     <p:extLst>
       <p:ext uri="{BB962C8B-B14F-4D97-AF65-F5344CB8AC3E}">
-        <p14:creationId xmlns:p14="http://schemas.microsoft.com/office/powerpoint/2010/main" val="2775384049"/>
+        <p14:creationId xmlns:p14="http://schemas.microsoft.com/office/powerpoint/2010/main" val="599301613"/>
       </p:ext>
     </p:extLst>
   </p:cSld>
@@ -13720,6 +13760,13 @@
   <p:transition>
     <p:wipe dir="d"/>
   </p:transition>
+  <p:timing>
+    <p:tnLst>
+      <p:par>
+        <p:cTn id="1" dur="indefinite" restart="never" nodeType="tmRoot"/>
+      </p:par>
+    </p:tnLst>
+  </p:timing>
 </p:sld>
 </file>
 
@@ -13752,8 +13799,8 @@
         </p:nvSpPr>
         <p:spPr>
           <a:xfrm>
-            <a:off x="323528" y="489605"/>
-            <a:ext cx="8229600" cy="1143000"/>
+            <a:off x="323528" y="668970"/>
+            <a:ext cx="8229600" cy="912813"/>
           </a:xfrm>
         </p:spPr>
         <p:txBody>
@@ -13761,16 +13808,16 @@
           <a:lstStyle/>
           <a:p>
             <a:r>
-              <a:rPr lang="zh-CN" altLang="en-US" b="1" dirty="0"/>
-              <a:t>构建一个</a:t>
-            </a:r>
-            <a:r>
-              <a:rPr lang="en-US" altLang="zh-CN" b="1" dirty="0"/>
-              <a:t>Observable</a:t>
-            </a:r>
-            <a:r>
-              <a:rPr lang="zh-CN" altLang="en-US" b="1" dirty="0" smtClean="0"/>
-              <a:t>管道</a:t>
+              <a:rPr lang="zh-CN" altLang="en-US" dirty="0" smtClean="0"/>
+              <a:t>创建</a:t>
+            </a:r>
+            <a:r>
+              <a:rPr lang="en-US" altLang="zh-CN" dirty="0" smtClean="0"/>
+              <a:t>Observable-</a:t>
+            </a:r>
+            <a:r>
+              <a:rPr lang="zh-CN" altLang="en-US" dirty="0" smtClean="0"/>
+              <a:t>创建操作符</a:t>
             </a:r>
             <a:endParaRPr lang="zh-CN" altLang="en-US" dirty="0"/>
           </a:p>
@@ -13786,128 +13833,60 @@
             <p:ph idx="1"/>
           </p:nvPr>
         </p:nvSpPr>
-        <p:spPr>
-          <a:xfrm>
-            <a:off x="457200" y="1657596"/>
-            <a:ext cx="8229600" cy="3849291"/>
-          </a:xfrm>
-        </p:spPr>
+        <p:spPr/>
         <p:txBody>
           <a:bodyPr/>
           <a:lstStyle/>
           <a:p>
             <a:r>
-              <a:rPr lang="zh-CN" altLang="en-US" sz="2800" dirty="0"/>
-              <a:t>对</a:t>
-            </a:r>
-            <a:r>
-              <a:rPr lang="en-US" altLang="zh-CN" sz="2800" dirty="0"/>
-              <a:t>Observable</a:t>
-            </a:r>
-            <a:r>
-              <a:rPr lang="zh-CN" altLang="en-US" sz="2800" dirty="0"/>
-              <a:t>管道的每个操作都将返回一个新的</a:t>
-            </a:r>
-            <a:r>
-              <a:rPr lang="en-US" altLang="zh-CN" sz="2800" dirty="0"/>
-              <a:t>Observable</a:t>
-            </a:r>
-            <a:r>
-              <a:rPr lang="zh-CN" altLang="en-US" sz="2800" dirty="0"/>
-              <a:t>，这个新的</a:t>
-            </a:r>
-            <a:r>
-              <a:rPr lang="en-US" altLang="zh-CN" sz="2800" dirty="0"/>
-              <a:t>Observable</a:t>
-            </a:r>
-            <a:r>
-              <a:rPr lang="zh-CN" altLang="en-US" sz="2800" dirty="0"/>
-              <a:t>的</a:t>
-            </a:r>
-            <a:r>
-              <a:rPr lang="zh-CN" altLang="en-US" sz="2800" dirty="0">
+              <a:rPr lang="en-US" altLang="zh-CN" dirty="0" smtClean="0"/>
+              <a:t>Create –</a:t>
+            </a:r>
+            <a:r>
+              <a:rPr lang="zh-CN" altLang="en-US" dirty="0" smtClean="0"/>
+              <a:t>从头创建，</a:t>
+            </a:r>
+            <a:r>
+              <a:rPr lang="zh-CN" altLang="en-US" dirty="0" smtClean="0">
                 <a:solidFill>
                   <a:srgbClr val="FF0000"/>
                 </a:solidFill>
               </a:rPr>
-              <a:t>内容</a:t>
-            </a:r>
-            <a:r>
-              <a:rPr lang="zh-CN" altLang="en-US" sz="2800" dirty="0"/>
-              <a:t>要么</a:t>
-            </a:r>
-            <a:r>
-              <a:rPr lang="zh-CN" altLang="en-US" sz="2800" dirty="0">
-                <a:solidFill>
-                  <a:srgbClr val="FF0000"/>
-                </a:solidFill>
-              </a:rPr>
-              <a:t>和操作前相同</a:t>
-            </a:r>
-            <a:r>
-              <a:rPr lang="zh-CN" altLang="en-US" sz="2800" dirty="0"/>
-              <a:t>，要么就是</a:t>
-            </a:r>
-            <a:r>
-              <a:rPr lang="zh-CN" altLang="en-US" sz="2800" dirty="0">
-                <a:solidFill>
-                  <a:srgbClr val="FF0000"/>
-                </a:solidFill>
-              </a:rPr>
-              <a:t>经过转换 </a:t>
-            </a:r>
-            <a:r>
-              <a:rPr lang="zh-CN" altLang="en-US" sz="2800" dirty="0"/>
-              <a:t>的。这种方式使得我们可以</a:t>
-            </a:r>
-            <a:r>
-              <a:rPr lang="zh-CN" altLang="en-US" sz="2800" dirty="0">
-                <a:solidFill>
-                  <a:srgbClr val="FF0000"/>
-                </a:solidFill>
-              </a:rPr>
-              <a:t>对任务进行分解</a:t>
-            </a:r>
-            <a:r>
-              <a:rPr lang="zh-CN" altLang="en-US" sz="2800" dirty="0"/>
-              <a:t>，并把事件流分解成小的操作，接着把这些</a:t>
-            </a:r>
-            <a:r>
-              <a:rPr lang="en-US" altLang="zh-CN" sz="2800" dirty="0"/>
-              <a:t>Observables</a:t>
-            </a:r>
-            <a:r>
-              <a:rPr lang="zh-CN" altLang="en-US" sz="2800" dirty="0"/>
-              <a:t>拼接起来从而完成更复杂的行为或者重用管道中的</a:t>
-            </a:r>
-            <a:r>
-              <a:rPr lang="zh-CN" altLang="en-US" sz="2800" dirty="0" smtClean="0"/>
-              <a:t>每个</a:t>
-            </a:r>
-            <a:r>
-              <a:rPr lang="zh-CN" altLang="en-US" sz="2800" dirty="0"/>
-              <a:t>独立的单元。我们对</a:t>
-            </a:r>
-            <a:r>
-              <a:rPr lang="en-US" altLang="zh-CN" sz="2800" dirty="0"/>
-              <a:t>Observable</a:t>
-            </a:r>
-            <a:r>
-              <a:rPr lang="zh-CN" altLang="en-US" sz="2800" dirty="0"/>
-              <a:t>的每个方法调用会被加入到</a:t>
-            </a:r>
-            <a:r>
-              <a:rPr lang="zh-CN" altLang="en-US" sz="2800" dirty="0">
-                <a:solidFill>
-                  <a:srgbClr val="FF0000"/>
-                </a:solidFill>
-              </a:rPr>
-              <a:t>总的管道</a:t>
-            </a:r>
-            <a:r>
-              <a:rPr lang="zh-CN" altLang="en-US" sz="2800" dirty="0"/>
-              <a:t>中以便我们的数据在其中流动。</a:t>
-            </a:r>
+              <a:t>显式</a:t>
+            </a:r>
+            <a:r>
+              <a:rPr lang="zh-CN" altLang="en-US" dirty="0" smtClean="0"/>
+              <a:t>的定义数据流</a:t>
+            </a:r>
+            <a:endParaRPr lang="en-US" altLang="zh-CN" dirty="0" smtClean="0"/>
+          </a:p>
+          <a:p>
+            <a:r>
+              <a:rPr lang="en-US" altLang="zh-CN" dirty="0" smtClean="0"/>
+              <a:t>From –</a:t>
+            </a:r>
+            <a:r>
+              <a:rPr lang="zh-CN" altLang="en-US" dirty="0" smtClean="0"/>
+              <a:t>从一个可迭代的对象中创建</a:t>
+            </a:r>
+            <a:endParaRPr lang="en-US" altLang="zh-CN" dirty="0" smtClean="0"/>
+          </a:p>
+          <a:p>
+            <a:r>
+              <a:rPr lang="en-US" altLang="zh-CN" dirty="0" smtClean="0"/>
+              <a:t>Just –</a:t>
+            </a:r>
+            <a:r>
+              <a:rPr lang="zh-CN" altLang="en-US" dirty="0" smtClean="0"/>
+              <a:t>从一个已有的对象创建</a:t>
+            </a:r>
+            <a:endParaRPr lang="en-US" altLang="zh-CN" dirty="0" smtClean="0"/>
+          </a:p>
+          <a:p>
+            <a:pPr marL="0" indent="0">
+              <a:buNone/>
+            </a:pPr>
+            <a:endParaRPr lang="zh-CN" altLang="en-US" dirty="0"/>
           </a:p>
         </p:txBody>
       </p:sp>
@@ -13946,7 +13925,7 @@
     </p:spTree>
     <p:extLst>
       <p:ext uri="{BB962C8B-B14F-4D97-AF65-F5344CB8AC3E}">
-        <p14:creationId xmlns:p14="http://schemas.microsoft.com/office/powerpoint/2010/main" val="599301613"/>
+        <p14:creationId xmlns:p14="http://schemas.microsoft.com/office/powerpoint/2010/main" val="3689277918"/>
       </p:ext>
     </p:extLst>
   </p:cSld>
@@ -13956,6 +13935,13 @@
   <p:transition>
     <p:wipe dir="d"/>
   </p:transition>
+  <p:timing>
+    <p:tnLst>
+      <p:par>
+        <p:cTn id="1" dur="indefinite" restart="never" nodeType="tmRoot"/>
+      </p:par>
+    </p:tnLst>
+  </p:timing>
 </p:sld>
 </file>
 
@@ -13978,18 +13964,18 @@
       </p:grpSpPr>
       <p:sp>
         <p:nvSpPr>
-          <p:cNvPr id="2" name="标题 1"/>
+          <p:cNvPr id="3" name="内容占位符 2"/>
           <p:cNvSpPr>
             <a:spLocks noGrp="1"/>
           </p:cNvSpPr>
           <p:nvPr>
-            <p:ph type="title"/>
+            <p:ph idx="1"/>
           </p:nvPr>
         </p:nvSpPr>
         <p:spPr>
           <a:xfrm>
-            <a:off x="323528" y="668970"/>
-            <a:ext cx="8229600" cy="912813"/>
+            <a:off x="8450" y="2723178"/>
+            <a:ext cx="9144000" cy="4079478"/>
           </a:xfrm>
         </p:spPr>
         <p:txBody>
@@ -13997,89 +13983,90 @@
           <a:lstStyle/>
           <a:p>
             <a:r>
-              <a:rPr lang="zh-CN" altLang="en-US" dirty="0" smtClean="0"/>
-              <a:t>创建</a:t>
-            </a:r>
-            <a:r>
-              <a:rPr lang="en-US" altLang="zh-CN" dirty="0" smtClean="0"/>
-              <a:t>Observable-</a:t>
-            </a:r>
-            <a:r>
-              <a:rPr lang="zh-CN" altLang="en-US" dirty="0" smtClean="0"/>
-              <a:t>创建操作符</a:t>
-            </a:r>
-            <a:endParaRPr lang="zh-CN" altLang="en-US" dirty="0"/>
-          </a:p>
-        </p:txBody>
-      </p:sp>
-      <p:sp>
-        <p:nvSpPr>
-          <p:cNvPr id="3" name="内容占位符 2"/>
-          <p:cNvSpPr>
-            <a:spLocks noGrp="1"/>
-          </p:cNvSpPr>
-          <p:nvPr>
-            <p:ph idx="1"/>
-          </p:nvPr>
-        </p:nvSpPr>
-        <p:spPr/>
-        <p:txBody>
-          <a:bodyPr/>
-          <a:lstStyle/>
-          <a:p>
-            <a:r>
-              <a:rPr lang="en-US" altLang="zh-CN" dirty="0" smtClean="0"/>
-              <a:t>Create –</a:t>
-            </a:r>
-            <a:r>
-              <a:rPr lang="zh-CN" altLang="en-US" dirty="0" smtClean="0"/>
-              <a:t>从头</a:t>
-            </a:r>
-            <a:r>
-              <a:rPr lang="zh-CN" altLang="en-US" dirty="0" smtClean="0"/>
-              <a:t>创建，</a:t>
-            </a:r>
-            <a:r>
-              <a:rPr lang="zh-CN" altLang="en-US" dirty="0" smtClean="0">
+              <a:rPr lang="zh-CN" altLang="en-US" sz="2400" dirty="0" smtClean="0"/>
+              <a:t>这样</a:t>
+            </a:r>
+            <a:r>
+              <a:rPr lang="zh-CN" altLang="en-US" sz="2400" dirty="0"/>
+              <a:t>我们就定义好了管道的第一个部分</a:t>
+            </a:r>
+            <a:r>
+              <a:rPr lang="zh-CN" altLang="en-US" sz="2400" dirty="0" smtClean="0"/>
+              <a:t>：</a:t>
+            </a:r>
+            <a:r>
+              <a:rPr lang="zh-CN" altLang="zh-CN" sz="2400" dirty="0">
+                <a:solidFill>
+                  <a:srgbClr val="000000"/>
+                </a:solidFill>
+                <a:latin typeface="宋体" panose="02010600030101010101" pitchFamily="2" charset="-122"/>
+                <a:ea typeface="宋体" panose="02010600030101010101" pitchFamily="2" charset="-122"/>
+              </a:rPr>
+              <a:t> sentenceObservable </a:t>
+            </a:r>
+            <a:r>
+              <a:rPr lang="zh-CN" altLang="en-US" sz="2400" dirty="0" smtClean="0"/>
+              <a:t>。</a:t>
+            </a:r>
+            <a:endParaRPr lang="en-US" altLang="zh-CN" sz="2400" dirty="0" smtClean="0"/>
+          </a:p>
+          <a:p>
+            <a:r>
+              <a:rPr lang="zh-CN" altLang="en-US" sz="2400" dirty="0" smtClean="0"/>
+              <a:t>在</a:t>
+            </a:r>
+            <a:r>
+              <a:rPr lang="zh-CN" altLang="en-US" sz="2400" dirty="0"/>
+              <a:t>其中流通的数据是一个</a:t>
+            </a:r>
+            <a:r>
+              <a:rPr lang="zh-CN" altLang="en-US" sz="2400" dirty="0" smtClean="0"/>
+              <a:t>字符串</a:t>
+            </a:r>
+            <a:r>
+              <a:rPr lang="zh-CN" altLang="en-US" sz="2400" dirty="0"/>
+              <a:t>序列</a:t>
+            </a:r>
+            <a:r>
+              <a:rPr lang="zh-CN" altLang="en-US" sz="2400" dirty="0" smtClean="0"/>
+              <a:t>。</a:t>
+            </a:r>
+            <a:r>
+              <a:rPr lang="zh-CN" altLang="en-US" sz="2400" dirty="0"/>
+              <a:t>首先要认识到的是这是没有实现任何功能的非阻塞代码，仅仅</a:t>
+            </a:r>
+            <a:r>
+              <a:rPr lang="zh-CN" altLang="en-US" sz="2400" dirty="0">
                 <a:solidFill>
                   <a:srgbClr val="FF0000"/>
                 </a:solidFill>
               </a:rPr>
-              <a:t>显式</a:t>
-            </a:r>
-            <a:r>
-              <a:rPr lang="zh-CN" altLang="en-US" dirty="0" smtClean="0"/>
-              <a:t>的定义数据流</a:t>
-            </a:r>
-            <a:endParaRPr lang="en-US" altLang="zh-CN" dirty="0" smtClean="0"/>
-          </a:p>
-          <a:p>
-            <a:r>
-              <a:rPr lang="en-US" altLang="zh-CN" dirty="0" smtClean="0"/>
-              <a:t>From –</a:t>
-            </a:r>
-            <a:r>
-              <a:rPr lang="zh-CN" altLang="en-US" dirty="0" smtClean="0"/>
-              <a:t>从一个可迭代的对象中创建</a:t>
-            </a:r>
-            <a:endParaRPr lang="en-US" altLang="zh-CN" dirty="0" smtClean="0"/>
-          </a:p>
-          <a:p>
-            <a:r>
-              <a:rPr lang="en-US" altLang="zh-CN" dirty="0" smtClean="0"/>
-              <a:t>Just –</a:t>
-            </a:r>
-            <a:r>
-              <a:rPr lang="zh-CN" altLang="en-US" dirty="0" smtClean="0"/>
-              <a:t>从一个已有的对象创建</a:t>
-            </a:r>
-            <a:endParaRPr lang="en-US" altLang="zh-CN" dirty="0" smtClean="0"/>
-          </a:p>
-          <a:p>
-            <a:pPr marL="0" indent="0">
-              <a:buNone/>
-            </a:pPr>
-            <a:endParaRPr lang="zh-CN" altLang="en-US" dirty="0"/>
+              <a:t>定义了我们想要完成什么</a:t>
+            </a:r>
+            <a:r>
+              <a:rPr lang="zh-CN" altLang="en-US" sz="2400" dirty="0" smtClean="0">
+                <a:solidFill>
+                  <a:srgbClr val="FF0000"/>
+                </a:solidFill>
+              </a:rPr>
+              <a:t>事情（发射这个序列中的值）。</a:t>
+            </a:r>
+            <a:r>
+              <a:rPr lang="en-US" altLang="zh-CN" sz="2400" dirty="0"/>
+              <a:t>Observable</a:t>
+            </a:r>
+            <a:r>
+              <a:rPr lang="zh-CN" altLang="en-US" sz="2400" dirty="0"/>
+              <a:t>只有在我们“订阅”它之后才会开始工作，也就是说给它注册一个</a:t>
+            </a:r>
+            <a:r>
+              <a:rPr lang="en-US" altLang="zh-CN" sz="2400" dirty="0"/>
+              <a:t>Observer</a:t>
+            </a:r>
+            <a:r>
+              <a:rPr lang="zh-CN" altLang="en-US" sz="2400" dirty="0"/>
+              <a:t>之后。</a:t>
+            </a:r>
           </a:p>
         </p:txBody>
       </p:sp>
@@ -14115,10 +14102,401 @@
           </a:p>
         </p:txBody>
       </p:sp>
+      <p:sp>
+        <p:nvSpPr>
+          <p:cNvPr id="6" name="Rectangle 2"/>
+          <p:cNvSpPr>
+            <a:spLocks noChangeArrowheads="1"/>
+          </p:cNvSpPr>
+          <p:nvPr/>
+        </p:nvSpPr>
+        <p:spPr bwMode="auto">
+          <a:xfrm>
+            <a:off x="251520" y="640524"/>
+            <a:ext cx="8280920" cy="1569660"/>
+          </a:xfrm>
+          <a:prstGeom prst="rect">
+            <a:avLst/>
+          </a:prstGeom>
+          <a:solidFill>
+            <a:srgbClr val="FFFFFF"/>
+          </a:solidFill>
+          <a:ln>
+            <a:noFill/>
+          </a:ln>
+          <a:effectLst/>
+          <a:extLst>
+            <a:ext uri="{91240B29-F687-4F45-9708-019B960494DF}">
+              <a14:hiddenLine xmlns:a14="http://schemas.microsoft.com/office/drawing/2010/main" w="9525">
+                <a:solidFill>
+                  <a:schemeClr val="tx1"/>
+                </a:solidFill>
+                <a:miter lim="800000"/>
+                <a:headEnd/>
+                <a:tailEnd/>
+              </a14:hiddenLine>
+            </a:ext>
+            <a:ext uri="{AF507438-7753-43E0-B8FC-AC1667EBCBE1}">
+              <a14:hiddenEffects xmlns:a14="http://schemas.microsoft.com/office/drawing/2010/main">
+                <a:effectLst>
+                  <a:outerShdw dist="35921" dir="2700000" algn="ctr" rotWithShape="0">
+                    <a:schemeClr val="bg2"/>
+                  </a:outerShdw>
+                </a:effectLst>
+              </a14:hiddenEffects>
+            </a:ext>
+          </a:extLst>
+        </p:spPr>
+        <p:txBody>
+          <a:bodyPr vert="horz" wrap="square" lIns="91440" tIns="45720" rIns="91440" bIns="45720" numCol="1" anchor="ctr" anchorCtr="0" compatLnSpc="1">
+            <a:prstTxWarp prst="textNoShape">
+              <a:avLst/>
+            </a:prstTxWarp>
+            <a:spAutoFit/>
+          </a:bodyPr>
+          <a:lstStyle/>
+          <a:p>
+            <a:pPr marL="0" marR="0" lvl="0" indent="0" algn="l" defTabSz="914400" rtl="0" eaLnBrk="0" fontAlgn="base" latinLnBrk="0" hangingPunct="0">
+              <a:lnSpc>
+                <a:spcPct val="100000"/>
+              </a:lnSpc>
+              <a:spcBef>
+                <a:spcPct val="0"/>
+              </a:spcBef>
+              <a:spcAft>
+                <a:spcPct val="0"/>
+              </a:spcAft>
+              <a:buClrTx/>
+              <a:buSzTx/>
+              <a:buFontTx/>
+              <a:buNone/>
+              <a:tabLst/>
+            </a:pPr>
+            <a:r>
+              <a:rPr kumimoji="0" lang="zh-CN" altLang="zh-CN" sz="3200" b="1" i="0" u="none" strike="noStrike" cap="none" normalizeH="0" baseline="0" dirty="0" smtClean="0">
+                <a:ln>
+                  <a:noFill/>
+                </a:ln>
+                <a:solidFill>
+                  <a:srgbClr val="3E7EFF"/>
+                </a:solidFill>
+                <a:effectLst/>
+                <a:latin typeface="宋体" panose="02010600030101010101" pitchFamily="2" charset="-122"/>
+                <a:ea typeface="宋体" panose="02010600030101010101" pitchFamily="2" charset="-122"/>
+              </a:rPr>
+              <a:t>Observable</a:t>
+            </a:r>
+            <a:r>
+              <a:rPr kumimoji="0" lang="zh-CN" altLang="zh-CN" sz="3200" b="0" i="0" u="none" strike="noStrike" cap="none" normalizeH="0" baseline="0" dirty="0" smtClean="0">
+                <a:ln>
+                  <a:noFill/>
+                </a:ln>
+                <a:solidFill>
+                  <a:srgbClr val="333333"/>
+                </a:solidFill>
+                <a:effectLst/>
+                <a:latin typeface="宋体" panose="02010600030101010101" pitchFamily="2" charset="-122"/>
+                <a:ea typeface="宋体" panose="02010600030101010101" pitchFamily="2" charset="-122"/>
+              </a:rPr>
+              <a:t>&lt;</a:t>
+            </a:r>
+            <a:r>
+              <a:rPr kumimoji="0" lang="zh-CN" altLang="zh-CN" sz="3200" b="1" i="0" u="none" strike="noStrike" cap="none" normalizeH="0" baseline="0" dirty="0" smtClean="0">
+                <a:ln>
+                  <a:noFill/>
+                </a:ln>
+                <a:solidFill>
+                  <a:srgbClr val="3E7EFF"/>
+                </a:solidFill>
+                <a:effectLst/>
+                <a:latin typeface="宋体" panose="02010600030101010101" pitchFamily="2" charset="-122"/>
+                <a:ea typeface="宋体" panose="02010600030101010101" pitchFamily="2" charset="-122"/>
+              </a:rPr>
+              <a:t>String</a:t>
+            </a:r>
+            <a:r>
+              <a:rPr kumimoji="0" lang="zh-CN" altLang="zh-CN" sz="3200" b="0" i="0" u="none" strike="noStrike" cap="none" normalizeH="0" baseline="0" dirty="0" smtClean="0">
+                <a:ln>
+                  <a:noFill/>
+                </a:ln>
+                <a:solidFill>
+                  <a:srgbClr val="333333"/>
+                </a:solidFill>
+                <a:effectLst/>
+                <a:latin typeface="宋体" panose="02010600030101010101" pitchFamily="2" charset="-122"/>
+                <a:ea typeface="宋体" panose="02010600030101010101" pitchFamily="2" charset="-122"/>
+              </a:rPr>
+              <a:t>&gt; </a:t>
+            </a:r>
+            <a:r>
+              <a:rPr kumimoji="0" lang="zh-CN" altLang="zh-CN" sz="3200" b="0" i="0" u="none" strike="noStrike" cap="none" normalizeH="0" baseline="0" dirty="0" smtClean="0">
+                <a:ln>
+                  <a:noFill/>
+                </a:ln>
+                <a:solidFill>
+                  <a:srgbClr val="000000"/>
+                </a:solidFill>
+                <a:effectLst/>
+                <a:latin typeface="宋体" panose="02010600030101010101" pitchFamily="2" charset="-122"/>
+                <a:ea typeface="宋体" panose="02010600030101010101" pitchFamily="2" charset="-122"/>
+              </a:rPr>
+              <a:t>sentenceObservable </a:t>
+            </a:r>
+            <a:r>
+              <a:rPr kumimoji="0" lang="zh-CN" altLang="zh-CN" sz="3200" b="0" i="0" u="none" strike="noStrike" cap="none" normalizeH="0" baseline="0" dirty="0" smtClean="0">
+                <a:ln>
+                  <a:noFill/>
+                </a:ln>
+                <a:solidFill>
+                  <a:srgbClr val="333333"/>
+                </a:solidFill>
+                <a:effectLst/>
+                <a:latin typeface="宋体" panose="02010600030101010101" pitchFamily="2" charset="-122"/>
+                <a:ea typeface="宋体" panose="02010600030101010101" pitchFamily="2" charset="-122"/>
+              </a:rPr>
+              <a:t>= </a:t>
+            </a:r>
+            <a:r>
+              <a:rPr kumimoji="0" lang="zh-CN" altLang="zh-CN" sz="3200" b="1" i="0" u="none" strike="noStrike" cap="none" normalizeH="0" baseline="0" dirty="0" smtClean="0">
+                <a:ln>
+                  <a:noFill/>
+                </a:ln>
+                <a:solidFill>
+                  <a:srgbClr val="3E7EFF"/>
+                </a:solidFill>
+                <a:effectLst/>
+                <a:latin typeface="宋体" panose="02010600030101010101" pitchFamily="2" charset="-122"/>
+                <a:ea typeface="宋体" panose="02010600030101010101" pitchFamily="2" charset="-122"/>
+              </a:rPr>
+              <a:t>Observable</a:t>
+            </a:r>
+            <a:r>
+              <a:rPr kumimoji="0" lang="zh-CN" altLang="zh-CN" sz="3200" b="0" i="0" u="none" strike="noStrike" cap="none" normalizeH="0" baseline="0" dirty="0" smtClean="0">
+                <a:ln>
+                  <a:noFill/>
+                </a:ln>
+                <a:solidFill>
+                  <a:srgbClr val="333333"/>
+                </a:solidFill>
+                <a:effectLst/>
+                <a:latin typeface="宋体" panose="02010600030101010101" pitchFamily="2" charset="-122"/>
+                <a:ea typeface="宋体" panose="02010600030101010101" pitchFamily="2" charset="-122"/>
+              </a:rPr>
+              <a:t>.</a:t>
+            </a:r>
+            <a:r>
+              <a:rPr kumimoji="0" lang="zh-CN" altLang="zh-CN" sz="3200" b="1" i="0" u="none" strike="noStrike" cap="none" normalizeH="0" baseline="0" dirty="0" smtClean="0">
+                <a:ln>
+                  <a:noFill/>
+                </a:ln>
+                <a:solidFill>
+                  <a:srgbClr val="7F9FBF"/>
+                </a:solidFill>
+                <a:effectLst/>
+                <a:latin typeface="宋体" panose="02010600030101010101" pitchFamily="2" charset="-122"/>
+                <a:ea typeface="宋体" panose="02010600030101010101" pitchFamily="2" charset="-122"/>
+              </a:rPr>
+              <a:t>from</a:t>
+            </a:r>
+            <a:r>
+              <a:rPr kumimoji="0" lang="zh-CN" altLang="zh-CN" sz="3200" b="0" i="0" u="none" strike="noStrike" cap="none" normalizeH="0" baseline="0" dirty="0" smtClean="0">
+                <a:ln>
+                  <a:noFill/>
+                </a:ln>
+                <a:solidFill>
+                  <a:srgbClr val="000066"/>
+                </a:solidFill>
+                <a:effectLst/>
+                <a:latin typeface="宋体" panose="02010600030101010101" pitchFamily="2" charset="-122"/>
+                <a:ea typeface="宋体" panose="02010600030101010101" pitchFamily="2" charset="-122"/>
+              </a:rPr>
+              <a:t>(</a:t>
+            </a:r>
+            <a:r>
+              <a:rPr kumimoji="0" lang="zh-CN" altLang="zh-CN" sz="3200" b="1" i="0" u="none" strike="noStrike" cap="none" normalizeH="0" baseline="0" dirty="0" smtClean="0">
+                <a:ln>
+                  <a:noFill/>
+                </a:ln>
+                <a:solidFill>
+                  <a:srgbClr val="7F0055"/>
+                </a:solidFill>
+                <a:effectLst/>
+                <a:latin typeface="宋体" panose="02010600030101010101" pitchFamily="2" charset="-122"/>
+                <a:ea typeface="宋体" panose="02010600030101010101" pitchFamily="2" charset="-122"/>
+              </a:rPr>
+              <a:t>new </a:t>
+            </a:r>
+            <a:r>
+              <a:rPr kumimoji="0" lang="zh-CN" altLang="zh-CN" sz="3200" b="1" i="0" u="none" strike="noStrike" cap="none" normalizeH="0" baseline="0" dirty="0" smtClean="0">
+                <a:ln>
+                  <a:noFill/>
+                </a:ln>
+                <a:solidFill>
+                  <a:srgbClr val="3E7EFF"/>
+                </a:solidFill>
+                <a:effectLst/>
+                <a:latin typeface="宋体" panose="02010600030101010101" pitchFamily="2" charset="-122"/>
+                <a:ea typeface="宋体" panose="02010600030101010101" pitchFamily="2" charset="-122"/>
+              </a:rPr>
+              <a:t>String</a:t>
+            </a:r>
+            <a:r>
+              <a:rPr kumimoji="0" lang="zh-CN" altLang="zh-CN" sz="3200" b="0" i="0" u="none" strike="noStrike" cap="none" normalizeH="0" baseline="0" dirty="0" smtClean="0">
+                <a:ln>
+                  <a:noFill/>
+                </a:ln>
+                <a:solidFill>
+                  <a:srgbClr val="000066"/>
+                </a:solidFill>
+                <a:effectLst/>
+                <a:latin typeface="宋体" panose="02010600030101010101" pitchFamily="2" charset="-122"/>
+                <a:ea typeface="宋体" panose="02010600030101010101" pitchFamily="2" charset="-122"/>
+              </a:rPr>
+              <a:t>[]{</a:t>
+            </a:r>
+            <a:r>
+              <a:rPr kumimoji="0" lang="zh-CN" altLang="zh-CN" sz="3200" b="1" i="0" u="none" strike="noStrike" cap="none" normalizeH="0" baseline="0" dirty="0" smtClean="0">
+                <a:ln>
+                  <a:noFill/>
+                </a:ln>
+                <a:solidFill>
+                  <a:srgbClr val="000000"/>
+                </a:solidFill>
+                <a:effectLst/>
+                <a:latin typeface="宋体" panose="02010600030101010101" pitchFamily="2" charset="-122"/>
+                <a:ea typeface="宋体" panose="02010600030101010101" pitchFamily="2" charset="-122"/>
+              </a:rPr>
+              <a:t>"this"</a:t>
+            </a:r>
+            <a:r>
+              <a:rPr kumimoji="0" lang="zh-CN" altLang="zh-CN" sz="3200" b="0" i="0" u="none" strike="noStrike" cap="none" normalizeH="0" baseline="0" dirty="0" smtClean="0">
+                <a:ln>
+                  <a:noFill/>
+                </a:ln>
+                <a:solidFill>
+                  <a:srgbClr val="333333"/>
+                </a:solidFill>
+                <a:effectLst/>
+                <a:latin typeface="宋体" panose="02010600030101010101" pitchFamily="2" charset="-122"/>
+                <a:ea typeface="宋体" panose="02010600030101010101" pitchFamily="2" charset="-122"/>
+              </a:rPr>
+              <a:t>,</a:t>
+            </a:r>
+            <a:r>
+              <a:rPr kumimoji="0" lang="zh-CN" altLang="zh-CN" sz="3200" b="1" i="0" u="none" strike="noStrike" cap="none" normalizeH="0" baseline="0" dirty="0" smtClean="0">
+                <a:ln>
+                  <a:noFill/>
+                </a:ln>
+                <a:solidFill>
+                  <a:srgbClr val="000000"/>
+                </a:solidFill>
+                <a:effectLst/>
+                <a:latin typeface="宋体" panose="02010600030101010101" pitchFamily="2" charset="-122"/>
+                <a:ea typeface="宋体" panose="02010600030101010101" pitchFamily="2" charset="-122"/>
+              </a:rPr>
+              <a:t>"is"</a:t>
+            </a:r>
+            <a:r>
+              <a:rPr kumimoji="0" lang="zh-CN" altLang="zh-CN" sz="3200" b="0" i="0" u="none" strike="noStrike" cap="none" normalizeH="0" baseline="0" dirty="0" smtClean="0">
+                <a:ln>
+                  <a:noFill/>
+                </a:ln>
+                <a:solidFill>
+                  <a:srgbClr val="333333"/>
+                </a:solidFill>
+                <a:effectLst/>
+                <a:latin typeface="宋体" panose="02010600030101010101" pitchFamily="2" charset="-122"/>
+                <a:ea typeface="宋体" panose="02010600030101010101" pitchFamily="2" charset="-122"/>
+              </a:rPr>
+              <a:t>,</a:t>
+            </a:r>
+            <a:r>
+              <a:rPr kumimoji="0" lang="zh-CN" altLang="zh-CN" sz="3200" b="1" i="0" u="none" strike="noStrike" cap="none" normalizeH="0" baseline="0" dirty="0" smtClean="0">
+                <a:ln>
+                  <a:noFill/>
+                </a:ln>
+                <a:solidFill>
+                  <a:srgbClr val="000000"/>
+                </a:solidFill>
+                <a:effectLst/>
+                <a:latin typeface="宋体" panose="02010600030101010101" pitchFamily="2" charset="-122"/>
+                <a:ea typeface="宋体" panose="02010600030101010101" pitchFamily="2" charset="-122"/>
+              </a:rPr>
+              <a:t>"a"</a:t>
+            </a:r>
+            <a:r>
+              <a:rPr kumimoji="0" lang="zh-CN" altLang="zh-CN" sz="3200" b="0" i="0" u="none" strike="noStrike" cap="none" normalizeH="0" baseline="0" dirty="0" smtClean="0">
+                <a:ln>
+                  <a:noFill/>
+                </a:ln>
+                <a:solidFill>
+                  <a:srgbClr val="333333"/>
+                </a:solidFill>
+                <a:effectLst/>
+                <a:latin typeface="宋体" panose="02010600030101010101" pitchFamily="2" charset="-122"/>
+                <a:ea typeface="宋体" panose="02010600030101010101" pitchFamily="2" charset="-122"/>
+              </a:rPr>
+              <a:t>,</a:t>
+            </a:r>
+            <a:r>
+              <a:rPr kumimoji="0" lang="zh-CN" altLang="zh-CN" sz="3200" b="1" i="0" u="none" strike="noStrike" cap="none" normalizeH="0" baseline="0" dirty="0" smtClean="0">
+                <a:ln>
+                  <a:noFill/>
+                </a:ln>
+                <a:solidFill>
+                  <a:srgbClr val="000000"/>
+                </a:solidFill>
+                <a:effectLst/>
+                <a:latin typeface="宋体" panose="02010600030101010101" pitchFamily="2" charset="-122"/>
+                <a:ea typeface="宋体" panose="02010600030101010101" pitchFamily="2" charset="-122"/>
+              </a:rPr>
+              <a:t>"sentence"</a:t>
+            </a:r>
+            <a:r>
+              <a:rPr kumimoji="0" lang="zh-CN" altLang="zh-CN" sz="3200" b="0" i="0" u="none" strike="noStrike" cap="none" normalizeH="0" baseline="0" dirty="0" smtClean="0">
+                <a:ln>
+                  <a:noFill/>
+                </a:ln>
+                <a:solidFill>
+                  <a:srgbClr val="000066"/>
+                </a:solidFill>
+                <a:effectLst/>
+                <a:latin typeface="宋体" panose="02010600030101010101" pitchFamily="2" charset="-122"/>
+                <a:ea typeface="宋体" panose="02010600030101010101" pitchFamily="2" charset="-122"/>
+              </a:rPr>
+              <a:t>})</a:t>
+            </a:r>
+            <a:r>
+              <a:rPr kumimoji="0" lang="zh-CN" altLang="zh-CN" sz="3200" b="0" i="0" u="none" strike="noStrike" cap="none" normalizeH="0" baseline="0" dirty="0" smtClean="0">
+                <a:ln>
+                  <a:noFill/>
+                </a:ln>
+                <a:solidFill>
+                  <a:srgbClr val="333333"/>
+                </a:solidFill>
+                <a:effectLst/>
+                <a:latin typeface="宋体" panose="02010600030101010101" pitchFamily="2" charset="-122"/>
+                <a:ea typeface="宋体" panose="02010600030101010101" pitchFamily="2" charset="-122"/>
+              </a:rPr>
+              <a:t>;</a:t>
+            </a:r>
+            <a:endParaRPr kumimoji="0" lang="zh-CN" altLang="zh-CN" sz="4400" b="0" i="0" u="none" strike="noStrike" cap="none" normalizeH="0" baseline="0" dirty="0" smtClean="0">
+              <a:ln>
+                <a:noFill/>
+              </a:ln>
+              <a:solidFill>
+                <a:schemeClr val="tx1"/>
+              </a:solidFill>
+              <a:effectLst/>
+              <a:latin typeface="Arial" panose="020B0604020202020204" pitchFamily="34" charset="0"/>
+            </a:endParaRPr>
+          </a:p>
+        </p:txBody>
+      </p:sp>
     </p:spTree>
     <p:extLst>
       <p:ext uri="{BB962C8B-B14F-4D97-AF65-F5344CB8AC3E}">
-        <p14:creationId xmlns:p14="http://schemas.microsoft.com/office/powerpoint/2010/main" val="3689277918"/>
+        <p14:creationId xmlns:p14="http://schemas.microsoft.com/office/powerpoint/2010/main" val="2883228435"/>
       </p:ext>
     </p:extLst>
   </p:cSld>
@@ -14128,6 +14506,13 @@
   <p:transition>
     <p:wipe dir="d"/>
   </p:transition>
+  <p:timing>
+    <p:tnLst>
+      <p:par>
+        <p:cTn id="1" dur="indefinite" restart="never" nodeType="tmRoot"/>
+      </p:par>
+    </p:tnLst>
+  </p:timing>
 </p:sld>
 </file>
 
@@ -14281,577 +14666,6 @@
       </p:grpSpPr>
       <p:sp>
         <p:nvSpPr>
-          <p:cNvPr id="3" name="内容占位符 2"/>
-          <p:cNvSpPr>
-            <a:spLocks noGrp="1"/>
-          </p:cNvSpPr>
-          <p:nvPr>
-            <p:ph idx="1"/>
-          </p:nvPr>
-        </p:nvSpPr>
-        <p:spPr>
-          <a:xfrm>
-            <a:off x="8450" y="2723178"/>
-            <a:ext cx="9144000" cy="4079478"/>
-          </a:xfrm>
-        </p:spPr>
-        <p:txBody>
-          <a:bodyPr/>
-          <a:lstStyle/>
-          <a:p>
-            <a:r>
-              <a:rPr lang="zh-CN" altLang="en-US" sz="2400" dirty="0" smtClean="0"/>
-              <a:t>这样</a:t>
-            </a:r>
-            <a:r>
-              <a:rPr lang="zh-CN" altLang="en-US" sz="2400" dirty="0"/>
-              <a:t>我们就定义好了管道的第一个部分</a:t>
-            </a:r>
-            <a:r>
-              <a:rPr lang="zh-CN" altLang="en-US" sz="2400" dirty="0" smtClean="0"/>
-              <a:t>：</a:t>
-            </a:r>
-            <a:r>
-              <a:rPr lang="zh-CN" altLang="zh-CN" sz="2400" dirty="0">
-                <a:solidFill>
-                  <a:srgbClr val="000000"/>
-                </a:solidFill>
-                <a:latin typeface="宋体" panose="02010600030101010101" pitchFamily="2" charset="-122"/>
-                <a:ea typeface="宋体" panose="02010600030101010101" pitchFamily="2" charset="-122"/>
-              </a:rPr>
-              <a:t> sentenceObservable </a:t>
-            </a:r>
-            <a:r>
-              <a:rPr lang="zh-CN" altLang="en-US" sz="2400" dirty="0" smtClean="0"/>
-              <a:t>。</a:t>
-            </a:r>
-            <a:endParaRPr lang="en-US" altLang="zh-CN" sz="2400" dirty="0" smtClean="0"/>
-          </a:p>
-          <a:p>
-            <a:r>
-              <a:rPr lang="zh-CN" altLang="en-US" sz="2400" dirty="0" smtClean="0"/>
-              <a:t>在</a:t>
-            </a:r>
-            <a:r>
-              <a:rPr lang="zh-CN" altLang="en-US" sz="2400" dirty="0"/>
-              <a:t>其中流通的数据是一个</a:t>
-            </a:r>
-            <a:r>
-              <a:rPr lang="zh-CN" altLang="en-US" sz="2400" dirty="0" smtClean="0"/>
-              <a:t>字符串</a:t>
-            </a:r>
-            <a:r>
-              <a:rPr lang="zh-CN" altLang="en-US" sz="2400" dirty="0"/>
-              <a:t>序列</a:t>
-            </a:r>
-            <a:r>
-              <a:rPr lang="zh-CN" altLang="en-US" sz="2400" dirty="0" smtClean="0"/>
-              <a:t>。</a:t>
-            </a:r>
-            <a:r>
-              <a:rPr lang="zh-CN" altLang="en-US" sz="2400" dirty="0"/>
-              <a:t>首先要认识到的是这是没有实现任何功能的非阻塞代码，仅仅</a:t>
-            </a:r>
-            <a:r>
-              <a:rPr lang="zh-CN" altLang="en-US" sz="2400" dirty="0">
-                <a:solidFill>
-                  <a:srgbClr val="FF0000"/>
-                </a:solidFill>
-              </a:rPr>
-              <a:t>定义了我们想要完成什么</a:t>
-            </a:r>
-            <a:r>
-              <a:rPr lang="zh-CN" altLang="en-US" sz="2400" dirty="0" smtClean="0">
-                <a:solidFill>
-                  <a:srgbClr val="FF0000"/>
-                </a:solidFill>
-              </a:rPr>
-              <a:t>事情（发射这个序列中的值）。</a:t>
-            </a:r>
-            <a:r>
-              <a:rPr lang="en-US" altLang="zh-CN" sz="2400" dirty="0"/>
-              <a:t>Observable</a:t>
-            </a:r>
-            <a:r>
-              <a:rPr lang="zh-CN" altLang="en-US" sz="2400" dirty="0"/>
-              <a:t>只有在我们“订阅”它之后才会开始工作，也就是说给它注册一个</a:t>
-            </a:r>
-            <a:r>
-              <a:rPr lang="en-US" altLang="zh-CN" sz="2400" dirty="0"/>
-              <a:t>Observer</a:t>
-            </a:r>
-            <a:r>
-              <a:rPr lang="zh-CN" altLang="en-US" sz="2400" dirty="0"/>
-              <a:t>之后。</a:t>
-            </a:r>
-          </a:p>
-        </p:txBody>
-      </p:sp>
-      <p:sp>
-        <p:nvSpPr>
-          <p:cNvPr id="4" name="日期占位符 3"/>
-          <p:cNvSpPr>
-            <a:spLocks noGrp="1"/>
-          </p:cNvSpPr>
-          <p:nvPr>
-            <p:ph type="dt" sz="half" idx="10"/>
-          </p:nvPr>
-        </p:nvSpPr>
-        <p:spPr/>
-        <p:txBody>
-          <a:bodyPr/>
-          <a:lstStyle/>
-          <a:p>
-            <a:pPr>
-              <a:defRPr/>
-            </a:pPr>
-            <a:fld id="{37242347-62AB-4623-BF6D-9004E2E16ABE}" type="datetime1">
-              <a:rPr lang="zh-CN" altLang="en-US" smtClean="0"/>
-              <a:t>2016/3/9</a:t>
-            </a:fld>
-            <a:endParaRPr lang="zh-CN" altLang="en-US" sz="1800">
-              <a:solidFill>
-                <a:srgbClr val="000000"/>
-              </a:solidFill>
-              <a:latin typeface="Arial" pitchFamily="34" charset="0"/>
-              <a:ea typeface="宋体"/>
-            </a:endParaRPr>
-          </a:p>
-        </p:txBody>
-      </p:sp>
-      <p:sp>
-        <p:nvSpPr>
-          <p:cNvPr id="6" name="Rectangle 2"/>
-          <p:cNvSpPr>
-            <a:spLocks noChangeArrowheads="1"/>
-          </p:cNvSpPr>
-          <p:nvPr/>
-        </p:nvSpPr>
-        <p:spPr bwMode="auto">
-          <a:xfrm>
-            <a:off x="251520" y="640524"/>
-            <a:ext cx="8280920" cy="1569660"/>
-          </a:xfrm>
-          <a:prstGeom prst="rect">
-            <a:avLst/>
-          </a:prstGeom>
-          <a:solidFill>
-            <a:srgbClr val="FFFFFF"/>
-          </a:solidFill>
-          <a:ln>
-            <a:noFill/>
-          </a:ln>
-          <a:effectLst/>
-          <a:extLst>
-            <a:ext uri="{91240B29-F687-4F45-9708-019B960494DF}">
-              <a14:hiddenLine xmlns:a14="http://schemas.microsoft.com/office/drawing/2010/main" w="9525">
-                <a:solidFill>
-                  <a:schemeClr val="tx1"/>
-                </a:solidFill>
-                <a:miter lim="800000"/>
-                <a:headEnd/>
-                <a:tailEnd/>
-              </a14:hiddenLine>
-            </a:ext>
-            <a:ext uri="{AF507438-7753-43E0-B8FC-AC1667EBCBE1}">
-              <a14:hiddenEffects xmlns:a14="http://schemas.microsoft.com/office/drawing/2010/main">
-                <a:effectLst>
-                  <a:outerShdw dist="35921" dir="2700000" algn="ctr" rotWithShape="0">
-                    <a:schemeClr val="bg2"/>
-                  </a:outerShdw>
-                </a:effectLst>
-              </a14:hiddenEffects>
-            </a:ext>
-          </a:extLst>
-        </p:spPr>
-        <p:txBody>
-          <a:bodyPr vert="horz" wrap="square" lIns="91440" tIns="45720" rIns="91440" bIns="45720" numCol="1" anchor="ctr" anchorCtr="0" compatLnSpc="1">
-            <a:prstTxWarp prst="textNoShape">
-              <a:avLst/>
-            </a:prstTxWarp>
-            <a:spAutoFit/>
-          </a:bodyPr>
-          <a:lstStyle/>
-          <a:p>
-            <a:pPr marL="0" marR="0" lvl="0" indent="0" algn="l" defTabSz="914400" rtl="0" eaLnBrk="0" fontAlgn="base" latinLnBrk="0" hangingPunct="0">
-              <a:lnSpc>
-                <a:spcPct val="100000"/>
-              </a:lnSpc>
-              <a:spcBef>
-                <a:spcPct val="0"/>
-              </a:spcBef>
-              <a:spcAft>
-                <a:spcPct val="0"/>
-              </a:spcAft>
-              <a:buClrTx/>
-              <a:buSzTx/>
-              <a:buFontTx/>
-              <a:buNone/>
-              <a:tabLst/>
-            </a:pPr>
-            <a:r>
-              <a:rPr kumimoji="0" lang="zh-CN" altLang="zh-CN" sz="3200" b="1" i="0" u="none" strike="noStrike" cap="none" normalizeH="0" baseline="0" dirty="0" smtClean="0">
-                <a:ln>
-                  <a:noFill/>
-                </a:ln>
-                <a:solidFill>
-                  <a:srgbClr val="3E7EFF"/>
-                </a:solidFill>
-                <a:effectLst/>
-                <a:latin typeface="宋体" panose="02010600030101010101" pitchFamily="2" charset="-122"/>
-                <a:ea typeface="宋体" panose="02010600030101010101" pitchFamily="2" charset="-122"/>
-              </a:rPr>
-              <a:t>Observable</a:t>
-            </a:r>
-            <a:r>
-              <a:rPr kumimoji="0" lang="zh-CN" altLang="zh-CN" sz="3200" b="0" i="0" u="none" strike="noStrike" cap="none" normalizeH="0" baseline="0" dirty="0" smtClean="0">
-                <a:ln>
-                  <a:noFill/>
-                </a:ln>
-                <a:solidFill>
-                  <a:srgbClr val="333333"/>
-                </a:solidFill>
-                <a:effectLst/>
-                <a:latin typeface="宋体" panose="02010600030101010101" pitchFamily="2" charset="-122"/>
-                <a:ea typeface="宋体" panose="02010600030101010101" pitchFamily="2" charset="-122"/>
-              </a:rPr>
-              <a:t>&lt;</a:t>
-            </a:r>
-            <a:r>
-              <a:rPr kumimoji="0" lang="zh-CN" altLang="zh-CN" sz="3200" b="1" i="0" u="none" strike="noStrike" cap="none" normalizeH="0" baseline="0" dirty="0" smtClean="0">
-                <a:ln>
-                  <a:noFill/>
-                </a:ln>
-                <a:solidFill>
-                  <a:srgbClr val="3E7EFF"/>
-                </a:solidFill>
-                <a:effectLst/>
-                <a:latin typeface="宋体" panose="02010600030101010101" pitchFamily="2" charset="-122"/>
-                <a:ea typeface="宋体" panose="02010600030101010101" pitchFamily="2" charset="-122"/>
-              </a:rPr>
-              <a:t>String</a:t>
-            </a:r>
-            <a:r>
-              <a:rPr kumimoji="0" lang="zh-CN" altLang="zh-CN" sz="3200" b="0" i="0" u="none" strike="noStrike" cap="none" normalizeH="0" baseline="0" dirty="0" smtClean="0">
-                <a:ln>
-                  <a:noFill/>
-                </a:ln>
-                <a:solidFill>
-                  <a:srgbClr val="333333"/>
-                </a:solidFill>
-                <a:effectLst/>
-                <a:latin typeface="宋体" panose="02010600030101010101" pitchFamily="2" charset="-122"/>
-                <a:ea typeface="宋体" panose="02010600030101010101" pitchFamily="2" charset="-122"/>
-              </a:rPr>
-              <a:t>&gt; </a:t>
-            </a:r>
-            <a:r>
-              <a:rPr kumimoji="0" lang="zh-CN" altLang="zh-CN" sz="3200" b="0" i="0" u="none" strike="noStrike" cap="none" normalizeH="0" baseline="0" dirty="0" smtClean="0">
-                <a:ln>
-                  <a:noFill/>
-                </a:ln>
-                <a:solidFill>
-                  <a:srgbClr val="000000"/>
-                </a:solidFill>
-                <a:effectLst/>
-                <a:latin typeface="宋体" panose="02010600030101010101" pitchFamily="2" charset="-122"/>
-                <a:ea typeface="宋体" panose="02010600030101010101" pitchFamily="2" charset="-122"/>
-              </a:rPr>
-              <a:t>sentenceObservable </a:t>
-            </a:r>
-            <a:r>
-              <a:rPr kumimoji="0" lang="zh-CN" altLang="zh-CN" sz="3200" b="0" i="0" u="none" strike="noStrike" cap="none" normalizeH="0" baseline="0" dirty="0" smtClean="0">
-                <a:ln>
-                  <a:noFill/>
-                </a:ln>
-                <a:solidFill>
-                  <a:srgbClr val="333333"/>
-                </a:solidFill>
-                <a:effectLst/>
-                <a:latin typeface="宋体" panose="02010600030101010101" pitchFamily="2" charset="-122"/>
-                <a:ea typeface="宋体" panose="02010600030101010101" pitchFamily="2" charset="-122"/>
-              </a:rPr>
-              <a:t>= </a:t>
-            </a:r>
-            <a:r>
-              <a:rPr kumimoji="0" lang="zh-CN" altLang="zh-CN" sz="3200" b="1" i="0" u="none" strike="noStrike" cap="none" normalizeH="0" baseline="0" dirty="0" smtClean="0">
-                <a:ln>
-                  <a:noFill/>
-                </a:ln>
-                <a:solidFill>
-                  <a:srgbClr val="3E7EFF"/>
-                </a:solidFill>
-                <a:effectLst/>
-                <a:latin typeface="宋体" panose="02010600030101010101" pitchFamily="2" charset="-122"/>
-                <a:ea typeface="宋体" panose="02010600030101010101" pitchFamily="2" charset="-122"/>
-              </a:rPr>
-              <a:t>Observable</a:t>
-            </a:r>
-            <a:r>
-              <a:rPr kumimoji="0" lang="zh-CN" altLang="zh-CN" sz="3200" b="0" i="0" u="none" strike="noStrike" cap="none" normalizeH="0" baseline="0" dirty="0" smtClean="0">
-                <a:ln>
-                  <a:noFill/>
-                </a:ln>
-                <a:solidFill>
-                  <a:srgbClr val="333333"/>
-                </a:solidFill>
-                <a:effectLst/>
-                <a:latin typeface="宋体" panose="02010600030101010101" pitchFamily="2" charset="-122"/>
-                <a:ea typeface="宋体" panose="02010600030101010101" pitchFamily="2" charset="-122"/>
-              </a:rPr>
-              <a:t>.</a:t>
-            </a:r>
-            <a:r>
-              <a:rPr kumimoji="0" lang="zh-CN" altLang="zh-CN" sz="3200" b="1" i="0" u="none" strike="noStrike" cap="none" normalizeH="0" baseline="0" dirty="0" smtClean="0">
-                <a:ln>
-                  <a:noFill/>
-                </a:ln>
-                <a:solidFill>
-                  <a:srgbClr val="7F9FBF"/>
-                </a:solidFill>
-                <a:effectLst/>
-                <a:latin typeface="宋体" panose="02010600030101010101" pitchFamily="2" charset="-122"/>
-                <a:ea typeface="宋体" panose="02010600030101010101" pitchFamily="2" charset="-122"/>
-              </a:rPr>
-              <a:t>from</a:t>
-            </a:r>
-            <a:r>
-              <a:rPr kumimoji="0" lang="zh-CN" altLang="zh-CN" sz="3200" b="0" i="0" u="none" strike="noStrike" cap="none" normalizeH="0" baseline="0" dirty="0" smtClean="0">
-                <a:ln>
-                  <a:noFill/>
-                </a:ln>
-                <a:solidFill>
-                  <a:srgbClr val="000066"/>
-                </a:solidFill>
-                <a:effectLst/>
-                <a:latin typeface="宋体" panose="02010600030101010101" pitchFamily="2" charset="-122"/>
-                <a:ea typeface="宋体" panose="02010600030101010101" pitchFamily="2" charset="-122"/>
-              </a:rPr>
-              <a:t>(</a:t>
-            </a:r>
-            <a:r>
-              <a:rPr kumimoji="0" lang="zh-CN" altLang="zh-CN" sz="3200" b="1" i="0" u="none" strike="noStrike" cap="none" normalizeH="0" baseline="0" dirty="0" smtClean="0">
-                <a:ln>
-                  <a:noFill/>
-                </a:ln>
-                <a:solidFill>
-                  <a:srgbClr val="7F0055"/>
-                </a:solidFill>
-                <a:effectLst/>
-                <a:latin typeface="宋体" panose="02010600030101010101" pitchFamily="2" charset="-122"/>
-                <a:ea typeface="宋体" panose="02010600030101010101" pitchFamily="2" charset="-122"/>
-              </a:rPr>
-              <a:t>new </a:t>
-            </a:r>
-            <a:r>
-              <a:rPr kumimoji="0" lang="zh-CN" altLang="zh-CN" sz="3200" b="1" i="0" u="none" strike="noStrike" cap="none" normalizeH="0" baseline="0" dirty="0" smtClean="0">
-                <a:ln>
-                  <a:noFill/>
-                </a:ln>
-                <a:solidFill>
-                  <a:srgbClr val="3E7EFF"/>
-                </a:solidFill>
-                <a:effectLst/>
-                <a:latin typeface="宋体" panose="02010600030101010101" pitchFamily="2" charset="-122"/>
-                <a:ea typeface="宋体" panose="02010600030101010101" pitchFamily="2" charset="-122"/>
-              </a:rPr>
-              <a:t>String</a:t>
-            </a:r>
-            <a:r>
-              <a:rPr kumimoji="0" lang="zh-CN" altLang="zh-CN" sz="3200" b="0" i="0" u="none" strike="noStrike" cap="none" normalizeH="0" baseline="0" dirty="0" smtClean="0">
-                <a:ln>
-                  <a:noFill/>
-                </a:ln>
-                <a:solidFill>
-                  <a:srgbClr val="000066"/>
-                </a:solidFill>
-                <a:effectLst/>
-                <a:latin typeface="宋体" panose="02010600030101010101" pitchFamily="2" charset="-122"/>
-                <a:ea typeface="宋体" panose="02010600030101010101" pitchFamily="2" charset="-122"/>
-              </a:rPr>
-              <a:t>[]{</a:t>
-            </a:r>
-            <a:r>
-              <a:rPr kumimoji="0" lang="zh-CN" altLang="zh-CN" sz="3200" b="1" i="0" u="none" strike="noStrike" cap="none" normalizeH="0" baseline="0" dirty="0" smtClean="0">
-                <a:ln>
-                  <a:noFill/>
-                </a:ln>
-                <a:solidFill>
-                  <a:srgbClr val="000000"/>
-                </a:solidFill>
-                <a:effectLst/>
-                <a:latin typeface="宋体" panose="02010600030101010101" pitchFamily="2" charset="-122"/>
-                <a:ea typeface="宋体" panose="02010600030101010101" pitchFamily="2" charset="-122"/>
-              </a:rPr>
-              <a:t>"this"</a:t>
-            </a:r>
-            <a:r>
-              <a:rPr kumimoji="0" lang="zh-CN" altLang="zh-CN" sz="3200" b="0" i="0" u="none" strike="noStrike" cap="none" normalizeH="0" baseline="0" dirty="0" smtClean="0">
-                <a:ln>
-                  <a:noFill/>
-                </a:ln>
-                <a:solidFill>
-                  <a:srgbClr val="333333"/>
-                </a:solidFill>
-                <a:effectLst/>
-                <a:latin typeface="宋体" panose="02010600030101010101" pitchFamily="2" charset="-122"/>
-                <a:ea typeface="宋体" panose="02010600030101010101" pitchFamily="2" charset="-122"/>
-              </a:rPr>
-              <a:t>,</a:t>
-            </a:r>
-            <a:r>
-              <a:rPr kumimoji="0" lang="zh-CN" altLang="zh-CN" sz="3200" b="1" i="0" u="none" strike="noStrike" cap="none" normalizeH="0" baseline="0" dirty="0" smtClean="0">
-                <a:ln>
-                  <a:noFill/>
-                </a:ln>
-                <a:solidFill>
-                  <a:srgbClr val="000000"/>
-                </a:solidFill>
-                <a:effectLst/>
-                <a:latin typeface="宋体" panose="02010600030101010101" pitchFamily="2" charset="-122"/>
-                <a:ea typeface="宋体" panose="02010600030101010101" pitchFamily="2" charset="-122"/>
-              </a:rPr>
-              <a:t>"is"</a:t>
-            </a:r>
-            <a:r>
-              <a:rPr kumimoji="0" lang="zh-CN" altLang="zh-CN" sz="3200" b="0" i="0" u="none" strike="noStrike" cap="none" normalizeH="0" baseline="0" dirty="0" smtClean="0">
-                <a:ln>
-                  <a:noFill/>
-                </a:ln>
-                <a:solidFill>
-                  <a:srgbClr val="333333"/>
-                </a:solidFill>
-                <a:effectLst/>
-                <a:latin typeface="宋体" panose="02010600030101010101" pitchFamily="2" charset="-122"/>
-                <a:ea typeface="宋体" panose="02010600030101010101" pitchFamily="2" charset="-122"/>
-              </a:rPr>
-              <a:t>,</a:t>
-            </a:r>
-            <a:r>
-              <a:rPr kumimoji="0" lang="zh-CN" altLang="zh-CN" sz="3200" b="1" i="0" u="none" strike="noStrike" cap="none" normalizeH="0" baseline="0" dirty="0" smtClean="0">
-                <a:ln>
-                  <a:noFill/>
-                </a:ln>
-                <a:solidFill>
-                  <a:srgbClr val="000000"/>
-                </a:solidFill>
-                <a:effectLst/>
-                <a:latin typeface="宋体" panose="02010600030101010101" pitchFamily="2" charset="-122"/>
-                <a:ea typeface="宋体" panose="02010600030101010101" pitchFamily="2" charset="-122"/>
-              </a:rPr>
-              <a:t>"a"</a:t>
-            </a:r>
-            <a:r>
-              <a:rPr kumimoji="0" lang="zh-CN" altLang="zh-CN" sz="3200" b="0" i="0" u="none" strike="noStrike" cap="none" normalizeH="0" baseline="0" dirty="0" smtClean="0">
-                <a:ln>
-                  <a:noFill/>
-                </a:ln>
-                <a:solidFill>
-                  <a:srgbClr val="333333"/>
-                </a:solidFill>
-                <a:effectLst/>
-                <a:latin typeface="宋体" panose="02010600030101010101" pitchFamily="2" charset="-122"/>
-                <a:ea typeface="宋体" panose="02010600030101010101" pitchFamily="2" charset="-122"/>
-              </a:rPr>
-              <a:t>,</a:t>
-            </a:r>
-            <a:r>
-              <a:rPr kumimoji="0" lang="zh-CN" altLang="zh-CN" sz="3200" b="1" i="0" u="none" strike="noStrike" cap="none" normalizeH="0" baseline="0" dirty="0" smtClean="0">
-                <a:ln>
-                  <a:noFill/>
-                </a:ln>
-                <a:solidFill>
-                  <a:srgbClr val="000000"/>
-                </a:solidFill>
-                <a:effectLst/>
-                <a:latin typeface="宋体" panose="02010600030101010101" pitchFamily="2" charset="-122"/>
-                <a:ea typeface="宋体" panose="02010600030101010101" pitchFamily="2" charset="-122"/>
-              </a:rPr>
-              <a:t>"sentence"</a:t>
-            </a:r>
-            <a:r>
-              <a:rPr kumimoji="0" lang="zh-CN" altLang="zh-CN" sz="3200" b="0" i="0" u="none" strike="noStrike" cap="none" normalizeH="0" baseline="0" dirty="0" smtClean="0">
-                <a:ln>
-                  <a:noFill/>
-                </a:ln>
-                <a:solidFill>
-                  <a:srgbClr val="000066"/>
-                </a:solidFill>
-                <a:effectLst/>
-                <a:latin typeface="宋体" panose="02010600030101010101" pitchFamily="2" charset="-122"/>
-                <a:ea typeface="宋体" panose="02010600030101010101" pitchFamily="2" charset="-122"/>
-              </a:rPr>
-              <a:t>})</a:t>
-            </a:r>
-            <a:r>
-              <a:rPr kumimoji="0" lang="zh-CN" altLang="zh-CN" sz="3200" b="0" i="0" u="none" strike="noStrike" cap="none" normalizeH="0" baseline="0" dirty="0" smtClean="0">
-                <a:ln>
-                  <a:noFill/>
-                </a:ln>
-                <a:solidFill>
-                  <a:srgbClr val="333333"/>
-                </a:solidFill>
-                <a:effectLst/>
-                <a:latin typeface="宋体" panose="02010600030101010101" pitchFamily="2" charset="-122"/>
-                <a:ea typeface="宋体" panose="02010600030101010101" pitchFamily="2" charset="-122"/>
-              </a:rPr>
-              <a:t>;</a:t>
-            </a:r>
-            <a:endParaRPr kumimoji="0" lang="zh-CN" altLang="zh-CN" sz="4400" b="0" i="0" u="none" strike="noStrike" cap="none" normalizeH="0" baseline="0" dirty="0" smtClean="0">
-              <a:ln>
-                <a:noFill/>
-              </a:ln>
-              <a:solidFill>
-                <a:schemeClr val="tx1"/>
-              </a:solidFill>
-              <a:effectLst/>
-              <a:latin typeface="Arial" panose="020B0604020202020204" pitchFamily="34" charset="0"/>
-            </a:endParaRPr>
-          </a:p>
-        </p:txBody>
-      </p:sp>
-    </p:spTree>
-    <p:extLst>
-      <p:ext uri="{BB962C8B-B14F-4D97-AF65-F5344CB8AC3E}">
-        <p14:creationId xmlns:p14="http://schemas.microsoft.com/office/powerpoint/2010/main" val="2883228435"/>
-      </p:ext>
-    </p:extLst>
-  </p:cSld>
-  <p:clrMapOvr>
-    <a:masterClrMapping/>
-  </p:clrMapOvr>
-  <p:transition>
-    <p:wipe dir="d"/>
-  </p:transition>
-  <p:timing>
-    <p:tnLst>
-      <p:par>
-        <p:cTn id="1" dur="indefinite" restart="never" nodeType="tmRoot"/>
-      </p:par>
-    </p:tnLst>
-  </p:timing>
-</p:sld>
-</file>
-
-<file path=ppt/slides/slide21.xml><?xml version="1.0" encoding="utf-8"?>
-<p:sld xmlns:a="http://schemas.openxmlformats.org/drawingml/2006/main" xmlns:r="http://schemas.openxmlformats.org/officeDocument/2006/relationships" xmlns:p="http://schemas.openxmlformats.org/presentationml/2006/main">
-  <p:cSld>
-    <p:spTree>
-      <p:nvGrpSpPr>
-        <p:cNvPr id="1" name=""/>
-        <p:cNvGrpSpPr/>
-        <p:nvPr/>
-      </p:nvGrpSpPr>
-      <p:grpSpPr>
-        <a:xfrm>
-          <a:off x="0" y="0"/>
-          <a:ext cx="0" cy="0"/>
-          <a:chOff x="0" y="0"/>
-          <a:chExt cx="0" cy="0"/>
-        </a:xfrm>
-      </p:grpSpPr>
-      <p:sp>
-        <p:nvSpPr>
           <p:cNvPr id="4" name="日期占位符 3"/>
           <p:cNvSpPr>
             <a:spLocks noGrp="1"/>
@@ -16211,7 +16025,7 @@
 </p:sld>
 </file>
 
-<file path=ppt/slides/slide22.xml><?xml version="1.0" encoding="utf-8"?>
+<file path=ppt/slides/slide21.xml><?xml version="1.0" encoding="utf-8"?>
 <p:sld xmlns:a="http://schemas.openxmlformats.org/drawingml/2006/main" xmlns:r="http://schemas.openxmlformats.org/officeDocument/2006/relationships" xmlns:p="http://schemas.openxmlformats.org/presentationml/2006/main">
   <p:cSld>
     <p:spTree>
@@ -17055,7 +16869,7 @@
 </p:sld>
 </file>
 
-<file path=ppt/slides/slide23.xml><?xml version="1.0" encoding="utf-8"?>
+<file path=ppt/slides/slide22.xml><?xml version="1.0" encoding="utf-8"?>
 <p:sld xmlns:a="http://schemas.openxmlformats.org/drawingml/2006/main" xmlns:r="http://schemas.openxmlformats.org/officeDocument/2006/relationships" xmlns:p="http://schemas.openxmlformats.org/presentationml/2006/main">
   <p:cSld>
     <p:spTree>
@@ -19042,6 +18856,1032 @@
     <p:extLst>
       <p:ext uri="{BB962C8B-B14F-4D97-AF65-F5344CB8AC3E}">
         <p14:creationId xmlns:p14="http://schemas.microsoft.com/office/powerpoint/2010/main" val="710089403"/>
+      </p:ext>
+    </p:extLst>
+  </p:cSld>
+  <p:clrMapOvr>
+    <a:masterClrMapping/>
+  </p:clrMapOvr>
+  <p:transition>
+    <p:wipe dir="d"/>
+  </p:transition>
+  <p:timing>
+    <p:tnLst>
+      <p:par>
+        <p:cTn id="1" dur="indefinite" restart="never" nodeType="tmRoot"/>
+      </p:par>
+    </p:tnLst>
+  </p:timing>
+</p:sld>
+</file>
+
+<file path=ppt/slides/slide23.xml><?xml version="1.0" encoding="utf-8"?>
+<p:sld xmlns:a="http://schemas.openxmlformats.org/drawingml/2006/main" xmlns:r="http://schemas.openxmlformats.org/officeDocument/2006/relationships" xmlns:p="http://schemas.openxmlformats.org/presentationml/2006/main">
+  <p:cSld>
+    <p:spTree>
+      <p:nvGrpSpPr>
+        <p:cNvPr id="1" name=""/>
+        <p:cNvGrpSpPr/>
+        <p:nvPr/>
+      </p:nvGrpSpPr>
+      <p:grpSpPr>
+        <a:xfrm>
+          <a:off x="0" y="0"/>
+          <a:ext cx="0" cy="0"/>
+          <a:chOff x="0" y="0"/>
+          <a:chExt cx="0" cy="0"/>
+        </a:xfrm>
+      </p:grpSpPr>
+      <p:sp>
+        <p:nvSpPr>
+          <p:cNvPr id="4" name="日期占位符 3"/>
+          <p:cNvSpPr>
+            <a:spLocks noGrp="1"/>
+          </p:cNvSpPr>
+          <p:nvPr>
+            <p:ph type="dt" sz="half" idx="10"/>
+          </p:nvPr>
+        </p:nvSpPr>
+        <p:spPr/>
+        <p:txBody>
+          <a:bodyPr/>
+          <a:lstStyle/>
+          <a:p>
+            <a:pPr>
+              <a:defRPr/>
+            </a:pPr>
+            <a:fld id="{37242347-62AB-4623-BF6D-9004E2E16ABE}" type="datetime1">
+              <a:rPr lang="zh-CN" altLang="en-US" smtClean="0"/>
+              <a:t>2016/3/9</a:t>
+            </a:fld>
+            <a:endParaRPr lang="zh-CN" altLang="en-US" sz="1800">
+              <a:solidFill>
+                <a:srgbClr val="000000"/>
+              </a:solidFill>
+              <a:latin typeface="Arial" pitchFamily="34" charset="0"/>
+              <a:ea typeface="宋体"/>
+            </a:endParaRPr>
+          </a:p>
+        </p:txBody>
+      </p:sp>
+      <p:sp>
+        <p:nvSpPr>
+          <p:cNvPr id="5" name="Rectangle 1"/>
+          <p:cNvSpPr>
+            <a:spLocks noGrp="1" noChangeArrowheads="1"/>
+          </p:cNvSpPr>
+          <p:nvPr>
+            <p:ph idx="1"/>
+          </p:nvPr>
+        </p:nvSpPr>
+        <p:spPr bwMode="auto">
+          <a:xfrm>
+            <a:off x="179512" y="1862827"/>
+            <a:ext cx="8722767" cy="3108543"/>
+          </a:xfrm>
+          <a:prstGeom prst="rect">
+            <a:avLst/>
+          </a:prstGeom>
+          <a:solidFill>
+            <a:srgbClr val="FFFFFF"/>
+          </a:solidFill>
+          <a:ln>
+            <a:noFill/>
+          </a:ln>
+          <a:effectLst/>
+          <a:extLst>
+            <a:ext uri="{91240B29-F687-4F45-9708-019B960494DF}">
+              <a14:hiddenLine xmlns:a14="http://schemas.microsoft.com/office/drawing/2010/main" w="9525">
+                <a:solidFill>
+                  <a:schemeClr val="tx1"/>
+                </a:solidFill>
+                <a:miter lim="800000"/>
+                <a:headEnd/>
+                <a:tailEnd/>
+              </a14:hiddenLine>
+            </a:ext>
+            <a:ext uri="{AF507438-7753-43E0-B8FC-AC1667EBCBE1}">
+              <a14:hiddenEffects xmlns:a14="http://schemas.microsoft.com/office/drawing/2010/main">
+                <a:effectLst>
+                  <a:outerShdw dist="35921" dir="2700000" algn="ctr" rotWithShape="0">
+                    <a:schemeClr val="bg2"/>
+                  </a:outerShdw>
+                </a:effectLst>
+              </a14:hiddenEffects>
+            </a:ext>
+          </a:extLst>
+        </p:spPr>
+        <p:txBody>
+          <a:bodyPr vert="horz" wrap="square" lIns="91440" tIns="45720" rIns="91440" bIns="45720" numCol="1" anchor="ctr" anchorCtr="0" compatLnSpc="1">
+            <a:prstTxWarp prst="textNoShape">
+              <a:avLst/>
+            </a:prstTxWarp>
+            <a:spAutoFit/>
+          </a:bodyPr>
+          <a:lstStyle/>
+          <a:p>
+            <a:pPr marL="0" marR="0" lvl="0" indent="0" algn="l" defTabSz="914400" rtl="0" eaLnBrk="0" fontAlgn="base" latinLnBrk="0" hangingPunct="0">
+              <a:lnSpc>
+                <a:spcPct val="100000"/>
+              </a:lnSpc>
+              <a:spcBef>
+                <a:spcPct val="0"/>
+              </a:spcBef>
+              <a:spcAft>
+                <a:spcPct val="0"/>
+              </a:spcAft>
+              <a:buClrTx/>
+              <a:buSzTx/>
+              <a:buFontTx/>
+              <a:buNone/>
+              <a:tabLst/>
+            </a:pPr>
+            <a:r>
+              <a:rPr kumimoji="0" lang="zh-CN" altLang="zh-CN" sz="2800" b="1" i="0" u="none" strike="noStrike" cap="none" normalizeH="0" baseline="0" dirty="0" smtClean="0">
+                <a:ln>
+                  <a:noFill/>
+                </a:ln>
+                <a:solidFill>
+                  <a:srgbClr val="3E7EFF"/>
+                </a:solidFill>
+                <a:effectLst/>
+                <a:latin typeface="宋体" panose="02010600030101010101" pitchFamily="2" charset="-122"/>
+                <a:ea typeface="宋体" panose="02010600030101010101" pitchFamily="2" charset="-122"/>
+              </a:rPr>
+              <a:t>Observable</a:t>
+            </a:r>
+            <a:r>
+              <a:rPr kumimoji="0" lang="zh-CN" altLang="zh-CN" sz="2800" b="0" i="0" u="none" strike="noStrike" cap="none" normalizeH="0" baseline="0" dirty="0" smtClean="0">
+                <a:ln>
+                  <a:noFill/>
+                </a:ln>
+                <a:solidFill>
+                  <a:srgbClr val="333333"/>
+                </a:solidFill>
+                <a:effectLst/>
+                <a:latin typeface="宋体" panose="02010600030101010101" pitchFamily="2" charset="-122"/>
+                <a:ea typeface="宋体" panose="02010600030101010101" pitchFamily="2" charset="-122"/>
+              </a:rPr>
+              <a:t>.</a:t>
+            </a:r>
+            <a:r>
+              <a:rPr kumimoji="0" lang="zh-CN" altLang="zh-CN" sz="2800" b="1" i="0" u="none" strike="noStrike" cap="none" normalizeH="0" baseline="0" dirty="0" smtClean="0">
+                <a:ln>
+                  <a:noFill/>
+                </a:ln>
+                <a:solidFill>
+                  <a:srgbClr val="7F9FBF"/>
+                </a:solidFill>
+                <a:effectLst/>
+                <a:latin typeface="宋体" panose="02010600030101010101" pitchFamily="2" charset="-122"/>
+                <a:ea typeface="宋体" panose="02010600030101010101" pitchFamily="2" charset="-122"/>
+              </a:rPr>
+              <a:t>from</a:t>
+            </a:r>
+            <a:r>
+              <a:rPr kumimoji="0" lang="zh-CN" altLang="zh-CN" sz="2800" b="0" i="0" u="none" strike="noStrike" cap="none" normalizeH="0" baseline="0" dirty="0" smtClean="0">
+                <a:ln>
+                  <a:noFill/>
+                </a:ln>
+                <a:solidFill>
+                  <a:srgbClr val="000066"/>
+                </a:solidFill>
+                <a:effectLst/>
+                <a:latin typeface="宋体" panose="02010600030101010101" pitchFamily="2" charset="-122"/>
+                <a:ea typeface="宋体" panose="02010600030101010101" pitchFamily="2" charset="-122"/>
+              </a:rPr>
+              <a:t>(</a:t>
+            </a:r>
+            <a:r>
+              <a:rPr kumimoji="0" lang="zh-CN" altLang="zh-CN" sz="2800" b="1" i="0" u="none" strike="noStrike" cap="none" normalizeH="0" baseline="0" dirty="0" smtClean="0">
+                <a:ln>
+                  <a:noFill/>
+                </a:ln>
+                <a:solidFill>
+                  <a:srgbClr val="7F0055"/>
+                </a:solidFill>
+                <a:effectLst/>
+                <a:latin typeface="宋体" panose="02010600030101010101" pitchFamily="2" charset="-122"/>
+                <a:ea typeface="宋体" panose="02010600030101010101" pitchFamily="2" charset="-122"/>
+              </a:rPr>
+              <a:t>new </a:t>
+            </a:r>
+            <a:r>
+              <a:rPr kumimoji="0" lang="zh-CN" altLang="zh-CN" sz="2800" b="1" i="0" u="none" strike="noStrike" cap="none" normalizeH="0" baseline="0" dirty="0" smtClean="0">
+                <a:ln>
+                  <a:noFill/>
+                </a:ln>
+                <a:solidFill>
+                  <a:srgbClr val="3E7EFF"/>
+                </a:solidFill>
+                <a:effectLst/>
+                <a:latin typeface="宋体" panose="02010600030101010101" pitchFamily="2" charset="-122"/>
+                <a:ea typeface="宋体" panose="02010600030101010101" pitchFamily="2" charset="-122"/>
+              </a:rPr>
+              <a:t>String</a:t>
+            </a:r>
+            <a:r>
+              <a:rPr kumimoji="0" lang="zh-CN" altLang="zh-CN" sz="2800" b="0" i="0" u="none" strike="noStrike" cap="none" normalizeH="0" baseline="0" dirty="0" smtClean="0">
+                <a:ln>
+                  <a:noFill/>
+                </a:ln>
+                <a:solidFill>
+                  <a:srgbClr val="000066"/>
+                </a:solidFill>
+                <a:effectLst/>
+                <a:latin typeface="宋体" panose="02010600030101010101" pitchFamily="2" charset="-122"/>
+                <a:ea typeface="宋体" panose="02010600030101010101" pitchFamily="2" charset="-122"/>
+              </a:rPr>
+              <a:t>[]{</a:t>
+            </a:r>
+            <a:r>
+              <a:rPr kumimoji="0" lang="zh-CN" altLang="zh-CN" sz="2800" b="1" i="0" u="none" strike="noStrike" cap="none" normalizeH="0" baseline="0" dirty="0" smtClean="0">
+                <a:ln>
+                  <a:noFill/>
+                </a:ln>
+                <a:solidFill>
+                  <a:srgbClr val="000000"/>
+                </a:solidFill>
+                <a:effectLst/>
+                <a:latin typeface="宋体" panose="02010600030101010101" pitchFamily="2" charset="-122"/>
+                <a:ea typeface="宋体" panose="02010600030101010101" pitchFamily="2" charset="-122"/>
+              </a:rPr>
+              <a:t>"this"</a:t>
+            </a:r>
+            <a:r>
+              <a:rPr kumimoji="0" lang="zh-CN" altLang="zh-CN" sz="2800" b="0" i="0" u="none" strike="noStrike" cap="none" normalizeH="0" baseline="0" dirty="0" smtClean="0">
+                <a:ln>
+                  <a:noFill/>
+                </a:ln>
+                <a:solidFill>
+                  <a:srgbClr val="333333"/>
+                </a:solidFill>
+                <a:effectLst/>
+                <a:latin typeface="宋体" panose="02010600030101010101" pitchFamily="2" charset="-122"/>
+                <a:ea typeface="宋体" panose="02010600030101010101" pitchFamily="2" charset="-122"/>
+              </a:rPr>
+              <a:t>, </a:t>
+            </a:r>
+            <a:r>
+              <a:rPr kumimoji="0" lang="zh-CN" altLang="zh-CN" sz="2800" b="1" i="0" u="none" strike="noStrike" cap="none" normalizeH="0" baseline="0" dirty="0" smtClean="0">
+                <a:ln>
+                  <a:noFill/>
+                </a:ln>
+                <a:solidFill>
+                  <a:srgbClr val="000000"/>
+                </a:solidFill>
+                <a:effectLst/>
+                <a:latin typeface="宋体" panose="02010600030101010101" pitchFamily="2" charset="-122"/>
+                <a:ea typeface="宋体" panose="02010600030101010101" pitchFamily="2" charset="-122"/>
+              </a:rPr>
+              <a:t>"is"</a:t>
+            </a:r>
+            <a:r>
+              <a:rPr kumimoji="0" lang="zh-CN" altLang="zh-CN" sz="2800" b="0" i="0" u="none" strike="noStrike" cap="none" normalizeH="0" baseline="0" dirty="0" smtClean="0">
+                <a:ln>
+                  <a:noFill/>
+                </a:ln>
+                <a:solidFill>
+                  <a:srgbClr val="333333"/>
+                </a:solidFill>
+                <a:effectLst/>
+                <a:latin typeface="宋体" panose="02010600030101010101" pitchFamily="2" charset="-122"/>
+                <a:ea typeface="宋体" panose="02010600030101010101" pitchFamily="2" charset="-122"/>
+              </a:rPr>
+              <a:t>, </a:t>
+            </a:r>
+            <a:r>
+              <a:rPr kumimoji="0" lang="zh-CN" altLang="zh-CN" sz="2800" b="1" i="0" u="none" strike="noStrike" cap="none" normalizeH="0" baseline="0" dirty="0" smtClean="0">
+                <a:ln>
+                  <a:noFill/>
+                </a:ln>
+                <a:solidFill>
+                  <a:srgbClr val="000000"/>
+                </a:solidFill>
+                <a:effectLst/>
+                <a:latin typeface="宋体" panose="02010600030101010101" pitchFamily="2" charset="-122"/>
+                <a:ea typeface="宋体" panose="02010600030101010101" pitchFamily="2" charset="-122"/>
+              </a:rPr>
+              <a:t>"a"</a:t>
+            </a:r>
+            <a:r>
+              <a:rPr kumimoji="0" lang="zh-CN" altLang="zh-CN" sz="2800" b="0" i="0" u="none" strike="noStrike" cap="none" normalizeH="0" baseline="0" dirty="0" smtClean="0">
+                <a:ln>
+                  <a:noFill/>
+                </a:ln>
+                <a:solidFill>
+                  <a:srgbClr val="333333"/>
+                </a:solidFill>
+                <a:effectLst/>
+                <a:latin typeface="宋体" panose="02010600030101010101" pitchFamily="2" charset="-122"/>
+                <a:ea typeface="宋体" panose="02010600030101010101" pitchFamily="2" charset="-122"/>
+              </a:rPr>
+              <a:t>, </a:t>
+            </a:r>
+            <a:r>
+              <a:rPr kumimoji="0" lang="zh-CN" altLang="zh-CN" sz="2800" b="1" i="0" u="none" strike="noStrike" cap="none" normalizeH="0" baseline="0" dirty="0" smtClean="0">
+                <a:ln>
+                  <a:noFill/>
+                </a:ln>
+                <a:solidFill>
+                  <a:srgbClr val="000000"/>
+                </a:solidFill>
+                <a:effectLst/>
+                <a:latin typeface="宋体" panose="02010600030101010101" pitchFamily="2" charset="-122"/>
+                <a:ea typeface="宋体" panose="02010600030101010101" pitchFamily="2" charset="-122"/>
+              </a:rPr>
+              <a:t>"sentence"</a:t>
+            </a:r>
+            <a:r>
+              <a:rPr kumimoji="0" lang="zh-CN" altLang="zh-CN" sz="2800" b="0" i="0" u="none" strike="noStrike" cap="none" normalizeH="0" baseline="0" dirty="0" smtClean="0">
+                <a:ln>
+                  <a:noFill/>
+                </a:ln>
+                <a:solidFill>
+                  <a:srgbClr val="000066"/>
+                </a:solidFill>
+                <a:effectLst/>
+                <a:latin typeface="宋体" panose="02010600030101010101" pitchFamily="2" charset="-122"/>
+                <a:ea typeface="宋体" panose="02010600030101010101" pitchFamily="2" charset="-122"/>
+              </a:rPr>
+              <a:t>})</a:t>
+            </a:r>
+            <a:endParaRPr kumimoji="0" lang="en-US" altLang="zh-CN" sz="2800" b="0" i="0" u="none" strike="noStrike" cap="none" normalizeH="0" baseline="0" dirty="0" smtClean="0">
+              <a:ln>
+                <a:noFill/>
+              </a:ln>
+              <a:solidFill>
+                <a:srgbClr val="000066"/>
+              </a:solidFill>
+              <a:effectLst/>
+              <a:latin typeface="宋体" panose="02010600030101010101" pitchFamily="2" charset="-122"/>
+              <a:ea typeface="宋体" panose="02010600030101010101" pitchFamily="2" charset="-122"/>
+            </a:endParaRPr>
+          </a:p>
+          <a:p>
+            <a:pPr marL="0" marR="0" lvl="0" indent="0" algn="l" defTabSz="914400" rtl="0" eaLnBrk="0" fontAlgn="base" latinLnBrk="0" hangingPunct="0">
+              <a:lnSpc>
+                <a:spcPct val="100000"/>
+              </a:lnSpc>
+              <a:spcBef>
+                <a:spcPct val="0"/>
+              </a:spcBef>
+              <a:spcAft>
+                <a:spcPct val="0"/>
+              </a:spcAft>
+              <a:buClrTx/>
+              <a:buSzTx/>
+              <a:buFontTx/>
+              <a:buNone/>
+              <a:tabLst/>
+            </a:pPr>
+            <a:r>
+              <a:rPr kumimoji="0" lang="zh-CN" altLang="zh-CN" sz="2800" b="0" i="0" u="none" strike="noStrike" cap="none" normalizeH="0" baseline="0" dirty="0" smtClean="0">
+                <a:ln>
+                  <a:noFill/>
+                </a:ln>
+                <a:solidFill>
+                  <a:srgbClr val="333333"/>
+                </a:solidFill>
+                <a:effectLst/>
+                <a:latin typeface="宋体" panose="02010600030101010101" pitchFamily="2" charset="-122"/>
+                <a:ea typeface="宋体" panose="02010600030101010101" pitchFamily="2" charset="-122"/>
+              </a:rPr>
+              <a:t>.</a:t>
+            </a:r>
+            <a:r>
+              <a:rPr kumimoji="0" lang="zh-CN" altLang="zh-CN" sz="2800" b="0" i="0" u="none" strike="noStrike" cap="none" normalizeH="0" baseline="0" dirty="0" smtClean="0">
+                <a:ln>
+                  <a:noFill/>
+                </a:ln>
+                <a:solidFill>
+                  <a:srgbClr val="000000"/>
+                </a:solidFill>
+                <a:effectLst/>
+                <a:latin typeface="宋体" panose="02010600030101010101" pitchFamily="2" charset="-122"/>
+                <a:ea typeface="宋体" panose="02010600030101010101" pitchFamily="2" charset="-122"/>
+              </a:rPr>
+              <a:t>map</a:t>
+            </a:r>
+            <a:r>
+              <a:rPr kumimoji="0" lang="zh-CN" altLang="zh-CN" sz="2800" b="0" i="0" u="none" strike="noStrike" cap="none" normalizeH="0" baseline="0" dirty="0" smtClean="0">
+                <a:ln>
+                  <a:noFill/>
+                </a:ln>
+                <a:solidFill>
+                  <a:srgbClr val="000066"/>
+                </a:solidFill>
+                <a:effectLst/>
+                <a:latin typeface="宋体" panose="02010600030101010101" pitchFamily="2" charset="-122"/>
+                <a:ea typeface="宋体" panose="02010600030101010101" pitchFamily="2" charset="-122"/>
+              </a:rPr>
+              <a:t>(</a:t>
+            </a:r>
+            <a:r>
+              <a:rPr kumimoji="0" lang="zh-CN" altLang="zh-CN" sz="2800" b="0" i="1" u="none" strike="noStrike" cap="none" normalizeH="0" baseline="0" dirty="0" smtClean="0">
+                <a:ln>
+                  <a:noFill/>
+                </a:ln>
+                <a:solidFill>
+                  <a:srgbClr val="000066"/>
+                </a:solidFill>
+                <a:effectLst/>
+                <a:latin typeface="宋体" panose="02010600030101010101" pitchFamily="2" charset="-122"/>
+                <a:ea typeface="宋体" panose="02010600030101010101" pitchFamily="2" charset="-122"/>
+              </a:rPr>
+              <a:t>s </a:t>
+            </a:r>
+            <a:r>
+              <a:rPr kumimoji="0" lang="zh-CN" altLang="zh-CN" sz="2800" b="0" i="0" u="none" strike="noStrike" cap="none" normalizeH="0" baseline="0" dirty="0" smtClean="0">
+                <a:ln>
+                  <a:noFill/>
+                </a:ln>
+                <a:solidFill>
+                  <a:srgbClr val="000000"/>
+                </a:solidFill>
+                <a:effectLst/>
+                <a:latin typeface="宋体" panose="02010600030101010101" pitchFamily="2" charset="-122"/>
+                <a:ea typeface="宋体" panose="02010600030101010101" pitchFamily="2" charset="-122"/>
+              </a:rPr>
+              <a:t>-&gt; </a:t>
+            </a:r>
+            <a:r>
+              <a:rPr kumimoji="0" lang="zh-CN" altLang="zh-CN" sz="2800" b="0" i="1" u="none" strike="noStrike" cap="none" normalizeH="0" baseline="0" dirty="0" smtClean="0">
+                <a:ln>
+                  <a:noFill/>
+                </a:ln>
+                <a:solidFill>
+                  <a:srgbClr val="000066"/>
+                </a:solidFill>
+                <a:effectLst/>
+                <a:latin typeface="宋体" panose="02010600030101010101" pitchFamily="2" charset="-122"/>
+                <a:ea typeface="宋体" panose="02010600030101010101" pitchFamily="2" charset="-122"/>
+              </a:rPr>
+              <a:t>s</a:t>
+            </a:r>
+            <a:r>
+              <a:rPr kumimoji="0" lang="zh-CN" altLang="zh-CN" sz="2800" b="0" i="0" u="none" strike="noStrike" cap="none" normalizeH="0" baseline="0" dirty="0" smtClean="0">
+                <a:ln>
+                  <a:noFill/>
+                </a:ln>
+                <a:solidFill>
+                  <a:srgbClr val="333333"/>
+                </a:solidFill>
+                <a:effectLst/>
+                <a:latin typeface="宋体" panose="02010600030101010101" pitchFamily="2" charset="-122"/>
+                <a:ea typeface="宋体" panose="02010600030101010101" pitchFamily="2" charset="-122"/>
+              </a:rPr>
+              <a:t>.</a:t>
+            </a:r>
+            <a:r>
+              <a:rPr kumimoji="0" lang="zh-CN" altLang="zh-CN" sz="2800" b="0" i="0" u="none" strike="noStrike" cap="none" normalizeH="0" baseline="0" dirty="0" smtClean="0">
+                <a:ln>
+                  <a:noFill/>
+                </a:ln>
+                <a:solidFill>
+                  <a:srgbClr val="000000"/>
+                </a:solidFill>
+                <a:effectLst/>
+                <a:latin typeface="宋体" panose="02010600030101010101" pitchFamily="2" charset="-122"/>
+                <a:ea typeface="宋体" panose="02010600030101010101" pitchFamily="2" charset="-122"/>
+              </a:rPr>
+              <a:t>toUpperCase</a:t>
+            </a:r>
+            <a:r>
+              <a:rPr kumimoji="0" lang="zh-CN" altLang="zh-CN" sz="2800" b="0" i="0" u="none" strike="noStrike" cap="none" normalizeH="0" baseline="0" dirty="0" smtClean="0">
+                <a:ln>
+                  <a:noFill/>
+                </a:ln>
+                <a:solidFill>
+                  <a:srgbClr val="000066"/>
+                </a:solidFill>
+                <a:effectLst/>
+                <a:latin typeface="宋体" panose="02010600030101010101" pitchFamily="2" charset="-122"/>
+                <a:ea typeface="宋体" panose="02010600030101010101" pitchFamily="2" charset="-122"/>
+              </a:rPr>
+              <a:t>() </a:t>
+            </a:r>
+            <a:r>
+              <a:rPr kumimoji="0" lang="zh-CN" altLang="zh-CN" sz="2800" b="0" i="0" u="none" strike="noStrike" cap="none" normalizeH="0" baseline="0" dirty="0" smtClean="0">
+                <a:ln>
+                  <a:noFill/>
+                </a:ln>
+                <a:solidFill>
+                  <a:srgbClr val="333333"/>
+                </a:solidFill>
+                <a:effectLst/>
+                <a:latin typeface="宋体" panose="02010600030101010101" pitchFamily="2" charset="-122"/>
+                <a:ea typeface="宋体" panose="02010600030101010101" pitchFamily="2" charset="-122"/>
+              </a:rPr>
+              <a:t>+ </a:t>
+            </a:r>
+            <a:r>
+              <a:rPr kumimoji="0" lang="zh-CN" altLang="zh-CN" sz="2800" b="1" i="0" u="none" strike="noStrike" cap="none" normalizeH="0" baseline="0" dirty="0" smtClean="0">
+                <a:ln>
+                  <a:noFill/>
+                </a:ln>
+                <a:solidFill>
+                  <a:srgbClr val="000000"/>
+                </a:solidFill>
+                <a:effectLst/>
+                <a:latin typeface="宋体" panose="02010600030101010101" pitchFamily="2" charset="-122"/>
+                <a:ea typeface="宋体" panose="02010600030101010101" pitchFamily="2" charset="-122"/>
+              </a:rPr>
+              <a:t>" "</a:t>
+            </a:r>
+            <a:r>
+              <a:rPr kumimoji="0" lang="zh-CN" altLang="zh-CN" sz="2800" b="0" i="0" u="none" strike="noStrike" cap="none" normalizeH="0" baseline="0" dirty="0" smtClean="0">
+                <a:ln>
+                  <a:noFill/>
+                </a:ln>
+                <a:solidFill>
+                  <a:srgbClr val="000066"/>
+                </a:solidFill>
+                <a:effectLst/>
+                <a:latin typeface="宋体" panose="02010600030101010101" pitchFamily="2" charset="-122"/>
+                <a:ea typeface="宋体" panose="02010600030101010101" pitchFamily="2" charset="-122"/>
+              </a:rPr>
+              <a:t>)</a:t>
+            </a:r>
+            <a:endParaRPr kumimoji="0" lang="en-US" altLang="zh-CN" sz="2800" b="0" i="0" u="none" strike="noStrike" cap="none" normalizeH="0" baseline="0" dirty="0" smtClean="0">
+              <a:ln>
+                <a:noFill/>
+              </a:ln>
+              <a:solidFill>
+                <a:srgbClr val="000066"/>
+              </a:solidFill>
+              <a:effectLst/>
+              <a:latin typeface="宋体" panose="02010600030101010101" pitchFamily="2" charset="-122"/>
+              <a:ea typeface="宋体" panose="02010600030101010101" pitchFamily="2" charset="-122"/>
+            </a:endParaRPr>
+          </a:p>
+          <a:p>
+            <a:pPr marL="0" lvl="0" indent="0" defTabSz="914400">
+              <a:spcBef>
+                <a:spcPct val="0"/>
+              </a:spcBef>
+              <a:buNone/>
+            </a:pPr>
+            <a:r>
+              <a:rPr kumimoji="0" lang="zh-CN" altLang="zh-CN" sz="2800" b="0" i="0" u="none" strike="noStrike" cap="none" normalizeH="0" baseline="0" dirty="0" smtClean="0">
+                <a:ln>
+                  <a:noFill/>
+                </a:ln>
+                <a:solidFill>
+                  <a:srgbClr val="333333"/>
+                </a:solidFill>
+                <a:effectLst/>
+                <a:latin typeface="宋体" panose="02010600030101010101" pitchFamily="2" charset="-122"/>
+                <a:ea typeface="宋体" panose="02010600030101010101" pitchFamily="2" charset="-122"/>
+              </a:rPr>
+              <a:t>.</a:t>
+            </a:r>
+            <a:r>
+              <a:rPr kumimoji="0" lang="zh-CN" altLang="zh-CN" sz="2800" b="0" i="0" u="none" strike="noStrike" cap="none" normalizeH="0" baseline="0" dirty="0" smtClean="0">
+                <a:ln>
+                  <a:noFill/>
+                </a:ln>
+                <a:solidFill>
+                  <a:srgbClr val="000000"/>
+                </a:solidFill>
+                <a:effectLst/>
+                <a:latin typeface="宋体" panose="02010600030101010101" pitchFamily="2" charset="-122"/>
+                <a:ea typeface="宋体" panose="02010600030101010101" pitchFamily="2" charset="-122"/>
+              </a:rPr>
+              <a:t>toList</a:t>
+            </a:r>
+            <a:r>
+              <a:rPr kumimoji="0" lang="zh-CN" altLang="zh-CN" sz="2800" b="0" i="0" u="none" strike="noStrike" cap="none" normalizeH="0" baseline="0" dirty="0" smtClean="0">
+                <a:ln>
+                  <a:noFill/>
+                </a:ln>
+                <a:solidFill>
+                  <a:srgbClr val="000066"/>
+                </a:solidFill>
+                <a:effectLst/>
+                <a:latin typeface="宋体" panose="02010600030101010101" pitchFamily="2" charset="-122"/>
+                <a:ea typeface="宋体" panose="02010600030101010101" pitchFamily="2" charset="-122"/>
+              </a:rPr>
+              <a:t>()</a:t>
+            </a:r>
+            <a:r>
+              <a:rPr kumimoji="0" lang="zh-CN" altLang="zh-CN" sz="2800" b="0" i="0" u="none" strike="noStrike" cap="none" normalizeH="0" baseline="0" dirty="0" smtClean="0">
+                <a:ln>
+                  <a:noFill/>
+                </a:ln>
+                <a:solidFill>
+                  <a:srgbClr val="333333"/>
+                </a:solidFill>
+                <a:effectLst/>
+                <a:latin typeface="宋体" panose="02010600030101010101" pitchFamily="2" charset="-122"/>
+                <a:ea typeface="宋体" panose="02010600030101010101" pitchFamily="2" charset="-122"/>
+              </a:rPr>
+              <a:t>.</a:t>
+            </a:r>
+            <a:r>
+              <a:rPr kumimoji="0" lang="zh-CN" altLang="zh-CN" sz="2800" b="0" i="0" u="none" strike="noStrike" cap="none" normalizeH="0" baseline="0" dirty="0" smtClean="0">
+                <a:ln>
+                  <a:noFill/>
+                </a:ln>
+                <a:solidFill>
+                  <a:srgbClr val="000000"/>
+                </a:solidFill>
+                <a:effectLst/>
+                <a:latin typeface="宋体" panose="02010600030101010101" pitchFamily="2" charset="-122"/>
+                <a:ea typeface="宋体" panose="02010600030101010101" pitchFamily="2" charset="-122"/>
+              </a:rPr>
+              <a:t>map</a:t>
+            </a:r>
+            <a:r>
+              <a:rPr kumimoji="0" lang="zh-CN" altLang="zh-CN" sz="2800" b="0" i="0" u="none" strike="noStrike" cap="none" normalizeH="0" baseline="0" dirty="0" smtClean="0">
+                <a:ln>
+                  <a:noFill/>
+                </a:ln>
+                <a:solidFill>
+                  <a:srgbClr val="000066"/>
+                </a:solidFill>
+                <a:effectLst/>
+                <a:latin typeface="宋体" panose="02010600030101010101" pitchFamily="2" charset="-122"/>
+                <a:ea typeface="宋体" panose="02010600030101010101" pitchFamily="2" charset="-122"/>
+              </a:rPr>
+              <a:t>(</a:t>
+            </a:r>
+            <a:r>
+              <a:rPr kumimoji="0" lang="zh-CN" altLang="zh-CN" sz="2800" b="0" i="1" u="none" strike="noStrike" cap="none" normalizeH="0" baseline="0" dirty="0" smtClean="0">
+                <a:ln>
+                  <a:noFill/>
+                </a:ln>
+                <a:solidFill>
+                  <a:srgbClr val="000066"/>
+                </a:solidFill>
+                <a:effectLst/>
+                <a:latin typeface="宋体" panose="02010600030101010101" pitchFamily="2" charset="-122"/>
+                <a:ea typeface="宋体" panose="02010600030101010101" pitchFamily="2" charset="-122"/>
+              </a:rPr>
+              <a:t>strings </a:t>
+            </a:r>
+            <a:r>
+              <a:rPr kumimoji="0" lang="zh-CN" altLang="zh-CN" sz="2800" b="0" i="0" u="none" strike="noStrike" cap="none" normalizeH="0" baseline="0" dirty="0" smtClean="0">
+                <a:ln>
+                  <a:noFill/>
+                </a:ln>
+                <a:solidFill>
+                  <a:srgbClr val="000000"/>
+                </a:solidFill>
+                <a:effectLst/>
+                <a:latin typeface="宋体" panose="02010600030101010101" pitchFamily="2" charset="-122"/>
+                <a:ea typeface="宋体" panose="02010600030101010101" pitchFamily="2" charset="-122"/>
+              </a:rPr>
+              <a:t>-&gt; </a:t>
+            </a:r>
+            <a:r>
+              <a:rPr kumimoji="0" lang="zh-CN" altLang="zh-CN" sz="2800" b="0" i="0" u="none" strike="noStrike" cap="none" normalizeH="0" baseline="0" dirty="0" smtClean="0">
+                <a:ln>
+                  <a:noFill/>
+                </a:ln>
+                <a:solidFill>
+                  <a:srgbClr val="000066"/>
+                </a:solidFill>
+                <a:effectLst/>
+                <a:latin typeface="宋体" panose="02010600030101010101" pitchFamily="2" charset="-122"/>
+                <a:ea typeface="宋体" panose="02010600030101010101" pitchFamily="2" charset="-122"/>
+              </a:rPr>
+              <a:t>{</a:t>
+            </a:r>
+            <a:br>
+              <a:rPr kumimoji="0" lang="zh-CN" altLang="zh-CN" sz="2800" b="0" i="0" u="none" strike="noStrike" cap="none" normalizeH="0" baseline="0" dirty="0" smtClean="0">
+                <a:ln>
+                  <a:noFill/>
+                </a:ln>
+                <a:solidFill>
+                  <a:srgbClr val="000066"/>
+                </a:solidFill>
+                <a:effectLst/>
+                <a:latin typeface="宋体" panose="02010600030101010101" pitchFamily="2" charset="-122"/>
+                <a:ea typeface="宋体" panose="02010600030101010101" pitchFamily="2" charset="-122"/>
+              </a:rPr>
+            </a:br>
+            <a:r>
+              <a:rPr kumimoji="0" lang="zh-CN" altLang="zh-CN" sz="2800" b="0" i="0" u="none" strike="noStrike" cap="none" normalizeH="0" baseline="0" dirty="0" smtClean="0">
+                <a:ln>
+                  <a:noFill/>
+                </a:ln>
+                <a:solidFill>
+                  <a:srgbClr val="000066"/>
+                </a:solidFill>
+                <a:effectLst/>
+                <a:latin typeface="宋体" panose="02010600030101010101" pitchFamily="2" charset="-122"/>
+                <a:ea typeface="宋体" panose="02010600030101010101" pitchFamily="2" charset="-122"/>
+              </a:rPr>
+              <a:t>    </a:t>
+            </a:r>
+            <a:r>
+              <a:rPr kumimoji="0" lang="zh-CN" altLang="zh-CN" sz="2800" b="1" i="0" u="none" strike="noStrike" cap="none" normalizeH="0" baseline="0" dirty="0" smtClean="0">
+                <a:ln>
+                  <a:noFill/>
+                </a:ln>
+                <a:solidFill>
+                  <a:srgbClr val="3E7EFF"/>
+                </a:solidFill>
+                <a:effectLst/>
+                <a:latin typeface="宋体" panose="02010600030101010101" pitchFamily="2" charset="-122"/>
+                <a:ea typeface="宋体" panose="02010600030101010101" pitchFamily="2" charset="-122"/>
+              </a:rPr>
+              <a:t>Collections</a:t>
+            </a:r>
+            <a:r>
+              <a:rPr kumimoji="0" lang="zh-CN" altLang="zh-CN" sz="2800" b="0" i="0" u="none" strike="noStrike" cap="none" normalizeH="0" baseline="0" dirty="0" smtClean="0">
+                <a:ln>
+                  <a:noFill/>
+                </a:ln>
+                <a:solidFill>
+                  <a:srgbClr val="333333"/>
+                </a:solidFill>
+                <a:effectLst/>
+                <a:latin typeface="宋体" panose="02010600030101010101" pitchFamily="2" charset="-122"/>
+                <a:ea typeface="宋体" panose="02010600030101010101" pitchFamily="2" charset="-122"/>
+              </a:rPr>
+              <a:t>.</a:t>
+            </a:r>
+            <a:r>
+              <a:rPr kumimoji="0" lang="zh-CN" altLang="zh-CN" sz="2800" b="1" i="0" u="none" strike="noStrike" cap="none" normalizeH="0" baseline="0" dirty="0" smtClean="0">
+                <a:ln>
+                  <a:noFill/>
+                </a:ln>
+                <a:solidFill>
+                  <a:srgbClr val="7F9FBF"/>
+                </a:solidFill>
+                <a:effectLst/>
+                <a:latin typeface="宋体" panose="02010600030101010101" pitchFamily="2" charset="-122"/>
+                <a:ea typeface="宋体" panose="02010600030101010101" pitchFamily="2" charset="-122"/>
+              </a:rPr>
+              <a:t>reverse</a:t>
+            </a:r>
+            <a:r>
+              <a:rPr kumimoji="0" lang="zh-CN" altLang="zh-CN" sz="2800" b="0" i="0" u="none" strike="noStrike" cap="none" normalizeH="0" baseline="0" dirty="0" smtClean="0">
+                <a:ln>
+                  <a:noFill/>
+                </a:ln>
+                <a:solidFill>
+                  <a:srgbClr val="000066"/>
+                </a:solidFill>
+                <a:effectLst/>
+                <a:latin typeface="宋体" panose="02010600030101010101" pitchFamily="2" charset="-122"/>
+                <a:ea typeface="宋体" panose="02010600030101010101" pitchFamily="2" charset="-122"/>
+              </a:rPr>
+              <a:t>(</a:t>
+            </a:r>
+            <a:r>
+              <a:rPr kumimoji="0" lang="zh-CN" altLang="zh-CN" sz="2800" b="0" i="1" u="none" strike="noStrike" cap="none" normalizeH="0" baseline="0" dirty="0" smtClean="0">
+                <a:ln>
+                  <a:noFill/>
+                </a:ln>
+                <a:solidFill>
+                  <a:srgbClr val="000066"/>
+                </a:solidFill>
+                <a:effectLst/>
+                <a:latin typeface="宋体" panose="02010600030101010101" pitchFamily="2" charset="-122"/>
+                <a:ea typeface="宋体" panose="02010600030101010101" pitchFamily="2" charset="-122"/>
+              </a:rPr>
+              <a:t>strings</a:t>
+            </a:r>
+            <a:r>
+              <a:rPr kumimoji="0" lang="zh-CN" altLang="zh-CN" sz="2800" b="0" i="0" u="none" strike="noStrike" cap="none" normalizeH="0" baseline="0" dirty="0" smtClean="0">
+                <a:ln>
+                  <a:noFill/>
+                </a:ln>
+                <a:solidFill>
+                  <a:srgbClr val="000066"/>
+                </a:solidFill>
+                <a:effectLst/>
+                <a:latin typeface="宋体" panose="02010600030101010101" pitchFamily="2" charset="-122"/>
+                <a:ea typeface="宋体" panose="02010600030101010101" pitchFamily="2" charset="-122"/>
+              </a:rPr>
+              <a:t>)</a:t>
+            </a:r>
+            <a:r>
+              <a:rPr kumimoji="0" lang="zh-CN" altLang="zh-CN" sz="2800" b="0" i="0" u="none" strike="noStrike" cap="none" normalizeH="0" baseline="0" dirty="0" smtClean="0">
+                <a:ln>
+                  <a:noFill/>
+                </a:ln>
+                <a:solidFill>
+                  <a:srgbClr val="333333"/>
+                </a:solidFill>
+                <a:effectLst/>
+                <a:latin typeface="宋体" panose="02010600030101010101" pitchFamily="2" charset="-122"/>
+                <a:ea typeface="宋体" panose="02010600030101010101" pitchFamily="2" charset="-122"/>
+              </a:rPr>
+              <a:t>;</a:t>
+            </a:r>
+            <a:br>
+              <a:rPr kumimoji="0" lang="zh-CN" altLang="zh-CN" sz="2800" b="0" i="0" u="none" strike="noStrike" cap="none" normalizeH="0" baseline="0" dirty="0" smtClean="0">
+                <a:ln>
+                  <a:noFill/>
+                </a:ln>
+                <a:solidFill>
+                  <a:srgbClr val="333333"/>
+                </a:solidFill>
+                <a:effectLst/>
+                <a:latin typeface="宋体" panose="02010600030101010101" pitchFamily="2" charset="-122"/>
+                <a:ea typeface="宋体" panose="02010600030101010101" pitchFamily="2" charset="-122"/>
+              </a:rPr>
+            </a:br>
+            <a:r>
+              <a:rPr kumimoji="0" lang="zh-CN" altLang="zh-CN" sz="2800" b="0" i="0" u="none" strike="noStrike" cap="none" normalizeH="0" baseline="0" dirty="0" smtClean="0">
+                <a:ln>
+                  <a:noFill/>
+                </a:ln>
+                <a:solidFill>
+                  <a:srgbClr val="333333"/>
+                </a:solidFill>
+                <a:effectLst/>
+                <a:latin typeface="宋体" panose="02010600030101010101" pitchFamily="2" charset="-122"/>
+                <a:ea typeface="宋体" panose="02010600030101010101" pitchFamily="2" charset="-122"/>
+              </a:rPr>
+              <a:t>    </a:t>
+            </a:r>
+            <a:r>
+              <a:rPr kumimoji="0" lang="zh-CN" altLang="zh-CN" sz="2800" b="1" i="0" u="none" strike="noStrike" cap="none" normalizeH="0" baseline="0" dirty="0" smtClean="0">
+                <a:ln>
+                  <a:noFill/>
+                </a:ln>
+                <a:solidFill>
+                  <a:srgbClr val="7F0055"/>
+                </a:solidFill>
+                <a:effectLst/>
+                <a:latin typeface="宋体" panose="02010600030101010101" pitchFamily="2" charset="-122"/>
+                <a:ea typeface="宋体" panose="02010600030101010101" pitchFamily="2" charset="-122"/>
+              </a:rPr>
+              <a:t>return </a:t>
+            </a:r>
+            <a:r>
+              <a:rPr kumimoji="0" lang="zh-CN" altLang="zh-CN" sz="2800" b="0" i="1" u="none" strike="noStrike" cap="none" normalizeH="0" baseline="0" dirty="0" smtClean="0">
+                <a:ln>
+                  <a:noFill/>
+                </a:ln>
+                <a:solidFill>
+                  <a:srgbClr val="000066"/>
+                </a:solidFill>
+                <a:effectLst/>
+                <a:latin typeface="宋体" panose="02010600030101010101" pitchFamily="2" charset="-122"/>
+                <a:ea typeface="宋体" panose="02010600030101010101" pitchFamily="2" charset="-122"/>
+              </a:rPr>
+              <a:t>strings</a:t>
+            </a:r>
+            <a:r>
+              <a:rPr kumimoji="0" lang="zh-CN" altLang="zh-CN" sz="2800" b="0" i="0" u="none" strike="noStrike" cap="none" normalizeH="0" baseline="0" dirty="0" smtClean="0">
+                <a:ln>
+                  <a:noFill/>
+                </a:ln>
+                <a:solidFill>
+                  <a:srgbClr val="333333"/>
+                </a:solidFill>
+                <a:effectLst/>
+                <a:latin typeface="宋体" panose="02010600030101010101" pitchFamily="2" charset="-122"/>
+                <a:ea typeface="宋体" panose="02010600030101010101" pitchFamily="2" charset="-122"/>
+              </a:rPr>
+              <a:t>.</a:t>
+            </a:r>
+            <a:r>
+              <a:rPr kumimoji="0" lang="zh-CN" altLang="zh-CN" sz="2800" b="0" i="0" u="none" strike="noStrike" cap="none" normalizeH="0" baseline="0" dirty="0" smtClean="0">
+                <a:ln>
+                  <a:noFill/>
+                </a:ln>
+                <a:solidFill>
+                  <a:srgbClr val="000000"/>
+                </a:solidFill>
+                <a:effectLst/>
+                <a:latin typeface="宋体" panose="02010600030101010101" pitchFamily="2" charset="-122"/>
+                <a:ea typeface="宋体" panose="02010600030101010101" pitchFamily="2" charset="-122"/>
+              </a:rPr>
+              <a:t>toString</a:t>
+            </a:r>
+            <a:r>
+              <a:rPr kumimoji="0" lang="zh-CN" altLang="zh-CN" sz="2800" b="0" i="0" u="none" strike="noStrike" cap="none" normalizeH="0" baseline="0" dirty="0" smtClean="0">
+                <a:ln>
+                  <a:noFill/>
+                </a:ln>
+                <a:solidFill>
+                  <a:srgbClr val="000066"/>
+                </a:solidFill>
+                <a:effectLst/>
+                <a:latin typeface="宋体" panose="02010600030101010101" pitchFamily="2" charset="-122"/>
+                <a:ea typeface="宋体" panose="02010600030101010101" pitchFamily="2" charset="-122"/>
+              </a:rPr>
+              <a:t>()</a:t>
+            </a:r>
+            <a:r>
+              <a:rPr kumimoji="0" lang="zh-CN" altLang="zh-CN" sz="2800" b="0" i="0" u="none" strike="noStrike" cap="none" normalizeH="0" baseline="0" dirty="0" smtClean="0">
+                <a:ln>
+                  <a:noFill/>
+                </a:ln>
+                <a:solidFill>
+                  <a:srgbClr val="333333"/>
+                </a:solidFill>
+                <a:effectLst/>
+                <a:latin typeface="宋体" panose="02010600030101010101" pitchFamily="2" charset="-122"/>
+                <a:ea typeface="宋体" panose="02010600030101010101" pitchFamily="2" charset="-122"/>
+              </a:rPr>
+              <a:t>;</a:t>
+            </a:r>
+            <a:br>
+              <a:rPr kumimoji="0" lang="zh-CN" altLang="zh-CN" sz="2800" b="0" i="0" u="none" strike="noStrike" cap="none" normalizeH="0" baseline="0" dirty="0" smtClean="0">
+                <a:ln>
+                  <a:noFill/>
+                </a:ln>
+                <a:solidFill>
+                  <a:srgbClr val="333333"/>
+                </a:solidFill>
+                <a:effectLst/>
+                <a:latin typeface="宋体" panose="02010600030101010101" pitchFamily="2" charset="-122"/>
+                <a:ea typeface="宋体" panose="02010600030101010101" pitchFamily="2" charset="-122"/>
+              </a:rPr>
+            </a:br>
+            <a:r>
+              <a:rPr kumimoji="0" lang="zh-CN" altLang="zh-CN" sz="2800" b="0" i="0" u="none" strike="noStrike" cap="none" normalizeH="0" baseline="0" dirty="0" smtClean="0">
+                <a:ln>
+                  <a:noFill/>
+                </a:ln>
+                <a:solidFill>
+                  <a:srgbClr val="000066"/>
+                </a:solidFill>
+                <a:effectLst/>
+                <a:latin typeface="宋体" panose="02010600030101010101" pitchFamily="2" charset="-122"/>
+                <a:ea typeface="宋体" panose="02010600030101010101" pitchFamily="2" charset="-122"/>
+              </a:rPr>
+              <a:t>})</a:t>
+            </a:r>
+            <a:r>
+              <a:rPr lang="en-US" altLang="zh-CN" sz="2800" dirty="0">
+                <a:solidFill>
+                  <a:srgbClr val="000066"/>
+                </a:solidFill>
+                <a:latin typeface="宋体" panose="02010600030101010101" pitchFamily="2" charset="-122"/>
+                <a:ea typeface="宋体" panose="02010600030101010101" pitchFamily="2" charset="-122"/>
+              </a:rPr>
+              <a:t> .subscribe((s)-&gt; </a:t>
+            </a:r>
+            <a:r>
+              <a:rPr lang="en-US" altLang="zh-CN" sz="2800" dirty="0" err="1">
+                <a:solidFill>
+                  <a:srgbClr val="000066"/>
+                </a:solidFill>
+                <a:latin typeface="宋体" panose="02010600030101010101" pitchFamily="2" charset="-122"/>
+                <a:ea typeface="宋体" panose="02010600030101010101" pitchFamily="2" charset="-122"/>
+              </a:rPr>
+              <a:t>System.out.println</a:t>
+            </a:r>
+            <a:r>
+              <a:rPr lang="en-US" altLang="zh-CN" sz="2800" dirty="0">
+                <a:solidFill>
+                  <a:srgbClr val="000066"/>
+                </a:solidFill>
+                <a:latin typeface="宋体" panose="02010600030101010101" pitchFamily="2" charset="-122"/>
+                <a:ea typeface="宋体" panose="02010600030101010101" pitchFamily="2" charset="-122"/>
+              </a:rPr>
+              <a:t>(s</a:t>
+            </a:r>
+            <a:r>
+              <a:rPr lang="en-US" altLang="zh-CN" sz="2800" dirty="0" smtClean="0">
+                <a:solidFill>
+                  <a:srgbClr val="000066"/>
+                </a:solidFill>
+                <a:latin typeface="宋体" panose="02010600030101010101" pitchFamily="2" charset="-122"/>
+                <a:ea typeface="宋体" panose="02010600030101010101" pitchFamily="2" charset="-122"/>
+              </a:rPr>
+              <a:t>))</a:t>
+            </a:r>
+            <a:r>
+              <a:rPr kumimoji="0" lang="zh-CN" altLang="zh-CN" sz="2800" b="0" i="0" u="none" strike="noStrike" cap="none" normalizeH="0" baseline="0" dirty="0" smtClean="0">
+                <a:ln>
+                  <a:noFill/>
+                </a:ln>
+                <a:solidFill>
+                  <a:srgbClr val="333333"/>
+                </a:solidFill>
+                <a:effectLst/>
+                <a:latin typeface="宋体" panose="02010600030101010101" pitchFamily="2" charset="-122"/>
+                <a:ea typeface="宋体" panose="02010600030101010101" pitchFamily="2" charset="-122"/>
+              </a:rPr>
+              <a:t>;</a:t>
+            </a:r>
+            <a:endParaRPr kumimoji="0" lang="zh-CN" altLang="zh-CN" sz="4000" b="0" i="0" u="none" strike="noStrike" cap="none" normalizeH="0" baseline="0" dirty="0" smtClean="0">
+              <a:ln>
+                <a:noFill/>
+              </a:ln>
+              <a:solidFill>
+                <a:schemeClr val="tx1"/>
+              </a:solidFill>
+              <a:effectLst/>
+              <a:latin typeface="Arial" panose="020B0604020202020204" pitchFamily="34" charset="0"/>
+            </a:endParaRPr>
+          </a:p>
+        </p:txBody>
+      </p:sp>
+    </p:spTree>
+    <p:extLst>
+      <p:ext uri="{BB962C8B-B14F-4D97-AF65-F5344CB8AC3E}">
+        <p14:creationId xmlns:p14="http://schemas.microsoft.com/office/powerpoint/2010/main" val="2411266589"/>
       </p:ext>
     </p:extLst>
   </p:cSld>
@@ -19080,6 +19920,135 @@
       </p:grpSpPr>
       <p:sp>
         <p:nvSpPr>
+          <p:cNvPr id="3" name="内容占位符 2"/>
+          <p:cNvSpPr>
+            <a:spLocks noGrp="1"/>
+          </p:cNvSpPr>
+          <p:nvPr>
+            <p:ph idx="1"/>
+          </p:nvPr>
+        </p:nvSpPr>
+        <p:spPr>
+          <a:xfrm>
+            <a:off x="251520" y="908720"/>
+            <a:ext cx="8229600" cy="4525963"/>
+          </a:xfrm>
+        </p:spPr>
+        <p:txBody>
+          <a:bodyPr/>
+          <a:lstStyle/>
+          <a:p>
+            <a:r>
+              <a:rPr lang="zh-CN" altLang="en-US" sz="2400" dirty="0"/>
+              <a:t>这个例子展示了变换函数</a:t>
+            </a:r>
+            <a:r>
+              <a:rPr lang="en-US" altLang="zh-CN" sz="2400" dirty="0"/>
+              <a:t>.map()</a:t>
+            </a:r>
+            <a:r>
+              <a:rPr lang="zh-CN" altLang="en-US" sz="2400" dirty="0"/>
+              <a:t>和聚合函数</a:t>
+            </a:r>
+            <a:r>
+              <a:rPr lang="en-US" altLang="zh-CN" sz="2400" dirty="0"/>
+              <a:t>.</a:t>
+            </a:r>
+            <a:r>
+              <a:rPr lang="en-US" altLang="zh-CN" sz="2400" dirty="0" err="1"/>
+              <a:t>toList</a:t>
+            </a:r>
+            <a:r>
+              <a:rPr lang="en-US" altLang="zh-CN" sz="2400" dirty="0" smtClean="0"/>
+              <a:t>()</a:t>
+            </a:r>
+            <a:r>
+              <a:rPr lang="zh-CN" altLang="en-US" sz="2400" dirty="0"/>
+              <a:t>。</a:t>
+            </a:r>
+            <a:endParaRPr lang="en-US" altLang="zh-CN" sz="2400" dirty="0" smtClean="0"/>
+          </a:p>
+          <a:p>
+            <a:r>
+              <a:rPr lang="zh-CN" altLang="en-US" sz="2400" dirty="0" smtClean="0"/>
+              <a:t>在</a:t>
+            </a:r>
+            <a:r>
+              <a:rPr lang="zh-CN" altLang="en-US" sz="2400" dirty="0"/>
+              <a:t>操纵数据流的能力方面这仅仅是冰山一角（所有可用的数据流操作函数可见</a:t>
+            </a:r>
+            <a:r>
+              <a:rPr lang="en-US" altLang="zh-CN" sz="2400" dirty="0">
+                <a:hlinkClick r:id="rId2"/>
+              </a:rPr>
+              <a:t>https://github.com/ReactiveX/RxJava/wiki</a:t>
+            </a:r>
+            <a:r>
+              <a:rPr lang="zh-CN" altLang="en-US" sz="2400" dirty="0">
+                <a:hlinkClick r:id="rId2"/>
+              </a:rPr>
+              <a:t>），</a:t>
+            </a:r>
+            <a:r>
+              <a:rPr lang="zh-CN" altLang="en-US" sz="2400" dirty="0"/>
+              <a:t> </a:t>
+            </a:r>
+            <a:endParaRPr lang="en-US" altLang="zh-CN" sz="2400" dirty="0" smtClean="0"/>
+          </a:p>
+          <a:p>
+            <a:r>
+              <a:rPr lang="zh-CN" altLang="en-US" sz="2400" dirty="0" smtClean="0"/>
+              <a:t>显示</a:t>
+            </a:r>
+            <a:r>
+              <a:rPr lang="zh-CN" altLang="en-US" sz="2400" dirty="0"/>
+              <a:t>了基本概念：在函数响应式编程中，我们可以通过实现了</a:t>
+            </a:r>
+            <a:r>
+              <a:rPr lang="zh-CN" altLang="en-US" sz="2400" dirty="0">
+                <a:solidFill>
+                  <a:srgbClr val="FF0000"/>
+                </a:solidFill>
+              </a:rPr>
+              <a:t>数据转换</a:t>
+            </a:r>
+            <a:r>
+              <a:rPr lang="zh-CN" altLang="en-US" sz="2400" dirty="0"/>
+              <a:t>或者</a:t>
+            </a:r>
+            <a:r>
+              <a:rPr lang="zh-CN" altLang="en-US" sz="2400" dirty="0">
+                <a:solidFill>
+                  <a:srgbClr val="FF0000"/>
+                </a:solidFill>
+              </a:rPr>
+              <a:t>数据操作功能的管道中独立的单元</a:t>
+            </a:r>
+            <a:r>
+              <a:rPr lang="zh-CN" altLang="en-US" sz="2400" dirty="0"/>
+              <a:t>来转换数据流。根据需要我们可以在其他由 </a:t>
+            </a:r>
+            <a:r>
+              <a:rPr lang="en-US" altLang="zh-CN" sz="2400" dirty="0"/>
+              <a:t>Observables</a:t>
+            </a:r>
+            <a:r>
+              <a:rPr lang="zh-CN" altLang="en-US" sz="2400" dirty="0"/>
+              <a:t>组成的管道复用这些独立的单元。通过把这些</a:t>
+            </a:r>
+            <a:r>
+              <a:rPr lang="en-US" altLang="zh-CN" sz="2400" dirty="0"/>
+              <a:t>Observable</a:t>
+            </a:r>
+            <a:r>
+              <a:rPr lang="zh-CN" altLang="en-US" sz="2400" dirty="0"/>
+              <a:t>单元拼接在一起，我们可以组成更复杂的特性，但同时保持它们作为易 于理解和可修改的可组合逻辑小单元。</a:t>
+            </a:r>
+          </a:p>
+        </p:txBody>
+      </p:sp>
+      <p:sp>
+        <p:nvSpPr>
           <p:cNvPr id="4" name="日期占位符 3"/>
           <p:cNvSpPr>
             <a:spLocks noGrp="1"/>
@@ -19110,964 +20079,10 @@
           </a:p>
         </p:txBody>
       </p:sp>
-      <p:sp>
-        <p:nvSpPr>
-          <p:cNvPr id="5" name="Rectangle 1"/>
-          <p:cNvSpPr>
-            <a:spLocks noGrp="1" noChangeArrowheads="1"/>
-          </p:cNvSpPr>
-          <p:nvPr>
-            <p:ph idx="1"/>
-          </p:nvPr>
-        </p:nvSpPr>
-        <p:spPr bwMode="auto">
-          <a:xfrm>
-            <a:off x="179512" y="1862827"/>
-            <a:ext cx="8722767" cy="3108543"/>
-          </a:xfrm>
-          <a:prstGeom prst="rect">
-            <a:avLst/>
-          </a:prstGeom>
-          <a:solidFill>
-            <a:srgbClr val="FFFFFF"/>
-          </a:solidFill>
-          <a:ln>
-            <a:noFill/>
-          </a:ln>
-          <a:effectLst/>
-          <a:extLst>
-            <a:ext uri="{91240B29-F687-4F45-9708-019B960494DF}">
-              <a14:hiddenLine xmlns:a14="http://schemas.microsoft.com/office/drawing/2010/main" w="9525">
-                <a:solidFill>
-                  <a:schemeClr val="tx1"/>
-                </a:solidFill>
-                <a:miter lim="800000"/>
-                <a:headEnd/>
-                <a:tailEnd/>
-              </a14:hiddenLine>
-            </a:ext>
-            <a:ext uri="{AF507438-7753-43E0-B8FC-AC1667EBCBE1}">
-              <a14:hiddenEffects xmlns:a14="http://schemas.microsoft.com/office/drawing/2010/main">
-                <a:effectLst>
-                  <a:outerShdw dist="35921" dir="2700000" algn="ctr" rotWithShape="0">
-                    <a:schemeClr val="bg2"/>
-                  </a:outerShdw>
-                </a:effectLst>
-              </a14:hiddenEffects>
-            </a:ext>
-          </a:extLst>
-        </p:spPr>
-        <p:txBody>
-          <a:bodyPr vert="horz" wrap="square" lIns="91440" tIns="45720" rIns="91440" bIns="45720" numCol="1" anchor="ctr" anchorCtr="0" compatLnSpc="1">
-            <a:prstTxWarp prst="textNoShape">
-              <a:avLst/>
-            </a:prstTxWarp>
-            <a:spAutoFit/>
-          </a:bodyPr>
-          <a:lstStyle/>
-          <a:p>
-            <a:pPr marL="0" marR="0" lvl="0" indent="0" algn="l" defTabSz="914400" rtl="0" eaLnBrk="0" fontAlgn="base" latinLnBrk="0" hangingPunct="0">
-              <a:lnSpc>
-                <a:spcPct val="100000"/>
-              </a:lnSpc>
-              <a:spcBef>
-                <a:spcPct val="0"/>
-              </a:spcBef>
-              <a:spcAft>
-                <a:spcPct val="0"/>
-              </a:spcAft>
-              <a:buClrTx/>
-              <a:buSzTx/>
-              <a:buFontTx/>
-              <a:buNone/>
-              <a:tabLst/>
-            </a:pPr>
-            <a:r>
-              <a:rPr kumimoji="0" lang="zh-CN" altLang="zh-CN" sz="2800" b="1" i="0" u="none" strike="noStrike" cap="none" normalizeH="0" baseline="0" dirty="0" smtClean="0">
-                <a:ln>
-                  <a:noFill/>
-                </a:ln>
-                <a:solidFill>
-                  <a:srgbClr val="3E7EFF"/>
-                </a:solidFill>
-                <a:effectLst/>
-                <a:latin typeface="宋体" panose="02010600030101010101" pitchFamily="2" charset="-122"/>
-                <a:ea typeface="宋体" panose="02010600030101010101" pitchFamily="2" charset="-122"/>
-              </a:rPr>
-              <a:t>Observable</a:t>
-            </a:r>
-            <a:r>
-              <a:rPr kumimoji="0" lang="zh-CN" altLang="zh-CN" sz="2800" b="0" i="0" u="none" strike="noStrike" cap="none" normalizeH="0" baseline="0" dirty="0" smtClean="0">
-                <a:ln>
-                  <a:noFill/>
-                </a:ln>
-                <a:solidFill>
-                  <a:srgbClr val="333333"/>
-                </a:solidFill>
-                <a:effectLst/>
-                <a:latin typeface="宋体" panose="02010600030101010101" pitchFamily="2" charset="-122"/>
-                <a:ea typeface="宋体" panose="02010600030101010101" pitchFamily="2" charset="-122"/>
-              </a:rPr>
-              <a:t>.</a:t>
-            </a:r>
-            <a:r>
-              <a:rPr kumimoji="0" lang="zh-CN" altLang="zh-CN" sz="2800" b="1" i="0" u="none" strike="noStrike" cap="none" normalizeH="0" baseline="0" dirty="0" smtClean="0">
-                <a:ln>
-                  <a:noFill/>
-                </a:ln>
-                <a:solidFill>
-                  <a:srgbClr val="7F9FBF"/>
-                </a:solidFill>
-                <a:effectLst/>
-                <a:latin typeface="宋体" panose="02010600030101010101" pitchFamily="2" charset="-122"/>
-                <a:ea typeface="宋体" panose="02010600030101010101" pitchFamily="2" charset="-122"/>
-              </a:rPr>
-              <a:t>from</a:t>
-            </a:r>
-            <a:r>
-              <a:rPr kumimoji="0" lang="zh-CN" altLang="zh-CN" sz="2800" b="0" i="0" u="none" strike="noStrike" cap="none" normalizeH="0" baseline="0" dirty="0" smtClean="0">
-                <a:ln>
-                  <a:noFill/>
-                </a:ln>
-                <a:solidFill>
-                  <a:srgbClr val="000066"/>
-                </a:solidFill>
-                <a:effectLst/>
-                <a:latin typeface="宋体" panose="02010600030101010101" pitchFamily="2" charset="-122"/>
-                <a:ea typeface="宋体" panose="02010600030101010101" pitchFamily="2" charset="-122"/>
-              </a:rPr>
-              <a:t>(</a:t>
-            </a:r>
-            <a:r>
-              <a:rPr kumimoji="0" lang="zh-CN" altLang="zh-CN" sz="2800" b="1" i="0" u="none" strike="noStrike" cap="none" normalizeH="0" baseline="0" dirty="0" smtClean="0">
-                <a:ln>
-                  <a:noFill/>
-                </a:ln>
-                <a:solidFill>
-                  <a:srgbClr val="7F0055"/>
-                </a:solidFill>
-                <a:effectLst/>
-                <a:latin typeface="宋体" panose="02010600030101010101" pitchFamily="2" charset="-122"/>
-                <a:ea typeface="宋体" panose="02010600030101010101" pitchFamily="2" charset="-122"/>
-              </a:rPr>
-              <a:t>new </a:t>
-            </a:r>
-            <a:r>
-              <a:rPr kumimoji="0" lang="zh-CN" altLang="zh-CN" sz="2800" b="1" i="0" u="none" strike="noStrike" cap="none" normalizeH="0" baseline="0" dirty="0" smtClean="0">
-                <a:ln>
-                  <a:noFill/>
-                </a:ln>
-                <a:solidFill>
-                  <a:srgbClr val="3E7EFF"/>
-                </a:solidFill>
-                <a:effectLst/>
-                <a:latin typeface="宋体" panose="02010600030101010101" pitchFamily="2" charset="-122"/>
-                <a:ea typeface="宋体" panose="02010600030101010101" pitchFamily="2" charset="-122"/>
-              </a:rPr>
-              <a:t>String</a:t>
-            </a:r>
-            <a:r>
-              <a:rPr kumimoji="0" lang="zh-CN" altLang="zh-CN" sz="2800" b="0" i="0" u="none" strike="noStrike" cap="none" normalizeH="0" baseline="0" dirty="0" smtClean="0">
-                <a:ln>
-                  <a:noFill/>
-                </a:ln>
-                <a:solidFill>
-                  <a:srgbClr val="000066"/>
-                </a:solidFill>
-                <a:effectLst/>
-                <a:latin typeface="宋体" panose="02010600030101010101" pitchFamily="2" charset="-122"/>
-                <a:ea typeface="宋体" panose="02010600030101010101" pitchFamily="2" charset="-122"/>
-              </a:rPr>
-              <a:t>[]{</a:t>
-            </a:r>
-            <a:r>
-              <a:rPr kumimoji="0" lang="zh-CN" altLang="zh-CN" sz="2800" b="1" i="0" u="none" strike="noStrike" cap="none" normalizeH="0" baseline="0" dirty="0" smtClean="0">
-                <a:ln>
-                  <a:noFill/>
-                </a:ln>
-                <a:solidFill>
-                  <a:srgbClr val="000000"/>
-                </a:solidFill>
-                <a:effectLst/>
-                <a:latin typeface="宋体" panose="02010600030101010101" pitchFamily="2" charset="-122"/>
-                <a:ea typeface="宋体" panose="02010600030101010101" pitchFamily="2" charset="-122"/>
-              </a:rPr>
-              <a:t>"this"</a:t>
-            </a:r>
-            <a:r>
-              <a:rPr kumimoji="0" lang="zh-CN" altLang="zh-CN" sz="2800" b="0" i="0" u="none" strike="noStrike" cap="none" normalizeH="0" baseline="0" dirty="0" smtClean="0">
-                <a:ln>
-                  <a:noFill/>
-                </a:ln>
-                <a:solidFill>
-                  <a:srgbClr val="333333"/>
-                </a:solidFill>
-                <a:effectLst/>
-                <a:latin typeface="宋体" panose="02010600030101010101" pitchFamily="2" charset="-122"/>
-                <a:ea typeface="宋体" panose="02010600030101010101" pitchFamily="2" charset="-122"/>
-              </a:rPr>
-              <a:t>, </a:t>
-            </a:r>
-            <a:r>
-              <a:rPr kumimoji="0" lang="zh-CN" altLang="zh-CN" sz="2800" b="1" i="0" u="none" strike="noStrike" cap="none" normalizeH="0" baseline="0" dirty="0" smtClean="0">
-                <a:ln>
-                  <a:noFill/>
-                </a:ln>
-                <a:solidFill>
-                  <a:srgbClr val="000000"/>
-                </a:solidFill>
-                <a:effectLst/>
-                <a:latin typeface="宋体" panose="02010600030101010101" pitchFamily="2" charset="-122"/>
-                <a:ea typeface="宋体" panose="02010600030101010101" pitchFamily="2" charset="-122"/>
-              </a:rPr>
-              <a:t>"is"</a:t>
-            </a:r>
-            <a:r>
-              <a:rPr kumimoji="0" lang="zh-CN" altLang="zh-CN" sz="2800" b="0" i="0" u="none" strike="noStrike" cap="none" normalizeH="0" baseline="0" dirty="0" smtClean="0">
-                <a:ln>
-                  <a:noFill/>
-                </a:ln>
-                <a:solidFill>
-                  <a:srgbClr val="333333"/>
-                </a:solidFill>
-                <a:effectLst/>
-                <a:latin typeface="宋体" panose="02010600030101010101" pitchFamily="2" charset="-122"/>
-                <a:ea typeface="宋体" panose="02010600030101010101" pitchFamily="2" charset="-122"/>
-              </a:rPr>
-              <a:t>, </a:t>
-            </a:r>
-            <a:r>
-              <a:rPr kumimoji="0" lang="zh-CN" altLang="zh-CN" sz="2800" b="1" i="0" u="none" strike="noStrike" cap="none" normalizeH="0" baseline="0" dirty="0" smtClean="0">
-                <a:ln>
-                  <a:noFill/>
-                </a:ln>
-                <a:solidFill>
-                  <a:srgbClr val="000000"/>
-                </a:solidFill>
-                <a:effectLst/>
-                <a:latin typeface="宋体" panose="02010600030101010101" pitchFamily="2" charset="-122"/>
-                <a:ea typeface="宋体" panose="02010600030101010101" pitchFamily="2" charset="-122"/>
-              </a:rPr>
-              <a:t>"a"</a:t>
-            </a:r>
-            <a:r>
-              <a:rPr kumimoji="0" lang="zh-CN" altLang="zh-CN" sz="2800" b="0" i="0" u="none" strike="noStrike" cap="none" normalizeH="0" baseline="0" dirty="0" smtClean="0">
-                <a:ln>
-                  <a:noFill/>
-                </a:ln>
-                <a:solidFill>
-                  <a:srgbClr val="333333"/>
-                </a:solidFill>
-                <a:effectLst/>
-                <a:latin typeface="宋体" panose="02010600030101010101" pitchFamily="2" charset="-122"/>
-                <a:ea typeface="宋体" panose="02010600030101010101" pitchFamily="2" charset="-122"/>
-              </a:rPr>
-              <a:t>, </a:t>
-            </a:r>
-            <a:r>
-              <a:rPr kumimoji="0" lang="zh-CN" altLang="zh-CN" sz="2800" b="1" i="0" u="none" strike="noStrike" cap="none" normalizeH="0" baseline="0" dirty="0" smtClean="0">
-                <a:ln>
-                  <a:noFill/>
-                </a:ln>
-                <a:solidFill>
-                  <a:srgbClr val="000000"/>
-                </a:solidFill>
-                <a:effectLst/>
-                <a:latin typeface="宋体" panose="02010600030101010101" pitchFamily="2" charset="-122"/>
-                <a:ea typeface="宋体" panose="02010600030101010101" pitchFamily="2" charset="-122"/>
-              </a:rPr>
-              <a:t>"sentence"</a:t>
-            </a:r>
-            <a:r>
-              <a:rPr kumimoji="0" lang="zh-CN" altLang="zh-CN" sz="2800" b="0" i="0" u="none" strike="noStrike" cap="none" normalizeH="0" baseline="0" dirty="0" smtClean="0">
-                <a:ln>
-                  <a:noFill/>
-                </a:ln>
-                <a:solidFill>
-                  <a:srgbClr val="000066"/>
-                </a:solidFill>
-                <a:effectLst/>
-                <a:latin typeface="宋体" panose="02010600030101010101" pitchFamily="2" charset="-122"/>
-                <a:ea typeface="宋体" panose="02010600030101010101" pitchFamily="2" charset="-122"/>
-              </a:rPr>
-              <a:t>})</a:t>
-            </a:r>
-            <a:endParaRPr kumimoji="0" lang="en-US" altLang="zh-CN" sz="2800" b="0" i="0" u="none" strike="noStrike" cap="none" normalizeH="0" baseline="0" dirty="0" smtClean="0">
-              <a:ln>
-                <a:noFill/>
-              </a:ln>
-              <a:solidFill>
-                <a:srgbClr val="000066"/>
-              </a:solidFill>
-              <a:effectLst/>
-              <a:latin typeface="宋体" panose="02010600030101010101" pitchFamily="2" charset="-122"/>
-              <a:ea typeface="宋体" panose="02010600030101010101" pitchFamily="2" charset="-122"/>
-            </a:endParaRPr>
-          </a:p>
-          <a:p>
-            <a:pPr marL="0" marR="0" lvl="0" indent="0" algn="l" defTabSz="914400" rtl="0" eaLnBrk="0" fontAlgn="base" latinLnBrk="0" hangingPunct="0">
-              <a:lnSpc>
-                <a:spcPct val="100000"/>
-              </a:lnSpc>
-              <a:spcBef>
-                <a:spcPct val="0"/>
-              </a:spcBef>
-              <a:spcAft>
-                <a:spcPct val="0"/>
-              </a:spcAft>
-              <a:buClrTx/>
-              <a:buSzTx/>
-              <a:buFontTx/>
-              <a:buNone/>
-              <a:tabLst/>
-            </a:pPr>
-            <a:r>
-              <a:rPr kumimoji="0" lang="zh-CN" altLang="zh-CN" sz="2800" b="0" i="0" u="none" strike="noStrike" cap="none" normalizeH="0" baseline="0" dirty="0" smtClean="0">
-                <a:ln>
-                  <a:noFill/>
-                </a:ln>
-                <a:solidFill>
-                  <a:srgbClr val="333333"/>
-                </a:solidFill>
-                <a:effectLst/>
-                <a:latin typeface="宋体" panose="02010600030101010101" pitchFamily="2" charset="-122"/>
-                <a:ea typeface="宋体" panose="02010600030101010101" pitchFamily="2" charset="-122"/>
-              </a:rPr>
-              <a:t>.</a:t>
-            </a:r>
-            <a:r>
-              <a:rPr kumimoji="0" lang="zh-CN" altLang="zh-CN" sz="2800" b="0" i="0" u="none" strike="noStrike" cap="none" normalizeH="0" baseline="0" dirty="0" smtClean="0">
-                <a:ln>
-                  <a:noFill/>
-                </a:ln>
-                <a:solidFill>
-                  <a:srgbClr val="000000"/>
-                </a:solidFill>
-                <a:effectLst/>
-                <a:latin typeface="宋体" panose="02010600030101010101" pitchFamily="2" charset="-122"/>
-                <a:ea typeface="宋体" panose="02010600030101010101" pitchFamily="2" charset="-122"/>
-              </a:rPr>
-              <a:t>map</a:t>
-            </a:r>
-            <a:r>
-              <a:rPr kumimoji="0" lang="zh-CN" altLang="zh-CN" sz="2800" b="0" i="0" u="none" strike="noStrike" cap="none" normalizeH="0" baseline="0" dirty="0" smtClean="0">
-                <a:ln>
-                  <a:noFill/>
-                </a:ln>
-                <a:solidFill>
-                  <a:srgbClr val="000066"/>
-                </a:solidFill>
-                <a:effectLst/>
-                <a:latin typeface="宋体" panose="02010600030101010101" pitchFamily="2" charset="-122"/>
-                <a:ea typeface="宋体" panose="02010600030101010101" pitchFamily="2" charset="-122"/>
-              </a:rPr>
-              <a:t>(</a:t>
-            </a:r>
-            <a:r>
-              <a:rPr kumimoji="0" lang="zh-CN" altLang="zh-CN" sz="2800" b="0" i="1" u="none" strike="noStrike" cap="none" normalizeH="0" baseline="0" dirty="0" smtClean="0">
-                <a:ln>
-                  <a:noFill/>
-                </a:ln>
-                <a:solidFill>
-                  <a:srgbClr val="000066"/>
-                </a:solidFill>
-                <a:effectLst/>
-                <a:latin typeface="宋体" panose="02010600030101010101" pitchFamily="2" charset="-122"/>
-                <a:ea typeface="宋体" panose="02010600030101010101" pitchFamily="2" charset="-122"/>
-              </a:rPr>
-              <a:t>s </a:t>
-            </a:r>
-            <a:r>
-              <a:rPr kumimoji="0" lang="zh-CN" altLang="zh-CN" sz="2800" b="0" i="0" u="none" strike="noStrike" cap="none" normalizeH="0" baseline="0" dirty="0" smtClean="0">
-                <a:ln>
-                  <a:noFill/>
-                </a:ln>
-                <a:solidFill>
-                  <a:srgbClr val="000000"/>
-                </a:solidFill>
-                <a:effectLst/>
-                <a:latin typeface="宋体" panose="02010600030101010101" pitchFamily="2" charset="-122"/>
-                <a:ea typeface="宋体" panose="02010600030101010101" pitchFamily="2" charset="-122"/>
-              </a:rPr>
-              <a:t>-&gt; </a:t>
-            </a:r>
-            <a:r>
-              <a:rPr kumimoji="0" lang="zh-CN" altLang="zh-CN" sz="2800" b="0" i="1" u="none" strike="noStrike" cap="none" normalizeH="0" baseline="0" dirty="0" smtClean="0">
-                <a:ln>
-                  <a:noFill/>
-                </a:ln>
-                <a:solidFill>
-                  <a:srgbClr val="000066"/>
-                </a:solidFill>
-                <a:effectLst/>
-                <a:latin typeface="宋体" panose="02010600030101010101" pitchFamily="2" charset="-122"/>
-                <a:ea typeface="宋体" panose="02010600030101010101" pitchFamily="2" charset="-122"/>
-              </a:rPr>
-              <a:t>s</a:t>
-            </a:r>
-            <a:r>
-              <a:rPr kumimoji="0" lang="zh-CN" altLang="zh-CN" sz="2800" b="0" i="0" u="none" strike="noStrike" cap="none" normalizeH="0" baseline="0" dirty="0" smtClean="0">
-                <a:ln>
-                  <a:noFill/>
-                </a:ln>
-                <a:solidFill>
-                  <a:srgbClr val="333333"/>
-                </a:solidFill>
-                <a:effectLst/>
-                <a:latin typeface="宋体" panose="02010600030101010101" pitchFamily="2" charset="-122"/>
-                <a:ea typeface="宋体" panose="02010600030101010101" pitchFamily="2" charset="-122"/>
-              </a:rPr>
-              <a:t>.</a:t>
-            </a:r>
-            <a:r>
-              <a:rPr kumimoji="0" lang="zh-CN" altLang="zh-CN" sz="2800" b="0" i="0" u="none" strike="noStrike" cap="none" normalizeH="0" baseline="0" dirty="0" smtClean="0">
-                <a:ln>
-                  <a:noFill/>
-                </a:ln>
-                <a:solidFill>
-                  <a:srgbClr val="000000"/>
-                </a:solidFill>
-                <a:effectLst/>
-                <a:latin typeface="宋体" panose="02010600030101010101" pitchFamily="2" charset="-122"/>
-                <a:ea typeface="宋体" panose="02010600030101010101" pitchFamily="2" charset="-122"/>
-              </a:rPr>
-              <a:t>toUpperCase</a:t>
-            </a:r>
-            <a:r>
-              <a:rPr kumimoji="0" lang="zh-CN" altLang="zh-CN" sz="2800" b="0" i="0" u="none" strike="noStrike" cap="none" normalizeH="0" baseline="0" dirty="0" smtClean="0">
-                <a:ln>
-                  <a:noFill/>
-                </a:ln>
-                <a:solidFill>
-                  <a:srgbClr val="000066"/>
-                </a:solidFill>
-                <a:effectLst/>
-                <a:latin typeface="宋体" panose="02010600030101010101" pitchFamily="2" charset="-122"/>
-                <a:ea typeface="宋体" panose="02010600030101010101" pitchFamily="2" charset="-122"/>
-              </a:rPr>
-              <a:t>() </a:t>
-            </a:r>
-            <a:r>
-              <a:rPr kumimoji="0" lang="zh-CN" altLang="zh-CN" sz="2800" b="0" i="0" u="none" strike="noStrike" cap="none" normalizeH="0" baseline="0" dirty="0" smtClean="0">
-                <a:ln>
-                  <a:noFill/>
-                </a:ln>
-                <a:solidFill>
-                  <a:srgbClr val="333333"/>
-                </a:solidFill>
-                <a:effectLst/>
-                <a:latin typeface="宋体" panose="02010600030101010101" pitchFamily="2" charset="-122"/>
-                <a:ea typeface="宋体" panose="02010600030101010101" pitchFamily="2" charset="-122"/>
-              </a:rPr>
-              <a:t>+ </a:t>
-            </a:r>
-            <a:r>
-              <a:rPr kumimoji="0" lang="zh-CN" altLang="zh-CN" sz="2800" b="1" i="0" u="none" strike="noStrike" cap="none" normalizeH="0" baseline="0" dirty="0" smtClean="0">
-                <a:ln>
-                  <a:noFill/>
-                </a:ln>
-                <a:solidFill>
-                  <a:srgbClr val="000000"/>
-                </a:solidFill>
-                <a:effectLst/>
-                <a:latin typeface="宋体" panose="02010600030101010101" pitchFamily="2" charset="-122"/>
-                <a:ea typeface="宋体" panose="02010600030101010101" pitchFamily="2" charset="-122"/>
-              </a:rPr>
-              <a:t>" "</a:t>
-            </a:r>
-            <a:r>
-              <a:rPr kumimoji="0" lang="zh-CN" altLang="zh-CN" sz="2800" b="0" i="0" u="none" strike="noStrike" cap="none" normalizeH="0" baseline="0" dirty="0" smtClean="0">
-                <a:ln>
-                  <a:noFill/>
-                </a:ln>
-                <a:solidFill>
-                  <a:srgbClr val="000066"/>
-                </a:solidFill>
-                <a:effectLst/>
-                <a:latin typeface="宋体" panose="02010600030101010101" pitchFamily="2" charset="-122"/>
-                <a:ea typeface="宋体" panose="02010600030101010101" pitchFamily="2" charset="-122"/>
-              </a:rPr>
-              <a:t>)</a:t>
-            </a:r>
-            <a:endParaRPr kumimoji="0" lang="en-US" altLang="zh-CN" sz="2800" b="0" i="0" u="none" strike="noStrike" cap="none" normalizeH="0" baseline="0" dirty="0" smtClean="0">
-              <a:ln>
-                <a:noFill/>
-              </a:ln>
-              <a:solidFill>
-                <a:srgbClr val="000066"/>
-              </a:solidFill>
-              <a:effectLst/>
-              <a:latin typeface="宋体" panose="02010600030101010101" pitchFamily="2" charset="-122"/>
-              <a:ea typeface="宋体" panose="02010600030101010101" pitchFamily="2" charset="-122"/>
-            </a:endParaRPr>
-          </a:p>
-          <a:p>
-            <a:pPr marL="0" lvl="0" indent="0" defTabSz="914400">
-              <a:spcBef>
-                <a:spcPct val="0"/>
-              </a:spcBef>
-              <a:buNone/>
-            </a:pPr>
-            <a:r>
-              <a:rPr kumimoji="0" lang="zh-CN" altLang="zh-CN" sz="2800" b="0" i="0" u="none" strike="noStrike" cap="none" normalizeH="0" baseline="0" dirty="0" smtClean="0">
-                <a:ln>
-                  <a:noFill/>
-                </a:ln>
-                <a:solidFill>
-                  <a:srgbClr val="333333"/>
-                </a:solidFill>
-                <a:effectLst/>
-                <a:latin typeface="宋体" panose="02010600030101010101" pitchFamily="2" charset="-122"/>
-                <a:ea typeface="宋体" panose="02010600030101010101" pitchFamily="2" charset="-122"/>
-              </a:rPr>
-              <a:t>.</a:t>
-            </a:r>
-            <a:r>
-              <a:rPr kumimoji="0" lang="zh-CN" altLang="zh-CN" sz="2800" b="0" i="0" u="none" strike="noStrike" cap="none" normalizeH="0" baseline="0" dirty="0" smtClean="0">
-                <a:ln>
-                  <a:noFill/>
-                </a:ln>
-                <a:solidFill>
-                  <a:srgbClr val="000000"/>
-                </a:solidFill>
-                <a:effectLst/>
-                <a:latin typeface="宋体" panose="02010600030101010101" pitchFamily="2" charset="-122"/>
-                <a:ea typeface="宋体" panose="02010600030101010101" pitchFamily="2" charset="-122"/>
-              </a:rPr>
-              <a:t>toList</a:t>
-            </a:r>
-            <a:r>
-              <a:rPr kumimoji="0" lang="zh-CN" altLang="zh-CN" sz="2800" b="0" i="0" u="none" strike="noStrike" cap="none" normalizeH="0" baseline="0" dirty="0" smtClean="0">
-                <a:ln>
-                  <a:noFill/>
-                </a:ln>
-                <a:solidFill>
-                  <a:srgbClr val="000066"/>
-                </a:solidFill>
-                <a:effectLst/>
-                <a:latin typeface="宋体" panose="02010600030101010101" pitchFamily="2" charset="-122"/>
-                <a:ea typeface="宋体" panose="02010600030101010101" pitchFamily="2" charset="-122"/>
-              </a:rPr>
-              <a:t>()</a:t>
-            </a:r>
-            <a:r>
-              <a:rPr kumimoji="0" lang="zh-CN" altLang="zh-CN" sz="2800" b="0" i="0" u="none" strike="noStrike" cap="none" normalizeH="0" baseline="0" dirty="0" smtClean="0">
-                <a:ln>
-                  <a:noFill/>
-                </a:ln>
-                <a:solidFill>
-                  <a:srgbClr val="333333"/>
-                </a:solidFill>
-                <a:effectLst/>
-                <a:latin typeface="宋体" panose="02010600030101010101" pitchFamily="2" charset="-122"/>
-                <a:ea typeface="宋体" panose="02010600030101010101" pitchFamily="2" charset="-122"/>
-              </a:rPr>
-              <a:t>.</a:t>
-            </a:r>
-            <a:r>
-              <a:rPr kumimoji="0" lang="zh-CN" altLang="zh-CN" sz="2800" b="0" i="0" u="none" strike="noStrike" cap="none" normalizeH="0" baseline="0" dirty="0" smtClean="0">
-                <a:ln>
-                  <a:noFill/>
-                </a:ln>
-                <a:solidFill>
-                  <a:srgbClr val="000000"/>
-                </a:solidFill>
-                <a:effectLst/>
-                <a:latin typeface="宋体" panose="02010600030101010101" pitchFamily="2" charset="-122"/>
-                <a:ea typeface="宋体" panose="02010600030101010101" pitchFamily="2" charset="-122"/>
-              </a:rPr>
-              <a:t>map</a:t>
-            </a:r>
-            <a:r>
-              <a:rPr kumimoji="0" lang="zh-CN" altLang="zh-CN" sz="2800" b="0" i="0" u="none" strike="noStrike" cap="none" normalizeH="0" baseline="0" dirty="0" smtClean="0">
-                <a:ln>
-                  <a:noFill/>
-                </a:ln>
-                <a:solidFill>
-                  <a:srgbClr val="000066"/>
-                </a:solidFill>
-                <a:effectLst/>
-                <a:latin typeface="宋体" panose="02010600030101010101" pitchFamily="2" charset="-122"/>
-                <a:ea typeface="宋体" panose="02010600030101010101" pitchFamily="2" charset="-122"/>
-              </a:rPr>
-              <a:t>(</a:t>
-            </a:r>
-            <a:r>
-              <a:rPr kumimoji="0" lang="zh-CN" altLang="zh-CN" sz="2800" b="0" i="1" u="none" strike="noStrike" cap="none" normalizeH="0" baseline="0" dirty="0" smtClean="0">
-                <a:ln>
-                  <a:noFill/>
-                </a:ln>
-                <a:solidFill>
-                  <a:srgbClr val="000066"/>
-                </a:solidFill>
-                <a:effectLst/>
-                <a:latin typeface="宋体" panose="02010600030101010101" pitchFamily="2" charset="-122"/>
-                <a:ea typeface="宋体" panose="02010600030101010101" pitchFamily="2" charset="-122"/>
-              </a:rPr>
-              <a:t>strings </a:t>
-            </a:r>
-            <a:r>
-              <a:rPr kumimoji="0" lang="zh-CN" altLang="zh-CN" sz="2800" b="0" i="0" u="none" strike="noStrike" cap="none" normalizeH="0" baseline="0" dirty="0" smtClean="0">
-                <a:ln>
-                  <a:noFill/>
-                </a:ln>
-                <a:solidFill>
-                  <a:srgbClr val="000000"/>
-                </a:solidFill>
-                <a:effectLst/>
-                <a:latin typeface="宋体" panose="02010600030101010101" pitchFamily="2" charset="-122"/>
-                <a:ea typeface="宋体" panose="02010600030101010101" pitchFamily="2" charset="-122"/>
-              </a:rPr>
-              <a:t>-&gt; </a:t>
-            </a:r>
-            <a:r>
-              <a:rPr kumimoji="0" lang="zh-CN" altLang="zh-CN" sz="2800" b="0" i="0" u="none" strike="noStrike" cap="none" normalizeH="0" baseline="0" dirty="0" smtClean="0">
-                <a:ln>
-                  <a:noFill/>
-                </a:ln>
-                <a:solidFill>
-                  <a:srgbClr val="000066"/>
-                </a:solidFill>
-                <a:effectLst/>
-                <a:latin typeface="宋体" panose="02010600030101010101" pitchFamily="2" charset="-122"/>
-                <a:ea typeface="宋体" panose="02010600030101010101" pitchFamily="2" charset="-122"/>
-              </a:rPr>
-              <a:t>{</a:t>
-            </a:r>
-            <a:br>
-              <a:rPr kumimoji="0" lang="zh-CN" altLang="zh-CN" sz="2800" b="0" i="0" u="none" strike="noStrike" cap="none" normalizeH="0" baseline="0" dirty="0" smtClean="0">
-                <a:ln>
-                  <a:noFill/>
-                </a:ln>
-                <a:solidFill>
-                  <a:srgbClr val="000066"/>
-                </a:solidFill>
-                <a:effectLst/>
-                <a:latin typeface="宋体" panose="02010600030101010101" pitchFamily="2" charset="-122"/>
-                <a:ea typeface="宋体" panose="02010600030101010101" pitchFamily="2" charset="-122"/>
-              </a:rPr>
-            </a:br>
-            <a:r>
-              <a:rPr kumimoji="0" lang="zh-CN" altLang="zh-CN" sz="2800" b="0" i="0" u="none" strike="noStrike" cap="none" normalizeH="0" baseline="0" dirty="0" smtClean="0">
-                <a:ln>
-                  <a:noFill/>
-                </a:ln>
-                <a:solidFill>
-                  <a:srgbClr val="000066"/>
-                </a:solidFill>
-                <a:effectLst/>
-                <a:latin typeface="宋体" panose="02010600030101010101" pitchFamily="2" charset="-122"/>
-                <a:ea typeface="宋体" panose="02010600030101010101" pitchFamily="2" charset="-122"/>
-              </a:rPr>
-              <a:t>    </a:t>
-            </a:r>
-            <a:r>
-              <a:rPr kumimoji="0" lang="zh-CN" altLang="zh-CN" sz="2800" b="1" i="0" u="none" strike="noStrike" cap="none" normalizeH="0" baseline="0" dirty="0" smtClean="0">
-                <a:ln>
-                  <a:noFill/>
-                </a:ln>
-                <a:solidFill>
-                  <a:srgbClr val="3E7EFF"/>
-                </a:solidFill>
-                <a:effectLst/>
-                <a:latin typeface="宋体" panose="02010600030101010101" pitchFamily="2" charset="-122"/>
-                <a:ea typeface="宋体" panose="02010600030101010101" pitchFamily="2" charset="-122"/>
-              </a:rPr>
-              <a:t>Collections</a:t>
-            </a:r>
-            <a:r>
-              <a:rPr kumimoji="0" lang="zh-CN" altLang="zh-CN" sz="2800" b="0" i="0" u="none" strike="noStrike" cap="none" normalizeH="0" baseline="0" dirty="0" smtClean="0">
-                <a:ln>
-                  <a:noFill/>
-                </a:ln>
-                <a:solidFill>
-                  <a:srgbClr val="333333"/>
-                </a:solidFill>
-                <a:effectLst/>
-                <a:latin typeface="宋体" panose="02010600030101010101" pitchFamily="2" charset="-122"/>
-                <a:ea typeface="宋体" panose="02010600030101010101" pitchFamily="2" charset="-122"/>
-              </a:rPr>
-              <a:t>.</a:t>
-            </a:r>
-            <a:r>
-              <a:rPr kumimoji="0" lang="zh-CN" altLang="zh-CN" sz="2800" b="1" i="0" u="none" strike="noStrike" cap="none" normalizeH="0" baseline="0" dirty="0" smtClean="0">
-                <a:ln>
-                  <a:noFill/>
-                </a:ln>
-                <a:solidFill>
-                  <a:srgbClr val="7F9FBF"/>
-                </a:solidFill>
-                <a:effectLst/>
-                <a:latin typeface="宋体" panose="02010600030101010101" pitchFamily="2" charset="-122"/>
-                <a:ea typeface="宋体" panose="02010600030101010101" pitchFamily="2" charset="-122"/>
-              </a:rPr>
-              <a:t>reverse</a:t>
-            </a:r>
-            <a:r>
-              <a:rPr kumimoji="0" lang="zh-CN" altLang="zh-CN" sz="2800" b="0" i="0" u="none" strike="noStrike" cap="none" normalizeH="0" baseline="0" dirty="0" smtClean="0">
-                <a:ln>
-                  <a:noFill/>
-                </a:ln>
-                <a:solidFill>
-                  <a:srgbClr val="000066"/>
-                </a:solidFill>
-                <a:effectLst/>
-                <a:latin typeface="宋体" panose="02010600030101010101" pitchFamily="2" charset="-122"/>
-                <a:ea typeface="宋体" panose="02010600030101010101" pitchFamily="2" charset="-122"/>
-              </a:rPr>
-              <a:t>(</a:t>
-            </a:r>
-            <a:r>
-              <a:rPr kumimoji="0" lang="zh-CN" altLang="zh-CN" sz="2800" b="0" i="1" u="none" strike="noStrike" cap="none" normalizeH="0" baseline="0" dirty="0" smtClean="0">
-                <a:ln>
-                  <a:noFill/>
-                </a:ln>
-                <a:solidFill>
-                  <a:srgbClr val="000066"/>
-                </a:solidFill>
-                <a:effectLst/>
-                <a:latin typeface="宋体" panose="02010600030101010101" pitchFamily="2" charset="-122"/>
-                <a:ea typeface="宋体" panose="02010600030101010101" pitchFamily="2" charset="-122"/>
-              </a:rPr>
-              <a:t>strings</a:t>
-            </a:r>
-            <a:r>
-              <a:rPr kumimoji="0" lang="zh-CN" altLang="zh-CN" sz="2800" b="0" i="0" u="none" strike="noStrike" cap="none" normalizeH="0" baseline="0" dirty="0" smtClean="0">
-                <a:ln>
-                  <a:noFill/>
-                </a:ln>
-                <a:solidFill>
-                  <a:srgbClr val="000066"/>
-                </a:solidFill>
-                <a:effectLst/>
-                <a:latin typeface="宋体" panose="02010600030101010101" pitchFamily="2" charset="-122"/>
-                <a:ea typeface="宋体" panose="02010600030101010101" pitchFamily="2" charset="-122"/>
-              </a:rPr>
-              <a:t>)</a:t>
-            </a:r>
-            <a:r>
-              <a:rPr kumimoji="0" lang="zh-CN" altLang="zh-CN" sz="2800" b="0" i="0" u="none" strike="noStrike" cap="none" normalizeH="0" baseline="0" dirty="0" smtClean="0">
-                <a:ln>
-                  <a:noFill/>
-                </a:ln>
-                <a:solidFill>
-                  <a:srgbClr val="333333"/>
-                </a:solidFill>
-                <a:effectLst/>
-                <a:latin typeface="宋体" panose="02010600030101010101" pitchFamily="2" charset="-122"/>
-                <a:ea typeface="宋体" panose="02010600030101010101" pitchFamily="2" charset="-122"/>
-              </a:rPr>
-              <a:t>;</a:t>
-            </a:r>
-            <a:br>
-              <a:rPr kumimoji="0" lang="zh-CN" altLang="zh-CN" sz="2800" b="0" i="0" u="none" strike="noStrike" cap="none" normalizeH="0" baseline="0" dirty="0" smtClean="0">
-                <a:ln>
-                  <a:noFill/>
-                </a:ln>
-                <a:solidFill>
-                  <a:srgbClr val="333333"/>
-                </a:solidFill>
-                <a:effectLst/>
-                <a:latin typeface="宋体" panose="02010600030101010101" pitchFamily="2" charset="-122"/>
-                <a:ea typeface="宋体" panose="02010600030101010101" pitchFamily="2" charset="-122"/>
-              </a:rPr>
-            </a:br>
-            <a:r>
-              <a:rPr kumimoji="0" lang="zh-CN" altLang="zh-CN" sz="2800" b="0" i="0" u="none" strike="noStrike" cap="none" normalizeH="0" baseline="0" dirty="0" smtClean="0">
-                <a:ln>
-                  <a:noFill/>
-                </a:ln>
-                <a:solidFill>
-                  <a:srgbClr val="333333"/>
-                </a:solidFill>
-                <a:effectLst/>
-                <a:latin typeface="宋体" panose="02010600030101010101" pitchFamily="2" charset="-122"/>
-                <a:ea typeface="宋体" panose="02010600030101010101" pitchFamily="2" charset="-122"/>
-              </a:rPr>
-              <a:t>    </a:t>
-            </a:r>
-            <a:r>
-              <a:rPr kumimoji="0" lang="zh-CN" altLang="zh-CN" sz="2800" b="1" i="0" u="none" strike="noStrike" cap="none" normalizeH="0" baseline="0" dirty="0" smtClean="0">
-                <a:ln>
-                  <a:noFill/>
-                </a:ln>
-                <a:solidFill>
-                  <a:srgbClr val="7F0055"/>
-                </a:solidFill>
-                <a:effectLst/>
-                <a:latin typeface="宋体" panose="02010600030101010101" pitchFamily="2" charset="-122"/>
-                <a:ea typeface="宋体" panose="02010600030101010101" pitchFamily="2" charset="-122"/>
-              </a:rPr>
-              <a:t>return </a:t>
-            </a:r>
-            <a:r>
-              <a:rPr kumimoji="0" lang="zh-CN" altLang="zh-CN" sz="2800" b="0" i="1" u="none" strike="noStrike" cap="none" normalizeH="0" baseline="0" dirty="0" smtClean="0">
-                <a:ln>
-                  <a:noFill/>
-                </a:ln>
-                <a:solidFill>
-                  <a:srgbClr val="000066"/>
-                </a:solidFill>
-                <a:effectLst/>
-                <a:latin typeface="宋体" panose="02010600030101010101" pitchFamily="2" charset="-122"/>
-                <a:ea typeface="宋体" panose="02010600030101010101" pitchFamily="2" charset="-122"/>
-              </a:rPr>
-              <a:t>strings</a:t>
-            </a:r>
-            <a:r>
-              <a:rPr kumimoji="0" lang="zh-CN" altLang="zh-CN" sz="2800" b="0" i="0" u="none" strike="noStrike" cap="none" normalizeH="0" baseline="0" dirty="0" smtClean="0">
-                <a:ln>
-                  <a:noFill/>
-                </a:ln>
-                <a:solidFill>
-                  <a:srgbClr val="333333"/>
-                </a:solidFill>
-                <a:effectLst/>
-                <a:latin typeface="宋体" panose="02010600030101010101" pitchFamily="2" charset="-122"/>
-                <a:ea typeface="宋体" panose="02010600030101010101" pitchFamily="2" charset="-122"/>
-              </a:rPr>
-              <a:t>.</a:t>
-            </a:r>
-            <a:r>
-              <a:rPr kumimoji="0" lang="zh-CN" altLang="zh-CN" sz="2800" b="0" i="0" u="none" strike="noStrike" cap="none" normalizeH="0" baseline="0" dirty="0" smtClean="0">
-                <a:ln>
-                  <a:noFill/>
-                </a:ln>
-                <a:solidFill>
-                  <a:srgbClr val="000000"/>
-                </a:solidFill>
-                <a:effectLst/>
-                <a:latin typeface="宋体" panose="02010600030101010101" pitchFamily="2" charset="-122"/>
-                <a:ea typeface="宋体" panose="02010600030101010101" pitchFamily="2" charset="-122"/>
-              </a:rPr>
-              <a:t>toString</a:t>
-            </a:r>
-            <a:r>
-              <a:rPr kumimoji="0" lang="zh-CN" altLang="zh-CN" sz="2800" b="0" i="0" u="none" strike="noStrike" cap="none" normalizeH="0" baseline="0" dirty="0" smtClean="0">
-                <a:ln>
-                  <a:noFill/>
-                </a:ln>
-                <a:solidFill>
-                  <a:srgbClr val="000066"/>
-                </a:solidFill>
-                <a:effectLst/>
-                <a:latin typeface="宋体" panose="02010600030101010101" pitchFamily="2" charset="-122"/>
-                <a:ea typeface="宋体" panose="02010600030101010101" pitchFamily="2" charset="-122"/>
-              </a:rPr>
-              <a:t>()</a:t>
-            </a:r>
-            <a:r>
-              <a:rPr kumimoji="0" lang="zh-CN" altLang="zh-CN" sz="2800" b="0" i="0" u="none" strike="noStrike" cap="none" normalizeH="0" baseline="0" dirty="0" smtClean="0">
-                <a:ln>
-                  <a:noFill/>
-                </a:ln>
-                <a:solidFill>
-                  <a:srgbClr val="333333"/>
-                </a:solidFill>
-                <a:effectLst/>
-                <a:latin typeface="宋体" panose="02010600030101010101" pitchFamily="2" charset="-122"/>
-                <a:ea typeface="宋体" panose="02010600030101010101" pitchFamily="2" charset="-122"/>
-              </a:rPr>
-              <a:t>;</a:t>
-            </a:r>
-            <a:br>
-              <a:rPr kumimoji="0" lang="zh-CN" altLang="zh-CN" sz="2800" b="0" i="0" u="none" strike="noStrike" cap="none" normalizeH="0" baseline="0" dirty="0" smtClean="0">
-                <a:ln>
-                  <a:noFill/>
-                </a:ln>
-                <a:solidFill>
-                  <a:srgbClr val="333333"/>
-                </a:solidFill>
-                <a:effectLst/>
-                <a:latin typeface="宋体" panose="02010600030101010101" pitchFamily="2" charset="-122"/>
-                <a:ea typeface="宋体" panose="02010600030101010101" pitchFamily="2" charset="-122"/>
-              </a:rPr>
-            </a:br>
-            <a:r>
-              <a:rPr kumimoji="0" lang="zh-CN" altLang="zh-CN" sz="2800" b="0" i="0" u="none" strike="noStrike" cap="none" normalizeH="0" baseline="0" dirty="0" smtClean="0">
-                <a:ln>
-                  <a:noFill/>
-                </a:ln>
-                <a:solidFill>
-                  <a:srgbClr val="000066"/>
-                </a:solidFill>
-                <a:effectLst/>
-                <a:latin typeface="宋体" panose="02010600030101010101" pitchFamily="2" charset="-122"/>
-                <a:ea typeface="宋体" panose="02010600030101010101" pitchFamily="2" charset="-122"/>
-              </a:rPr>
-              <a:t>})</a:t>
-            </a:r>
-            <a:r>
-              <a:rPr lang="en-US" altLang="zh-CN" sz="2800" dirty="0">
-                <a:solidFill>
-                  <a:srgbClr val="000066"/>
-                </a:solidFill>
-                <a:latin typeface="宋体" panose="02010600030101010101" pitchFamily="2" charset="-122"/>
-                <a:ea typeface="宋体" panose="02010600030101010101" pitchFamily="2" charset="-122"/>
-              </a:rPr>
-              <a:t> .subscribe((s)-&gt; </a:t>
-            </a:r>
-            <a:r>
-              <a:rPr lang="en-US" altLang="zh-CN" sz="2800" dirty="0" err="1">
-                <a:solidFill>
-                  <a:srgbClr val="000066"/>
-                </a:solidFill>
-                <a:latin typeface="宋体" panose="02010600030101010101" pitchFamily="2" charset="-122"/>
-                <a:ea typeface="宋体" panose="02010600030101010101" pitchFamily="2" charset="-122"/>
-              </a:rPr>
-              <a:t>System.out.println</a:t>
-            </a:r>
-            <a:r>
-              <a:rPr lang="en-US" altLang="zh-CN" sz="2800" dirty="0">
-                <a:solidFill>
-                  <a:srgbClr val="000066"/>
-                </a:solidFill>
-                <a:latin typeface="宋体" panose="02010600030101010101" pitchFamily="2" charset="-122"/>
-                <a:ea typeface="宋体" panose="02010600030101010101" pitchFamily="2" charset="-122"/>
-              </a:rPr>
-              <a:t>(s</a:t>
-            </a:r>
-            <a:r>
-              <a:rPr lang="en-US" altLang="zh-CN" sz="2800" dirty="0" smtClean="0">
-                <a:solidFill>
-                  <a:srgbClr val="000066"/>
-                </a:solidFill>
-                <a:latin typeface="宋体" panose="02010600030101010101" pitchFamily="2" charset="-122"/>
-                <a:ea typeface="宋体" panose="02010600030101010101" pitchFamily="2" charset="-122"/>
-              </a:rPr>
-              <a:t>))</a:t>
-            </a:r>
-            <a:r>
-              <a:rPr kumimoji="0" lang="zh-CN" altLang="zh-CN" sz="2800" b="0" i="0" u="none" strike="noStrike" cap="none" normalizeH="0" baseline="0" dirty="0" smtClean="0">
-                <a:ln>
-                  <a:noFill/>
-                </a:ln>
-                <a:solidFill>
-                  <a:srgbClr val="333333"/>
-                </a:solidFill>
-                <a:effectLst/>
-                <a:latin typeface="宋体" panose="02010600030101010101" pitchFamily="2" charset="-122"/>
-                <a:ea typeface="宋体" panose="02010600030101010101" pitchFamily="2" charset="-122"/>
-              </a:rPr>
-              <a:t>;</a:t>
-            </a:r>
-            <a:endParaRPr kumimoji="0" lang="zh-CN" altLang="zh-CN" sz="4000" b="0" i="0" u="none" strike="noStrike" cap="none" normalizeH="0" baseline="0" dirty="0" smtClean="0">
-              <a:ln>
-                <a:noFill/>
-              </a:ln>
-              <a:solidFill>
-                <a:schemeClr val="tx1"/>
-              </a:solidFill>
-              <a:effectLst/>
-              <a:latin typeface="Arial" panose="020B0604020202020204" pitchFamily="34" charset="0"/>
-            </a:endParaRPr>
-          </a:p>
-        </p:txBody>
-      </p:sp>
     </p:spTree>
     <p:extLst>
       <p:ext uri="{BB962C8B-B14F-4D97-AF65-F5344CB8AC3E}">
-        <p14:creationId xmlns:p14="http://schemas.microsoft.com/office/powerpoint/2010/main" val="2411266589"/>
+        <p14:creationId xmlns:p14="http://schemas.microsoft.com/office/powerpoint/2010/main" val="2160403759"/>
       </p:ext>
     </p:extLst>
   </p:cSld>
@@ -20106,18 +20121,18 @@
       </p:grpSpPr>
       <p:sp>
         <p:nvSpPr>
-          <p:cNvPr id="3" name="内容占位符 2"/>
+          <p:cNvPr id="2" name="标题 1"/>
           <p:cNvSpPr>
             <a:spLocks noGrp="1"/>
           </p:cNvSpPr>
           <p:nvPr>
-            <p:ph idx="1"/>
+            <p:ph type="title"/>
           </p:nvPr>
         </p:nvSpPr>
         <p:spPr>
           <a:xfrm>
-            <a:off x="251520" y="908720"/>
-            <a:ext cx="8229600" cy="4525963"/>
+            <a:off x="449662" y="457200"/>
+            <a:ext cx="8229600" cy="1143000"/>
           </a:xfrm>
         </p:spPr>
         <p:txBody>
@@ -20125,102 +20140,50 @@
           <a:lstStyle/>
           <a:p>
             <a:r>
+              <a:rPr lang="zh-CN" altLang="en-US" dirty="0"/>
+              <a:t>使用</a:t>
+            </a:r>
+            <a:r>
+              <a:rPr lang="en-US" altLang="zh-CN" dirty="0"/>
+              <a:t>Scheduler</a:t>
+            </a:r>
+            <a:r>
+              <a:rPr lang="zh-CN" altLang="en-US" dirty="0"/>
+              <a:t>管理线程</a:t>
+            </a:r>
+          </a:p>
+        </p:txBody>
+      </p:sp>
+      <p:sp>
+        <p:nvSpPr>
+          <p:cNvPr id="3" name="内容占位符 2"/>
+          <p:cNvSpPr>
+            <a:spLocks noGrp="1"/>
+          </p:cNvSpPr>
+          <p:nvPr>
+            <p:ph idx="1"/>
+          </p:nvPr>
+        </p:nvSpPr>
+        <p:spPr/>
+        <p:txBody>
+          <a:bodyPr/>
+          <a:lstStyle/>
+          <a:p>
+            <a:r>
+              <a:rPr lang="zh-CN" altLang="en-US" sz="2400" dirty="0" smtClean="0"/>
+              <a:t>我们</a:t>
+            </a:r>
+            <a:r>
               <a:rPr lang="zh-CN" altLang="en-US" sz="2400" dirty="0"/>
-              <a:t>这个例子展示了变换函数</a:t>
-            </a:r>
-            <a:r>
-              <a:rPr lang="en-US" altLang="zh-CN" sz="2400" dirty="0"/>
-              <a:t>.map()</a:t>
+              <a:t>展示了如何使用</a:t>
+            </a:r>
+            <a:r>
+              <a:rPr lang="en-US" altLang="zh-CN" sz="2400" dirty="0" err="1"/>
+              <a:t>RxJava</a:t>
             </a:r>
             <a:r>
               <a:rPr lang="zh-CN" altLang="en-US" sz="2400" dirty="0"/>
-              <a:t>和聚合函数</a:t>
-            </a:r>
-            <a:r>
-              <a:rPr lang="en-US" altLang="zh-CN" sz="2400" dirty="0"/>
-              <a:t>.</a:t>
-            </a:r>
-            <a:r>
-              <a:rPr lang="en-US" altLang="zh-CN" sz="2400" dirty="0" err="1"/>
-              <a:t>toList</a:t>
-            </a:r>
-            <a:r>
-              <a:rPr lang="en-US" altLang="zh-CN" sz="2400" dirty="0" smtClean="0"/>
-              <a:t>()</a:t>
-            </a:r>
-            <a:r>
-              <a:rPr lang="zh-CN" altLang="en-US" sz="2400" dirty="0"/>
-              <a:t>。</a:t>
-            </a:r>
-            <a:endParaRPr lang="en-US" altLang="zh-CN" sz="2400" dirty="0" smtClean="0"/>
-          </a:p>
-          <a:p>
-            <a:r>
-              <a:rPr lang="zh-CN" altLang="en-US" sz="2400" dirty="0" smtClean="0"/>
-              <a:t>在</a:t>
-            </a:r>
-            <a:r>
-              <a:rPr lang="zh-CN" altLang="en-US" sz="2400" dirty="0"/>
-              <a:t>操纵数据流的能力方面这仅仅是冰山一角（所有可用的数据流操作函数可见</a:t>
-            </a:r>
-            <a:r>
-              <a:rPr lang="en-US" altLang="zh-CN" sz="2400" dirty="0">
-                <a:hlinkClick r:id="rId2"/>
-              </a:rPr>
-              <a:t>https://github.com/ReactiveX/RxJava/wiki</a:t>
-            </a:r>
-            <a:r>
-              <a:rPr lang="zh-CN" altLang="en-US" sz="2400" dirty="0">
-                <a:hlinkClick r:id="rId2"/>
-              </a:rPr>
-              <a:t>），</a:t>
-            </a:r>
-            <a:r>
-              <a:rPr lang="zh-CN" altLang="en-US" sz="2400" dirty="0"/>
-              <a:t> </a:t>
-            </a:r>
-            <a:endParaRPr lang="en-US" altLang="zh-CN" sz="2400" dirty="0" smtClean="0"/>
-          </a:p>
-          <a:p>
-            <a:r>
-              <a:rPr lang="zh-CN" altLang="en-US" sz="2400" dirty="0" smtClean="0"/>
-              <a:t>显示</a:t>
-            </a:r>
-            <a:r>
-              <a:rPr lang="zh-CN" altLang="en-US" sz="2400" dirty="0"/>
-              <a:t>了基本概念：在函数响应式编程中，我们可以通过实现了</a:t>
-            </a:r>
-            <a:r>
-              <a:rPr lang="zh-CN" altLang="en-US" sz="2400" dirty="0">
-                <a:solidFill>
-                  <a:srgbClr val="FF0000"/>
-                </a:solidFill>
-              </a:rPr>
-              <a:t>数据转换</a:t>
-            </a:r>
-            <a:r>
-              <a:rPr lang="zh-CN" altLang="en-US" sz="2400" dirty="0"/>
-              <a:t>或者</a:t>
-            </a:r>
-            <a:r>
-              <a:rPr lang="zh-CN" altLang="en-US" sz="2400" dirty="0">
-                <a:solidFill>
-                  <a:srgbClr val="FF0000"/>
-                </a:solidFill>
-              </a:rPr>
-              <a:t>数据操作功能的管道中独立的单元</a:t>
-            </a:r>
-            <a:r>
-              <a:rPr lang="zh-CN" altLang="en-US" sz="2400" dirty="0"/>
-              <a:t>来转换数据流。根据需要我们可以在其他由 </a:t>
-            </a:r>
-            <a:r>
-              <a:rPr lang="en-US" altLang="zh-CN" sz="2400" dirty="0"/>
-              <a:t>Observables</a:t>
-            </a:r>
-            <a:r>
-              <a:rPr lang="zh-CN" altLang="en-US" sz="2400" dirty="0"/>
-              <a:t>组成的管道复用这些独立的单元。通过把这些</a:t>
+              <a:t>发起网络请求。我们谈及转换，聚合和订阅</a:t>
             </a:r>
             <a:r>
               <a:rPr lang="en-US" altLang="zh-CN" sz="2400" dirty="0"/>
@@ -20228,8 +20191,92 @@
             </a:r>
             <a:r>
               <a:rPr lang="zh-CN" altLang="en-US" sz="2400" dirty="0"/>
-              <a:t>单元拼接在一起，我们可以组成更复杂的特性，但同时保持它们作为易 于理解和可修改的可组合逻辑小单元。</a:t>
-            </a:r>
+              <a:t>数据流，但我们没有谈及</a:t>
+            </a:r>
+            <a:r>
+              <a:rPr lang="en-US" altLang="zh-CN" sz="2400" dirty="0"/>
+              <a:t>Observable</a:t>
+            </a:r>
+            <a:r>
+              <a:rPr lang="zh-CN" altLang="en-US" sz="2400" dirty="0"/>
+              <a:t>数据流的</a:t>
+            </a:r>
+            <a:r>
+              <a:rPr lang="en-US" altLang="zh-CN" sz="2400" dirty="0"/>
+              <a:t>web</a:t>
+            </a:r>
+            <a:r>
+              <a:rPr lang="zh-CN" altLang="en-US" sz="2400" dirty="0"/>
+              <a:t>请求是</a:t>
+            </a:r>
+            <a:r>
+              <a:rPr lang="zh-CN" altLang="en-US" sz="2400" dirty="0">
+                <a:solidFill>
+                  <a:srgbClr val="FF0000"/>
+                </a:solidFill>
+              </a:rPr>
+              <a:t>怎样实现异步</a:t>
+            </a:r>
+            <a:r>
+              <a:rPr lang="zh-CN" altLang="en-US" sz="2400" dirty="0"/>
+              <a:t>的</a:t>
+            </a:r>
+            <a:r>
+              <a:rPr lang="zh-CN" altLang="en-US" sz="2400" dirty="0" smtClean="0"/>
+              <a:t>。</a:t>
+            </a:r>
+            <a:endParaRPr lang="en-US" altLang="zh-CN" sz="2400" dirty="0" smtClean="0"/>
+          </a:p>
+          <a:p>
+            <a:r>
+              <a:rPr lang="zh-CN" altLang="en-US" sz="2400" dirty="0"/>
+              <a:t>这就属于</a:t>
+            </a:r>
+            <a:r>
+              <a:rPr lang="en-US" altLang="zh-CN" sz="2400" dirty="0"/>
+              <a:t>FRP</a:t>
+            </a:r>
+            <a:r>
+              <a:rPr lang="zh-CN" altLang="en-US" sz="2400" dirty="0"/>
+              <a:t>编程模型如何调用</a:t>
+            </a:r>
+            <a:r>
+              <a:rPr lang="en-US" altLang="zh-CN" sz="2400" dirty="0"/>
+              <a:t>Scheduler</a:t>
+            </a:r>
+            <a:r>
+              <a:rPr lang="zh-CN" altLang="en-US" sz="2400" dirty="0"/>
+              <a:t>的范畴了－该策略定义了</a:t>
+            </a:r>
+            <a:r>
+              <a:rPr lang="en-US" altLang="zh-CN" sz="2400" dirty="0"/>
+              <a:t>Observable</a:t>
+            </a:r>
+            <a:r>
+              <a:rPr lang="zh-CN" altLang="en-US" sz="2400" dirty="0"/>
+              <a:t>流事件在哪个线程中发生，以及订阅者在哪个线程消费 </a:t>
+            </a:r>
+            <a:r>
+              <a:rPr lang="en-US" altLang="zh-CN" sz="2400" dirty="0"/>
+              <a:t>Observable</a:t>
+            </a:r>
+            <a:r>
+              <a:rPr lang="zh-CN" altLang="en-US" sz="2400" dirty="0"/>
+              <a:t>的处理结果。在</a:t>
+            </a:r>
+            <a:r>
+              <a:rPr lang="en-US" altLang="zh-CN" sz="2400" dirty="0"/>
+              <a:t>web service</a:t>
+            </a:r>
+            <a:r>
+              <a:rPr lang="zh-CN" altLang="en-US" sz="2400" dirty="0"/>
+              <a:t>例子中，我们希望请求在后台线程中进行，而订阅行为发生在主</a:t>
+            </a:r>
+            <a:r>
+              <a:rPr lang="zh-CN" altLang="en-US" sz="2400" dirty="0" smtClean="0"/>
+              <a:t>线程中。</a:t>
+            </a:r>
+            <a:endParaRPr lang="zh-CN" altLang="en-US" sz="2400" dirty="0"/>
           </a:p>
         </p:txBody>
       </p:sp>
@@ -20268,7 +20315,7 @@
     </p:spTree>
     <p:extLst>
       <p:ext uri="{BB962C8B-B14F-4D97-AF65-F5344CB8AC3E}">
-        <p14:creationId xmlns:p14="http://schemas.microsoft.com/office/powerpoint/2010/main" val="2160403759"/>
+        <p14:creationId xmlns:p14="http://schemas.microsoft.com/office/powerpoint/2010/main" val="2425274494"/>
       </p:ext>
     </p:extLst>
   </p:cSld>
@@ -20278,6 +20325,13 @@
   <p:transition>
     <p:wipe dir="d"/>
   </p:transition>
+  <p:timing>
+    <p:tnLst>
+      <p:par>
+        <p:cTn id="1" dur="indefinite" restart="never" nodeType="tmRoot"/>
+      </p:par>
+    </p:tnLst>
+  </p:timing>
 </p:sld>
 </file>
 
@@ -20300,18 +20354,18 @@
       </p:grpSpPr>
       <p:sp>
         <p:nvSpPr>
-          <p:cNvPr id="2" name="标题 1"/>
+          <p:cNvPr id="3" name="内容占位符 2"/>
           <p:cNvSpPr>
             <a:spLocks noGrp="1"/>
           </p:cNvSpPr>
           <p:nvPr>
-            <p:ph type="title"/>
+            <p:ph idx="1"/>
           </p:nvPr>
         </p:nvSpPr>
         <p:spPr>
           <a:xfrm>
-            <a:off x="449662" y="457200"/>
-            <a:ext cx="8229600" cy="1143000"/>
+            <a:off x="26260" y="692696"/>
+            <a:ext cx="9117740" cy="5832648"/>
           </a:xfrm>
         </p:spPr>
         <p:txBody>
@@ -20319,143 +20373,339 @@
           <a:lstStyle/>
           <a:p>
             <a:r>
-              <a:rPr lang="zh-CN" altLang="en-US" dirty="0"/>
-              <a:t>使用</a:t>
-            </a:r>
-            <a:r>
-              <a:rPr lang="en-US" altLang="zh-CN" dirty="0"/>
-              <a:t>Scheduler</a:t>
-            </a:r>
-            <a:r>
-              <a:rPr lang="zh-CN" altLang="en-US" dirty="0"/>
-              <a:t>管理线程</a:t>
-            </a:r>
-          </a:p>
-        </p:txBody>
-      </p:sp>
-      <p:sp>
-        <p:nvSpPr>
-          <p:cNvPr id="3" name="内容占位符 2"/>
-          <p:cNvSpPr>
-            <a:spLocks noGrp="1"/>
-          </p:cNvSpPr>
-          <p:nvPr>
-            <p:ph idx="1"/>
-          </p:nvPr>
-        </p:nvSpPr>
-        <p:spPr/>
-        <p:txBody>
-          <a:bodyPr/>
-          <a:lstStyle/>
-          <a:p>
-            <a:r>
-              <a:rPr lang="zh-CN" altLang="en-US" sz="2400" dirty="0" smtClean="0"/>
-              <a:t>我们</a:t>
-            </a:r>
-            <a:r>
-              <a:rPr lang="zh-CN" altLang="en-US" sz="2400" dirty="0"/>
-              <a:t>展示了如何使用</a:t>
-            </a:r>
-            <a:r>
-              <a:rPr lang="en-US" altLang="zh-CN" sz="2400" dirty="0" err="1"/>
-              <a:t>RxJava</a:t>
-            </a:r>
-            <a:r>
-              <a:rPr lang="zh-CN" altLang="en-US" sz="2400" dirty="0"/>
-              <a:t>发起网络请求。我们谈及转换，聚合和订阅</a:t>
-            </a:r>
-            <a:r>
-              <a:rPr lang="en-US" altLang="zh-CN" sz="2400" dirty="0"/>
-              <a:t>Observable</a:t>
-            </a:r>
-            <a:r>
-              <a:rPr lang="zh-CN" altLang="en-US" sz="2400" dirty="0"/>
-              <a:t>数据流，但我们没有谈及</a:t>
-            </a:r>
-            <a:r>
-              <a:rPr lang="en-US" altLang="zh-CN" sz="2400" dirty="0"/>
-              <a:t>Observable</a:t>
-            </a:r>
-            <a:r>
-              <a:rPr lang="zh-CN" altLang="en-US" sz="2400" dirty="0"/>
-              <a:t>数据流的</a:t>
-            </a:r>
-            <a:r>
-              <a:rPr lang="en-US" altLang="zh-CN" sz="2400" dirty="0"/>
-              <a:t>web</a:t>
-            </a:r>
-            <a:r>
-              <a:rPr lang="zh-CN" altLang="en-US" sz="2400" dirty="0"/>
-              <a:t>请求是</a:t>
-            </a:r>
-            <a:r>
-              <a:rPr lang="zh-CN" altLang="en-US" sz="2400" dirty="0">
+              <a:rPr lang="zh-CN" altLang="zh-CN" sz="2000" b="1" dirty="0">
+                <a:solidFill>
+                  <a:srgbClr val="000080"/>
+                </a:solidFill>
+                <a:latin typeface="Consolas" panose="020B0609020204030204" pitchFamily="49" charset="0"/>
+                <a:cs typeface="Consolas" panose="020B0609020204030204" pitchFamily="49" charset="0"/>
+              </a:rPr>
+              <a:t>public </a:t>
+            </a:r>
+            <a:r>
+              <a:rPr lang="zh-CN" altLang="zh-CN" sz="2000" dirty="0">
+                <a:solidFill>
+                  <a:srgbClr val="000000"/>
+                </a:solidFill>
+                <a:latin typeface="Consolas" panose="020B0609020204030204" pitchFamily="49" charset="0"/>
+                <a:cs typeface="Consolas" panose="020B0609020204030204" pitchFamily="49" charset="0"/>
+              </a:rPr>
+              <a:t>Observable&lt;List&lt;GithubUserDetail&gt;&gt; rxFetchUserDetails() {</a:t>
+            </a:r>
+            <a:br>
+              <a:rPr lang="zh-CN" altLang="zh-CN" sz="2000" dirty="0">
+                <a:solidFill>
+                  <a:srgbClr val="000000"/>
+                </a:solidFill>
+                <a:latin typeface="Consolas" panose="020B0609020204030204" pitchFamily="49" charset="0"/>
+                <a:cs typeface="Consolas" panose="020B0609020204030204" pitchFamily="49" charset="0"/>
+              </a:rPr>
+            </a:br>
+            <a:r>
+              <a:rPr lang="zh-CN" altLang="zh-CN" sz="2000" dirty="0">
+                <a:solidFill>
+                  <a:srgbClr val="000000"/>
+                </a:solidFill>
+                <a:latin typeface="Consolas" panose="020B0609020204030204" pitchFamily="49" charset="0"/>
+                <a:cs typeface="Consolas" panose="020B0609020204030204" pitchFamily="49" charset="0"/>
+              </a:rPr>
+              <a:t>  </a:t>
+            </a:r>
+            <a:r>
+              <a:rPr lang="zh-CN" altLang="zh-CN" sz="2000" i="1" dirty="0">
+                <a:solidFill>
+                  <a:srgbClr val="808080"/>
+                </a:solidFill>
+                <a:latin typeface="Consolas" panose="020B0609020204030204" pitchFamily="49" charset="0"/>
+                <a:cs typeface="Consolas" panose="020B0609020204030204" pitchFamily="49" charset="0"/>
+              </a:rPr>
+              <a:t>//request the users</a:t>
+            </a:r>
+            <a:br>
+              <a:rPr lang="zh-CN" altLang="zh-CN" sz="2000" i="1" dirty="0">
+                <a:solidFill>
+                  <a:srgbClr val="808080"/>
+                </a:solidFill>
+                <a:latin typeface="Consolas" panose="020B0609020204030204" pitchFamily="49" charset="0"/>
+                <a:cs typeface="Consolas" panose="020B0609020204030204" pitchFamily="49" charset="0"/>
+              </a:rPr>
+            </a:br>
+            <a:r>
+              <a:rPr lang="zh-CN" altLang="zh-CN" sz="2000" i="1" dirty="0">
+                <a:solidFill>
+                  <a:srgbClr val="808080"/>
+                </a:solidFill>
+                <a:latin typeface="Consolas" panose="020B0609020204030204" pitchFamily="49" charset="0"/>
+                <a:cs typeface="Consolas" panose="020B0609020204030204" pitchFamily="49" charset="0"/>
+              </a:rPr>
+              <a:t>  </a:t>
+            </a:r>
+            <a:r>
+              <a:rPr lang="zh-CN" altLang="zh-CN" sz="2000" b="1" dirty="0">
+                <a:solidFill>
+                  <a:srgbClr val="000080"/>
+                </a:solidFill>
+                <a:latin typeface="Consolas" panose="020B0609020204030204" pitchFamily="49" charset="0"/>
+                <a:cs typeface="Consolas" panose="020B0609020204030204" pitchFamily="49" charset="0"/>
+              </a:rPr>
+              <a:t>return </a:t>
+            </a:r>
+            <a:r>
+              <a:rPr lang="zh-CN" altLang="zh-CN" sz="2000" dirty="0">
+                <a:latin typeface="Consolas" panose="020B0609020204030204" pitchFamily="49" charset="0"/>
+                <a:cs typeface="Consolas" panose="020B0609020204030204" pitchFamily="49" charset="0"/>
+              </a:rPr>
+              <a:t>mService.rxRequestUsers().</a:t>
+            </a:r>
+            <a:r>
+              <a:rPr lang="zh-CN" altLang="zh-CN" sz="2000" dirty="0">
+                <a:solidFill>
+                  <a:srgbClr val="000000"/>
+                </a:solidFill>
+                <a:latin typeface="Consolas" panose="020B0609020204030204" pitchFamily="49" charset="0"/>
+                <a:cs typeface="Consolas" panose="020B0609020204030204" pitchFamily="49" charset="0"/>
+              </a:rPr>
+              <a:t>concatMap(Observable::from)</a:t>
+            </a:r>
+            <a:br>
+              <a:rPr lang="zh-CN" altLang="zh-CN" sz="2000" dirty="0">
+                <a:solidFill>
+                  <a:srgbClr val="000000"/>
+                </a:solidFill>
+                <a:latin typeface="Consolas" panose="020B0609020204030204" pitchFamily="49" charset="0"/>
+                <a:cs typeface="Consolas" panose="020B0609020204030204" pitchFamily="49" charset="0"/>
+              </a:rPr>
+            </a:br>
+            <a:r>
+              <a:rPr lang="zh-CN" altLang="zh-CN" sz="2000" dirty="0">
+                <a:solidFill>
+                  <a:srgbClr val="000000"/>
+                </a:solidFill>
+                <a:latin typeface="Consolas" panose="020B0609020204030204" pitchFamily="49" charset="0"/>
+                <a:cs typeface="Consolas" panose="020B0609020204030204" pitchFamily="49" charset="0"/>
+              </a:rPr>
+              <a:t>      .concatMap((GithubUser githubUser) -&gt;</a:t>
+            </a:r>
+            <a:br>
+              <a:rPr lang="zh-CN" altLang="zh-CN" sz="2000" dirty="0">
+                <a:solidFill>
+                  <a:srgbClr val="000000"/>
+                </a:solidFill>
+                <a:latin typeface="Consolas" panose="020B0609020204030204" pitchFamily="49" charset="0"/>
+                <a:cs typeface="Consolas" panose="020B0609020204030204" pitchFamily="49" charset="0"/>
+              </a:rPr>
+            </a:br>
+            <a:r>
+              <a:rPr lang="zh-CN" altLang="zh-CN" sz="2000" dirty="0">
+                <a:solidFill>
+                  <a:srgbClr val="000000"/>
+                </a:solidFill>
+                <a:latin typeface="Consolas" panose="020B0609020204030204" pitchFamily="49" charset="0"/>
+                <a:cs typeface="Consolas" panose="020B0609020204030204" pitchFamily="49" charset="0"/>
+              </a:rPr>
+              <a:t>                     </a:t>
+            </a:r>
+            <a:r>
+              <a:rPr lang="zh-CN" altLang="zh-CN" sz="2000" i="1" dirty="0">
+                <a:solidFill>
+                  <a:srgbClr val="808080"/>
+                </a:solidFill>
+                <a:latin typeface="Consolas" panose="020B0609020204030204" pitchFamily="49" charset="0"/>
+                <a:cs typeface="Consolas" panose="020B0609020204030204" pitchFamily="49" charset="0"/>
+              </a:rPr>
+              <a:t>//request the details for each user</a:t>
+            </a:r>
+            <a:br>
+              <a:rPr lang="zh-CN" altLang="zh-CN" sz="2000" i="1" dirty="0">
+                <a:solidFill>
+                  <a:srgbClr val="808080"/>
+                </a:solidFill>
+                <a:latin typeface="Consolas" panose="020B0609020204030204" pitchFamily="49" charset="0"/>
+                <a:cs typeface="Consolas" panose="020B0609020204030204" pitchFamily="49" charset="0"/>
+              </a:rPr>
+            </a:br>
+            <a:r>
+              <a:rPr lang="zh-CN" altLang="zh-CN" sz="2000" dirty="0">
+                <a:solidFill>
+                  <a:srgbClr val="000000"/>
+                </a:solidFill>
+                <a:latin typeface="Consolas" panose="020B0609020204030204" pitchFamily="49" charset="0"/>
+                <a:cs typeface="Consolas" panose="020B0609020204030204" pitchFamily="49" charset="0"/>
+              </a:rPr>
+              <a:t/>
+            </a:r>
+            <a:br>
+              <a:rPr lang="zh-CN" altLang="zh-CN" sz="2000" dirty="0">
+                <a:solidFill>
+                  <a:srgbClr val="000000"/>
+                </a:solidFill>
+                <a:latin typeface="Consolas" panose="020B0609020204030204" pitchFamily="49" charset="0"/>
+                <a:cs typeface="Consolas" panose="020B0609020204030204" pitchFamily="49" charset="0"/>
+              </a:rPr>
+            </a:br>
+            <a:r>
+              <a:rPr lang="zh-CN" altLang="zh-CN" sz="2000" dirty="0">
+                <a:solidFill>
+                  <a:srgbClr val="000000"/>
+                </a:solidFill>
+                <a:latin typeface="Consolas" panose="020B0609020204030204" pitchFamily="49" charset="0"/>
+                <a:cs typeface="Consolas" panose="020B0609020204030204" pitchFamily="49" charset="0"/>
+              </a:rPr>
+              <a:t>      </a:t>
+            </a:r>
+            <a:r>
+              <a:rPr lang="zh-CN" altLang="zh-CN" sz="2000" dirty="0" smtClean="0">
+                <a:solidFill>
+                  <a:srgbClr val="000000"/>
+                </a:solidFill>
+                <a:latin typeface="Consolas" panose="020B0609020204030204" pitchFamily="49" charset="0"/>
+                <a:cs typeface="Consolas" panose="020B0609020204030204" pitchFamily="49" charset="0"/>
+              </a:rPr>
+              <a:t>)</a:t>
+            </a:r>
+            <a:r>
+              <a:rPr lang="zh-CN" altLang="zh-CN" sz="2000" dirty="0">
+                <a:latin typeface="Consolas" panose="020B0609020204030204" pitchFamily="49" charset="0"/>
+                <a:cs typeface="Consolas" panose="020B0609020204030204" pitchFamily="49" charset="0"/>
+              </a:rPr>
+              <a:t> mService.rxRequestUserDetails(githubUser.mLogin)</a:t>
+            </a:r>
+            <a:r>
+              <a:rPr lang="zh-CN" altLang="zh-CN" sz="2000" dirty="0">
+                <a:solidFill>
+                  <a:srgbClr val="000000"/>
+                </a:solidFill>
+                <a:latin typeface="Consolas" panose="020B0609020204030204" pitchFamily="49" charset="0"/>
+                <a:cs typeface="Consolas" panose="020B0609020204030204" pitchFamily="49" charset="0"/>
+              </a:rPr>
+              <a:t/>
+            </a:r>
+            <a:br>
+              <a:rPr lang="zh-CN" altLang="zh-CN" sz="2000" dirty="0">
+                <a:solidFill>
+                  <a:srgbClr val="000000"/>
+                </a:solidFill>
+                <a:latin typeface="Consolas" panose="020B0609020204030204" pitchFamily="49" charset="0"/>
+                <a:cs typeface="Consolas" panose="020B0609020204030204" pitchFamily="49" charset="0"/>
+              </a:rPr>
+            </a:br>
+            <a:r>
+              <a:rPr lang="zh-CN" altLang="zh-CN" sz="2000" i="1" dirty="0">
+                <a:solidFill>
+                  <a:srgbClr val="808080"/>
+                </a:solidFill>
+                <a:latin typeface="Consolas" panose="020B0609020204030204" pitchFamily="49" charset="0"/>
+                <a:cs typeface="Consolas" panose="020B0609020204030204" pitchFamily="49" charset="0"/>
+              </a:rPr>
+              <a:t>//accumulate them as a list</a:t>
+            </a:r>
+            <a:br>
+              <a:rPr lang="zh-CN" altLang="zh-CN" sz="2000" i="1" dirty="0">
+                <a:solidFill>
+                  <a:srgbClr val="808080"/>
+                </a:solidFill>
+                <a:latin typeface="Consolas" panose="020B0609020204030204" pitchFamily="49" charset="0"/>
+                <a:cs typeface="Consolas" panose="020B0609020204030204" pitchFamily="49" charset="0"/>
+              </a:rPr>
+            </a:br>
+            <a:r>
+              <a:rPr lang="zh-CN" altLang="zh-CN" sz="2000" i="1" dirty="0">
+                <a:solidFill>
+                  <a:srgbClr val="808080"/>
+                </a:solidFill>
+                <a:latin typeface="Consolas" panose="020B0609020204030204" pitchFamily="49" charset="0"/>
+                <a:cs typeface="Consolas" panose="020B0609020204030204" pitchFamily="49" charset="0"/>
+              </a:rPr>
+              <a:t>      </a:t>
+            </a:r>
+            <a:r>
+              <a:rPr lang="zh-CN" altLang="zh-CN" sz="2000" dirty="0">
+                <a:solidFill>
+                  <a:srgbClr val="000000"/>
+                </a:solidFill>
+                <a:latin typeface="Consolas" panose="020B0609020204030204" pitchFamily="49" charset="0"/>
+                <a:cs typeface="Consolas" panose="020B0609020204030204" pitchFamily="49" charset="0"/>
+              </a:rPr>
+              <a:t>.toList()</a:t>
+            </a:r>
+            <a:br>
+              <a:rPr lang="zh-CN" altLang="zh-CN" sz="2000" dirty="0">
+                <a:solidFill>
+                  <a:srgbClr val="000000"/>
+                </a:solidFill>
+                <a:latin typeface="Consolas" panose="020B0609020204030204" pitchFamily="49" charset="0"/>
+                <a:cs typeface="Consolas" panose="020B0609020204030204" pitchFamily="49" charset="0"/>
+              </a:rPr>
+            </a:br>
+            <a:r>
+              <a:rPr lang="zh-CN" altLang="zh-CN" sz="2000" dirty="0">
+                <a:solidFill>
+                  <a:srgbClr val="000000"/>
+                </a:solidFill>
+                <a:latin typeface="Consolas" panose="020B0609020204030204" pitchFamily="49" charset="0"/>
+                <a:cs typeface="Consolas" panose="020B0609020204030204" pitchFamily="49" charset="0"/>
+              </a:rPr>
+              <a:t>      </a:t>
+            </a:r>
+            <a:r>
+              <a:rPr lang="zh-CN" altLang="zh-CN" sz="2000" dirty="0">
                 <a:solidFill>
                   <a:srgbClr val="FF0000"/>
                 </a:solidFill>
-              </a:rPr>
-              <a:t>怎样实现异步</a:t>
-            </a:r>
-            <a:r>
-              <a:rPr lang="zh-CN" altLang="en-US" sz="2400" dirty="0"/>
-              <a:t>的</a:t>
-            </a:r>
-            <a:r>
-              <a:rPr lang="zh-CN" altLang="en-US" sz="2400" dirty="0" smtClean="0"/>
-              <a:t>。</a:t>
-            </a:r>
-            <a:endParaRPr lang="en-US" altLang="zh-CN" sz="2400" dirty="0" smtClean="0"/>
-          </a:p>
-          <a:p>
-            <a:r>
-              <a:rPr lang="zh-CN" altLang="en-US" sz="2400" dirty="0"/>
-              <a:t>这就属于</a:t>
-            </a:r>
-            <a:r>
-              <a:rPr lang="en-US" altLang="zh-CN" sz="2400" dirty="0"/>
-              <a:t>FRP</a:t>
-            </a:r>
-            <a:r>
-              <a:rPr lang="zh-CN" altLang="en-US" sz="2400" dirty="0"/>
-              <a:t>编程模型如何调用</a:t>
-            </a:r>
-            <a:r>
-              <a:rPr lang="en-US" altLang="zh-CN" sz="2400" dirty="0"/>
-              <a:t>Scheduler</a:t>
-            </a:r>
-            <a:r>
-              <a:rPr lang="zh-CN" altLang="en-US" sz="2400" dirty="0"/>
-              <a:t>的范畴了－该策略定义了</a:t>
-            </a:r>
-            <a:r>
-              <a:rPr lang="en-US" altLang="zh-CN" sz="2400" dirty="0"/>
-              <a:t>Observable</a:t>
-            </a:r>
-            <a:r>
-              <a:rPr lang="zh-CN" altLang="en-US" sz="2400" dirty="0"/>
-              <a:t>流事件在哪个线程中发生，以及订阅者在哪个线程消费 </a:t>
-            </a:r>
-            <a:r>
-              <a:rPr lang="en-US" altLang="zh-CN" sz="2400" dirty="0"/>
-              <a:t>Observable</a:t>
-            </a:r>
-            <a:r>
-              <a:rPr lang="zh-CN" altLang="en-US" sz="2400" dirty="0"/>
-              <a:t>的处理结果。在</a:t>
-            </a:r>
-            <a:r>
-              <a:rPr lang="en-US" altLang="zh-CN" sz="2400" dirty="0"/>
-              <a:t>web service</a:t>
-            </a:r>
-            <a:r>
-              <a:rPr lang="zh-CN" altLang="en-US" sz="2400" dirty="0"/>
-              <a:t>例子中，我们希望请求在后台线程中进行，而订阅行为发生在主</a:t>
-            </a:r>
-            <a:r>
-              <a:rPr lang="zh-CN" altLang="en-US" sz="2400" dirty="0" smtClean="0"/>
-              <a:t>线程中。</a:t>
-            </a:r>
-            <a:endParaRPr lang="zh-CN" altLang="en-US" sz="2400" dirty="0"/>
+                <a:latin typeface="Consolas" panose="020B0609020204030204" pitchFamily="49" charset="0"/>
+                <a:cs typeface="Consolas" panose="020B0609020204030204" pitchFamily="49" charset="0"/>
+              </a:rPr>
+              <a:t>.subscribeOn(Schedulers.newThread())</a:t>
+            </a:r>
+            <a:br>
+              <a:rPr lang="zh-CN" altLang="zh-CN" sz="2000" dirty="0">
+                <a:solidFill>
+                  <a:srgbClr val="FF0000"/>
+                </a:solidFill>
+                <a:latin typeface="Consolas" panose="020B0609020204030204" pitchFamily="49" charset="0"/>
+                <a:cs typeface="Consolas" panose="020B0609020204030204" pitchFamily="49" charset="0"/>
+              </a:rPr>
+            </a:br>
+            <a:r>
+              <a:rPr lang="zh-CN" altLang="zh-CN" sz="2000" dirty="0">
+                <a:solidFill>
+                  <a:srgbClr val="FF0000"/>
+                </a:solidFill>
+                <a:latin typeface="Consolas" panose="020B0609020204030204" pitchFamily="49" charset="0"/>
+                <a:cs typeface="Consolas" panose="020B0609020204030204" pitchFamily="49" charset="0"/>
+              </a:rPr>
+              <a:t>      .observeOn(AndroidSchedulers.mainThread());</a:t>
+            </a:r>
+            <a:r>
+              <a:rPr lang="zh-CN" altLang="zh-CN" sz="2000" dirty="0">
+                <a:solidFill>
+                  <a:srgbClr val="000000"/>
+                </a:solidFill>
+                <a:latin typeface="Consolas" panose="020B0609020204030204" pitchFamily="49" charset="0"/>
+                <a:cs typeface="Consolas" panose="020B0609020204030204" pitchFamily="49" charset="0"/>
+              </a:rPr>
+              <a:t/>
+            </a:r>
+            <a:br>
+              <a:rPr lang="zh-CN" altLang="zh-CN" sz="2000" dirty="0">
+                <a:solidFill>
+                  <a:srgbClr val="000000"/>
+                </a:solidFill>
+                <a:latin typeface="Consolas" panose="020B0609020204030204" pitchFamily="49" charset="0"/>
+                <a:cs typeface="Consolas" panose="020B0609020204030204" pitchFamily="49" charset="0"/>
+              </a:rPr>
+            </a:br>
+            <a:r>
+              <a:rPr lang="zh-CN" altLang="zh-CN" sz="2000" dirty="0">
+                <a:solidFill>
+                  <a:srgbClr val="000000"/>
+                </a:solidFill>
+                <a:latin typeface="Consolas" panose="020B0609020204030204" pitchFamily="49" charset="0"/>
+                <a:cs typeface="Consolas" panose="020B0609020204030204" pitchFamily="49" charset="0"/>
+              </a:rPr>
+              <a:t>}</a:t>
+            </a:r>
+            <a:endParaRPr lang="zh-CN" altLang="en-US" sz="2000" dirty="0"/>
           </a:p>
         </p:txBody>
       </p:sp>
@@ -20494,7 +20744,7 @@
     </p:spTree>
     <p:extLst>
       <p:ext uri="{BB962C8B-B14F-4D97-AF65-F5344CB8AC3E}">
-        <p14:creationId xmlns:p14="http://schemas.microsoft.com/office/powerpoint/2010/main" val="2425274494"/>
+        <p14:creationId xmlns:p14="http://schemas.microsoft.com/office/powerpoint/2010/main" val="1129204305"/>
       </p:ext>
     </p:extLst>
   </p:cSld>
@@ -20504,6 +20754,13 @@
   <p:transition>
     <p:wipe dir="d"/>
   </p:transition>
+  <p:timing>
+    <p:tnLst>
+      <p:par>
+        <p:cTn id="1" dur="indefinite" restart="never" nodeType="tmRoot"/>
+      </p:par>
+    </p:tnLst>
+  </p:timing>
 </p:sld>
 </file>
 
@@ -20536,8 +20793,8 @@
         </p:nvSpPr>
         <p:spPr>
           <a:xfrm>
-            <a:off x="26260" y="692696"/>
-            <a:ext cx="9117740" cy="5832648"/>
+            <a:off x="0" y="692696"/>
+            <a:ext cx="9036496" cy="5663654"/>
           </a:xfrm>
         </p:spPr>
         <p:txBody>
@@ -20545,339 +20802,345 @@
           <a:lstStyle/>
           <a:p>
             <a:r>
-              <a:rPr lang="zh-CN" altLang="zh-CN" sz="2000" b="1" dirty="0">
-                <a:solidFill>
-                  <a:srgbClr val="000080"/>
-                </a:solidFill>
-                <a:latin typeface="Consolas" panose="020B0609020204030204" pitchFamily="49" charset="0"/>
-                <a:cs typeface="Consolas" panose="020B0609020204030204" pitchFamily="49" charset="0"/>
-              </a:rPr>
-              <a:t>public </a:t>
-            </a:r>
-            <a:r>
-              <a:rPr lang="zh-CN" altLang="zh-CN" sz="2000" dirty="0">
-                <a:solidFill>
-                  <a:srgbClr val="000000"/>
-                </a:solidFill>
-                <a:latin typeface="Consolas" panose="020B0609020204030204" pitchFamily="49" charset="0"/>
-                <a:cs typeface="Consolas" panose="020B0609020204030204" pitchFamily="49" charset="0"/>
-              </a:rPr>
-              <a:t>Observable&lt;List&lt;GithubUserDetail&gt;&gt; rxFetchUserDetails() {</a:t>
-            </a:r>
-            <a:br>
-              <a:rPr lang="zh-CN" altLang="zh-CN" sz="2000" dirty="0">
-                <a:solidFill>
-                  <a:srgbClr val="000000"/>
-                </a:solidFill>
-                <a:latin typeface="Consolas" panose="020B0609020204030204" pitchFamily="49" charset="0"/>
-                <a:cs typeface="Consolas" panose="020B0609020204030204" pitchFamily="49" charset="0"/>
-              </a:rPr>
-            </a:br>
-            <a:r>
-              <a:rPr lang="zh-CN" altLang="zh-CN" sz="2000" dirty="0">
-                <a:solidFill>
-                  <a:srgbClr val="000000"/>
-                </a:solidFill>
-                <a:latin typeface="Consolas" panose="020B0609020204030204" pitchFamily="49" charset="0"/>
-                <a:cs typeface="Consolas" panose="020B0609020204030204" pitchFamily="49" charset="0"/>
-              </a:rPr>
-              <a:t>  </a:t>
-            </a:r>
-            <a:r>
-              <a:rPr lang="zh-CN" altLang="zh-CN" sz="2000" i="1" dirty="0">
-                <a:solidFill>
-                  <a:srgbClr val="808080"/>
-                </a:solidFill>
-                <a:latin typeface="Consolas" panose="020B0609020204030204" pitchFamily="49" charset="0"/>
-                <a:cs typeface="Consolas" panose="020B0609020204030204" pitchFamily="49" charset="0"/>
-              </a:rPr>
-              <a:t>//request the users</a:t>
-            </a:r>
-            <a:br>
-              <a:rPr lang="zh-CN" altLang="zh-CN" sz="2000" i="1" dirty="0">
-                <a:solidFill>
-                  <a:srgbClr val="808080"/>
-                </a:solidFill>
-                <a:latin typeface="Consolas" panose="020B0609020204030204" pitchFamily="49" charset="0"/>
-                <a:cs typeface="Consolas" panose="020B0609020204030204" pitchFamily="49" charset="0"/>
-              </a:rPr>
-            </a:br>
-            <a:r>
-              <a:rPr lang="zh-CN" altLang="zh-CN" sz="2000" i="1" dirty="0">
-                <a:solidFill>
-                  <a:srgbClr val="808080"/>
-                </a:solidFill>
-                <a:latin typeface="Consolas" panose="020B0609020204030204" pitchFamily="49" charset="0"/>
-                <a:cs typeface="Consolas" panose="020B0609020204030204" pitchFamily="49" charset="0"/>
-              </a:rPr>
-              <a:t>  </a:t>
-            </a:r>
-            <a:r>
-              <a:rPr lang="zh-CN" altLang="zh-CN" sz="2000" b="1" dirty="0">
-                <a:solidFill>
-                  <a:srgbClr val="000080"/>
-                </a:solidFill>
-                <a:latin typeface="Consolas" panose="020B0609020204030204" pitchFamily="49" charset="0"/>
-                <a:cs typeface="Consolas" panose="020B0609020204030204" pitchFamily="49" charset="0"/>
-              </a:rPr>
-              <a:t>return </a:t>
-            </a:r>
-            <a:r>
-              <a:rPr lang="zh-CN" altLang="zh-CN" sz="2000" dirty="0">
-                <a:latin typeface="Consolas" panose="020B0609020204030204" pitchFamily="49" charset="0"/>
-                <a:cs typeface="Consolas" panose="020B0609020204030204" pitchFamily="49" charset="0"/>
-              </a:rPr>
-              <a:t>mService.rxRequestUsers().</a:t>
-            </a:r>
-            <a:r>
-              <a:rPr lang="zh-CN" altLang="zh-CN" sz="2000" dirty="0">
-                <a:solidFill>
-                  <a:srgbClr val="000000"/>
-                </a:solidFill>
-                <a:latin typeface="Consolas" panose="020B0609020204030204" pitchFamily="49" charset="0"/>
-                <a:cs typeface="Consolas" panose="020B0609020204030204" pitchFamily="49" charset="0"/>
-              </a:rPr>
-              <a:t>concatMap(Observable::from)</a:t>
-            </a:r>
-            <a:br>
-              <a:rPr lang="zh-CN" altLang="zh-CN" sz="2000" dirty="0">
-                <a:solidFill>
-                  <a:srgbClr val="000000"/>
-                </a:solidFill>
-                <a:latin typeface="Consolas" panose="020B0609020204030204" pitchFamily="49" charset="0"/>
-                <a:cs typeface="Consolas" panose="020B0609020204030204" pitchFamily="49" charset="0"/>
-              </a:rPr>
-            </a:br>
-            <a:r>
-              <a:rPr lang="zh-CN" altLang="zh-CN" sz="2000" dirty="0">
-                <a:solidFill>
-                  <a:srgbClr val="000000"/>
-                </a:solidFill>
-                <a:latin typeface="Consolas" panose="020B0609020204030204" pitchFamily="49" charset="0"/>
-                <a:cs typeface="Consolas" panose="020B0609020204030204" pitchFamily="49" charset="0"/>
-              </a:rPr>
-              <a:t>      .concatMap((GithubUser githubUser) -&gt;</a:t>
-            </a:r>
-            <a:br>
-              <a:rPr lang="zh-CN" altLang="zh-CN" sz="2000" dirty="0">
-                <a:solidFill>
-                  <a:srgbClr val="000000"/>
-                </a:solidFill>
-                <a:latin typeface="Consolas" panose="020B0609020204030204" pitchFamily="49" charset="0"/>
-                <a:cs typeface="Consolas" panose="020B0609020204030204" pitchFamily="49" charset="0"/>
-              </a:rPr>
-            </a:br>
-            <a:r>
-              <a:rPr lang="zh-CN" altLang="zh-CN" sz="2000" dirty="0">
-                <a:solidFill>
-                  <a:srgbClr val="000000"/>
-                </a:solidFill>
-                <a:latin typeface="Consolas" panose="020B0609020204030204" pitchFamily="49" charset="0"/>
-                <a:cs typeface="Consolas" panose="020B0609020204030204" pitchFamily="49" charset="0"/>
-              </a:rPr>
-              <a:t>                     </a:t>
-            </a:r>
-            <a:r>
-              <a:rPr lang="zh-CN" altLang="zh-CN" sz="2000" i="1" dirty="0">
-                <a:solidFill>
-                  <a:srgbClr val="808080"/>
-                </a:solidFill>
-                <a:latin typeface="Consolas" panose="020B0609020204030204" pitchFamily="49" charset="0"/>
-                <a:cs typeface="Consolas" panose="020B0609020204030204" pitchFamily="49" charset="0"/>
-              </a:rPr>
-              <a:t>//request the details for each user</a:t>
-            </a:r>
-            <a:br>
-              <a:rPr lang="zh-CN" altLang="zh-CN" sz="2000" i="1" dirty="0">
-                <a:solidFill>
-                  <a:srgbClr val="808080"/>
-                </a:solidFill>
-                <a:latin typeface="Consolas" panose="020B0609020204030204" pitchFamily="49" charset="0"/>
-                <a:cs typeface="Consolas" panose="020B0609020204030204" pitchFamily="49" charset="0"/>
-              </a:rPr>
-            </a:br>
-            <a:r>
-              <a:rPr lang="zh-CN" altLang="zh-CN" sz="2000" dirty="0">
-                <a:solidFill>
-                  <a:srgbClr val="000000"/>
-                </a:solidFill>
-                <a:latin typeface="Consolas" panose="020B0609020204030204" pitchFamily="49" charset="0"/>
-                <a:cs typeface="Consolas" panose="020B0609020204030204" pitchFamily="49" charset="0"/>
-              </a:rPr>
-              <a:t/>
-            </a:r>
-            <a:br>
-              <a:rPr lang="zh-CN" altLang="zh-CN" sz="2000" dirty="0">
-                <a:solidFill>
-                  <a:srgbClr val="000000"/>
-                </a:solidFill>
-                <a:latin typeface="Consolas" panose="020B0609020204030204" pitchFamily="49" charset="0"/>
-                <a:cs typeface="Consolas" panose="020B0609020204030204" pitchFamily="49" charset="0"/>
-              </a:rPr>
-            </a:br>
-            <a:r>
-              <a:rPr lang="zh-CN" altLang="zh-CN" sz="2000" dirty="0">
-                <a:solidFill>
-                  <a:srgbClr val="000000"/>
-                </a:solidFill>
-                <a:latin typeface="Consolas" panose="020B0609020204030204" pitchFamily="49" charset="0"/>
-                <a:cs typeface="Consolas" panose="020B0609020204030204" pitchFamily="49" charset="0"/>
-              </a:rPr>
-              <a:t>      </a:t>
-            </a:r>
-            <a:r>
-              <a:rPr lang="zh-CN" altLang="zh-CN" sz="2000" dirty="0" smtClean="0">
-                <a:solidFill>
-                  <a:srgbClr val="000000"/>
-                </a:solidFill>
-                <a:latin typeface="Consolas" panose="020B0609020204030204" pitchFamily="49" charset="0"/>
-                <a:cs typeface="Consolas" panose="020B0609020204030204" pitchFamily="49" charset="0"/>
-              </a:rPr>
-              <a:t>)</a:t>
-            </a:r>
-            <a:r>
-              <a:rPr lang="zh-CN" altLang="zh-CN" sz="2000" dirty="0">
-                <a:latin typeface="Consolas" panose="020B0609020204030204" pitchFamily="49" charset="0"/>
-                <a:cs typeface="Consolas" panose="020B0609020204030204" pitchFamily="49" charset="0"/>
-              </a:rPr>
-              <a:t> mService.rxRequestUserDetails(githubUser.mLogin)</a:t>
-            </a:r>
-            <a:r>
-              <a:rPr lang="zh-CN" altLang="zh-CN" sz="2000" dirty="0">
-                <a:solidFill>
-                  <a:srgbClr val="000000"/>
-                </a:solidFill>
-                <a:latin typeface="Consolas" panose="020B0609020204030204" pitchFamily="49" charset="0"/>
-                <a:cs typeface="Consolas" panose="020B0609020204030204" pitchFamily="49" charset="0"/>
-              </a:rPr>
-              <a:t/>
-            </a:r>
-            <a:br>
-              <a:rPr lang="zh-CN" altLang="zh-CN" sz="2000" dirty="0">
-                <a:solidFill>
-                  <a:srgbClr val="000000"/>
-                </a:solidFill>
-                <a:latin typeface="Consolas" panose="020B0609020204030204" pitchFamily="49" charset="0"/>
-                <a:cs typeface="Consolas" panose="020B0609020204030204" pitchFamily="49" charset="0"/>
-              </a:rPr>
-            </a:br>
-            <a:r>
-              <a:rPr lang="zh-CN" altLang="zh-CN" sz="2000" i="1" dirty="0">
-                <a:solidFill>
-                  <a:srgbClr val="808080"/>
-                </a:solidFill>
-                <a:latin typeface="Consolas" panose="020B0609020204030204" pitchFamily="49" charset="0"/>
-                <a:cs typeface="Consolas" panose="020B0609020204030204" pitchFamily="49" charset="0"/>
-              </a:rPr>
-              <a:t>//accumulate them as a list</a:t>
-            </a:r>
-            <a:br>
-              <a:rPr lang="zh-CN" altLang="zh-CN" sz="2000" i="1" dirty="0">
-                <a:solidFill>
-                  <a:srgbClr val="808080"/>
-                </a:solidFill>
-                <a:latin typeface="Consolas" panose="020B0609020204030204" pitchFamily="49" charset="0"/>
-                <a:cs typeface="Consolas" panose="020B0609020204030204" pitchFamily="49" charset="0"/>
-              </a:rPr>
-            </a:br>
-            <a:r>
-              <a:rPr lang="zh-CN" altLang="zh-CN" sz="2000" i="1" dirty="0">
-                <a:solidFill>
-                  <a:srgbClr val="808080"/>
-                </a:solidFill>
-                <a:latin typeface="Consolas" panose="020B0609020204030204" pitchFamily="49" charset="0"/>
-                <a:cs typeface="Consolas" panose="020B0609020204030204" pitchFamily="49" charset="0"/>
-              </a:rPr>
-              <a:t>      </a:t>
-            </a:r>
-            <a:r>
-              <a:rPr lang="zh-CN" altLang="zh-CN" sz="2000" dirty="0">
-                <a:solidFill>
-                  <a:srgbClr val="000000"/>
-                </a:solidFill>
-                <a:latin typeface="Consolas" panose="020B0609020204030204" pitchFamily="49" charset="0"/>
-                <a:cs typeface="Consolas" panose="020B0609020204030204" pitchFamily="49" charset="0"/>
-              </a:rPr>
-              <a:t>.toList()</a:t>
-            </a:r>
-            <a:br>
-              <a:rPr lang="zh-CN" altLang="zh-CN" sz="2000" dirty="0">
-                <a:solidFill>
-                  <a:srgbClr val="000000"/>
-                </a:solidFill>
-                <a:latin typeface="Consolas" panose="020B0609020204030204" pitchFamily="49" charset="0"/>
-                <a:cs typeface="Consolas" panose="020B0609020204030204" pitchFamily="49" charset="0"/>
-              </a:rPr>
-            </a:br>
-            <a:r>
-              <a:rPr lang="zh-CN" altLang="zh-CN" sz="2000" dirty="0">
-                <a:solidFill>
-                  <a:srgbClr val="000000"/>
-                </a:solidFill>
-                <a:latin typeface="Consolas" panose="020B0609020204030204" pitchFamily="49" charset="0"/>
-                <a:cs typeface="Consolas" panose="020B0609020204030204" pitchFamily="49" charset="0"/>
-              </a:rPr>
-              <a:t>      </a:t>
-            </a:r>
-            <a:r>
-              <a:rPr lang="zh-CN" altLang="zh-CN" sz="2000" dirty="0">
+              <a:rPr lang="zh-CN" altLang="en-US" sz="1800" dirty="0"/>
+              <a:t>下面是可能会用到</a:t>
+            </a:r>
+            <a:r>
+              <a:rPr lang="en-US" altLang="zh-CN" sz="1800" dirty="0"/>
+              <a:t>Scheduler</a:t>
+            </a:r>
+            <a:r>
+              <a:rPr lang="zh-CN" altLang="en-US" sz="1800" dirty="0" smtClean="0"/>
+              <a:t>：</a:t>
+            </a:r>
+            <a:endParaRPr lang="zh-CN" altLang="en-US" sz="1800" dirty="0"/>
+          </a:p>
+          <a:p>
+            <a:r>
+              <a:rPr lang="zh-CN" altLang="en-US" sz="1800" dirty="0">
                 <a:solidFill>
                   <a:srgbClr val="FF0000"/>
                 </a:solidFill>
-                <a:latin typeface="Consolas" panose="020B0609020204030204" pitchFamily="49" charset="0"/>
-                <a:cs typeface="Consolas" panose="020B0609020204030204" pitchFamily="49" charset="0"/>
-              </a:rPr>
-              <a:t>.subscribeOn(Schedulers.newThread())</a:t>
-            </a:r>
-            <a:br>
-              <a:rPr lang="zh-CN" altLang="zh-CN" sz="2000" dirty="0">
+              </a:rPr>
+              <a:t>    </a:t>
+            </a:r>
+            <a:r>
+              <a:rPr lang="en-US" altLang="zh-CN" sz="1800" dirty="0" err="1">
                 <a:solidFill>
                   <a:srgbClr val="FF0000"/>
                 </a:solidFill>
-                <a:latin typeface="Consolas" panose="020B0609020204030204" pitchFamily="49" charset="0"/>
-                <a:cs typeface="Consolas" panose="020B0609020204030204" pitchFamily="49" charset="0"/>
-              </a:rPr>
-            </a:br>
-            <a:r>
-              <a:rPr lang="zh-CN" altLang="zh-CN" sz="2000" dirty="0">
+              </a:rPr>
+              <a:t>Schedulers.computation</a:t>
+            </a:r>
+            <a:r>
+              <a:rPr lang="en-US" altLang="zh-CN" sz="1800" dirty="0">
                 <a:solidFill>
                   <a:srgbClr val="FF0000"/>
                 </a:solidFill>
-                <a:latin typeface="Consolas" panose="020B0609020204030204" pitchFamily="49" charset="0"/>
-                <a:cs typeface="Consolas" panose="020B0609020204030204" pitchFamily="49" charset="0"/>
-              </a:rPr>
-              <a:t>      .observeOn(AndroidSchedulers.mainThread());</a:t>
-            </a:r>
-            <a:r>
-              <a:rPr lang="zh-CN" altLang="zh-CN" sz="2000" dirty="0">
-                <a:solidFill>
-                  <a:srgbClr val="000000"/>
-                </a:solidFill>
-                <a:latin typeface="Consolas" panose="020B0609020204030204" pitchFamily="49" charset="0"/>
-                <a:cs typeface="Consolas" panose="020B0609020204030204" pitchFamily="49" charset="0"/>
-              </a:rPr>
-              <a:t/>
-            </a:r>
-            <a:br>
-              <a:rPr lang="zh-CN" altLang="zh-CN" sz="2000" dirty="0">
-                <a:solidFill>
-                  <a:srgbClr val="000000"/>
-                </a:solidFill>
-                <a:latin typeface="Consolas" panose="020B0609020204030204" pitchFamily="49" charset="0"/>
-                <a:cs typeface="Consolas" panose="020B0609020204030204" pitchFamily="49" charset="0"/>
-              </a:rPr>
-            </a:br>
-            <a:r>
-              <a:rPr lang="zh-CN" altLang="zh-CN" sz="2000" dirty="0">
-                <a:solidFill>
-                  <a:srgbClr val="000000"/>
-                </a:solidFill>
-                <a:latin typeface="Consolas" panose="020B0609020204030204" pitchFamily="49" charset="0"/>
-                <a:cs typeface="Consolas" panose="020B0609020204030204" pitchFamily="49" charset="0"/>
-              </a:rPr>
-              <a:t>}</a:t>
-            </a:r>
-            <a:endParaRPr lang="zh-CN" altLang="en-US" sz="2000" dirty="0"/>
+              </a:rPr>
+              <a:t>()</a:t>
+            </a:r>
+            <a:r>
+              <a:rPr lang="zh-CN" altLang="en-US" sz="1800" dirty="0">
+                <a:solidFill>
+                  <a:srgbClr val="FF0000"/>
+                </a:solidFill>
+              </a:rPr>
+              <a:t>：用于计算型工作例如事件循环和回调处理，不要在</a:t>
+            </a:r>
+            <a:r>
+              <a:rPr lang="en-US" altLang="zh-CN" sz="1800" dirty="0">
+                <a:solidFill>
+                  <a:srgbClr val="FF0000"/>
+                </a:solidFill>
+              </a:rPr>
+              <a:t>I/O</a:t>
+            </a:r>
+            <a:r>
+              <a:rPr lang="zh-CN" altLang="en-US" sz="1800" dirty="0">
+                <a:solidFill>
+                  <a:srgbClr val="FF0000"/>
+                </a:solidFill>
+              </a:rPr>
+              <a:t>中使用这个函数（应该使用</a:t>
+            </a:r>
+            <a:r>
+              <a:rPr lang="en-US" altLang="zh-CN" sz="1800" dirty="0">
+                <a:solidFill>
+                  <a:srgbClr val="FF0000"/>
+                </a:solidFill>
+              </a:rPr>
+              <a:t>Schedulers.io()</a:t>
+            </a:r>
+            <a:r>
+              <a:rPr lang="zh-CN" altLang="en-US" sz="1800" dirty="0">
+                <a:solidFill>
+                  <a:srgbClr val="FF0000"/>
+                </a:solidFill>
+              </a:rPr>
+              <a:t>函数）</a:t>
+            </a:r>
+            <a:r>
+              <a:rPr lang="zh-CN" altLang="en-US" sz="1800" dirty="0" smtClean="0">
+                <a:solidFill>
+                  <a:srgbClr val="FF0000"/>
+                </a:solidFill>
+              </a:rPr>
+              <a:t>；</a:t>
+            </a:r>
+            <a:endParaRPr lang="zh-CN" altLang="en-US" sz="1800" dirty="0">
+              <a:solidFill>
+                <a:srgbClr val="FF0000"/>
+              </a:solidFill>
+            </a:endParaRPr>
+          </a:p>
+          <a:p>
+            <a:r>
+              <a:rPr lang="zh-CN" altLang="en-US" sz="1800" dirty="0"/>
+              <a:t>    </a:t>
+            </a:r>
+            <a:r>
+              <a:rPr lang="en-US" altLang="zh-CN" sz="1800" dirty="0" err="1"/>
+              <a:t>Schedulers.from</a:t>
+            </a:r>
+            <a:r>
+              <a:rPr lang="en-US" altLang="zh-CN" sz="1800" dirty="0"/>
+              <a:t>(executor)</a:t>
+            </a:r>
+            <a:r>
+              <a:rPr lang="zh-CN" altLang="en-US" sz="1800" dirty="0"/>
+              <a:t>：使用指定的</a:t>
+            </a:r>
+            <a:r>
+              <a:rPr lang="en-US" altLang="zh-CN" sz="1800" dirty="0"/>
+              <a:t>Executor</a:t>
+            </a:r>
+            <a:r>
+              <a:rPr lang="zh-CN" altLang="en-US" sz="1800" dirty="0"/>
+              <a:t>作为</a:t>
+            </a:r>
+            <a:r>
+              <a:rPr lang="en-US" altLang="zh-CN" sz="1800" dirty="0"/>
+              <a:t>Scheduler</a:t>
+            </a:r>
+            <a:r>
+              <a:rPr lang="zh-CN" altLang="en-US" sz="1800" dirty="0" smtClean="0"/>
+              <a:t>；</a:t>
+            </a:r>
+            <a:endParaRPr lang="zh-CN" altLang="en-US" sz="1800" dirty="0"/>
+          </a:p>
+          <a:p>
+            <a:r>
+              <a:rPr lang="zh-CN" altLang="en-US" sz="1800" dirty="0"/>
+              <a:t>    </a:t>
+            </a:r>
+            <a:r>
+              <a:rPr lang="en-US" altLang="zh-CN" sz="1800" dirty="0" err="1"/>
+              <a:t>Schedulers.immediate</a:t>
+            </a:r>
+            <a:r>
+              <a:rPr lang="en-US" altLang="zh-CN" sz="1800" dirty="0"/>
+              <a:t>()</a:t>
+            </a:r>
+            <a:r>
+              <a:rPr lang="zh-CN" altLang="en-US" sz="1800" dirty="0"/>
+              <a:t>：在当前线程中立即开始执行任务</a:t>
+            </a:r>
+            <a:r>
+              <a:rPr lang="zh-CN" altLang="en-US" sz="1800" dirty="0" smtClean="0"/>
+              <a:t>；</a:t>
+            </a:r>
+            <a:endParaRPr lang="zh-CN" altLang="en-US" sz="1800" dirty="0"/>
+          </a:p>
+          <a:p>
+            <a:r>
+              <a:rPr lang="zh-CN" altLang="en-US" sz="1800" dirty="0">
+                <a:solidFill>
+                  <a:srgbClr val="FF0000"/>
+                </a:solidFill>
+              </a:rPr>
+              <a:t>    </a:t>
+            </a:r>
+            <a:r>
+              <a:rPr lang="en-US" altLang="zh-CN" sz="1800" dirty="0">
+                <a:solidFill>
+                  <a:srgbClr val="FF0000"/>
+                </a:solidFill>
+              </a:rPr>
+              <a:t>Schedulers.io()</a:t>
+            </a:r>
+            <a:r>
+              <a:rPr lang="zh-CN" altLang="en-US" sz="1800" dirty="0">
+                <a:solidFill>
+                  <a:srgbClr val="FF0000"/>
+                </a:solidFill>
+              </a:rPr>
+              <a:t>：用于</a:t>
+            </a:r>
+            <a:r>
+              <a:rPr lang="en-US" altLang="zh-CN" sz="1800" dirty="0">
+                <a:solidFill>
+                  <a:srgbClr val="FF0000"/>
+                </a:solidFill>
+              </a:rPr>
+              <a:t>I/O</a:t>
+            </a:r>
+            <a:r>
+              <a:rPr lang="zh-CN" altLang="en-US" sz="1800" dirty="0">
+                <a:solidFill>
+                  <a:srgbClr val="FF0000"/>
+                </a:solidFill>
+              </a:rPr>
+              <a:t>密集型工作例如阻塞</a:t>
+            </a:r>
+            <a:r>
+              <a:rPr lang="en-US" altLang="zh-CN" sz="1800" dirty="0">
+                <a:solidFill>
+                  <a:srgbClr val="FF0000"/>
+                </a:solidFill>
+              </a:rPr>
+              <a:t>I/O</a:t>
+            </a:r>
+            <a:r>
+              <a:rPr lang="zh-CN" altLang="en-US" sz="1800" dirty="0">
+                <a:solidFill>
+                  <a:srgbClr val="FF0000"/>
+                </a:solidFill>
+              </a:rPr>
+              <a:t>的异步操作，这个调度器由一个会随需增长的线程池支持；对于一般的计算工作，使用</a:t>
+            </a:r>
+            <a:r>
+              <a:rPr lang="en-US" altLang="zh-CN" sz="1800" dirty="0" err="1">
+                <a:solidFill>
+                  <a:srgbClr val="FF0000"/>
+                </a:solidFill>
+              </a:rPr>
+              <a:t>Schedulers.computation</a:t>
+            </a:r>
+            <a:r>
+              <a:rPr lang="en-US" altLang="zh-CN" sz="1800" dirty="0">
+                <a:solidFill>
+                  <a:srgbClr val="FF0000"/>
+                </a:solidFill>
+              </a:rPr>
+              <a:t>()</a:t>
+            </a:r>
+            <a:r>
+              <a:rPr lang="zh-CN" altLang="en-US" sz="1800" dirty="0" smtClean="0">
+                <a:solidFill>
+                  <a:srgbClr val="FF0000"/>
+                </a:solidFill>
+              </a:rPr>
+              <a:t>；</a:t>
+            </a:r>
+            <a:endParaRPr lang="zh-CN" altLang="en-US" sz="1800" dirty="0">
+              <a:solidFill>
+                <a:srgbClr val="FF0000"/>
+              </a:solidFill>
+            </a:endParaRPr>
+          </a:p>
+          <a:p>
+            <a:r>
+              <a:rPr lang="zh-CN" altLang="en-US" sz="1800" dirty="0"/>
+              <a:t>    </a:t>
+            </a:r>
+            <a:r>
+              <a:rPr lang="en-US" altLang="zh-CN" sz="1800" dirty="0" err="1"/>
+              <a:t>Schedulers.newThread</a:t>
+            </a:r>
+            <a:r>
+              <a:rPr lang="en-US" altLang="zh-CN" sz="1800" dirty="0"/>
+              <a:t>()</a:t>
+            </a:r>
+            <a:r>
+              <a:rPr lang="zh-CN" altLang="en-US" sz="1800" dirty="0"/>
+              <a:t>：为每个工作单元创建一个新的线程</a:t>
+            </a:r>
+            <a:r>
+              <a:rPr lang="zh-CN" altLang="en-US" sz="1800" dirty="0" smtClean="0"/>
+              <a:t>；</a:t>
+            </a:r>
+            <a:endParaRPr lang="zh-CN" altLang="en-US" sz="1800" dirty="0"/>
+          </a:p>
+          <a:p>
+            <a:r>
+              <a:rPr lang="zh-CN" altLang="en-US" sz="1800" dirty="0"/>
+              <a:t>    </a:t>
+            </a:r>
+            <a:r>
+              <a:rPr lang="en-US" altLang="zh-CN" sz="1800" dirty="0" err="1"/>
+              <a:t>Schedulers.test</a:t>
+            </a:r>
+            <a:r>
+              <a:rPr lang="en-US" altLang="zh-CN" sz="1800" dirty="0"/>
+              <a:t>()</a:t>
+            </a:r>
+            <a:r>
+              <a:rPr lang="zh-CN" altLang="en-US" sz="1800" dirty="0"/>
+              <a:t>：用于测试目的，支持单元测试的高级事件</a:t>
+            </a:r>
+            <a:r>
+              <a:rPr lang="zh-CN" altLang="en-US" sz="1800" dirty="0" smtClean="0"/>
+              <a:t>；</a:t>
+            </a:r>
+            <a:endParaRPr lang="zh-CN" altLang="en-US" sz="1800" dirty="0"/>
+          </a:p>
+          <a:p>
+            <a:r>
+              <a:rPr lang="zh-CN" altLang="en-US" sz="1800" dirty="0"/>
+              <a:t>    </a:t>
+            </a:r>
+            <a:r>
+              <a:rPr lang="en-US" altLang="zh-CN" sz="1800" dirty="0" err="1"/>
+              <a:t>Schedulers.trampoline</a:t>
+            </a:r>
+            <a:r>
+              <a:rPr lang="en-US" altLang="zh-CN" sz="1800" dirty="0"/>
+              <a:t>()</a:t>
+            </a:r>
+            <a:r>
+              <a:rPr lang="zh-CN" altLang="en-US" sz="1800" dirty="0"/>
+              <a:t>：在当前线程中的工作放入队列中排队，并依次操作</a:t>
+            </a:r>
+            <a:r>
+              <a:rPr lang="zh-CN" altLang="en-US" sz="1800" dirty="0" smtClean="0"/>
+              <a:t>。</a:t>
+            </a:r>
+            <a:endParaRPr lang="zh-CN" altLang="en-US" sz="1800" dirty="0"/>
+          </a:p>
+          <a:p>
+            <a:r>
+              <a:rPr lang="zh-CN" altLang="en-US" sz="1800" dirty="0"/>
+              <a:t>通过设置</a:t>
+            </a:r>
+            <a:r>
+              <a:rPr lang="en-US" altLang="zh-CN" sz="1800" dirty="0" err="1"/>
+              <a:t>observeOn</a:t>
+            </a:r>
+            <a:r>
+              <a:rPr lang="zh-CN" altLang="en-US" sz="1800" dirty="0"/>
+              <a:t>和</a:t>
+            </a:r>
+            <a:r>
+              <a:rPr lang="en-US" altLang="zh-CN" sz="1800" dirty="0" err="1"/>
+              <a:t>subscribeOn</a:t>
+            </a:r>
+            <a:r>
+              <a:rPr lang="zh-CN" altLang="en-US" sz="1800" dirty="0"/>
+              <a:t>调度器，我们定义了网络请求使用哪个线程（</a:t>
+            </a:r>
+            <a:r>
+              <a:rPr lang="en-US" altLang="zh-CN" sz="1800" dirty="0" err="1"/>
+              <a:t>Schedulers.newThread</a:t>
+            </a:r>
+            <a:r>
+              <a:rPr lang="en-US" altLang="zh-CN" sz="1800" dirty="0"/>
+              <a:t>()</a:t>
+            </a:r>
+            <a:r>
+              <a:rPr lang="zh-CN" altLang="en-US" sz="1800" dirty="0"/>
+              <a:t>）。</a:t>
+            </a:r>
           </a:p>
         </p:txBody>
       </p:sp>
@@ -20916,7 +21179,7 @@
     </p:spTree>
     <p:extLst>
       <p:ext uri="{BB962C8B-B14F-4D97-AF65-F5344CB8AC3E}">
-        <p14:creationId xmlns:p14="http://schemas.microsoft.com/office/powerpoint/2010/main" val="1129204305"/>
+        <p14:creationId xmlns:p14="http://schemas.microsoft.com/office/powerpoint/2010/main" val="1087722950"/>
       </p:ext>
     </p:extLst>
   </p:cSld>
@@ -20926,6 +21189,13 @@
   <p:transition>
     <p:wipe dir="d"/>
   </p:transition>
+  <p:timing>
+    <p:tnLst>
+      <p:par>
+        <p:cTn id="1" dur="indefinite" restart="never" nodeType="tmRoot"/>
+      </p:par>
+    </p:tnLst>
+  </p:timing>
 </p:sld>
 </file>
 
@@ -20958,8 +21228,8 @@
         </p:nvSpPr>
         <p:spPr>
           <a:xfrm>
-            <a:off x="0" y="692696"/>
-            <a:ext cx="9036496" cy="5663654"/>
+            <a:off x="392" y="620688"/>
+            <a:ext cx="9143607" cy="5832648"/>
           </a:xfrm>
         </p:spPr>
         <p:txBody>
@@ -20967,345 +21237,128 @@
           <a:lstStyle/>
           <a:p>
             <a:r>
-              <a:rPr lang="zh-CN" altLang="en-US" sz="1800" dirty="0"/>
-              <a:t>下面是可能会用到</a:t>
-            </a:r>
-            <a:r>
-              <a:rPr lang="en-US" altLang="zh-CN" sz="1800" dirty="0"/>
-              <a:t>Scheduler</a:t>
-            </a:r>
-            <a:r>
-              <a:rPr lang="zh-CN" altLang="en-US" sz="1800" dirty="0" smtClean="0"/>
-              <a:t>：</a:t>
-            </a:r>
-            <a:endParaRPr lang="zh-CN" altLang="en-US" sz="1800" dirty="0"/>
-          </a:p>
-          <a:p>
-            <a:r>
-              <a:rPr lang="zh-CN" altLang="en-US" sz="1800" dirty="0">
+              <a:rPr lang="zh-CN" altLang="en-US" dirty="0"/>
+              <a:t>从根本上讲</a:t>
+            </a:r>
+            <a:r>
+              <a:rPr lang="zh-CN" altLang="en-US" dirty="0" smtClean="0"/>
+              <a:t>，响应</a:t>
+            </a:r>
+            <a:r>
+              <a:rPr lang="zh-CN" altLang="en-US" dirty="0"/>
+              <a:t>式编程是在观察者模式的基础上，增加对</a:t>
+            </a:r>
+            <a:r>
+              <a:rPr lang="en-US" altLang="zh-CN" dirty="0"/>
+              <a:t>Observables</a:t>
+            </a:r>
+            <a:r>
+              <a:rPr lang="zh-CN" altLang="en-US" dirty="0"/>
+              <a:t>发送的数据流进行</a:t>
+            </a:r>
+            <a:r>
+              <a:rPr lang="zh-CN" altLang="en-US" dirty="0">
                 <a:solidFill>
                   <a:srgbClr val="FF0000"/>
                 </a:solidFill>
               </a:rPr>
-              <a:t>    </a:t>
-            </a:r>
-            <a:r>
-              <a:rPr lang="en-US" altLang="zh-CN" sz="1800" dirty="0" err="1">
+              <a:t>操纵和变换的功能</a:t>
+            </a:r>
+            <a:r>
+              <a:rPr lang="zh-CN" altLang="en-US" dirty="0"/>
+              <a:t>。在上面的例子中，</a:t>
+            </a:r>
+            <a:r>
+              <a:rPr lang="en-US" altLang="zh-CN" dirty="0">
                 <a:solidFill>
                   <a:srgbClr val="FF0000"/>
                 </a:solidFill>
               </a:rPr>
-              <a:t>Schedulers.computation</a:t>
-            </a:r>
-            <a:r>
-              <a:rPr lang="en-US" altLang="zh-CN" sz="1800" dirty="0">
+              <a:t>Observables</a:t>
+            </a:r>
+            <a:r>
+              <a:rPr lang="zh-CN" altLang="en-US" dirty="0">
                 <a:solidFill>
                   <a:srgbClr val="FF0000"/>
                 </a:solidFill>
               </a:rPr>
-              <a:t>()</a:t>
-            </a:r>
-            <a:r>
-              <a:rPr lang="zh-CN" altLang="en-US" sz="1800" dirty="0">
-                <a:solidFill>
-                  <a:srgbClr val="FF0000"/>
-                </a:solidFill>
-              </a:rPr>
-              <a:t>：用于计算型工作例如事件循环和回调处理，不要在</a:t>
-            </a:r>
-            <a:r>
-              <a:rPr lang="en-US" altLang="zh-CN" sz="1800" dirty="0">
-                <a:solidFill>
-                  <a:srgbClr val="FF0000"/>
-                </a:solidFill>
-              </a:rPr>
-              <a:t>I/O</a:t>
-            </a:r>
-            <a:r>
-              <a:rPr lang="zh-CN" altLang="en-US" sz="1800" dirty="0">
-                <a:solidFill>
-                  <a:srgbClr val="FF0000"/>
-                </a:solidFill>
-              </a:rPr>
-              <a:t>中使用这个函数（应该使用</a:t>
-            </a:r>
-            <a:r>
-              <a:rPr lang="en-US" altLang="zh-CN" sz="1800" dirty="0">
-                <a:solidFill>
-                  <a:srgbClr val="FF0000"/>
-                </a:solidFill>
-              </a:rPr>
-              <a:t>Schedulers.io()</a:t>
-            </a:r>
-            <a:r>
-              <a:rPr lang="zh-CN" altLang="en-US" sz="1800" dirty="0">
-                <a:solidFill>
-                  <a:srgbClr val="FF0000"/>
-                </a:solidFill>
-              </a:rPr>
-              <a:t>函数）</a:t>
-            </a:r>
-            <a:r>
-              <a:rPr lang="zh-CN" altLang="en-US" sz="1800" dirty="0" smtClean="0">
-                <a:solidFill>
-                  <a:srgbClr val="FF0000"/>
-                </a:solidFill>
-              </a:rPr>
-              <a:t>；</a:t>
-            </a:r>
-            <a:endParaRPr lang="zh-CN" altLang="en-US" sz="1800" dirty="0">
-              <a:solidFill>
-                <a:srgbClr val="FF0000"/>
-              </a:solidFill>
-            </a:endParaRPr>
-          </a:p>
-          <a:p>
-            <a:r>
-              <a:rPr lang="zh-CN" altLang="en-US" sz="1800" dirty="0"/>
-              <a:t>    </a:t>
-            </a:r>
-            <a:r>
-              <a:rPr lang="en-US" altLang="zh-CN" sz="1800" dirty="0" err="1"/>
-              <a:t>Schedulers.from</a:t>
-            </a:r>
-            <a:r>
-              <a:rPr lang="en-US" altLang="zh-CN" sz="1800" dirty="0"/>
-              <a:t>(executor)</a:t>
-            </a:r>
-            <a:r>
-              <a:rPr lang="zh-CN" altLang="en-US" sz="1800" dirty="0"/>
-              <a:t>：使用指定的</a:t>
-            </a:r>
-            <a:r>
-              <a:rPr lang="en-US" altLang="zh-CN" sz="1800" dirty="0"/>
-              <a:t>Executor</a:t>
-            </a:r>
-            <a:r>
-              <a:rPr lang="zh-CN" altLang="en-US" sz="1800" dirty="0"/>
-              <a:t>作为</a:t>
-            </a:r>
-            <a:r>
-              <a:rPr lang="en-US" altLang="zh-CN" sz="1800" dirty="0"/>
-              <a:t>Scheduler</a:t>
-            </a:r>
-            <a:r>
-              <a:rPr lang="zh-CN" altLang="en-US" sz="1800" dirty="0" smtClean="0"/>
-              <a:t>；</a:t>
-            </a:r>
-            <a:endParaRPr lang="zh-CN" altLang="en-US" sz="1800" dirty="0"/>
-          </a:p>
-          <a:p>
-            <a:r>
-              <a:rPr lang="zh-CN" altLang="en-US" sz="1800" dirty="0"/>
-              <a:t>    </a:t>
-            </a:r>
-            <a:r>
-              <a:rPr lang="en-US" altLang="zh-CN" sz="1800" dirty="0" err="1"/>
-              <a:t>Schedulers.immediate</a:t>
-            </a:r>
-            <a:r>
-              <a:rPr lang="en-US" altLang="zh-CN" sz="1800" dirty="0"/>
-              <a:t>()</a:t>
-            </a:r>
-            <a:r>
-              <a:rPr lang="zh-CN" altLang="en-US" sz="1800" dirty="0"/>
-              <a:t>：在当前线程中立即开始执行任务</a:t>
-            </a:r>
-            <a:r>
-              <a:rPr lang="zh-CN" altLang="en-US" sz="1800" dirty="0" smtClean="0"/>
-              <a:t>；</a:t>
-            </a:r>
-            <a:endParaRPr lang="zh-CN" altLang="en-US" sz="1800" dirty="0"/>
-          </a:p>
-          <a:p>
-            <a:r>
-              <a:rPr lang="zh-CN" altLang="en-US" sz="1800" dirty="0">
-                <a:solidFill>
-                  <a:srgbClr val="FF0000"/>
-                </a:solidFill>
-              </a:rPr>
-              <a:t>    </a:t>
-            </a:r>
-            <a:r>
-              <a:rPr lang="en-US" altLang="zh-CN" sz="1800" dirty="0">
-                <a:solidFill>
-                  <a:srgbClr val="FF0000"/>
-                </a:solidFill>
-              </a:rPr>
-              <a:t>Schedulers.io()</a:t>
-            </a:r>
-            <a:r>
-              <a:rPr lang="zh-CN" altLang="en-US" sz="1800" dirty="0">
-                <a:solidFill>
-                  <a:srgbClr val="FF0000"/>
-                </a:solidFill>
-              </a:rPr>
-              <a:t>：用于</a:t>
-            </a:r>
-            <a:r>
-              <a:rPr lang="en-US" altLang="zh-CN" sz="1800" dirty="0">
-                <a:solidFill>
-                  <a:srgbClr val="FF0000"/>
-                </a:solidFill>
-              </a:rPr>
-              <a:t>I/O</a:t>
-            </a:r>
-            <a:r>
-              <a:rPr lang="zh-CN" altLang="en-US" sz="1800" dirty="0">
-                <a:solidFill>
-                  <a:srgbClr val="FF0000"/>
-                </a:solidFill>
-              </a:rPr>
-              <a:t>密集型工作例如阻塞</a:t>
-            </a:r>
-            <a:r>
-              <a:rPr lang="en-US" altLang="zh-CN" sz="1800" dirty="0">
-                <a:solidFill>
-                  <a:srgbClr val="FF0000"/>
-                </a:solidFill>
-              </a:rPr>
-              <a:t>I/O</a:t>
-            </a:r>
-            <a:r>
-              <a:rPr lang="zh-CN" altLang="en-US" sz="1800" dirty="0">
-                <a:solidFill>
-                  <a:srgbClr val="FF0000"/>
-                </a:solidFill>
-              </a:rPr>
-              <a:t>的异步操作，这个调度器由一个会随需增长的线程池支持；对于一般的计算工作，使用</a:t>
-            </a:r>
-            <a:r>
-              <a:rPr lang="en-US" altLang="zh-CN" sz="1800" dirty="0" err="1">
-                <a:solidFill>
-                  <a:srgbClr val="FF0000"/>
-                </a:solidFill>
-              </a:rPr>
-              <a:t>Schedulers.computation</a:t>
-            </a:r>
-            <a:r>
-              <a:rPr lang="en-US" altLang="zh-CN" sz="1800" dirty="0">
-                <a:solidFill>
-                  <a:srgbClr val="FF0000"/>
-                </a:solidFill>
-              </a:rPr>
-              <a:t>()</a:t>
-            </a:r>
-            <a:r>
-              <a:rPr lang="zh-CN" altLang="en-US" sz="1800" dirty="0" smtClean="0">
-                <a:solidFill>
-                  <a:srgbClr val="FF0000"/>
-                </a:solidFill>
-              </a:rPr>
-              <a:t>；</a:t>
-            </a:r>
-            <a:endParaRPr lang="zh-CN" altLang="en-US" sz="1800" dirty="0">
-              <a:solidFill>
-                <a:srgbClr val="FF0000"/>
-              </a:solidFill>
-            </a:endParaRPr>
-          </a:p>
-          <a:p>
-            <a:r>
-              <a:rPr lang="zh-CN" altLang="en-US" sz="1800" dirty="0"/>
-              <a:t>    </a:t>
-            </a:r>
-            <a:r>
-              <a:rPr lang="en-US" altLang="zh-CN" sz="1800" dirty="0" err="1"/>
-              <a:t>Schedulers.newThread</a:t>
-            </a:r>
-            <a:r>
-              <a:rPr lang="en-US" altLang="zh-CN" sz="1800" dirty="0"/>
-              <a:t>()</a:t>
-            </a:r>
-            <a:r>
-              <a:rPr lang="zh-CN" altLang="en-US" sz="1800" dirty="0"/>
-              <a:t>：为每个工作单元创建一个新的线程</a:t>
-            </a:r>
-            <a:r>
-              <a:rPr lang="zh-CN" altLang="en-US" sz="1800" dirty="0" smtClean="0"/>
-              <a:t>；</a:t>
-            </a:r>
-            <a:endParaRPr lang="zh-CN" altLang="en-US" sz="1800" dirty="0"/>
-          </a:p>
-          <a:p>
-            <a:r>
-              <a:rPr lang="zh-CN" altLang="en-US" sz="1800" dirty="0"/>
-              <a:t>    </a:t>
-            </a:r>
-            <a:r>
-              <a:rPr lang="en-US" altLang="zh-CN" sz="1800" dirty="0" err="1"/>
-              <a:t>Schedulers.test</a:t>
-            </a:r>
-            <a:r>
-              <a:rPr lang="en-US" altLang="zh-CN" sz="1800" dirty="0"/>
-              <a:t>()</a:t>
-            </a:r>
-            <a:r>
-              <a:rPr lang="zh-CN" altLang="en-US" sz="1800" dirty="0"/>
-              <a:t>：用于测试目的，支持单元测试的高级事件</a:t>
-            </a:r>
-            <a:r>
-              <a:rPr lang="zh-CN" altLang="en-US" sz="1800" dirty="0" smtClean="0"/>
-              <a:t>；</a:t>
-            </a:r>
-            <a:endParaRPr lang="zh-CN" altLang="en-US" sz="1800" dirty="0"/>
-          </a:p>
-          <a:p>
-            <a:r>
-              <a:rPr lang="zh-CN" altLang="en-US" sz="1800" dirty="0"/>
-              <a:t>    </a:t>
-            </a:r>
-            <a:r>
-              <a:rPr lang="en-US" altLang="zh-CN" sz="1800" dirty="0" err="1"/>
-              <a:t>Schedulers.trampoline</a:t>
-            </a:r>
-            <a:r>
-              <a:rPr lang="en-US" altLang="zh-CN" sz="1800" dirty="0"/>
-              <a:t>()</a:t>
-            </a:r>
-            <a:r>
-              <a:rPr lang="zh-CN" altLang="en-US" sz="1800" dirty="0"/>
-              <a:t>：在当前线程中的工作放入队列中排队，并依次操作</a:t>
-            </a:r>
-            <a:r>
-              <a:rPr lang="zh-CN" altLang="en-US" sz="1800" dirty="0" smtClean="0"/>
+              <a:t>是我们的数据流通所在的管道。</a:t>
+            </a:r>
+          </a:p>
+          <a:p>
+            <a:r>
+              <a:rPr lang="zh-CN" altLang="en-US" dirty="0"/>
+              <a:t>回顾一下</a:t>
+            </a:r>
+            <a:r>
+              <a:rPr lang="zh-CN" altLang="en-US" dirty="0" smtClean="0"/>
+              <a:t>，观察者模式包含</a:t>
+            </a:r>
+            <a:r>
+              <a:rPr lang="zh-CN" altLang="en-US" dirty="0"/>
+              <a:t>两个角色：一个</a:t>
+            </a:r>
+            <a:r>
+              <a:rPr lang="en-US" altLang="zh-CN" dirty="0"/>
+              <a:t>Observable</a:t>
+            </a:r>
+            <a:r>
+              <a:rPr lang="zh-CN" altLang="en-US" dirty="0"/>
+              <a:t>和一个或者多个</a:t>
+            </a:r>
+            <a:r>
+              <a:rPr lang="en-US" altLang="zh-CN" dirty="0"/>
+              <a:t>Observers</a:t>
+            </a:r>
+            <a:r>
+              <a:rPr lang="zh-CN" altLang="en-US" dirty="0"/>
               <a:t>。</a:t>
             </a:r>
-            <a:endParaRPr lang="zh-CN" altLang="en-US" sz="1800" dirty="0"/>
-          </a:p>
-          <a:p>
-            <a:r>
-              <a:rPr lang="zh-CN" altLang="en-US" sz="1800" dirty="0"/>
-              <a:t>通过设置</a:t>
-            </a:r>
-            <a:r>
-              <a:rPr lang="en-US" altLang="zh-CN" sz="1800" dirty="0" err="1"/>
-              <a:t>observeOn</a:t>
-            </a:r>
-            <a:r>
-              <a:rPr lang="zh-CN" altLang="en-US" sz="1800" dirty="0"/>
-              <a:t>和</a:t>
-            </a:r>
-            <a:r>
-              <a:rPr lang="en-US" altLang="zh-CN" sz="1800" dirty="0" err="1"/>
-              <a:t>subscribeOn</a:t>
-            </a:r>
-            <a:r>
-              <a:rPr lang="zh-CN" altLang="en-US" sz="1800" dirty="0"/>
-              <a:t>调度器，我们定义了网络请求使用哪个线程（</a:t>
-            </a:r>
-            <a:r>
-              <a:rPr lang="en-US" altLang="zh-CN" sz="1800" dirty="0" err="1"/>
-              <a:t>Schedulers.newThread</a:t>
-            </a:r>
-            <a:r>
-              <a:rPr lang="en-US" altLang="zh-CN" sz="1800" dirty="0"/>
-              <a:t>()</a:t>
-            </a:r>
-            <a:r>
-              <a:rPr lang="zh-CN" altLang="en-US" sz="1800" dirty="0"/>
-              <a:t>）。</a:t>
-            </a:r>
+            <a:r>
+              <a:rPr lang="en-US" altLang="zh-CN" dirty="0"/>
+              <a:t>Observable</a:t>
+            </a:r>
+            <a:r>
+              <a:rPr lang="zh-CN" altLang="en-US" dirty="0"/>
+              <a:t>发送事件，而</a:t>
+            </a:r>
+            <a:r>
+              <a:rPr lang="en-US" altLang="zh-CN" dirty="0"/>
+              <a:t>Observer</a:t>
+            </a:r>
+            <a:r>
+              <a:rPr lang="zh-CN" altLang="en-US" dirty="0"/>
+              <a:t>订阅和接收这些事件。在上面的例子中，</a:t>
+            </a:r>
+            <a:r>
+              <a:rPr lang="en-US" altLang="zh-CN" dirty="0"/>
+              <a:t>.subscribe()</a:t>
+            </a:r>
+            <a:r>
+              <a:rPr lang="zh-CN" altLang="en-US" dirty="0"/>
+              <a:t>函数用于给</a:t>
+            </a:r>
+            <a:r>
+              <a:rPr lang="en-US" altLang="zh-CN" dirty="0"/>
+              <a:t>Observable</a:t>
+            </a:r>
+            <a:r>
+              <a:rPr lang="zh-CN" altLang="en-US" dirty="0"/>
+              <a:t>添加一个</a:t>
+            </a:r>
+            <a:r>
+              <a:rPr lang="en-US" altLang="zh-CN" dirty="0"/>
+              <a:t>Observer</a:t>
+            </a:r>
+            <a:r>
+              <a:rPr lang="zh-CN" altLang="en-US" dirty="0"/>
+              <a:t>，并创建一个请求</a:t>
+            </a:r>
+            <a:r>
+              <a:rPr lang="zh-CN" altLang="en-US" dirty="0" smtClean="0"/>
+              <a:t>。</a:t>
+            </a:r>
+            <a:endParaRPr lang="zh-CN" altLang="en-US" dirty="0"/>
           </a:p>
         </p:txBody>
       </p:sp>
@@ -21329,7 +21382,7 @@
             </a:pPr>
             <a:fld id="{37242347-62AB-4623-BF6D-9004E2E16ABE}" type="datetime1">
               <a:rPr lang="zh-CN" altLang="en-US" smtClean="0"/>
-              <a:t>2016/3/9</a:t>
+              <a:t>2016/3/10</a:t>
             </a:fld>
             <a:endParaRPr lang="zh-CN" altLang="en-US" sz="1800">
               <a:solidFill>
@@ -21344,7 +21397,7 @@
     </p:spTree>
     <p:extLst>
       <p:ext uri="{BB962C8B-B14F-4D97-AF65-F5344CB8AC3E}">
-        <p14:creationId xmlns:p14="http://schemas.microsoft.com/office/powerpoint/2010/main" val="1087722950"/>
+        <p14:creationId xmlns:p14="http://schemas.microsoft.com/office/powerpoint/2010/main" val="1631542054"/>
       </p:ext>
     </p:extLst>
   </p:cSld>
@@ -21354,6 +21407,13 @@
   <p:transition>
     <p:wipe dir="d"/>
   </p:transition>
+  <p:timing>
+    <p:tnLst>
+      <p:par>
+        <p:cTn id="1" dur="indefinite" restart="never" nodeType="tmRoot"/>
+      </p:par>
+    </p:tnLst>
+  </p:timing>
 </p:sld>
 </file>
 
@@ -21539,11 +21599,7 @@
           <a:p>
             <a:r>
               <a:rPr lang="zh-CN" altLang="en-US" sz="4000" dirty="0" smtClean="0"/>
-              <a:t>遇到</a:t>
-            </a:r>
-            <a:r>
-              <a:rPr lang="zh-CN" altLang="en-US" sz="4000" dirty="0" smtClean="0"/>
-              <a:t>什么</a:t>
+              <a:t>遇到什么</a:t>
             </a:r>
             <a:r>
               <a:rPr lang="zh-CN" altLang="en-US" sz="4000" dirty="0"/>
@@ -21845,6 +21901,13 @@
   <p:transition>
     <p:wipe dir="d"/>
   </p:transition>
+  <p:timing>
+    <p:tnLst>
+      <p:par>
+        <p:cTn id="1" dur="indefinite" restart="never" nodeType="tmRoot"/>
+      </p:par>
+    </p:tnLst>
+  </p:timing>
 </p:sld>
 </file>
 
@@ -22071,6 +22134,13 @@
   <p:transition>
     <p:wipe dir="d"/>
   </p:transition>
+  <p:timing>
+    <p:tnLst>
+      <p:par>
+        <p:cTn id="1" dur="indefinite" restart="never" nodeType="tmRoot"/>
+      </p:par>
+    </p:tnLst>
+  </p:timing>
 </p:sld>
 </file>
 
@@ -22221,6 +22291,13 @@
   <p:transition>
     <p:wipe dir="d"/>
   </p:transition>
+  <p:timing>
+    <p:tnLst>
+      <p:par>
+        <p:cTn id="1" dur="indefinite" restart="never" nodeType="tmRoot"/>
+      </p:par>
+    </p:tnLst>
+  </p:timing>
 </p:sld>
 </file>
 
@@ -22344,6 +22421,13 @@
   <p:transition>
     <p:wipe dir="d"/>
   </p:transition>
+  <p:timing>
+    <p:tnLst>
+      <p:par>
+        <p:cTn id="1" dur="indefinite" restart="never" nodeType="tmRoot"/>
+      </p:par>
+    </p:tnLst>
+  </p:timing>
 </p:sld>
 </file>
 
@@ -23115,35 +23199,7 @@
                 <a:latin typeface="Consolas" panose="020B0609020204030204" pitchFamily="49" charset="0"/>
                 <a:cs typeface="Consolas" panose="020B0609020204030204" pitchFamily="49" charset="0"/>
               </a:rPr>
-              <a:t>Response response) </a:t>
-            </a:r>
-            <a:r>
-              <a:rPr kumimoji="0" lang="zh-CN" altLang="zh-CN" sz="1400" b="0" i="0" u="none" strike="noStrike" cap="none" normalizeH="0" baseline="0" dirty="0" smtClean="0">
-                <a:ln>
-                  <a:noFill/>
-                </a:ln>
-                <a:solidFill>
-                  <a:srgbClr val="000000"/>
-                </a:solidFill>
-                <a:effectLst/>
-                <a:latin typeface="Consolas" panose="020B0609020204030204" pitchFamily="49" charset="0"/>
-                <a:cs typeface="Consolas" panose="020B0609020204030204" pitchFamily="49" charset="0"/>
-              </a:rPr>
-              <a:t>{</a:t>
-            </a:r>
-            <a:r>
-              <a:rPr kumimoji="0" lang="zh-CN" altLang="zh-CN" sz="1400" b="0" i="0" u="none" strike="noStrike" cap="none" normalizeH="0" baseline="0" dirty="0" smtClean="0">
-                <a:ln>
-                  <a:noFill/>
-                </a:ln>
-                <a:solidFill>
-                  <a:srgbClr val="000000"/>
-                </a:solidFill>
-                <a:effectLst/>
-                <a:latin typeface="Consolas" panose="020B0609020204030204" pitchFamily="49" charset="0"/>
-                <a:cs typeface="Consolas" panose="020B0609020204030204" pitchFamily="49" charset="0"/>
-              </a:rPr>
-              <a:t/>
+              <a:t>Response response) {</a:t>
             </a:r>
             <a:br>
               <a:rPr kumimoji="0" lang="zh-CN" altLang="zh-CN" sz="1400" b="0" i="0" u="none" strike="noStrike" cap="none" normalizeH="0" baseline="0" dirty="0" smtClean="0">
@@ -25348,40 +25404,6 @@
           <a:lstStyle/>
           <a:p>
             <a:r>
-              <a:rPr lang="en-US" altLang="zh-CN" sz="2400" dirty="0" err="1"/>
-              <a:t>RxJava</a:t>
-            </a:r>
-            <a:r>
-              <a:rPr lang="zh-CN" altLang="en-US" sz="2400" dirty="0"/>
-              <a:t>是用</a:t>
-            </a:r>
-            <a:r>
-              <a:rPr lang="en-US" altLang="zh-CN" sz="2400" dirty="0"/>
-              <a:t>java</a:t>
-            </a:r>
-            <a:r>
-              <a:rPr lang="zh-CN" altLang="en-US" sz="2400" dirty="0"/>
-              <a:t>语言实现</a:t>
-            </a:r>
-            <a:r>
-              <a:rPr lang="zh-CN" altLang="en-US" sz="2400" dirty="0">
-                <a:solidFill>
-                  <a:srgbClr val="FF0000"/>
-                </a:solidFill>
-              </a:rPr>
-              <a:t>响应式编程</a:t>
-            </a:r>
-            <a:r>
-              <a:rPr lang="en-US" altLang="zh-CN" sz="2400" dirty="0">
-                <a:solidFill>
-                  <a:srgbClr val="FF0000"/>
-                </a:solidFill>
-              </a:rPr>
-              <a:t>(RP)</a:t>
-            </a:r>
-          </a:p>
-          <a:p>
-            <a:r>
               <a:rPr lang="en-US" altLang="zh-CN" sz="2400" dirty="0" smtClean="0"/>
               <a:t>Reactive </a:t>
             </a:r>
@@ -25662,7 +25684,50 @@
           <a:lstStyle/>
           <a:p>
             <a:r>
+              <a:rPr lang="en-US" altLang="zh-CN" sz="2800" dirty="0" err="1"/>
+              <a:t>RxJava</a:t>
+            </a:r>
+            <a:r>
+              <a:rPr lang="zh-CN" altLang="en-US" sz="2800" dirty="0"/>
+              <a:t>是用</a:t>
+            </a:r>
+            <a:r>
               <a:rPr lang="en-US" altLang="zh-CN" sz="2800" dirty="0"/>
+              <a:t>java</a:t>
+            </a:r>
+            <a:r>
+              <a:rPr lang="zh-CN" altLang="en-US" sz="2800" dirty="0"/>
+              <a:t>语言实现</a:t>
+            </a:r>
+            <a:r>
+              <a:rPr lang="zh-CN" altLang="en-US" sz="2800" dirty="0">
+                <a:solidFill>
+                  <a:srgbClr val="FF0000"/>
+                </a:solidFill>
+              </a:rPr>
+              <a:t>响应式编程</a:t>
+            </a:r>
+            <a:r>
+              <a:rPr lang="en-US" altLang="zh-CN" sz="2800" dirty="0">
+                <a:solidFill>
+                  <a:srgbClr val="FF0000"/>
+                </a:solidFill>
+              </a:rPr>
+              <a:t>(RP</a:t>
+            </a:r>
+            <a:r>
+              <a:rPr lang="en-US" altLang="zh-CN" sz="2800" dirty="0" smtClean="0">
+                <a:solidFill>
+                  <a:srgbClr val="FF0000"/>
+                </a:solidFill>
+              </a:rPr>
+              <a:t>)</a:t>
+            </a:r>
+            <a:endParaRPr lang="en-US" altLang="zh-CN" sz="2800" dirty="0" smtClean="0"/>
+          </a:p>
+          <a:p>
+            <a:r>
+              <a:rPr lang="en-US" altLang="zh-CN" sz="2800" dirty="0" smtClean="0"/>
               <a:t>Event </a:t>
             </a:r>
             <a:r>
@@ -25687,102 +25752,38 @@
             </a:r>
             <a:r>
               <a:rPr lang="zh-CN" altLang="en-US" sz="2800" dirty="0"/>
-              <a:t>可以监听并处理这些事件。</a:t>
-            </a:r>
-            <a:r>
-              <a:rPr lang="en-US" altLang="zh-CN" sz="2800" dirty="0"/>
-              <a:t>RP</a:t>
-            </a:r>
-            <a:r>
-              <a:rPr lang="zh-CN" altLang="en-US" sz="2800" dirty="0"/>
-              <a:t>的思路大概如下：你可以用包括</a:t>
-            </a:r>
-            <a:r>
-              <a:rPr lang="en-US" altLang="zh-CN" sz="2800" dirty="0"/>
-              <a:t>Click</a:t>
-            </a:r>
-            <a:r>
-              <a:rPr lang="zh-CN" altLang="en-US" sz="2800" dirty="0"/>
-              <a:t>和</a:t>
-            </a:r>
-            <a:r>
-              <a:rPr lang="en-US" altLang="zh-CN" sz="2800" dirty="0"/>
-              <a:t>Hover</a:t>
-            </a:r>
-            <a:r>
-              <a:rPr lang="zh-CN" altLang="en-US" sz="2800" dirty="0"/>
-              <a:t>事件在内的任何东西创建</a:t>
-            </a:r>
-            <a:r>
-              <a:rPr lang="en-US" altLang="zh-CN" sz="2800" dirty="0"/>
-              <a:t>Data </a:t>
-            </a:r>
-            <a:r>
-              <a:rPr lang="en-US" altLang="zh-CN" sz="2800" dirty="0" smtClean="0"/>
-              <a:t>stream</a:t>
+              <a:t>可以监听并处理这些事件</a:t>
             </a:r>
             <a:r>
               <a:rPr lang="zh-CN" altLang="en-US" sz="2800" dirty="0" smtClean="0"/>
               <a:t>。</a:t>
             </a:r>
-            <a:r>
-              <a:rPr lang="en-US" altLang="zh-CN" sz="2800" dirty="0"/>
-              <a:t>Stream</a:t>
-            </a:r>
+            <a:endParaRPr lang="en-US" altLang="zh-CN" sz="2800" dirty="0" smtClean="0"/>
+          </a:p>
+          <a:p>
             <a:r>
               <a:rPr lang="zh-CN" altLang="en-US" sz="2800" dirty="0"/>
-              <a:t>廉价且常见，任何东西都可以是一个</a:t>
-            </a:r>
-            <a:r>
-              <a:rPr lang="en-US" altLang="zh-CN" sz="2800" dirty="0"/>
-              <a:t>Stream</a:t>
-            </a:r>
+              <a:t>事件，事件可以被观察，等待，过滤，响应，也可以触发其他的事件，事件通过数据流的形式对外呈现。</a:t>
+            </a:r>
+          </a:p>
+          <a:p>
             <a:r>
               <a:rPr lang="zh-CN" altLang="en-US" sz="2800" dirty="0"/>
-              <a:t>：变量、用户输入、属性、</a:t>
-            </a:r>
-            <a:r>
-              <a:rPr lang="en-US" altLang="zh-CN" sz="2800" dirty="0"/>
-              <a:t>Cache</a:t>
+              <a:t>数据流，数据流就像一条河：它可以</a:t>
+            </a:r>
+            <a:r>
+              <a:rPr lang="zh-CN" altLang="en-US" sz="2800" dirty="0">
+                <a:solidFill>
+                  <a:srgbClr val="FF0000"/>
+                </a:solidFill>
+              </a:rPr>
+              <a:t>被观测，被过滤，被操作</a:t>
             </a:r>
             <a:r>
               <a:rPr lang="zh-CN" altLang="en-US" sz="2800" dirty="0"/>
-              <a:t>、数据结构等等</a:t>
-            </a:r>
-            <a:r>
-              <a:rPr lang="zh-CN" altLang="en-US" sz="2800" dirty="0" smtClean="0"/>
-              <a:t>。</a:t>
+              <a:t>，或者与另外一条流合并为一条新的流来给新的消费者消费。</a:t>
             </a:r>
             <a:endParaRPr lang="en-US" altLang="zh-CN" sz="2800" dirty="0" smtClean="0"/>
-          </a:p>
-          <a:p>
-            <a:endParaRPr lang="en-US" altLang="zh-CN" sz="2800" dirty="0"/>
-          </a:p>
-          <a:p>
-            <a:pPr marL="0" indent="0" algn="ctr">
-              <a:buNone/>
-            </a:pPr>
-            <a:r>
-              <a:rPr lang="zh-CN" altLang="en-US" sz="4400" dirty="0" smtClean="0">
-                <a:solidFill>
-                  <a:srgbClr val="FF0000"/>
-                </a:solidFill>
-              </a:rPr>
-              <a:t>一切皆可是数据流</a:t>
-            </a:r>
-            <a:r>
-              <a:rPr lang="en-US" altLang="zh-CN" sz="4400" dirty="0" smtClean="0">
-                <a:solidFill>
-                  <a:srgbClr val="FF0000"/>
-                </a:solidFill>
-              </a:rPr>
-              <a:t>(Stream)</a:t>
-            </a:r>
-            <a:endParaRPr lang="zh-CN" altLang="en-US" sz="4400" dirty="0">
-              <a:solidFill>
-                <a:srgbClr val="FF0000"/>
-              </a:solidFill>
-            </a:endParaRPr>
           </a:p>
         </p:txBody>
       </p:sp>
@@ -25806,7 +25807,7 @@
             </a:pPr>
             <a:fld id="{37242347-62AB-4623-BF6D-9004E2E16ABE}" type="datetime1">
               <a:rPr lang="zh-CN" altLang="en-US" smtClean="0"/>
-              <a:t>2016/3/9</a:t>
+              <a:t>2016/3/10</a:t>
             </a:fld>
             <a:endParaRPr lang="zh-CN" altLang="en-US" sz="1800">
               <a:solidFill>
@@ -25831,6 +25832,13 @@
   <p:transition>
     <p:wipe dir="d"/>
   </p:transition>
+  <p:timing>
+    <p:tnLst>
+      <p:par>
+        <p:cTn id="1" dur="indefinite" restart="never" nodeType="tmRoot"/>
+      </p:par>
+    </p:tnLst>
+  </p:timing>
 </p:sld>
 </file>
 

--- a/notes/rxjava/RxJava简介.pptx
+++ b/notes/rxjava/RxJava简介.pptx
@@ -14587,7 +14587,15 @@
             </a:r>
             <a:r>
               <a:rPr lang="zh-CN" altLang="en-US" dirty="0"/>
-              <a:t>技术产生背景</a:t>
+              <a:t>技术产生</a:t>
+            </a:r>
+            <a:r>
+              <a:rPr lang="zh-CN" altLang="en-US" dirty="0" smtClean="0"/>
+              <a:t>背景</a:t>
+            </a:r>
+            <a:r>
+              <a:rPr lang="en-US" altLang="zh-CN" dirty="0" smtClean="0"/>
+              <a:t>(Why)</a:t>
             </a:r>
             <a:endParaRPr lang="en-US" altLang="zh-CN" dirty="0"/>
           </a:p>
@@ -14614,7 +14622,15 @@
             </a:r>
             <a:r>
               <a:rPr lang="zh-CN" altLang="en-US" dirty="0"/>
-              <a:t>的区别</a:t>
+              <a:t>的</a:t>
+            </a:r>
+            <a:r>
+              <a:rPr lang="zh-CN" altLang="en-US" dirty="0" smtClean="0"/>
+              <a:t>区别</a:t>
+            </a:r>
+            <a:r>
+              <a:rPr lang="en-US" altLang="zh-CN" dirty="0" smtClean="0"/>
+              <a:t>(What)</a:t>
             </a:r>
             <a:endParaRPr lang="en-US" altLang="zh-CN" dirty="0"/>
           </a:p>
@@ -14629,7 +14645,15 @@
             </a:r>
             <a:r>
               <a:rPr lang="zh-CN" altLang="en-US" dirty="0" smtClean="0"/>
-              <a:t>怎么使用</a:t>
+              <a:t>怎么</a:t>
+            </a:r>
+            <a:r>
+              <a:rPr lang="zh-CN" altLang="en-US" dirty="0" smtClean="0"/>
+              <a:t>使用</a:t>
+            </a:r>
+            <a:r>
+              <a:rPr lang="en-US" altLang="zh-CN" dirty="0" smtClean="0"/>
+              <a:t>(How)</a:t>
             </a:r>
             <a:endParaRPr lang="en-US" altLang="zh-CN" dirty="0"/>
           </a:p>
